--- a/LabLog.pptx
+++ b/LabLog.pptx
@@ -2,7 +2,7 @@
 <file path=ppt/presentation.xml><?xml version="1.0" encoding="utf-8"?>
 <p:presentation xmlns:r="http://schemas.openxmlformats.org/officeDocument/2006/relationships" xmlns:c="http://schemas.openxmlformats.org/drawingml/2006/chart" xmlns:a="http://schemas.openxmlformats.org/drawingml/2006/main" xmlns:dgm="http://schemas.openxmlformats.org/drawingml/2006/diagram" xmlns:dsp="http://schemas.microsoft.com/office/drawing/2008/diagram" xmlns:p="http://schemas.openxmlformats.org/presentationml/2006/main">
   <p:sldMasterIdLst>
-    <p:sldMasterId id="2147483661" r:id="rId1"/>
+    <p:sldMasterId id="2147483662" r:id="rId1"/>
   </p:sldMasterIdLst>
   <p:sldIdLst>
     <p:sldId id="256" r:id="rId2"/>
@@ -3339,12 +3339,14 @@
         </p:nvSpPr>
         <p:spPr>
           <a:xfrm>
-            <a:off x="838200" y="538956"/>
-            <a:ext cx="10515600" cy="3212480"/>
+            <a:off x="358184" y="465174"/>
+            <a:ext cx="11475632" cy="5927651"/>
           </a:xfrm>
         </p:spPr>
         <p:txBody>
-          <a:bodyPr/>
+          <a:bodyPr>
+            <a:noAutofit/>
+          </a:bodyPr>
           <a:lstStyle/>
           <a:p>
             <a:pPr marL="0" indent="0">
@@ -3352,18 +3354,18 @@
               <a:defRPr/>
             </a:pPr>
             <a:r>
-              <a:rPr lang="en-US" altLang="ko-KR"/>
+              <a:rPr lang="en-US" altLang="ko-KR" sz="4000" b="1"/>
               <a:t>- h (</a:t>
             </a:r>
             <a:r>
-              <a:rPr lang="ko-KR" altLang="en-US"/>
+              <a:rPr lang="ko-KR" altLang="en-US" sz="4000" b="1"/>
               <a:t>핑거 높이</a:t>
             </a:r>
             <a:r>
-              <a:rPr lang="en-US" altLang="ko-KR"/>
-              <a:t>)</a:t>
-            </a:r>
-            <a:endParaRPr lang="en-US" altLang="ko-KR"/>
+              <a:rPr lang="en-US" altLang="ko-KR" sz="4000" b="1"/>
+              <a:t>) :</a:t>
+            </a:r>
+            <a:endParaRPr lang="en-US" altLang="ko-KR" sz="4000" b="1"/>
           </a:p>
           <a:p>
             <a:pPr marL="0" indent="0">
@@ -3371,75 +3373,59 @@
               <a:defRPr/>
             </a:pPr>
             <a:r>
-              <a:rPr lang="en-US" altLang="ko-KR"/>
-              <a:t>-</a:t>
-            </a:r>
-            <a:r>
-              <a:rPr lang="ko-KR" altLang="en-US"/>
-              <a:t> </a:t>
-            </a:r>
-            <a:r>
-              <a:rPr lang="en-US" altLang="ko-KR"/>
-              <a:t>n</a:t>
-            </a:r>
-            <a:r>
-              <a:rPr lang="ko-KR" altLang="en-US"/>
-              <a:t> </a:t>
-            </a:r>
-            <a:r>
-              <a:rPr lang="en-US" altLang="ko-KR"/>
-              <a:t>(</a:t>
-            </a:r>
-            <a:r>
-              <a:rPr lang="ko-KR" altLang="en-US"/>
-              <a:t>다각형 종류</a:t>
-            </a:r>
-            <a:r>
-              <a:rPr lang="en-US" altLang="ko-KR"/>
-              <a:t>)</a:t>
-            </a:r>
-            <a:endParaRPr lang="en-US" altLang="ko-KR"/>
+              <a:rPr lang="en-US" altLang="ko-KR" sz="3500" b="1"/>
+              <a:t>9mm 12mm 15mm 18mm 21mm 24mm 27mm</a:t>
+            </a:r>
+            <a:endParaRPr lang="en-US" altLang="ko-KR" sz="3500" b="1"/>
           </a:p>
           <a:p>
             <a:pPr marL="0" indent="0">
               <a:buNone/>
               <a:defRPr/>
             </a:pPr>
-            <a:r>
-              <a:rPr lang="en-US" altLang="ko-KR"/>
-              <a:t>-</a:t>
-            </a:r>
-            <a:r>
-              <a:rPr lang="ko-KR" altLang="en-US"/>
-              <a:t> </a:t>
-            </a:r>
-            <a:r>
-              <a:rPr lang="en-US" altLang="ko-KR"/>
-              <a:t>D (</a:t>
-            </a:r>
-            <a:r>
-              <a:rPr lang="ko-KR" altLang="en-US"/>
-              <a:t>외접원 지름</a:t>
-            </a:r>
-            <a:r>
-              <a:rPr lang="en-US" altLang="ko-KR"/>
-              <a:t>)</a:t>
-            </a:r>
-            <a:endParaRPr lang="en-US" altLang="ko-KR"/>
+            <a:endParaRPr lang="en-US" altLang="ko-KR" sz="3500" b="1"/>
           </a:p>
           <a:p>
             <a:pPr marL="0" indent="0">
               <a:buNone/>
               <a:defRPr/>
             </a:pPr>
-            <a:endParaRPr lang="en-US" altLang="ko-KR"/>
+            <a:r>
+              <a:rPr lang="en-US" altLang="ko-KR" sz="4000" b="1"/>
+              <a:t>-</a:t>
+            </a:r>
+            <a:r>
+              <a:rPr lang="ko-KR" altLang="en-US" sz="4000" b="1"/>
+              <a:t> </a:t>
+            </a:r>
+            <a:r>
+              <a:rPr lang="en-US" altLang="ko-KR" sz="4000" b="1"/>
+              <a:t>n</a:t>
+            </a:r>
+            <a:r>
+              <a:rPr lang="ko-KR" altLang="en-US" sz="4000" b="1"/>
+              <a:t> </a:t>
+            </a:r>
+            <a:r>
+              <a:rPr lang="en-US" altLang="ko-KR" sz="4000" b="1"/>
+              <a:t>(</a:t>
+            </a:r>
+            <a:r>
+              <a:rPr lang="ko-KR" altLang="en-US" sz="4000" b="1"/>
+              <a:t>다각형 종류</a:t>
+            </a:r>
+            <a:r>
+              <a:rPr lang="en-US" altLang="ko-KR" sz="4000" b="1"/>
+              <a:t>) :</a:t>
+            </a:r>
+            <a:endParaRPr lang="en-US" altLang="ko-KR" sz="4000" b="1"/>
           </a:p>
           <a:p>
             <a:pPr marL="0" indent="0">
               <a:buNone/>
               <a:defRPr/>
             </a:pPr>
-            <a:endParaRPr lang="en-US" altLang="ko-KR"/>
+            <a:endParaRPr lang="en-US" altLang="ko-KR" sz="4000" b="1"/>
           </a:p>
           <a:p>
             <a:pPr marL="0" indent="0">
@@ -3447,18 +3433,63 @@
               <a:defRPr/>
             </a:pPr>
             <a:r>
-              <a:rPr lang="en-US" altLang="ko-KR"/>
-              <a:t>*</a:t>
-            </a:r>
-            <a:r>
-              <a:rPr lang="ko-KR" altLang="en-US"/>
-              <a:t> 작은 외접원 지름</a:t>
-            </a:r>
-            <a:r>
-              <a:rPr lang="en-US" altLang="ko-KR"/>
-              <a:t> d </a:t>
-            </a:r>
-            <a:endParaRPr lang="en-US" altLang="ko-KR"/>
+              <a:rPr lang="en-US" altLang="ko-KR" sz="4000" b="1"/>
+              <a:t>-</a:t>
+            </a:r>
+            <a:r>
+              <a:rPr lang="ko-KR" altLang="en-US" sz="4000" b="1"/>
+              <a:t> </a:t>
+            </a:r>
+            <a:r>
+              <a:rPr lang="en-US" altLang="ko-KR" sz="4000" b="1"/>
+              <a:t>D (</a:t>
+            </a:r>
+            <a:r>
+              <a:rPr lang="ko-KR" altLang="en-US" sz="4000" b="1"/>
+              <a:t>외접원 지름</a:t>
+            </a:r>
+            <a:r>
+              <a:rPr lang="en-US" altLang="ko-KR" sz="4000" b="1"/>
+              <a:t>) :</a:t>
+            </a:r>
+            <a:endParaRPr lang="en-US" altLang="ko-KR" sz="4000" b="1"/>
+          </a:p>
+          <a:p>
+            <a:pPr marL="0" indent="0">
+              <a:buNone/>
+              <a:defRPr/>
+            </a:pPr>
+            <a:endParaRPr lang="en-US" altLang="ko-KR" sz="4000" b="1"/>
+          </a:p>
+          <a:p>
+            <a:pPr marL="0" indent="0">
+              <a:buNone/>
+              <a:defRPr/>
+            </a:pPr>
+            <a:r>
+              <a:rPr lang="en-US" altLang="ko-KR" sz="4000" b="1"/>
+              <a:t>- t (</a:t>
+            </a:r>
+            <a:r>
+              <a:rPr lang="ko-KR" altLang="en-US" sz="4000" b="1"/>
+              <a:t>얇은 부분 </a:t>
+            </a:r>
+            <a:r>
+              <a:rPr lang="en-US" altLang="ko-KR" sz="4000" b="1"/>
+              <a:t>thickness) :</a:t>
+            </a:r>
+            <a:endParaRPr lang="en-US" altLang="ko-KR" sz="4000" b="1"/>
+          </a:p>
+          <a:p>
+            <a:pPr marL="0" indent="0">
+              <a:buNone/>
+              <a:defRPr/>
+            </a:pPr>
+            <a:r>
+              <a:rPr lang="en-US" altLang="ko-KR" sz="4000" b="1"/>
+              <a:t>0.5mm 0.6mm 0.7mm 0.8mm 0.9mm</a:t>
+            </a:r>
+            <a:endParaRPr lang="en-US" altLang="ko-KR" sz="4000" b="1"/>
           </a:p>
         </p:txBody>
       </p:sp>

--- a/LabLog.pptx
+++ b/LabLog.pptx
@@ -1,6 +1,6 @@
 
 <file path=ppt/presentation.xml><?xml version="1.0" encoding="utf-8"?>
-<p:presentation xmlns:r="http://schemas.openxmlformats.org/officeDocument/2006/relationships" xmlns:c="http://schemas.openxmlformats.org/drawingml/2006/chart" xmlns:a="http://schemas.openxmlformats.org/drawingml/2006/main" xmlns:dgm="http://schemas.openxmlformats.org/drawingml/2006/diagram" xmlns:dsp="http://schemas.microsoft.com/office/drawing/2008/diagram" xmlns:p="http://schemas.openxmlformats.org/presentationml/2006/main">
+<p:presentation xmlns:a="http://schemas.openxmlformats.org/drawingml/2006/main" xmlns:r="http://schemas.openxmlformats.org/officeDocument/2006/relationships" xmlns:p="http://schemas.openxmlformats.org/presentationml/2006/main">
   <p:sldMasterIdLst>
     <p:sldMasterId id="2147483662" r:id="rId1"/>
   </p:sldMasterIdLst>
@@ -110,7 +110,56 @@
       </a:defRPr>
     </a:lvl9pPr>
   </p:defaultTextStyle>
+  <p:extLst>
+    <p:ext uri="{EFAFB233-063F-42B5-8137-9DF3F51BA10A}">
+      <p15:sldGuideLst xmlns:p15="http://schemas.microsoft.com/office/powerpoint/2012/main"/>
+    </p:ext>
+  </p:extLst>
 </p:presentation>
+</file>
+
+<file path=ppt/changesInfos/changesInfo1.xml><?xml version="1.0" encoding="utf-8"?>
+<pc:chgInfo xmlns:a="http://schemas.openxmlformats.org/drawingml/2006/main" xmlns:r="http://schemas.openxmlformats.org/officeDocument/2006/relationships" xmlns:ac="http://schemas.microsoft.com/office/drawing/2013/main/command" xmlns:pc="http://schemas.microsoft.com/office/powerpoint/2013/main/command">
+  <pc:docChgLst>
+    <pc:chgData name="민서 오" userId="7d89e7b822021c56" providerId="LiveId" clId="{B85301CE-5477-420D-98B8-2A5B4FD7B43E}"/>
+    <pc:docChg chg="modSld">
+      <pc:chgData name="민서 오" userId="7d89e7b822021c56" providerId="LiveId" clId="{B85301CE-5477-420D-98B8-2A5B4FD7B43E}" dt="2024-08-06T03:28:03.549" v="31" actId="1076"/>
+      <pc:docMkLst>
+        <pc:docMk/>
+      </pc:docMkLst>
+      <pc:sldChg chg="modSp mod">
+        <pc:chgData name="민서 오" userId="7d89e7b822021c56" providerId="LiveId" clId="{B85301CE-5477-420D-98B8-2A5B4FD7B43E}" dt="2024-08-06T03:27:53.420" v="30" actId="20577"/>
+        <pc:sldMkLst>
+          <pc:docMk/>
+          <pc:sldMk cId="0" sldId="256"/>
+        </pc:sldMkLst>
+        <pc:spChg chg="mod">
+          <ac:chgData name="민서 오" userId="7d89e7b822021c56" providerId="LiveId" clId="{B85301CE-5477-420D-98B8-2A5B4FD7B43E}" dt="2024-08-06T03:27:53.420" v="30" actId="20577"/>
+          <ac:spMkLst>
+            <pc:docMk/>
+            <pc:sldMk cId="0" sldId="256"/>
+            <ac:spMk id="3" creationId="{00000000-0000-0000-0000-000000000000}"/>
+          </ac:spMkLst>
+        </pc:spChg>
+      </pc:sldChg>
+      <pc:sldChg chg="modSp mod">
+        <pc:chgData name="민서 오" userId="7d89e7b822021c56" providerId="LiveId" clId="{B85301CE-5477-420D-98B8-2A5B4FD7B43E}" dt="2024-08-06T03:28:03.549" v="31" actId="1076"/>
+        <pc:sldMkLst>
+          <pc:docMk/>
+          <pc:sldMk cId="0" sldId="257"/>
+        </pc:sldMkLst>
+        <pc:grpChg chg="mod">
+          <ac:chgData name="민서 오" userId="7d89e7b822021c56" providerId="LiveId" clId="{B85301CE-5477-420D-98B8-2A5B4FD7B43E}" dt="2024-08-06T03:28:03.549" v="31" actId="1076"/>
+          <ac:grpSpMkLst>
+            <pc:docMk/>
+            <pc:sldMk cId="0" sldId="257"/>
+            <ac:grpSpMk id="2" creationId="{00000000-0000-0000-0000-000000000000}"/>
+          </ac:grpSpMkLst>
+        </pc:grpChg>
+      </pc:sldChg>
+    </pc:docChg>
+  </pc:docChgLst>
+</pc:chgInfo>
 </file>
 
 <file path=ppt/slideLayouts/slideLayout1.xml><?xml version="1.0" encoding="utf-8"?>
@@ -260,7 +309,7 @@
           <a:p>
             <a:fld id="{843012E4-EA86-4BA1-A56C-00CD16D7F17B}" type="datetimeFigureOut">
               <a:rPr lang="ko-KR" altLang="en-US" smtClean="0"/>
-              <a:t>2024-07-26</a:t>
+              <a:t>2024-08-06</a:t>
             </a:fld>
             <a:endParaRPr lang="ko-KR" altLang="en-US"/>
           </a:p>
@@ -458,7 +507,7 @@
           <a:p>
             <a:fld id="{843012E4-EA86-4BA1-A56C-00CD16D7F17B}" type="datetimeFigureOut">
               <a:rPr lang="ko-KR" altLang="en-US" smtClean="0"/>
-              <a:t>2024-07-26</a:t>
+              <a:t>2024-08-06</a:t>
             </a:fld>
             <a:endParaRPr lang="ko-KR" altLang="en-US"/>
           </a:p>
@@ -666,7 +715,7 @@
           <a:p>
             <a:fld id="{843012E4-EA86-4BA1-A56C-00CD16D7F17B}" type="datetimeFigureOut">
               <a:rPr lang="ko-KR" altLang="en-US" smtClean="0"/>
-              <a:t>2024-07-26</a:t>
+              <a:t>2024-08-06</a:t>
             </a:fld>
             <a:endParaRPr lang="ko-KR" altLang="en-US"/>
           </a:p>
@@ -864,7 +913,7 @@
           <a:p>
             <a:fld id="{843012E4-EA86-4BA1-A56C-00CD16D7F17B}" type="datetimeFigureOut">
               <a:rPr lang="ko-KR" altLang="en-US" smtClean="0"/>
-              <a:t>2024-07-26</a:t>
+              <a:t>2024-08-06</a:t>
             </a:fld>
             <a:endParaRPr lang="ko-KR" altLang="en-US"/>
           </a:p>
@@ -1139,7 +1188,7 @@
           <a:p>
             <a:fld id="{843012E4-EA86-4BA1-A56C-00CD16D7F17B}" type="datetimeFigureOut">
               <a:rPr lang="ko-KR" altLang="en-US" smtClean="0"/>
-              <a:t>2024-07-26</a:t>
+              <a:t>2024-08-06</a:t>
             </a:fld>
             <a:endParaRPr lang="ko-KR" altLang="en-US"/>
           </a:p>
@@ -1404,7 +1453,7 @@
           <a:p>
             <a:fld id="{843012E4-EA86-4BA1-A56C-00CD16D7F17B}" type="datetimeFigureOut">
               <a:rPr lang="ko-KR" altLang="en-US" smtClean="0"/>
-              <a:t>2024-07-26</a:t>
+              <a:t>2024-08-06</a:t>
             </a:fld>
             <a:endParaRPr lang="ko-KR" altLang="en-US"/>
           </a:p>
@@ -1816,7 +1865,7 @@
           <a:p>
             <a:fld id="{843012E4-EA86-4BA1-A56C-00CD16D7F17B}" type="datetimeFigureOut">
               <a:rPr lang="ko-KR" altLang="en-US" smtClean="0"/>
-              <a:t>2024-07-26</a:t>
+              <a:t>2024-08-06</a:t>
             </a:fld>
             <a:endParaRPr lang="ko-KR" altLang="en-US"/>
           </a:p>
@@ -1957,7 +2006,7 @@
           <a:p>
             <a:fld id="{843012E4-EA86-4BA1-A56C-00CD16D7F17B}" type="datetimeFigureOut">
               <a:rPr lang="ko-KR" altLang="en-US" smtClean="0"/>
-              <a:t>2024-07-26</a:t>
+              <a:t>2024-08-06</a:t>
             </a:fld>
             <a:endParaRPr lang="ko-KR" altLang="en-US"/>
           </a:p>
@@ -2070,7 +2119,7 @@
           <a:p>
             <a:fld id="{843012E4-EA86-4BA1-A56C-00CD16D7F17B}" type="datetimeFigureOut">
               <a:rPr lang="ko-KR" altLang="en-US" smtClean="0"/>
-              <a:t>2024-07-26</a:t>
+              <a:t>2024-08-06</a:t>
             </a:fld>
             <a:endParaRPr lang="ko-KR" altLang="en-US"/>
           </a:p>
@@ -2381,7 +2430,7 @@
           <a:p>
             <a:fld id="{843012E4-EA86-4BA1-A56C-00CD16D7F17B}" type="datetimeFigureOut">
               <a:rPr lang="ko-KR" altLang="en-US" smtClean="0"/>
-              <a:t>2024-07-26</a:t>
+              <a:t>2024-08-06</a:t>
             </a:fld>
             <a:endParaRPr lang="ko-KR" altLang="en-US"/>
           </a:p>
@@ -2669,7 +2718,7 @@
           <a:p>
             <a:fld id="{843012E4-EA86-4BA1-A56C-00CD16D7F17B}" type="datetimeFigureOut">
               <a:rPr lang="ko-KR" altLang="en-US" smtClean="0"/>
-              <a:t>2024-07-26</a:t>
+              <a:t>2024-08-06</a:t>
             </a:fld>
             <a:endParaRPr lang="ko-KR" altLang="en-US"/>
           </a:p>
@@ -2910,7 +2959,7 @@
           <a:p>
             <a:fld id="{843012E4-EA86-4BA1-A56C-00CD16D7F17B}" type="datetimeFigureOut">
               <a:rPr lang="ko-KR" altLang="en-US" smtClean="0"/>
-              <a:t>2024-07-26</a:t>
+              <a:t>2024-08-06</a:t>
             </a:fld>
             <a:endParaRPr lang="ko-KR" altLang="en-US"/>
           </a:p>
@@ -3311,7 +3360,7 @@
 </file>
 
 <file path=ppt/slides/slide1.xml><?xml version="1.0" encoding="utf-8"?>
-<p:sld xmlns:r="http://schemas.openxmlformats.org/officeDocument/2006/relationships" xmlns:c="http://schemas.openxmlformats.org/drawingml/2006/chart" xmlns:a="http://schemas.openxmlformats.org/drawingml/2006/main" xmlns:dgm="http://schemas.openxmlformats.org/drawingml/2006/diagram" xmlns:dsp="http://schemas.microsoft.com/office/drawing/2008/diagram" xmlns:p="http://schemas.openxmlformats.org/presentationml/2006/main">
+<p:sld xmlns:a="http://schemas.openxmlformats.org/drawingml/2006/main" xmlns:r="http://schemas.openxmlformats.org/officeDocument/2006/relationships" xmlns:p="http://schemas.openxmlformats.org/presentationml/2006/main">
   <p:cSld>
     <p:spTree>
       <p:nvGrpSpPr>
@@ -3354,18 +3403,21 @@
               <a:defRPr/>
             </a:pPr>
             <a:r>
-              <a:rPr lang="en-US" altLang="ko-KR" sz="4000" b="1"/>
+              <a:rPr lang="en-US" altLang="ko-KR" sz="4000" b="1" dirty="0"/>
               <a:t>- h (</a:t>
             </a:r>
             <a:r>
-              <a:rPr lang="ko-KR" altLang="en-US" sz="4000" b="1"/>
-              <a:t>핑거 높이</a:t>
-            </a:r>
-            <a:r>
-              <a:rPr lang="en-US" altLang="ko-KR" sz="4000" b="1"/>
+              <a:rPr lang="ko-KR" altLang="en-US" sz="4000" b="1" dirty="0" err="1"/>
+              <a:t>핑거</a:t>
+            </a:r>
+            <a:r>
+              <a:rPr lang="ko-KR" altLang="en-US" sz="4000" b="1" dirty="0"/>
+              <a:t> 높이</a:t>
+            </a:r>
+            <a:r>
+              <a:rPr lang="en-US" altLang="ko-KR" sz="4000" b="1" dirty="0"/>
               <a:t>) :</a:t>
             </a:r>
-            <a:endParaRPr lang="en-US" altLang="ko-KR" sz="4000" b="1"/>
           </a:p>
           <a:p>
             <a:pPr marL="0" indent="0">
@@ -3373,17 +3425,16 @@
               <a:defRPr/>
             </a:pPr>
             <a:r>
-              <a:rPr lang="en-US" altLang="ko-KR" sz="3500" b="1"/>
+              <a:rPr lang="en-US" altLang="ko-KR" sz="3500" b="1" dirty="0"/>
               <a:t>9mm 12mm 15mm 18mm 21mm 24mm 27mm</a:t>
             </a:r>
-            <a:endParaRPr lang="en-US" altLang="ko-KR" sz="3500" b="1"/>
           </a:p>
           <a:p>
             <a:pPr marL="0" indent="0">
               <a:buNone/>
               <a:defRPr/>
             </a:pPr>
-            <a:endParaRPr lang="en-US" altLang="ko-KR" sz="3500" b="1"/>
+            <a:endParaRPr lang="en-US" altLang="ko-KR" sz="3500" b="1" dirty="0"/>
           </a:p>
           <a:p>
             <a:pPr marL="0" indent="0">
@@ -3391,41 +3442,40 @@
               <a:defRPr/>
             </a:pPr>
             <a:r>
-              <a:rPr lang="en-US" altLang="ko-KR" sz="4000" b="1"/>
+              <a:rPr lang="en-US" altLang="ko-KR" sz="4000" b="1" dirty="0"/>
               <a:t>-</a:t>
             </a:r>
             <a:r>
-              <a:rPr lang="ko-KR" altLang="en-US" sz="4000" b="1"/>
+              <a:rPr lang="ko-KR" altLang="en-US" sz="4000" b="1" dirty="0"/>
               <a:t> </a:t>
             </a:r>
             <a:r>
-              <a:rPr lang="en-US" altLang="ko-KR" sz="4000" b="1"/>
+              <a:rPr lang="en-US" altLang="ko-KR" sz="4000" b="1" dirty="0"/>
               <a:t>n</a:t>
             </a:r>
             <a:r>
-              <a:rPr lang="ko-KR" altLang="en-US" sz="4000" b="1"/>
+              <a:rPr lang="ko-KR" altLang="en-US" sz="4000" b="1" dirty="0"/>
               <a:t> </a:t>
             </a:r>
             <a:r>
-              <a:rPr lang="en-US" altLang="ko-KR" sz="4000" b="1"/>
+              <a:rPr lang="en-US" altLang="ko-KR" sz="4000" b="1" dirty="0"/>
               <a:t>(</a:t>
             </a:r>
             <a:r>
-              <a:rPr lang="ko-KR" altLang="en-US" sz="4000" b="1"/>
+              <a:rPr lang="ko-KR" altLang="en-US" sz="4000" b="1" dirty="0"/>
               <a:t>다각형 종류</a:t>
             </a:r>
             <a:r>
-              <a:rPr lang="en-US" altLang="ko-KR" sz="4000" b="1"/>
-              <a:t>) :</a:t>
-            </a:r>
-            <a:endParaRPr lang="en-US" altLang="ko-KR" sz="4000" b="1"/>
+              <a:rPr lang="en-US" altLang="ko-KR" sz="4000" b="1" dirty="0"/>
+              <a:t>) : </a:t>
+            </a:r>
           </a:p>
           <a:p>
             <a:pPr marL="0" indent="0">
               <a:buNone/>
               <a:defRPr/>
             </a:pPr>
-            <a:endParaRPr lang="en-US" altLang="ko-KR" sz="4000" b="1"/>
+            <a:endParaRPr lang="en-US" altLang="ko-KR" sz="4000" b="1" dirty="0"/>
           </a:p>
           <a:p>
             <a:pPr marL="0" indent="0">
@@ -3433,33 +3483,32 @@
               <a:defRPr/>
             </a:pPr>
             <a:r>
-              <a:rPr lang="en-US" altLang="ko-KR" sz="4000" b="1"/>
+              <a:rPr lang="en-US" altLang="ko-KR" sz="4000" b="1" dirty="0"/>
               <a:t>-</a:t>
             </a:r>
             <a:r>
-              <a:rPr lang="ko-KR" altLang="en-US" sz="4000" b="1"/>
+              <a:rPr lang="ko-KR" altLang="en-US" sz="4000" b="1" dirty="0"/>
               <a:t> </a:t>
             </a:r>
             <a:r>
-              <a:rPr lang="en-US" altLang="ko-KR" sz="4000" b="1"/>
+              <a:rPr lang="en-US" altLang="ko-KR" sz="4000" b="1" dirty="0"/>
               <a:t>D (</a:t>
             </a:r>
             <a:r>
-              <a:rPr lang="ko-KR" altLang="en-US" sz="4000" b="1"/>
+              <a:rPr lang="ko-KR" altLang="en-US" sz="4000" b="1" dirty="0"/>
               <a:t>외접원 지름</a:t>
             </a:r>
             <a:r>
-              <a:rPr lang="en-US" altLang="ko-KR" sz="4000" b="1"/>
-              <a:t>) :</a:t>
-            </a:r>
-            <a:endParaRPr lang="en-US" altLang="ko-KR" sz="4000" b="1"/>
+              <a:rPr lang="en-US" altLang="ko-KR" sz="4000" b="1" dirty="0"/>
+              <a:t>) : </a:t>
+            </a:r>
           </a:p>
           <a:p>
             <a:pPr marL="0" indent="0">
               <a:buNone/>
               <a:defRPr/>
             </a:pPr>
-            <a:endParaRPr lang="en-US" altLang="ko-KR" sz="4000" b="1"/>
+            <a:endParaRPr lang="en-US" altLang="ko-KR" sz="4000" b="1" dirty="0"/>
           </a:p>
           <a:p>
             <a:pPr marL="0" indent="0">
@@ -3467,18 +3516,22 @@
               <a:defRPr/>
             </a:pPr>
             <a:r>
-              <a:rPr lang="en-US" altLang="ko-KR" sz="4000" b="1"/>
+              <a:rPr lang="en-US" altLang="ko-KR" sz="4000" b="1" dirty="0"/>
               <a:t>- t (</a:t>
             </a:r>
             <a:r>
-              <a:rPr lang="ko-KR" altLang="en-US" sz="4000" b="1"/>
+              <a:rPr lang="ko-KR" altLang="en-US" sz="4000" b="1" dirty="0"/>
               <a:t>얇은 부분 </a:t>
             </a:r>
             <a:r>
-              <a:rPr lang="en-US" altLang="ko-KR" sz="4000" b="1"/>
-              <a:t>thickness) :</a:t>
-            </a:r>
-            <a:endParaRPr lang="en-US" altLang="ko-KR" sz="4000" b="1"/>
+              <a:rPr lang="en-US" altLang="ko-KR" sz="4000" b="1" dirty="0"/>
+              <a:t>thickness) : 18mm</a:t>
+            </a:r>
+            <a:r>
+              <a:rPr lang="ko-KR" altLang="en-US" sz="4000" b="1" dirty="0"/>
+              <a:t> 대해서</a:t>
+            </a:r>
+            <a:endParaRPr lang="en-US" altLang="ko-KR" sz="4000" b="1" dirty="0"/>
           </a:p>
           <a:p>
             <a:pPr marL="0" indent="0">
@@ -3486,10 +3539,9 @@
               <a:defRPr/>
             </a:pPr>
             <a:r>
-              <a:rPr lang="en-US" altLang="ko-KR" sz="4000" b="1"/>
+              <a:rPr lang="en-US" altLang="ko-KR" sz="4000" b="1" dirty="0"/>
               <a:t>0.5mm 0.6mm 0.7mm 0.8mm 0.9mm</a:t>
             </a:r>
-            <a:endParaRPr lang="en-US" altLang="ko-KR" sz="4000" b="1"/>
           </a:p>
         </p:txBody>
       </p:sp>
@@ -3498,11 +3550,11 @@
   <p:clrMapOvr>
     <a:masterClrMapping/>
   </p:clrMapOvr>
-  <mc:AlternateContent xmlns:mc="http://schemas.openxmlformats.org/markup-compatibility/2006">
-    <mc:Choice xmlns:p14="http://schemas.microsoft.com/office/powerpoint/2010/main" Requires="p14">
-      <p:transition xmlns:mc="http://schemas.openxmlformats.org/markup-compatibility/2006" xmlns:p14="http://schemas.microsoft.com/office/powerpoint/2010/main" mc:Ignorable="p14" p14:dur="500"/>
+  <mc:AlternateContent xmlns:mc="http://schemas.openxmlformats.org/markup-compatibility/2006" xmlns:p14="http://schemas.microsoft.com/office/powerpoint/2010/main">
+    <mc:Choice Requires="p14">
+      <p:transition/>
     </mc:Choice>
-    <mc:Fallback>
+    <mc:Fallback xmlns:dsp="http://schemas.microsoft.com/office/drawing/2008/diagram" xmlns:dgm="http://schemas.openxmlformats.org/drawingml/2006/diagram" xmlns:c="http://schemas.openxmlformats.org/drawingml/2006/chart" xmlns="">
       <p:transition/>
     </mc:Fallback>
   </mc:AlternateContent>
@@ -3510,7 +3562,7 @@
 </file>
 
 <file path=ppt/slides/slide2.xml><?xml version="1.0" encoding="utf-8"?>
-<p:sld xmlns:r="http://schemas.openxmlformats.org/officeDocument/2006/relationships" xmlns:c="http://schemas.openxmlformats.org/drawingml/2006/chart" xmlns:a="http://schemas.openxmlformats.org/drawingml/2006/main" xmlns:dgm="http://schemas.openxmlformats.org/drawingml/2006/diagram" xmlns:dsp="http://schemas.microsoft.com/office/drawing/2008/diagram" xmlns:p="http://schemas.openxmlformats.org/presentationml/2006/main" xmlns:mc="http://schemas.openxmlformats.org/markup-compatibility/2006" xmlns:a14="http://schemas.microsoft.com/office/drawing/2010/main" mc:Ignorable="a14 ">
+<p:sld xmlns:a="http://schemas.openxmlformats.org/drawingml/2006/main" xmlns:r="http://schemas.openxmlformats.org/officeDocument/2006/relationships" xmlns:p="http://schemas.openxmlformats.org/presentationml/2006/main">
   <p:cSld>
     <p:spTree>
       <p:nvGrpSpPr>
@@ -3533,15 +3585,15 @@
           <p:nvPr/>
         </p:nvGrpSpPr>
         <p:grpSpPr>
-          <a:xfrm rot="0">
-            <a:off x="1093541" y="637491"/>
+          <a:xfrm>
+            <a:off x="1173424" y="543764"/>
             <a:ext cx="9845152" cy="5770472"/>
             <a:chOff x="773501" y="500331"/>
             <a:chExt cx="9845152" cy="5770472"/>
           </a:xfrm>
         </p:grpSpPr>
-        <mc:AlternateContent xmlns:mc="http://schemas.openxmlformats.org/markup-compatibility/2006">
-          <mc:Choice xmlns:a14="http://schemas.microsoft.com/office/drawing/2010/main" Requires="a14">
+        <mc:AlternateContent xmlns:mc="http://schemas.openxmlformats.org/markup-compatibility/2006" xmlns:a14="http://schemas.microsoft.com/office/drawing/2010/main">
+          <mc:Choice Requires="a14">
             <p:sp>
               <p:nvSpPr>
                 <p:cNvPr id="4" name="TextBox 3"/>
@@ -3562,41 +3614,150 @@
                 <a:bodyPr/>
                 <a:lstStyle/>
                 <a:p>
-                  <a14:m xmlns:m="http://schemas.openxmlformats.org/officeDocument/2006/math" xmlns:mc="http://schemas.openxmlformats.org/markup-compatibility/2006" xmlns:ho="http://schemas.haansoft.com/office/8.0" mc:Ignorable="ho" ho:hncCreate="1">
-                    <m:oMathPara>
+                  <a:pPr/>
+                  <a14:m>
+                    <m:oMathPara xmlns:m="http://schemas.openxmlformats.org/officeDocument/2006/math">
+                      <m:oMathParaPr>
+                        <m:jc m:val="centerGroup"/>
+                      </m:oMathParaPr>
                       <m:oMath xmlns:m="http://schemas.openxmlformats.org/officeDocument/2006/math">
                         <m:r>
                           <a:rPr lang="en-US" altLang="ko-KR" sz="1800" kern="100" dirty="0">
                             <a:solidFill>
-                              <a:srgbClr val="00b0f0"/>
+                              <a:srgbClr val="00B0F0"/>
                             </a:solidFill>
                             <a:effectLst/>
-                            <a:latin typeface="Arial Unicode MS" panose="020B0604020202020204" pitchFamily="50" charset="-127"/>
+                            <a:latin typeface="Cambria Math" panose="02040503050406030204" pitchFamily="18" charset="0"/>
                             <a:ea typeface="Arial Unicode MS" panose="020B0604020202020204" pitchFamily="50" charset="-127"/>
                             <a:cs typeface="Arial Unicode MS" panose="020B0604020202020204" pitchFamily="50" charset="-127"/>
                           </a:rPr>
-                          <m:t>Print Setting for TPE</m:t>
+                          <m:t>𝑃𝑟𝑖𝑛𝑡</m:t>
+                        </m:r>
+                        <m:r>
+                          <a:rPr lang="en-US" altLang="ko-KR" sz="1800" kern="100" dirty="0">
+                            <a:solidFill>
+                              <a:srgbClr val="00B0F0"/>
+                            </a:solidFill>
+                            <a:effectLst/>
+                            <a:latin typeface="Cambria Math" panose="02040503050406030204" pitchFamily="18" charset="0"/>
+                            <a:ea typeface="Arial Unicode MS" panose="020B0604020202020204" pitchFamily="50" charset="-127"/>
+                            <a:cs typeface="Arial Unicode MS" panose="020B0604020202020204" pitchFamily="50" charset="-127"/>
+                          </a:rPr>
+                          <m:t> </m:t>
+                        </m:r>
+                        <m:r>
+                          <a:rPr lang="en-US" altLang="ko-KR" sz="1800" kern="100" dirty="0">
+                            <a:solidFill>
+                              <a:srgbClr val="00B0F0"/>
+                            </a:solidFill>
+                            <a:effectLst/>
+                            <a:latin typeface="Cambria Math" panose="02040503050406030204" pitchFamily="18" charset="0"/>
+                            <a:ea typeface="Arial Unicode MS" panose="020B0604020202020204" pitchFamily="50" charset="-127"/>
+                            <a:cs typeface="Arial Unicode MS" panose="020B0604020202020204" pitchFamily="50" charset="-127"/>
+                          </a:rPr>
+                          <m:t>𝑆𝑒𝑡𝑡𝑖𝑛𝑔</m:t>
+                        </m:r>
+                        <m:r>
+                          <a:rPr lang="en-US" altLang="ko-KR" sz="1800" kern="100" dirty="0">
+                            <a:solidFill>
+                              <a:srgbClr val="00B0F0"/>
+                            </a:solidFill>
+                            <a:effectLst/>
+                            <a:latin typeface="Cambria Math" panose="02040503050406030204" pitchFamily="18" charset="0"/>
+                            <a:ea typeface="Arial Unicode MS" panose="020B0604020202020204" pitchFamily="50" charset="-127"/>
+                            <a:cs typeface="Arial Unicode MS" panose="020B0604020202020204" pitchFamily="50" charset="-127"/>
+                          </a:rPr>
+                          <m:t> </m:t>
+                        </m:r>
+                        <m:r>
+                          <a:rPr lang="en-US" altLang="ko-KR" sz="1800" kern="100" dirty="0">
+                            <a:solidFill>
+                              <a:srgbClr val="00B0F0"/>
+                            </a:solidFill>
+                            <a:effectLst/>
+                            <a:latin typeface="Cambria Math" panose="02040503050406030204" pitchFamily="18" charset="0"/>
+                            <a:ea typeface="Arial Unicode MS" panose="020B0604020202020204" pitchFamily="50" charset="-127"/>
+                            <a:cs typeface="Arial Unicode MS" panose="020B0604020202020204" pitchFamily="50" charset="-127"/>
+                          </a:rPr>
+                          <m:t>𝑓𝑜𝑟</m:t>
+                        </m:r>
+                        <m:r>
+                          <a:rPr lang="en-US" altLang="ko-KR" sz="1800" kern="100" dirty="0">
+                            <a:solidFill>
+                              <a:srgbClr val="00B0F0"/>
+                            </a:solidFill>
+                            <a:effectLst/>
+                            <a:latin typeface="Cambria Math" panose="02040503050406030204" pitchFamily="18" charset="0"/>
+                            <a:ea typeface="Arial Unicode MS" panose="020B0604020202020204" pitchFamily="50" charset="-127"/>
+                            <a:cs typeface="Arial Unicode MS" panose="020B0604020202020204" pitchFamily="50" charset="-127"/>
+                          </a:rPr>
+                          <m:t> </m:t>
+                        </m:r>
+                        <m:r>
+                          <a:rPr lang="en-US" altLang="ko-KR" sz="1800" kern="100" dirty="0">
+                            <a:solidFill>
+                              <a:srgbClr val="00B0F0"/>
+                            </a:solidFill>
+                            <a:effectLst/>
+                            <a:latin typeface="Cambria Math" panose="02040503050406030204" pitchFamily="18" charset="0"/>
+                            <a:ea typeface="Arial Unicode MS" panose="020B0604020202020204" pitchFamily="50" charset="-127"/>
+                            <a:cs typeface="Arial Unicode MS" panose="020B0604020202020204" pitchFamily="50" charset="-127"/>
+                          </a:rPr>
+                          <m:t>𝑇𝑃𝐸</m:t>
                         </m:r>
                       </m:oMath>
                     </m:oMathPara>
                   </a14:m>
+                  <a:endParaRPr dirty="0"/>
                 </a:p>
                 <a:p>
-                  <a14:m xmlns:m="http://schemas.openxmlformats.org/officeDocument/2006/math" xmlns:mc="http://schemas.openxmlformats.org/markup-compatibility/2006" xmlns:ho="http://schemas.haansoft.com/office/8.0" mc:Ignorable="ho" ho:hncCreate="1">
-                    <m:oMathPara>
+                  <a:pPr/>
+                  <a14:m>
+                    <m:oMathPara xmlns:m="http://schemas.openxmlformats.org/officeDocument/2006/math">
+                      <m:oMathParaPr>
+                        <m:jc m:val="centerGroup"/>
+                      </m:oMathParaPr>
                       <m:oMath xmlns:m="http://schemas.openxmlformats.org/officeDocument/2006/math">
                         <m:r>
                           <a:rPr lang="en-US" altLang="ko-KR" sz="1800" kern="100" dirty="0">
                             <a:effectLst/>
-                            <a:latin typeface="Arial Unicode MS" panose="020B0604020202020204" pitchFamily="50" charset="-127"/>
+                            <a:latin typeface="Cambria Math" panose="02040503050406030204" pitchFamily="18" charset="0"/>
                             <a:ea typeface="Arial Unicode MS" panose="020B0604020202020204" pitchFamily="50" charset="-127"/>
                             <a:cs typeface="Arial Unicode MS" panose="020B0604020202020204" pitchFamily="50" charset="-127"/>
                           </a:rPr>
-                          <m:t xml:space="preserve">Bed Temperature : </m:t>
+                          <m:t>𝐵𝑒𝑑</m:t>
+                        </m:r>
+                        <m:r>
+                          <a:rPr lang="en-US" altLang="ko-KR" sz="1800" kern="100" dirty="0">
+                            <a:effectLst/>
+                            <a:latin typeface="Cambria Math" panose="02040503050406030204" pitchFamily="18" charset="0"/>
+                            <a:ea typeface="Arial Unicode MS" panose="020B0604020202020204" pitchFamily="50" charset="-127"/>
+                            <a:cs typeface="Arial Unicode MS" panose="020B0604020202020204" pitchFamily="50" charset="-127"/>
+                          </a:rPr>
+                          <m:t> </m:t>
+                        </m:r>
+                        <m:r>
+                          <a:rPr lang="en-US" altLang="ko-KR" sz="1800" kern="100" dirty="0">
+                            <a:effectLst/>
+                            <a:latin typeface="Cambria Math" panose="02040503050406030204" pitchFamily="18" charset="0"/>
+                            <a:ea typeface="Arial Unicode MS" panose="020B0604020202020204" pitchFamily="50" charset="-127"/>
+                            <a:cs typeface="Arial Unicode MS" panose="020B0604020202020204" pitchFamily="50" charset="-127"/>
+                          </a:rPr>
+                          <m:t>𝑇𝑒𝑚𝑝𝑒𝑟𝑎𝑡𝑢𝑟𝑒</m:t>
+                        </m:r>
+                        <m:r>
+                          <a:rPr lang="en-US" altLang="ko-KR" sz="1800" kern="100" dirty="0">
+                            <a:effectLst/>
+                            <a:latin typeface="Cambria Math" panose="02040503050406030204" pitchFamily="18" charset="0"/>
+                            <a:ea typeface="Arial Unicode MS" panose="020B0604020202020204" pitchFamily="50" charset="-127"/>
+                            <a:cs typeface="Arial Unicode MS" panose="020B0604020202020204" pitchFamily="50" charset="-127"/>
+                          </a:rPr>
+                          <m:t> : </m:t>
                         </m:r>
                       </m:oMath>
                     </m:oMathPara>
                   </a14:m>
+                  <a:endParaRPr dirty="0"/>
                 </a:p>
                 <a:p>
                   <a:pPr latinLnBrk="1">
@@ -3604,8 +3765,11 @@
                       <a:spcPts val="800"/>
                     </a:spcAft>
                   </a:pPr>
-                  <a14:m xmlns:m="http://schemas.openxmlformats.org/officeDocument/2006/math" xmlns:mc="http://schemas.openxmlformats.org/markup-compatibility/2006" xmlns:ho="http://schemas.haansoft.com/office/8.0" mc:Ignorable="ho" ho:hncCreate="1">
-                    <m:oMathPara>
+                  <a14:m>
+                    <m:oMathPara xmlns:m="http://schemas.openxmlformats.org/officeDocument/2006/math">
+                      <m:oMathParaPr>
+                        <m:jc m:val="centerGroup"/>
+                      </m:oMathParaPr>
                       <m:oMath xmlns:m="http://schemas.openxmlformats.org/officeDocument/2006/math">
                         <m:r>
                           <a:rPr lang="en-US" altLang="ko-KR" sz="1800" i="1" kern="100">
@@ -3626,23 +3790,56 @@
                       </m:oMath>
                     </m:oMathPara>
                   </a14:m>
+                  <a:endParaRPr dirty="0"/>
                 </a:p>
                 <a:p>
-                  <a14:m xmlns:m="http://schemas.openxmlformats.org/officeDocument/2006/math" xmlns:mc="http://schemas.openxmlformats.org/markup-compatibility/2006" xmlns:ho="http://schemas.haansoft.com/office/8.0" mc:Ignorable="ho" ho:hncCreate="1">
-                    <m:oMathPara>
+                  <a:pPr/>
+                  <a14:m>
+                    <m:oMathPara xmlns:m="http://schemas.openxmlformats.org/officeDocument/2006/math">
+                      <m:oMathParaPr>
+                        <m:jc m:val="centerGroup"/>
+                      </m:oMathParaPr>
                       <m:oMath xmlns:m="http://schemas.openxmlformats.org/officeDocument/2006/math">
                         <m:r>
                           <a:rPr lang="en-US" altLang="ko-KR" sz="1800" kern="100" dirty="0">
                             <a:effectLst/>
-                            <a:latin typeface="Arial Unicode MS" panose="020B0604020202020204" pitchFamily="50" charset="-127"/>
+                            <a:latin typeface="Cambria Math" panose="02040503050406030204" pitchFamily="18" charset="0"/>
                             <a:ea typeface="Arial Unicode MS" panose="020B0604020202020204" pitchFamily="50" charset="-127"/>
                             <a:cs typeface="Arial Unicode MS" panose="020B0604020202020204" pitchFamily="50" charset="-127"/>
                           </a:rPr>
-                          <m:t xml:space="preserve">Nozzle Temperature : </m:t>
+                          <m:t>𝑁𝑜𝑧𝑧𝑙𝑒</m:t>
+                        </m:r>
+                        <m:r>
+                          <a:rPr lang="en-US" altLang="ko-KR" sz="1800" kern="100" dirty="0">
+                            <a:effectLst/>
+                            <a:latin typeface="Cambria Math" panose="02040503050406030204" pitchFamily="18" charset="0"/>
+                            <a:ea typeface="Arial Unicode MS" panose="020B0604020202020204" pitchFamily="50" charset="-127"/>
+                            <a:cs typeface="Arial Unicode MS" panose="020B0604020202020204" pitchFamily="50" charset="-127"/>
+                          </a:rPr>
+                          <m:t> </m:t>
+                        </m:r>
+                        <m:r>
+                          <a:rPr lang="en-US" altLang="ko-KR" sz="1800" kern="100" dirty="0">
+                            <a:effectLst/>
+                            <a:latin typeface="Cambria Math" panose="02040503050406030204" pitchFamily="18" charset="0"/>
+                            <a:ea typeface="Arial Unicode MS" panose="020B0604020202020204" pitchFamily="50" charset="-127"/>
+                            <a:cs typeface="Arial Unicode MS" panose="020B0604020202020204" pitchFamily="50" charset="-127"/>
+                          </a:rPr>
+                          <m:t>𝑇𝑒𝑚𝑝𝑒𝑟𝑎𝑡𝑢𝑟𝑒</m:t>
+                        </m:r>
+                        <m:r>
+                          <a:rPr lang="en-US" altLang="ko-KR" sz="1800" kern="100" dirty="0">
+                            <a:effectLst/>
+                            <a:latin typeface="Cambria Math" panose="02040503050406030204" pitchFamily="18" charset="0"/>
+                            <a:ea typeface="Arial Unicode MS" panose="020B0604020202020204" pitchFamily="50" charset="-127"/>
+                            <a:cs typeface="Arial Unicode MS" panose="020B0604020202020204" pitchFamily="50" charset="-127"/>
+                          </a:rPr>
+                          <m:t> : </m:t>
                         </m:r>
                       </m:oMath>
                     </m:oMathPara>
                   </a14:m>
+                  <a:endParaRPr dirty="0"/>
                 </a:p>
                 <a:p>
                   <a:pPr latinLnBrk="1">
@@ -3650,8 +3847,11 @@
                       <a:spcPts val="800"/>
                     </a:spcAft>
                   </a:pPr>
-                  <a14:m xmlns:m="http://schemas.openxmlformats.org/officeDocument/2006/math" xmlns:mc="http://schemas.openxmlformats.org/markup-compatibility/2006" xmlns:ho="http://schemas.haansoft.com/office/8.0" mc:Ignorable="ho" ho:hncCreate="1">
-                    <m:oMathPara>
+                  <a14:m>
+                    <m:oMathPara xmlns:m="http://schemas.openxmlformats.org/officeDocument/2006/math">
+                      <m:oMathParaPr>
+                        <m:jc m:val="centerGroup"/>
+                      </m:oMathParaPr>
                       <m:oMath xmlns:m="http://schemas.openxmlformats.org/officeDocument/2006/math">
                         <m:r>
                           <a:rPr lang="en-US" altLang="ko-KR" sz="1800" i="1" kern="100">
@@ -3672,23 +3872,56 @@
                       </m:oMath>
                     </m:oMathPara>
                   </a14:m>
+                  <a:endParaRPr dirty="0"/>
                 </a:p>
                 <a:p>
-                  <a14:m xmlns:m="http://schemas.openxmlformats.org/officeDocument/2006/math" xmlns:mc="http://schemas.openxmlformats.org/markup-compatibility/2006" xmlns:ho="http://schemas.haansoft.com/office/8.0" mc:Ignorable="ho" ho:hncCreate="1">
-                    <m:oMathPara>
+                  <a:pPr/>
+                  <a14:m>
+                    <m:oMathPara xmlns:m="http://schemas.openxmlformats.org/officeDocument/2006/math">
+                      <m:oMathParaPr>
+                        <m:jc m:val="centerGroup"/>
+                      </m:oMathParaPr>
                       <m:oMath xmlns:m="http://schemas.openxmlformats.org/officeDocument/2006/math">
                         <m:r>
                           <a:rPr lang="en-US" altLang="ko-KR" sz="1800" kern="100" dirty="0">
                             <a:effectLst/>
-                            <a:latin typeface="Arial Unicode MS" panose="020B0604020202020204" pitchFamily="50" charset="-127"/>
+                            <a:latin typeface="Cambria Math" panose="02040503050406030204" pitchFamily="18" charset="0"/>
                             <a:ea typeface="Arial Unicode MS" panose="020B0604020202020204" pitchFamily="50" charset="-127"/>
                             <a:cs typeface="Arial Unicode MS" panose="020B0604020202020204" pitchFamily="50" charset="-127"/>
                           </a:rPr>
-                          <m:t xml:space="preserve">Print Speed : </m:t>
+                          <m:t>𝑃𝑟𝑖𝑛𝑡</m:t>
+                        </m:r>
+                        <m:r>
+                          <a:rPr lang="en-US" altLang="ko-KR" sz="1800" kern="100" dirty="0">
+                            <a:effectLst/>
+                            <a:latin typeface="Cambria Math" panose="02040503050406030204" pitchFamily="18" charset="0"/>
+                            <a:ea typeface="Arial Unicode MS" panose="020B0604020202020204" pitchFamily="50" charset="-127"/>
+                            <a:cs typeface="Arial Unicode MS" panose="020B0604020202020204" pitchFamily="50" charset="-127"/>
+                          </a:rPr>
+                          <m:t> </m:t>
+                        </m:r>
+                        <m:r>
+                          <a:rPr lang="en-US" altLang="ko-KR" sz="1800" kern="100" dirty="0">
+                            <a:effectLst/>
+                            <a:latin typeface="Cambria Math" panose="02040503050406030204" pitchFamily="18" charset="0"/>
+                            <a:ea typeface="Arial Unicode MS" panose="020B0604020202020204" pitchFamily="50" charset="-127"/>
+                            <a:cs typeface="Arial Unicode MS" panose="020B0604020202020204" pitchFamily="50" charset="-127"/>
+                          </a:rPr>
+                          <m:t>𝑆𝑝𝑒𝑒𝑑</m:t>
+                        </m:r>
+                        <m:r>
+                          <a:rPr lang="en-US" altLang="ko-KR" sz="1800" kern="100" dirty="0">
+                            <a:effectLst/>
+                            <a:latin typeface="Cambria Math" panose="02040503050406030204" pitchFamily="18" charset="0"/>
+                            <a:ea typeface="Arial Unicode MS" panose="020B0604020202020204" pitchFamily="50" charset="-127"/>
+                            <a:cs typeface="Arial Unicode MS" panose="020B0604020202020204" pitchFamily="50" charset="-127"/>
+                          </a:rPr>
+                          <m:t> : </m:t>
                         </m:r>
                       </m:oMath>
                     </m:oMathPara>
                   </a14:m>
+                  <a:endParaRPr dirty="0"/>
                 </a:p>
                 <a:p>
                   <a:pPr latinLnBrk="1">
@@ -3696,8 +3929,11 @@
                       <a:spcPts val="800"/>
                     </a:spcAft>
                   </a:pPr>
-                  <a14:m xmlns:m="http://schemas.openxmlformats.org/officeDocument/2006/math" xmlns:mc="http://schemas.openxmlformats.org/markup-compatibility/2006" xmlns:ho="http://schemas.haansoft.com/office/8.0" mc:Ignorable="ho" ho:hncCreate="1">
-                    <m:oMathPara>
+                  <a14:m>
+                    <m:oMathPara xmlns:m="http://schemas.openxmlformats.org/officeDocument/2006/math">
+                      <m:oMathParaPr>
+                        <m:jc m:val="centerGroup"/>
+                      </m:oMathParaPr>
                       <m:oMath xmlns:m="http://schemas.openxmlformats.org/officeDocument/2006/math">
                         <m:r>
                           <a:rPr lang="en-US" altLang="ko-KR" sz="1800" i="1" kern="100">
@@ -3734,23 +3970,56 @@
                       </m:oMath>
                     </m:oMathPara>
                   </a14:m>
+                  <a:endParaRPr dirty="0"/>
                 </a:p>
                 <a:p>
-                  <a14:m xmlns:m="http://schemas.openxmlformats.org/officeDocument/2006/math" xmlns:mc="http://schemas.openxmlformats.org/markup-compatibility/2006" xmlns:ho="http://schemas.haansoft.com/office/8.0" mc:Ignorable="ho" ho:hncCreate="1">
-                    <m:oMathPara>
+                  <a:pPr/>
+                  <a14:m>
+                    <m:oMathPara xmlns:m="http://schemas.openxmlformats.org/officeDocument/2006/math">
+                      <m:oMathParaPr>
+                        <m:jc m:val="centerGroup"/>
+                      </m:oMathParaPr>
                       <m:oMath xmlns:m="http://schemas.openxmlformats.org/officeDocument/2006/math">
                         <m:r>
                           <a:rPr lang="en-US" altLang="ko-KR" sz="1800" kern="100" dirty="0">
                             <a:effectLst/>
-                            <a:latin typeface="Arial Unicode MS" panose="020B0604020202020204" pitchFamily="50" charset="-127"/>
+                            <a:latin typeface="Cambria Math" panose="02040503050406030204" pitchFamily="18" charset="0"/>
                             <a:ea typeface="Arial Unicode MS" panose="020B0604020202020204" pitchFamily="50" charset="-127"/>
                             <a:cs typeface="Arial Unicode MS" panose="020B0604020202020204" pitchFamily="50" charset="-127"/>
                           </a:rPr>
-                          <m:t xml:space="preserve">Layer Height : </m:t>
+                          <m:t>𝐿𝑎𝑦𝑒𝑟</m:t>
+                        </m:r>
+                        <m:r>
+                          <a:rPr lang="en-US" altLang="ko-KR" sz="1800" kern="100" dirty="0">
+                            <a:effectLst/>
+                            <a:latin typeface="Cambria Math" panose="02040503050406030204" pitchFamily="18" charset="0"/>
+                            <a:ea typeface="Arial Unicode MS" panose="020B0604020202020204" pitchFamily="50" charset="-127"/>
+                            <a:cs typeface="Arial Unicode MS" panose="020B0604020202020204" pitchFamily="50" charset="-127"/>
+                          </a:rPr>
+                          <m:t> </m:t>
+                        </m:r>
+                        <m:r>
+                          <a:rPr lang="en-US" altLang="ko-KR" sz="1800" kern="100" dirty="0">
+                            <a:effectLst/>
+                            <a:latin typeface="Cambria Math" panose="02040503050406030204" pitchFamily="18" charset="0"/>
+                            <a:ea typeface="Arial Unicode MS" panose="020B0604020202020204" pitchFamily="50" charset="-127"/>
+                            <a:cs typeface="Arial Unicode MS" panose="020B0604020202020204" pitchFamily="50" charset="-127"/>
+                          </a:rPr>
+                          <m:t>𝐻𝑒𝑖𝑔h𝑡</m:t>
+                        </m:r>
+                        <m:r>
+                          <a:rPr lang="en-US" altLang="ko-KR" sz="1800" kern="100" dirty="0">
+                            <a:effectLst/>
+                            <a:latin typeface="Cambria Math" panose="02040503050406030204" pitchFamily="18" charset="0"/>
+                            <a:ea typeface="Arial Unicode MS" panose="020B0604020202020204" pitchFamily="50" charset="-127"/>
+                            <a:cs typeface="Arial Unicode MS" panose="020B0604020202020204" pitchFamily="50" charset="-127"/>
+                          </a:rPr>
+                          <m:t> : </m:t>
                         </m:r>
                       </m:oMath>
                     </m:oMathPara>
                   </a14:m>
+                  <a:endParaRPr dirty="0"/>
                 </a:p>
                 <a:p>
                   <a:pPr latinLnBrk="1">
@@ -3758,8 +4027,11 @@
                       <a:spcPts val="800"/>
                     </a:spcAft>
                   </a:pPr>
-                  <a14:m xmlns:m="http://schemas.openxmlformats.org/officeDocument/2006/math" xmlns:mc="http://schemas.openxmlformats.org/markup-compatibility/2006" xmlns:ho="http://schemas.haansoft.com/office/8.0" mc:Ignorable="ho" ho:hncCreate="1">
-                    <m:oMathPara>
+                  <a14:m>
+                    <m:oMathPara xmlns:m="http://schemas.openxmlformats.org/officeDocument/2006/math">
+                      <m:oMathParaPr>
+                        <m:jc m:val="centerGroup"/>
+                      </m:oMathParaPr>
                       <m:oMath xmlns:m="http://schemas.openxmlformats.org/officeDocument/2006/math">
                         <m:r>
                           <a:rPr lang="en-US" altLang="ko-KR" sz="1800" i="1" kern="100">
@@ -3780,23 +4052,74 @@
                       </m:oMath>
                     </m:oMathPara>
                   </a14:m>
+                  <a:endParaRPr dirty="0"/>
                 </a:p>
                 <a:p>
-                  <a14:m xmlns:m="http://schemas.openxmlformats.org/officeDocument/2006/math" xmlns:mc="http://schemas.openxmlformats.org/markup-compatibility/2006" xmlns:ho="http://schemas.haansoft.com/office/8.0" mc:Ignorable="ho" ho:hncCreate="1">
-                    <m:oMathPara>
+                  <a:pPr/>
+                  <a14:m>
+                    <m:oMathPara xmlns:m="http://schemas.openxmlformats.org/officeDocument/2006/math">
+                      <m:oMathParaPr>
+                        <m:jc m:val="centerGroup"/>
+                      </m:oMathParaPr>
                       <m:oMath xmlns:m="http://schemas.openxmlformats.org/officeDocument/2006/math">
                         <m:r>
                           <a:rPr lang="en-US" altLang="ko-KR" sz="1800" kern="100" dirty="0">
                             <a:effectLst/>
-                            <a:latin typeface="Arial Unicode MS" panose="020B0604020202020204" pitchFamily="50" charset="-127"/>
+                            <a:latin typeface="Cambria Math" panose="02040503050406030204" pitchFamily="18" charset="0"/>
                             <a:ea typeface="Arial Unicode MS" panose="020B0604020202020204" pitchFamily="50" charset="-127"/>
                             <a:cs typeface="Arial Unicode MS" panose="020B0604020202020204" pitchFamily="50" charset="-127"/>
                           </a:rPr>
-                          <m:t xml:space="preserve">Initial Layer Height : </m:t>
+                          <m:t>𝐼𝑛𝑖𝑡𝑖𝑎𝑙</m:t>
+                        </m:r>
+                        <m:r>
+                          <a:rPr lang="en-US" altLang="ko-KR" sz="1800" kern="100" dirty="0">
+                            <a:effectLst/>
+                            <a:latin typeface="Cambria Math" panose="02040503050406030204" pitchFamily="18" charset="0"/>
+                            <a:ea typeface="Arial Unicode MS" panose="020B0604020202020204" pitchFamily="50" charset="-127"/>
+                            <a:cs typeface="Arial Unicode MS" panose="020B0604020202020204" pitchFamily="50" charset="-127"/>
+                          </a:rPr>
+                          <m:t> </m:t>
+                        </m:r>
+                        <m:r>
+                          <a:rPr lang="en-US" altLang="ko-KR" sz="1800" kern="100" dirty="0">
+                            <a:effectLst/>
+                            <a:latin typeface="Cambria Math" panose="02040503050406030204" pitchFamily="18" charset="0"/>
+                            <a:ea typeface="Arial Unicode MS" panose="020B0604020202020204" pitchFamily="50" charset="-127"/>
+                            <a:cs typeface="Arial Unicode MS" panose="020B0604020202020204" pitchFamily="50" charset="-127"/>
+                          </a:rPr>
+                          <m:t>𝐿𝑎𝑦𝑒𝑟</m:t>
+                        </m:r>
+                        <m:r>
+                          <a:rPr lang="en-US" altLang="ko-KR" sz="1800" kern="100" dirty="0">
+                            <a:effectLst/>
+                            <a:latin typeface="Cambria Math" panose="02040503050406030204" pitchFamily="18" charset="0"/>
+                            <a:ea typeface="Arial Unicode MS" panose="020B0604020202020204" pitchFamily="50" charset="-127"/>
+                            <a:cs typeface="Arial Unicode MS" panose="020B0604020202020204" pitchFamily="50" charset="-127"/>
+                          </a:rPr>
+                          <m:t> </m:t>
+                        </m:r>
+                        <m:r>
+                          <a:rPr lang="en-US" altLang="ko-KR" sz="1800" kern="100" dirty="0">
+                            <a:effectLst/>
+                            <a:latin typeface="Cambria Math" panose="02040503050406030204" pitchFamily="18" charset="0"/>
+                            <a:ea typeface="Arial Unicode MS" panose="020B0604020202020204" pitchFamily="50" charset="-127"/>
+                            <a:cs typeface="Arial Unicode MS" panose="020B0604020202020204" pitchFamily="50" charset="-127"/>
+                          </a:rPr>
+                          <m:t>𝐻𝑒𝑖𝑔h𝑡</m:t>
+                        </m:r>
+                        <m:r>
+                          <a:rPr lang="en-US" altLang="ko-KR" sz="1800" kern="100" dirty="0">
+                            <a:effectLst/>
+                            <a:latin typeface="Cambria Math" panose="02040503050406030204" pitchFamily="18" charset="0"/>
+                            <a:ea typeface="Arial Unicode MS" panose="020B0604020202020204" pitchFamily="50" charset="-127"/>
+                            <a:cs typeface="Arial Unicode MS" panose="020B0604020202020204" pitchFamily="50" charset="-127"/>
+                          </a:rPr>
+                          <m:t> : </m:t>
                         </m:r>
                       </m:oMath>
                     </m:oMathPara>
                   </a14:m>
+                  <a:endParaRPr dirty="0"/>
                 </a:p>
                 <a:p>
                   <a:pPr latinLnBrk="1">
@@ -3804,8 +4127,11 @@
                       <a:spcPts val="800"/>
                     </a:spcAft>
                   </a:pPr>
-                  <a14:m xmlns:m="http://schemas.openxmlformats.org/officeDocument/2006/math" xmlns:mc="http://schemas.openxmlformats.org/markup-compatibility/2006" xmlns:ho="http://schemas.haansoft.com/office/8.0" mc:Ignorable="ho" ho:hncCreate="1">
-                    <m:oMathPara>
+                  <a14:m>
+                    <m:oMathPara xmlns:m="http://schemas.openxmlformats.org/officeDocument/2006/math">
+                      <m:oMathParaPr>
+                        <m:jc m:val="centerGroup"/>
+                      </m:oMathParaPr>
                       <m:oMath xmlns:m="http://schemas.openxmlformats.org/officeDocument/2006/math">
                         <m:r>
                           <a:rPr lang="en-US" altLang="ko-KR" sz="1800" i="1" kern="100">
@@ -3826,23 +4152,56 @@
                       </m:oMath>
                     </m:oMathPara>
                   </a14:m>
+                  <a:endParaRPr dirty="0"/>
                 </a:p>
                 <a:p>
-                  <a14:m xmlns:m="http://schemas.openxmlformats.org/officeDocument/2006/math" xmlns:mc="http://schemas.openxmlformats.org/markup-compatibility/2006" xmlns:ho="http://schemas.haansoft.com/office/8.0" mc:Ignorable="ho" ho:hncCreate="1">
-                    <m:oMathPara>
+                  <a:pPr/>
+                  <a14:m>
+                    <m:oMathPara xmlns:m="http://schemas.openxmlformats.org/officeDocument/2006/math">
+                      <m:oMathParaPr>
+                        <m:jc m:val="centerGroup"/>
+                      </m:oMathParaPr>
                       <m:oMath xmlns:m="http://schemas.openxmlformats.org/officeDocument/2006/math">
                         <m:r>
                           <a:rPr lang="en-US" altLang="ko-KR" sz="1800" kern="100" dirty="0">
                             <a:effectLst/>
-                            <a:latin typeface="Arial Unicode MS" panose="020B0604020202020204" pitchFamily="50" charset="-127"/>
+                            <a:latin typeface="Cambria Math" panose="02040503050406030204" pitchFamily="18" charset="0"/>
                             <a:ea typeface="Arial Unicode MS" panose="020B0604020202020204" pitchFamily="50" charset="-127"/>
                             <a:cs typeface="Arial Unicode MS" panose="020B0604020202020204" pitchFamily="50" charset="-127"/>
                           </a:rPr>
-                          <m:t xml:space="preserve">Infill Density : </m:t>
+                          <m:t>𝐼𝑛𝑓𝑖𝑙𝑙</m:t>
+                        </m:r>
+                        <m:r>
+                          <a:rPr lang="en-US" altLang="ko-KR" sz="1800" kern="100" dirty="0">
+                            <a:effectLst/>
+                            <a:latin typeface="Cambria Math" panose="02040503050406030204" pitchFamily="18" charset="0"/>
+                            <a:ea typeface="Arial Unicode MS" panose="020B0604020202020204" pitchFamily="50" charset="-127"/>
+                            <a:cs typeface="Arial Unicode MS" panose="020B0604020202020204" pitchFamily="50" charset="-127"/>
+                          </a:rPr>
+                          <m:t> </m:t>
+                        </m:r>
+                        <m:r>
+                          <a:rPr lang="en-US" altLang="ko-KR" sz="1800" kern="100" dirty="0">
+                            <a:effectLst/>
+                            <a:latin typeface="Cambria Math" panose="02040503050406030204" pitchFamily="18" charset="0"/>
+                            <a:ea typeface="Arial Unicode MS" panose="020B0604020202020204" pitchFamily="50" charset="-127"/>
+                            <a:cs typeface="Arial Unicode MS" panose="020B0604020202020204" pitchFamily="50" charset="-127"/>
+                          </a:rPr>
+                          <m:t>𝐷𝑒𝑛𝑠𝑖𝑡𝑦</m:t>
+                        </m:r>
+                        <m:r>
+                          <a:rPr lang="en-US" altLang="ko-KR" sz="1800" kern="100" dirty="0">
+                            <a:effectLst/>
+                            <a:latin typeface="Cambria Math" panose="02040503050406030204" pitchFamily="18" charset="0"/>
+                            <a:ea typeface="Arial Unicode MS" panose="020B0604020202020204" pitchFamily="50" charset="-127"/>
+                            <a:cs typeface="Arial Unicode MS" panose="020B0604020202020204" pitchFamily="50" charset="-127"/>
+                          </a:rPr>
+                          <m:t> : </m:t>
                         </m:r>
                       </m:oMath>
                     </m:oMathPara>
                   </a14:m>
+                  <a:endParaRPr dirty="0"/>
                 </a:p>
                 <a:p>
                   <a:pPr latinLnBrk="1">
@@ -3850,8 +4209,11 @@
                       <a:spcPts val="800"/>
                     </a:spcAft>
                   </a:pPr>
-                  <a14:m xmlns:m="http://schemas.openxmlformats.org/officeDocument/2006/math" xmlns:mc="http://schemas.openxmlformats.org/markup-compatibility/2006" xmlns:ho="http://schemas.haansoft.com/office/8.0" mc:Ignorable="ho" ho:hncCreate="1">
-                    <m:oMathPara>
+                  <a14:m>
+                    <m:oMathPara xmlns:m="http://schemas.openxmlformats.org/officeDocument/2006/math">
+                      <m:oMathParaPr>
+                        <m:jc m:val="centerGroup"/>
+                      </m:oMathParaPr>
                       <m:oMath xmlns:m="http://schemas.openxmlformats.org/officeDocument/2006/math">
                         <m:r>
                           <a:rPr lang="en-US" altLang="ko-KR" sz="1800" i="1" kern="100">
@@ -3864,23 +4226,74 @@
                       </m:oMath>
                     </m:oMathPara>
                   </a14:m>
+                  <a:endParaRPr dirty="0"/>
                 </a:p>
                 <a:p>
-                  <a14:m xmlns:m="http://schemas.openxmlformats.org/officeDocument/2006/math" xmlns:mc="http://schemas.openxmlformats.org/markup-compatibility/2006" xmlns:ho="http://schemas.haansoft.com/office/8.0" mc:Ignorable="ho" ho:hncCreate="1">
-                    <m:oMathPara>
+                  <a:pPr/>
+                  <a14:m>
+                    <m:oMathPara xmlns:m="http://schemas.openxmlformats.org/officeDocument/2006/math">
+                      <m:oMathParaPr>
+                        <m:jc m:val="centerGroup"/>
+                      </m:oMathParaPr>
                       <m:oMath xmlns:m="http://schemas.openxmlformats.org/officeDocument/2006/math">
                         <m:r>
                           <a:rPr lang="en-US" altLang="ko-KR" sz="1800" kern="100" dirty="0">
                             <a:effectLst/>
-                            <a:latin typeface="Arial Unicode MS" panose="020B0604020202020204" pitchFamily="50" charset="-127"/>
+                            <a:latin typeface="Cambria Math" panose="02040503050406030204" pitchFamily="18" charset="0"/>
                             <a:ea typeface="Arial Unicode MS" panose="020B0604020202020204" pitchFamily="50" charset="-127"/>
                             <a:cs typeface="Arial Unicode MS" panose="020B0604020202020204" pitchFamily="50" charset="-127"/>
                           </a:rPr>
-                          <m:t xml:space="preserve">Fan Speed Max : </m:t>
+                          <m:t>𝐹𝑎𝑛</m:t>
+                        </m:r>
+                        <m:r>
+                          <a:rPr lang="en-US" altLang="ko-KR" sz="1800" kern="100" dirty="0">
+                            <a:effectLst/>
+                            <a:latin typeface="Cambria Math" panose="02040503050406030204" pitchFamily="18" charset="0"/>
+                            <a:ea typeface="Arial Unicode MS" panose="020B0604020202020204" pitchFamily="50" charset="-127"/>
+                            <a:cs typeface="Arial Unicode MS" panose="020B0604020202020204" pitchFamily="50" charset="-127"/>
+                          </a:rPr>
+                          <m:t> </m:t>
+                        </m:r>
+                        <m:r>
+                          <a:rPr lang="en-US" altLang="ko-KR" sz="1800" kern="100" dirty="0">
+                            <a:effectLst/>
+                            <a:latin typeface="Cambria Math" panose="02040503050406030204" pitchFamily="18" charset="0"/>
+                            <a:ea typeface="Arial Unicode MS" panose="020B0604020202020204" pitchFamily="50" charset="-127"/>
+                            <a:cs typeface="Arial Unicode MS" panose="020B0604020202020204" pitchFamily="50" charset="-127"/>
+                          </a:rPr>
+                          <m:t>𝑆𝑝𝑒𝑒𝑑</m:t>
+                        </m:r>
+                        <m:r>
+                          <a:rPr lang="en-US" altLang="ko-KR" sz="1800" kern="100" dirty="0">
+                            <a:effectLst/>
+                            <a:latin typeface="Cambria Math" panose="02040503050406030204" pitchFamily="18" charset="0"/>
+                            <a:ea typeface="Arial Unicode MS" panose="020B0604020202020204" pitchFamily="50" charset="-127"/>
+                            <a:cs typeface="Arial Unicode MS" panose="020B0604020202020204" pitchFamily="50" charset="-127"/>
+                          </a:rPr>
+                          <m:t> </m:t>
+                        </m:r>
+                        <m:r>
+                          <a:rPr lang="en-US" altLang="ko-KR" sz="1800" kern="100" dirty="0">
+                            <a:effectLst/>
+                            <a:latin typeface="Cambria Math" panose="02040503050406030204" pitchFamily="18" charset="0"/>
+                            <a:ea typeface="Arial Unicode MS" panose="020B0604020202020204" pitchFamily="50" charset="-127"/>
+                            <a:cs typeface="Arial Unicode MS" panose="020B0604020202020204" pitchFamily="50" charset="-127"/>
+                          </a:rPr>
+                          <m:t>𝑀𝑎𝑥</m:t>
+                        </m:r>
+                        <m:r>
+                          <a:rPr lang="en-US" altLang="ko-KR" sz="1800" kern="100" dirty="0">
+                            <a:effectLst/>
+                            <a:latin typeface="Cambria Math" panose="02040503050406030204" pitchFamily="18" charset="0"/>
+                            <a:ea typeface="Arial Unicode MS" panose="020B0604020202020204" pitchFamily="50" charset="-127"/>
+                            <a:cs typeface="Arial Unicode MS" panose="020B0604020202020204" pitchFamily="50" charset="-127"/>
+                          </a:rPr>
+                          <m:t> : </m:t>
                         </m:r>
                       </m:oMath>
                     </m:oMathPara>
                   </a14:m>
+                  <a:endParaRPr dirty="0"/>
                 </a:p>
                 <a:p>
                   <a:pPr latinLnBrk="1">
@@ -3888,8 +4301,11 @@
                       <a:spcPts val="800"/>
                     </a:spcAft>
                   </a:pPr>
-                  <a14:m xmlns:m="http://schemas.openxmlformats.org/officeDocument/2006/math" xmlns:mc="http://schemas.openxmlformats.org/markup-compatibility/2006" xmlns:ho="http://schemas.haansoft.com/office/8.0" mc:Ignorable="ho" ho:hncCreate="1">
-                    <m:oMathPara>
+                  <a14:m>
+                    <m:oMathPara xmlns:m="http://schemas.openxmlformats.org/officeDocument/2006/math">
+                      <m:oMathParaPr>
+                        <m:jc m:val="centerGroup"/>
+                      </m:oMathParaPr>
                       <m:oMath xmlns:m="http://schemas.openxmlformats.org/officeDocument/2006/math">
                         <m:r>
                           <a:rPr lang="en-US" altLang="ko-KR" sz="1800" i="1" kern="100">
@@ -3902,23 +4318,47 @@
                       </m:oMath>
                     </m:oMathPara>
                   </a14:m>
+                  <a:endParaRPr dirty="0"/>
                 </a:p>
                 <a:p>
-                  <a14:m xmlns:m="http://schemas.openxmlformats.org/officeDocument/2006/math" xmlns:mc="http://schemas.openxmlformats.org/markup-compatibility/2006" xmlns:ho="http://schemas.haansoft.com/office/8.0" mc:Ignorable="ho" ho:hncCreate="1">
-                    <m:oMathPara>
+                  <a:pPr/>
+                  <a14:m>
+                    <m:oMathPara xmlns:m="http://schemas.openxmlformats.org/officeDocument/2006/math">
+                      <m:oMathParaPr>
+                        <m:jc m:val="centerGroup"/>
+                      </m:oMathParaPr>
                       <m:oMath xmlns:m="http://schemas.openxmlformats.org/officeDocument/2006/math">
                         <m:r>
                           <a:rPr lang="en-US" altLang="ko-KR" sz="1800" kern="100" dirty="0">
                             <a:effectLst/>
-                            <a:latin typeface="Arial Unicode MS" panose="020B0604020202020204" pitchFamily="50" charset="-127"/>
+                            <a:latin typeface="Cambria Math" panose="02040503050406030204" pitchFamily="18" charset="0"/>
                             <a:ea typeface="Arial Unicode MS" panose="020B0604020202020204" pitchFamily="50" charset="-127"/>
                             <a:cs typeface="Arial Unicode MS" panose="020B0604020202020204" pitchFamily="50" charset="-127"/>
                           </a:rPr>
-                          <m:t xml:space="preserve">	  Min : </m:t>
+                          <m:t>	  </m:t>
+                        </m:r>
+                        <m:r>
+                          <a:rPr lang="en-US" altLang="ko-KR" sz="1800" kern="100" dirty="0">
+                            <a:effectLst/>
+                            <a:latin typeface="Cambria Math" panose="02040503050406030204" pitchFamily="18" charset="0"/>
+                            <a:ea typeface="Arial Unicode MS" panose="020B0604020202020204" pitchFamily="50" charset="-127"/>
+                            <a:cs typeface="Arial Unicode MS" panose="020B0604020202020204" pitchFamily="50" charset="-127"/>
+                          </a:rPr>
+                          <m:t>𝑀𝑖𝑛</m:t>
+                        </m:r>
+                        <m:r>
+                          <a:rPr lang="en-US" altLang="ko-KR" sz="1800" kern="100" dirty="0">
+                            <a:effectLst/>
+                            <a:latin typeface="Cambria Math" panose="02040503050406030204" pitchFamily="18" charset="0"/>
+                            <a:ea typeface="Arial Unicode MS" panose="020B0604020202020204" pitchFamily="50" charset="-127"/>
+                            <a:cs typeface="Arial Unicode MS" panose="020B0604020202020204" pitchFamily="50" charset="-127"/>
+                          </a:rPr>
+                          <m:t> : </m:t>
                         </m:r>
                       </m:oMath>
                     </m:oMathPara>
                   </a14:m>
+                  <a:endParaRPr dirty="0"/>
                 </a:p>
                 <a:p>
                   <a:pPr latinLnBrk="1">
@@ -3926,8 +4366,11 @@
                       <a:spcPts val="800"/>
                     </a:spcAft>
                   </a:pPr>
-                  <a14:m xmlns:m="http://schemas.openxmlformats.org/officeDocument/2006/math" xmlns:mc="http://schemas.openxmlformats.org/markup-compatibility/2006" xmlns:ho="http://schemas.haansoft.com/office/8.0" mc:Ignorable="ho" ho:hncCreate="1">
-                    <m:oMathPara>
+                  <a14:m>
+                    <m:oMathPara xmlns:m="http://schemas.openxmlformats.org/officeDocument/2006/math">
+                      <m:oMathParaPr>
+                        <m:jc m:val="centerGroup"/>
+                      </m:oMathParaPr>
                       <m:oMath xmlns:m="http://schemas.openxmlformats.org/officeDocument/2006/math">
                         <m:r>
                           <a:rPr lang="en-US" altLang="ko-KR" sz="1800" i="1" kern="100">
@@ -3940,23 +4383,56 @@
                       </m:oMath>
                     </m:oMathPara>
                   </a14:m>
+                  <a:endParaRPr dirty="0"/>
                 </a:p>
                 <a:p>
-                  <a14:m xmlns:m="http://schemas.openxmlformats.org/officeDocument/2006/math" xmlns:mc="http://schemas.openxmlformats.org/markup-compatibility/2006" xmlns:ho="http://schemas.haansoft.com/office/8.0" mc:Ignorable="ho" ho:hncCreate="1">
-                    <m:oMathPara>
+                  <a:pPr/>
+                  <a14:m>
+                    <m:oMathPara xmlns:m="http://schemas.openxmlformats.org/officeDocument/2006/math">
+                      <m:oMathParaPr>
+                        <m:jc m:val="centerGroup"/>
+                      </m:oMathParaPr>
                       <m:oMath xmlns:m="http://schemas.openxmlformats.org/officeDocument/2006/math">
                         <m:r>
                           <a:rPr lang="en-US" altLang="ko-KR" sz="1800" kern="100" dirty="0">
                             <a:effectLst/>
-                            <a:latin typeface="Arial Unicode MS" panose="020B0604020202020204" pitchFamily="50" charset="-127"/>
+                            <a:latin typeface="Cambria Math" panose="02040503050406030204" pitchFamily="18" charset="0"/>
                             <a:ea typeface="Arial Unicode MS" panose="020B0604020202020204" pitchFamily="50" charset="-127"/>
                             <a:cs typeface="Arial Unicode MS" panose="020B0604020202020204" pitchFamily="50" charset="-127"/>
                           </a:rPr>
-                          <m:t xml:space="preserve">Extrusion Multiplier : </m:t>
+                          <m:t>𝐸𝑥𝑡𝑟𝑢𝑠𝑖𝑜𝑛</m:t>
+                        </m:r>
+                        <m:r>
+                          <a:rPr lang="en-US" altLang="ko-KR" sz="1800" kern="100" dirty="0">
+                            <a:effectLst/>
+                            <a:latin typeface="Cambria Math" panose="02040503050406030204" pitchFamily="18" charset="0"/>
+                            <a:ea typeface="Arial Unicode MS" panose="020B0604020202020204" pitchFamily="50" charset="-127"/>
+                            <a:cs typeface="Arial Unicode MS" panose="020B0604020202020204" pitchFamily="50" charset="-127"/>
+                          </a:rPr>
+                          <m:t> </m:t>
+                        </m:r>
+                        <m:r>
+                          <a:rPr lang="en-US" altLang="ko-KR" sz="1800" kern="100" dirty="0">
+                            <a:effectLst/>
+                            <a:latin typeface="Cambria Math" panose="02040503050406030204" pitchFamily="18" charset="0"/>
+                            <a:ea typeface="Arial Unicode MS" panose="020B0604020202020204" pitchFamily="50" charset="-127"/>
+                            <a:cs typeface="Arial Unicode MS" panose="020B0604020202020204" pitchFamily="50" charset="-127"/>
+                          </a:rPr>
+                          <m:t>𝑀𝑢𝑙𝑡𝑖𝑝𝑙𝑖𝑒𝑟</m:t>
+                        </m:r>
+                        <m:r>
+                          <a:rPr lang="en-US" altLang="ko-KR" sz="1800" kern="100" dirty="0">
+                            <a:effectLst/>
+                            <a:latin typeface="Cambria Math" panose="02040503050406030204" pitchFamily="18" charset="0"/>
+                            <a:ea typeface="Arial Unicode MS" panose="020B0604020202020204" pitchFamily="50" charset="-127"/>
+                            <a:cs typeface="Arial Unicode MS" panose="020B0604020202020204" pitchFamily="50" charset="-127"/>
+                          </a:rPr>
+                          <m:t> : </m:t>
                         </m:r>
                       </m:oMath>
                     </m:oMathPara>
                   </a14:m>
+                  <a:endParaRPr dirty="0"/>
                 </a:p>
                 <a:p>
                   <a:pPr latinLnBrk="1">
@@ -3964,8 +4440,11 @@
                       <a:spcPts val="800"/>
                     </a:spcAft>
                   </a:pPr>
-                  <a14:m xmlns:m="http://schemas.openxmlformats.org/officeDocument/2006/math" xmlns:mc="http://schemas.openxmlformats.org/markup-compatibility/2006" xmlns:ho="http://schemas.haansoft.com/office/8.0" mc:Ignorable="ho" ho:hncCreate="1">
-                    <m:oMathPara>
+                  <a14:m>
+                    <m:oMathPara xmlns:m="http://schemas.openxmlformats.org/officeDocument/2006/math">
+                      <m:oMathParaPr>
+                        <m:jc m:val="centerGroup"/>
+                      </m:oMathParaPr>
                       <m:oMath xmlns:m="http://schemas.openxmlformats.org/officeDocument/2006/math">
                         <m:r>
                           <a:rPr lang="en-US" altLang="ko-KR" sz="1800" i="1" kern="100">
@@ -3978,23 +4457,56 @@
                       </m:oMath>
                     </m:oMathPara>
                   </a14:m>
+                  <a:endParaRPr dirty="0"/>
                 </a:p>
                 <a:p>
-                  <a14:m xmlns:m="http://schemas.openxmlformats.org/officeDocument/2006/math" xmlns:mc="http://schemas.openxmlformats.org/markup-compatibility/2006" xmlns:ho="http://schemas.haansoft.com/office/8.0" mc:Ignorable="ho" ho:hncCreate="1">
-                    <m:oMathPara>
+                  <a:pPr/>
+                  <a14:m>
+                    <m:oMathPara xmlns:m="http://schemas.openxmlformats.org/officeDocument/2006/math">
+                      <m:oMathParaPr>
+                        <m:jc m:val="centerGroup"/>
+                      </m:oMathParaPr>
                       <m:oMath xmlns:m="http://schemas.openxmlformats.org/officeDocument/2006/math">
                         <m:r>
                           <a:rPr lang="en-US" altLang="ko-KR" sz="1800" kern="100" dirty="0">
                             <a:effectLst/>
-                            <a:latin typeface="Arial Unicode MS" panose="020B0604020202020204" pitchFamily="50" charset="-127"/>
+                            <a:latin typeface="Cambria Math" panose="02040503050406030204" pitchFamily="18" charset="0"/>
                             <a:ea typeface="Arial Unicode MS" panose="020B0604020202020204" pitchFamily="50" charset="-127"/>
                             <a:cs typeface="Arial Unicode MS" panose="020B0604020202020204" pitchFamily="50" charset="-127"/>
                           </a:rPr>
-                          <m:t xml:space="preserve">Retraction Length : </m:t>
+                          <m:t>𝑅𝑒𝑡𝑟𝑎𝑐𝑡𝑖𝑜𝑛</m:t>
+                        </m:r>
+                        <m:r>
+                          <a:rPr lang="en-US" altLang="ko-KR" sz="1800" kern="100" dirty="0">
+                            <a:effectLst/>
+                            <a:latin typeface="Cambria Math" panose="02040503050406030204" pitchFamily="18" charset="0"/>
+                            <a:ea typeface="Arial Unicode MS" panose="020B0604020202020204" pitchFamily="50" charset="-127"/>
+                            <a:cs typeface="Arial Unicode MS" panose="020B0604020202020204" pitchFamily="50" charset="-127"/>
+                          </a:rPr>
+                          <m:t> </m:t>
+                        </m:r>
+                        <m:r>
+                          <a:rPr lang="en-US" altLang="ko-KR" sz="1800" kern="100" dirty="0">
+                            <a:effectLst/>
+                            <a:latin typeface="Cambria Math" panose="02040503050406030204" pitchFamily="18" charset="0"/>
+                            <a:ea typeface="Arial Unicode MS" panose="020B0604020202020204" pitchFamily="50" charset="-127"/>
+                            <a:cs typeface="Arial Unicode MS" panose="020B0604020202020204" pitchFamily="50" charset="-127"/>
+                          </a:rPr>
+                          <m:t>𝐿𝑒𝑛𝑔𝑡h</m:t>
+                        </m:r>
+                        <m:r>
+                          <a:rPr lang="en-US" altLang="ko-KR" sz="1800" kern="100" dirty="0">
+                            <a:effectLst/>
+                            <a:latin typeface="Cambria Math" panose="02040503050406030204" pitchFamily="18" charset="0"/>
+                            <a:ea typeface="Arial Unicode MS" panose="020B0604020202020204" pitchFamily="50" charset="-127"/>
+                            <a:cs typeface="Arial Unicode MS" panose="020B0604020202020204" pitchFamily="50" charset="-127"/>
+                          </a:rPr>
+                          <m:t> : </m:t>
                         </m:r>
                       </m:oMath>
                     </m:oMathPara>
                   </a14:m>
+                  <a:endParaRPr dirty="0"/>
                 </a:p>
                 <a:p>
                   <a:pPr latinLnBrk="1">
@@ -4002,8 +4514,11 @@
                       <a:spcPts val="800"/>
                     </a:spcAft>
                   </a:pPr>
-                  <a14:m xmlns:m="http://schemas.openxmlformats.org/officeDocument/2006/math" xmlns:mc="http://schemas.openxmlformats.org/markup-compatibility/2006" xmlns:ho="http://schemas.haansoft.com/office/8.0" mc:Ignorable="ho" ho:hncCreate="1">
-                    <m:oMathPara>
+                  <a14:m>
+                    <m:oMathPara xmlns:m="http://schemas.openxmlformats.org/officeDocument/2006/math">
+                      <m:oMathParaPr>
+                        <m:jc m:val="centerGroup"/>
+                      </m:oMathParaPr>
                       <m:oMath xmlns:m="http://schemas.openxmlformats.org/officeDocument/2006/math">
                         <m:r>
                           <a:rPr lang="en-US" altLang="ko-KR" sz="1800" i="1" kern="100">
@@ -4024,23 +4539,56 @@
                       </m:oMath>
                     </m:oMathPara>
                   </a14:m>
+                  <a:endParaRPr dirty="0"/>
                 </a:p>
                 <a:p>
-                  <a14:m xmlns:m="http://schemas.openxmlformats.org/officeDocument/2006/math" xmlns:mc="http://schemas.openxmlformats.org/markup-compatibility/2006" xmlns:ho="http://schemas.haansoft.com/office/8.0" mc:Ignorable="ho" ho:hncCreate="1">
-                    <m:oMathPara>
+                  <a:pPr/>
+                  <a14:m>
+                    <m:oMathPara xmlns:m="http://schemas.openxmlformats.org/officeDocument/2006/math">
+                      <m:oMathParaPr>
+                        <m:jc m:val="centerGroup"/>
+                      </m:oMathParaPr>
                       <m:oMath xmlns:m="http://schemas.openxmlformats.org/officeDocument/2006/math">
                         <m:r>
                           <a:rPr lang="en-US" altLang="ko-KR" sz="1800" kern="100" dirty="0">
                             <a:effectLst/>
-                            <a:latin typeface="Arial Unicode MS" panose="020B0604020202020204" pitchFamily="50" charset="-127"/>
+                            <a:latin typeface="Cambria Math" panose="02040503050406030204" pitchFamily="18" charset="0"/>
                             <a:ea typeface="Arial Unicode MS" panose="020B0604020202020204" pitchFamily="50" charset="-127"/>
                             <a:cs typeface="Arial Unicode MS" panose="020B0604020202020204" pitchFamily="50" charset="-127"/>
                           </a:rPr>
-                          <m:t xml:space="preserve">Retraction Speed : </m:t>
+                          <m:t>𝑅𝑒𝑡𝑟𝑎𝑐𝑡𝑖𝑜𝑛</m:t>
+                        </m:r>
+                        <m:r>
+                          <a:rPr lang="en-US" altLang="ko-KR" sz="1800" kern="100" dirty="0">
+                            <a:effectLst/>
+                            <a:latin typeface="Cambria Math" panose="02040503050406030204" pitchFamily="18" charset="0"/>
+                            <a:ea typeface="Arial Unicode MS" panose="020B0604020202020204" pitchFamily="50" charset="-127"/>
+                            <a:cs typeface="Arial Unicode MS" panose="020B0604020202020204" pitchFamily="50" charset="-127"/>
+                          </a:rPr>
+                          <m:t> </m:t>
+                        </m:r>
+                        <m:r>
+                          <a:rPr lang="en-US" altLang="ko-KR" sz="1800" kern="100" dirty="0">
+                            <a:effectLst/>
+                            <a:latin typeface="Cambria Math" panose="02040503050406030204" pitchFamily="18" charset="0"/>
+                            <a:ea typeface="Arial Unicode MS" panose="020B0604020202020204" pitchFamily="50" charset="-127"/>
+                            <a:cs typeface="Arial Unicode MS" panose="020B0604020202020204" pitchFamily="50" charset="-127"/>
+                          </a:rPr>
+                          <m:t>𝑆𝑝𝑒𝑒𝑑</m:t>
+                        </m:r>
+                        <m:r>
+                          <a:rPr lang="en-US" altLang="ko-KR" sz="1800" kern="100" dirty="0">
+                            <a:effectLst/>
+                            <a:latin typeface="Cambria Math" panose="02040503050406030204" pitchFamily="18" charset="0"/>
+                            <a:ea typeface="Arial Unicode MS" panose="020B0604020202020204" pitchFamily="50" charset="-127"/>
+                            <a:cs typeface="Arial Unicode MS" panose="020B0604020202020204" pitchFamily="50" charset="-127"/>
+                          </a:rPr>
+                          <m:t> : </m:t>
                         </m:r>
                       </m:oMath>
                     </m:oMathPara>
                   </a14:m>
+                  <a:endParaRPr dirty="0"/>
                 </a:p>
                 <a:p>
                   <a:pPr latinLnBrk="1">
@@ -4048,8 +4596,11 @@
                       <a:spcPts val="800"/>
                     </a:spcAft>
                   </a:pPr>
-                  <a14:m xmlns:m="http://schemas.openxmlformats.org/officeDocument/2006/math" xmlns:mc="http://schemas.openxmlformats.org/markup-compatibility/2006" xmlns:ho="http://schemas.haansoft.com/office/8.0" mc:Ignorable="ho" ho:hncCreate="1">
-                    <m:oMathPara>
+                  <a14:m>
+                    <m:oMathPara xmlns:m="http://schemas.openxmlformats.org/officeDocument/2006/math">
+                      <m:oMathParaPr>
+                        <m:jc m:val="centerGroup"/>
+                      </m:oMathParaPr>
                       <m:oMath xmlns:m="http://schemas.openxmlformats.org/officeDocument/2006/math">
                         <m:r>
                           <a:rPr lang="en-US" altLang="ko-KR" sz="1800" i="1" kern="100">
@@ -4132,27 +4683,33 @@
                       </m:oMath>
                     </m:oMathPara>
                   </a14:m>
+                  <a:endParaRPr dirty="0"/>
                 </a:p>
                 <a:p>
-                  <a14:m xmlns:m="http://schemas.openxmlformats.org/officeDocument/2006/math" xmlns:mc="http://schemas.openxmlformats.org/markup-compatibility/2006" xmlns:ho="http://schemas.haansoft.com/office/8.0" mc:Ignorable="ho" ho:hncCreate="1">
-                    <m:oMathPara>
+                  <a:pPr/>
+                  <a14:m>
+                    <m:oMathPara xmlns:m="http://schemas.openxmlformats.org/officeDocument/2006/math">
+                      <m:oMathParaPr>
+                        <m:jc m:val="centerGroup"/>
+                      </m:oMathParaPr>
                       <m:oMath xmlns:m="http://schemas.openxmlformats.org/officeDocument/2006/math">
                         <m:r>
                           <a:rPr lang="en-US" altLang="ko-KR" sz="1800" kern="100" dirty="0">
                             <a:effectLst/>
-                            <a:latin typeface="Times New Roman" panose="02020603050405020304" pitchFamily="18" charset="0"/>
+                            <a:latin typeface="Cambria Math" panose="02040503050406030204" pitchFamily="18" charset="0"/>
                             <a:ea typeface="맑은 고딕" panose="020B0503020000020004" pitchFamily="50" charset="-127"/>
                           </a:rPr>
-                          <m:t xml:space="preserve"> </m:t>
+                          <m:t> </m:t>
                         </m:r>
                       </m:oMath>
                     </m:oMathPara>
                   </a14:m>
+                  <a:endParaRPr dirty="0"/>
                 </a:p>
               </p:txBody>
             </p:sp>
           </mc:Choice>
-          <mc:Fallback>
+          <mc:Fallback xmlns:dsp="http://schemas.microsoft.com/office/drawing/2008/diagram" xmlns:dgm="http://schemas.openxmlformats.org/drawingml/2006/diagram" xmlns:c="http://schemas.openxmlformats.org/drawingml/2006/chart" xmlns="">
             <p:sp>
               <p:nvSpPr>
                 <p:cNvPr id="4" name=""/>
@@ -4231,11 +4788,11 @@
   <p:clrMapOvr>
     <a:masterClrMapping/>
   </p:clrMapOvr>
-  <mc:AlternateContent xmlns:mc="http://schemas.openxmlformats.org/markup-compatibility/2006">
-    <mc:Choice xmlns:p14="http://schemas.microsoft.com/office/powerpoint/2010/main" Requires="p14">
-      <p:transition xmlns:mc="http://schemas.openxmlformats.org/markup-compatibility/2006" xmlns:p14="http://schemas.microsoft.com/office/powerpoint/2010/main" mc:Ignorable="p14" p14:dur="500"/>
+  <mc:AlternateContent xmlns:mc="http://schemas.openxmlformats.org/markup-compatibility/2006" xmlns:p14="http://schemas.microsoft.com/office/powerpoint/2010/main">
+    <mc:Choice Requires="p14">
+      <p:transition/>
     </mc:Choice>
-    <mc:Fallback>
+    <mc:Fallback xmlns:a14="http://schemas.microsoft.com/office/drawing/2010/main" xmlns:dsp="http://schemas.microsoft.com/office/drawing/2008/diagram" xmlns:dgm="http://schemas.openxmlformats.org/drawingml/2006/diagram" xmlns:c="http://schemas.openxmlformats.org/drawingml/2006/chart" xmlns="">
       <p:transition/>
     </mc:Fallback>
   </mc:AlternateContent>
@@ -5724,44 +6281,44 @@
 </file>
 
 <file path=ppt/theme/theme1.xml><?xml version="1.0" encoding="utf-8"?>
-<a:theme xmlns:r="http://schemas.openxmlformats.org/officeDocument/2006/relationships" xmlns:c="http://schemas.openxmlformats.org/drawingml/2006/chart" xmlns:dgm="http://schemas.openxmlformats.org/drawingml/2006/diagram" xmlns:dsp="http://schemas.microsoft.com/office/drawing/2008/diagram" xmlns:a="http://schemas.openxmlformats.org/drawingml/2006/main" xmlns:pic="http://schemas.openxmlformats.org/drawingml/2006/picture" xmlns:wp="http://schemas.openxmlformats.org/drawingml/2006/wordprocessingDrawing" xmlns:xdr="http://schemas.openxmlformats.org/drawingml/2006/spreadsheetDrawing" xmlns:lc="http://schemas.openxmlformats.org/drawingml/2006/lockedCanvas" xmlns:p="http://schemas.openxmlformats.org/presentationml/2006/main" name="Office 테마">
+<a:theme xmlns:a="http://schemas.openxmlformats.org/drawingml/2006/main" name="Office 테마">
   <a:themeElements>
     <a:clrScheme name="Office">
       <a:dk1>
         <a:sysClr val="windowText" lastClr="000000"/>
       </a:dk1>
       <a:lt1>
-        <a:sysClr val="window" lastClr="ffffff"/>
+        <a:sysClr val="window" lastClr="FFFFFF"/>
       </a:lt1>
       <a:dk2>
-        <a:srgbClr val="0e2841"/>
+        <a:srgbClr val="0E2841"/>
       </a:dk2>
       <a:lt2>
-        <a:srgbClr val="e8e8e8"/>
+        <a:srgbClr val="E8E8E8"/>
       </a:lt2>
       <a:accent1>
         <a:srgbClr val="156082"/>
       </a:accent1>
       <a:accent2>
-        <a:srgbClr val="e97132"/>
+        <a:srgbClr val="E97132"/>
       </a:accent2>
       <a:accent3>
-        <a:srgbClr val="196b24"/>
+        <a:srgbClr val="196B24"/>
       </a:accent3>
       <a:accent4>
-        <a:srgbClr val="0f9ed5"/>
+        <a:srgbClr val="0F9ED5"/>
       </a:accent4>
       <a:accent5>
-        <a:srgbClr val="a02b93"/>
+        <a:srgbClr val="A02B93"/>
       </a:accent5>
       <a:accent6>
-        <a:srgbClr val="4ea72e"/>
+        <a:srgbClr val="4EA72E"/>
       </a:accent6>
       <a:hlink>
         <a:srgbClr val="467886"/>
       </a:hlink>
       <a:folHlink>
-        <a:srgbClr val="96607d"/>
+        <a:srgbClr val="96607D"/>
       </a:folHlink>
     </a:clrScheme>
     <a:fontScheme name="Office">
@@ -6055,5 +6612,6 @@
       <a:lstStyle/>
     </a:txDef>
   </a:objectDefaults>
+  <a:extraClrSchemeLst/>
 </a:theme>
 </file>
--- a/LabLog.pptx
+++ b/LabLog.pptx
@@ -9,9 +9,19 @@
     <p:sldId id="257" r:id="rId3"/>
     <p:sldId id="258" r:id="rId4"/>
     <p:sldId id="259" r:id="rId5"/>
-    <p:sldId id="260" r:id="rId6"/>
-    <p:sldId id="261" r:id="rId7"/>
-    <p:sldId id="262" r:id="rId8"/>
+    <p:sldId id="262" r:id="rId6"/>
+    <p:sldId id="263" r:id="rId7"/>
+    <p:sldId id="264" r:id="rId8"/>
+    <p:sldId id="260" r:id="rId9"/>
+    <p:sldId id="261" r:id="rId10"/>
+    <p:sldId id="265" r:id="rId11"/>
+    <p:sldId id="266" r:id="rId12"/>
+    <p:sldId id="267" r:id="rId13"/>
+    <p:sldId id="268" r:id="rId14"/>
+    <p:sldId id="269" r:id="rId15"/>
+    <p:sldId id="270" r:id="rId16"/>
+    <p:sldId id="271" r:id="rId17"/>
+    <p:sldId id="272" r:id="rId18"/>
   </p:sldIdLst>
   <p:sldSz cx="12192000" cy="6858000"/>
   <p:notesSz cx="6858000" cy="9144000"/>
@@ -118,23 +128,31 @@
 </p:presentation>
 </file>
 
+<file path=ppt/revisionInfo.xml><?xml version="1.0" encoding="utf-8"?>
+<p1510:revInfo xmlns:a="http://schemas.openxmlformats.org/drawingml/2006/main" xmlns:r="http://schemas.openxmlformats.org/officeDocument/2006/relationships" xmlns:p1510="http://schemas.microsoft.com/office/powerpoint/2015/10/main">
+  <p1510:revLst>
+    <p1510:client id="{B85301CE-5477-420D-98B8-2A5B4FD7B43E}" v="6" dt="2024-08-09T02:00:49.746"/>
+  </p1510:revLst>
+</p1510:revInfo>
+</file>
+
 <file path=ppt/changesInfos/changesInfo1.xml><?xml version="1.0" encoding="utf-8"?>
 <pc:chgInfo xmlns:a="http://schemas.openxmlformats.org/drawingml/2006/main" xmlns:r="http://schemas.openxmlformats.org/officeDocument/2006/relationships" xmlns:ac="http://schemas.microsoft.com/office/drawing/2013/main/command" xmlns:pc="http://schemas.microsoft.com/office/powerpoint/2013/main/command">
   <pc:docChgLst>
     <pc:chgData name="민서 오" userId="7d89e7b822021c56" providerId="LiveId" clId="{B85301CE-5477-420D-98B8-2A5B4FD7B43E}"/>
-    <pc:docChg chg="modSld">
-      <pc:chgData name="민서 오" userId="7d89e7b822021c56" providerId="LiveId" clId="{B85301CE-5477-420D-98B8-2A5B4FD7B43E}" dt="2024-08-06T03:28:03.549" v="31" actId="1076"/>
+    <pc:docChg chg="undo custSel addSld delSld modSld">
+      <pc:chgData name="민서 오" userId="7d89e7b822021c56" providerId="LiveId" clId="{B85301CE-5477-420D-98B8-2A5B4FD7B43E}" dt="2024-08-09T02:01:12.982" v="82" actId="20577"/>
       <pc:docMkLst>
         <pc:docMk/>
       </pc:docMkLst>
-      <pc:sldChg chg="modSp mod">
-        <pc:chgData name="민서 오" userId="7d89e7b822021c56" providerId="LiveId" clId="{B85301CE-5477-420D-98B8-2A5B4FD7B43E}" dt="2024-08-06T03:27:53.420" v="30" actId="20577"/>
+      <pc:sldChg chg="modSp add del mod">
+        <pc:chgData name="민서 오" userId="7d89e7b822021c56" providerId="LiveId" clId="{B85301CE-5477-420D-98B8-2A5B4FD7B43E}" dt="2024-08-09T02:01:12.982" v="82" actId="20577"/>
         <pc:sldMkLst>
           <pc:docMk/>
           <pc:sldMk cId="0" sldId="256"/>
         </pc:sldMkLst>
         <pc:spChg chg="mod">
-          <ac:chgData name="민서 오" userId="7d89e7b822021c56" providerId="LiveId" clId="{B85301CE-5477-420D-98B8-2A5B4FD7B43E}" dt="2024-08-06T03:27:53.420" v="30" actId="20577"/>
+          <ac:chgData name="민서 오" userId="7d89e7b822021c56" providerId="LiveId" clId="{B85301CE-5477-420D-98B8-2A5B4FD7B43E}" dt="2024-08-09T02:01:12.982" v="82" actId="20577"/>
           <ac:spMkLst>
             <pc:docMk/>
             <pc:sldMk cId="0" sldId="256"/>
@@ -142,8 +160,15 @@
           </ac:spMkLst>
         </pc:spChg>
       </pc:sldChg>
-      <pc:sldChg chg="modSp mod">
-        <pc:chgData name="민서 오" userId="7d89e7b822021c56" providerId="LiveId" clId="{B85301CE-5477-420D-98B8-2A5B4FD7B43E}" dt="2024-08-06T03:28:03.549" v="31" actId="1076"/>
+      <pc:sldChg chg="add del">
+        <pc:chgData name="민서 오" userId="7d89e7b822021c56" providerId="LiveId" clId="{B85301CE-5477-420D-98B8-2A5B4FD7B43E}" dt="2024-08-09T02:00:44.354" v="37"/>
+        <pc:sldMkLst>
+          <pc:docMk/>
+          <pc:sldMk cId="3256057856" sldId="256"/>
+        </pc:sldMkLst>
+      </pc:sldChg>
+      <pc:sldChg chg="modSp add del mod">
+        <pc:chgData name="민서 오" userId="7d89e7b822021c56" providerId="LiveId" clId="{B85301CE-5477-420D-98B8-2A5B4FD7B43E}" dt="2024-08-09T02:00:49.452" v="39" actId="47"/>
         <pc:sldMkLst>
           <pc:docMk/>
           <pc:sldMk cId="0" sldId="257"/>
@@ -156,6 +181,209 @@
             <ac:grpSpMk id="2" creationId="{00000000-0000-0000-0000-000000000000}"/>
           </ac:grpSpMkLst>
         </pc:grpChg>
+      </pc:sldChg>
+      <pc:sldChg chg="add del">
+        <pc:chgData name="민서 오" userId="7d89e7b822021c56" providerId="LiveId" clId="{B85301CE-5477-420D-98B8-2A5B4FD7B43E}" dt="2024-08-09T02:00:49.741" v="40"/>
+        <pc:sldMkLst>
+          <pc:docMk/>
+          <pc:sldMk cId="1317432533" sldId="257"/>
+        </pc:sldMkLst>
+      </pc:sldChg>
+      <pc:sldChg chg="add del">
+        <pc:chgData name="민서 오" userId="7d89e7b822021c56" providerId="LiveId" clId="{B85301CE-5477-420D-98B8-2A5B4FD7B43E}" dt="2024-08-09T02:00:44.354" v="37"/>
+        <pc:sldMkLst>
+          <pc:docMk/>
+          <pc:sldMk cId="2937466682" sldId="258"/>
+        </pc:sldMkLst>
+      </pc:sldChg>
+      <pc:sldChg chg="add del">
+        <pc:chgData name="민서 오" userId="7d89e7b822021c56" providerId="LiveId" clId="{B85301CE-5477-420D-98B8-2A5B4FD7B43E}" dt="2024-08-09T02:00:49.741" v="40"/>
+        <pc:sldMkLst>
+          <pc:docMk/>
+          <pc:sldMk cId="3256057856" sldId="258"/>
+        </pc:sldMkLst>
+      </pc:sldChg>
+      <pc:sldChg chg="add del">
+        <pc:chgData name="민서 오" userId="7d89e7b822021c56" providerId="LiveId" clId="{B85301CE-5477-420D-98B8-2A5B4FD7B43E}" dt="2024-08-09T02:00:44.354" v="37"/>
+        <pc:sldMkLst>
+          <pc:docMk/>
+          <pc:sldMk cId="323906404" sldId="259"/>
+        </pc:sldMkLst>
+      </pc:sldChg>
+      <pc:sldChg chg="add del">
+        <pc:chgData name="민서 오" userId="7d89e7b822021c56" providerId="LiveId" clId="{B85301CE-5477-420D-98B8-2A5B4FD7B43E}" dt="2024-08-09T02:00:49.741" v="40"/>
+        <pc:sldMkLst>
+          <pc:docMk/>
+          <pc:sldMk cId="2937466682" sldId="259"/>
+        </pc:sldMkLst>
+      </pc:sldChg>
+      <pc:sldChg chg="add del">
+        <pc:chgData name="민서 오" userId="7d89e7b822021c56" providerId="LiveId" clId="{B85301CE-5477-420D-98B8-2A5B4FD7B43E}" dt="2024-08-09T02:00:49.452" v="39" actId="47"/>
+        <pc:sldMkLst>
+          <pc:docMk/>
+          <pc:sldMk cId="323906404" sldId="260"/>
+        </pc:sldMkLst>
+      </pc:sldChg>
+      <pc:sldChg chg="add del">
+        <pc:chgData name="민서 오" userId="7d89e7b822021c56" providerId="LiveId" clId="{B85301CE-5477-420D-98B8-2A5B4FD7B43E}" dt="2024-08-09T02:00:49.741" v="40"/>
+        <pc:sldMkLst>
+          <pc:docMk/>
+          <pc:sldMk cId="1299342871" sldId="260"/>
+        </pc:sldMkLst>
+      </pc:sldChg>
+      <pc:sldChg chg="add del">
+        <pc:chgData name="민서 오" userId="7d89e7b822021c56" providerId="LiveId" clId="{B85301CE-5477-420D-98B8-2A5B4FD7B43E}" dt="2024-08-09T02:00:49.452" v="39" actId="47"/>
+        <pc:sldMkLst>
+          <pc:docMk/>
+          <pc:sldMk cId="1299342871" sldId="261"/>
+        </pc:sldMkLst>
+      </pc:sldChg>
+      <pc:sldChg chg="add del">
+        <pc:chgData name="민서 오" userId="7d89e7b822021c56" providerId="LiveId" clId="{B85301CE-5477-420D-98B8-2A5B4FD7B43E}" dt="2024-08-09T02:00:49.741" v="40"/>
+        <pc:sldMkLst>
+          <pc:docMk/>
+          <pc:sldMk cId="3201859866" sldId="261"/>
+        </pc:sldMkLst>
+      </pc:sldChg>
+      <pc:sldChg chg="add del">
+        <pc:chgData name="민서 오" userId="7d89e7b822021c56" providerId="LiveId" clId="{B85301CE-5477-420D-98B8-2A5B4FD7B43E}" dt="2024-08-09T02:00:49.741" v="40"/>
+        <pc:sldMkLst>
+          <pc:docMk/>
+          <pc:sldMk cId="1481339670" sldId="262"/>
+        </pc:sldMkLst>
+      </pc:sldChg>
+      <pc:sldChg chg="add del">
+        <pc:chgData name="민서 오" userId="7d89e7b822021c56" providerId="LiveId" clId="{B85301CE-5477-420D-98B8-2A5B4FD7B43E}" dt="2024-08-09T02:00:49.452" v="39" actId="47"/>
+        <pc:sldMkLst>
+          <pc:docMk/>
+          <pc:sldMk cId="3201859866" sldId="262"/>
+        </pc:sldMkLst>
+      </pc:sldChg>
+      <pc:sldChg chg="add">
+        <pc:chgData name="민서 오" userId="7d89e7b822021c56" providerId="LiveId" clId="{B85301CE-5477-420D-98B8-2A5B4FD7B43E}" dt="2024-08-09T02:00:49.741" v="40"/>
+        <pc:sldMkLst>
+          <pc:docMk/>
+          <pc:sldMk cId="323906404" sldId="263"/>
+        </pc:sldMkLst>
+      </pc:sldChg>
+      <pc:sldChg chg="add del">
+        <pc:chgData name="민서 오" userId="7d89e7b822021c56" providerId="LiveId" clId="{B85301CE-5477-420D-98B8-2A5B4FD7B43E}" dt="2024-08-09T02:00:44.354" v="37"/>
+        <pc:sldMkLst>
+          <pc:docMk/>
+          <pc:sldMk cId="1713032812" sldId="263"/>
+        </pc:sldMkLst>
+      </pc:sldChg>
+      <pc:sldChg chg="add del">
+        <pc:chgData name="민서 오" userId="7d89e7b822021c56" providerId="LiveId" clId="{B85301CE-5477-420D-98B8-2A5B4FD7B43E}" dt="2024-08-09T02:00:49.452" v="39" actId="47"/>
+        <pc:sldMkLst>
+          <pc:docMk/>
+          <pc:sldMk cId="673990641" sldId="264"/>
+        </pc:sldMkLst>
+      </pc:sldChg>
+      <pc:sldChg chg="add">
+        <pc:chgData name="민서 오" userId="7d89e7b822021c56" providerId="LiveId" clId="{B85301CE-5477-420D-98B8-2A5B4FD7B43E}" dt="2024-08-09T02:00:49.741" v="40"/>
+        <pc:sldMkLst>
+          <pc:docMk/>
+          <pc:sldMk cId="1713032812" sldId="264"/>
+        </pc:sldMkLst>
+      </pc:sldChg>
+      <pc:sldChg chg="add del">
+        <pc:chgData name="민서 오" userId="7d89e7b822021c56" providerId="LiveId" clId="{B85301CE-5477-420D-98B8-2A5B4FD7B43E}" dt="2024-08-09T02:00:49.452" v="39" actId="47"/>
+        <pc:sldMkLst>
+          <pc:docMk/>
+          <pc:sldMk cId="37500532" sldId="265"/>
+        </pc:sldMkLst>
+      </pc:sldChg>
+      <pc:sldChg chg="add">
+        <pc:chgData name="민서 오" userId="7d89e7b822021c56" providerId="LiveId" clId="{B85301CE-5477-420D-98B8-2A5B4FD7B43E}" dt="2024-08-09T02:00:49.741" v="40"/>
+        <pc:sldMkLst>
+          <pc:docMk/>
+          <pc:sldMk cId="673990641" sldId="265"/>
+        </pc:sldMkLst>
+      </pc:sldChg>
+      <pc:sldChg chg="add">
+        <pc:chgData name="민서 오" userId="7d89e7b822021c56" providerId="LiveId" clId="{B85301CE-5477-420D-98B8-2A5B4FD7B43E}" dt="2024-08-09T02:00:49.741" v="40"/>
+        <pc:sldMkLst>
+          <pc:docMk/>
+          <pc:sldMk cId="37500532" sldId="266"/>
+        </pc:sldMkLst>
+      </pc:sldChg>
+      <pc:sldChg chg="add del">
+        <pc:chgData name="민서 오" userId="7d89e7b822021c56" providerId="LiveId" clId="{B85301CE-5477-420D-98B8-2A5B4FD7B43E}" dt="2024-08-09T02:00:49.452" v="39" actId="47"/>
+        <pc:sldMkLst>
+          <pc:docMk/>
+          <pc:sldMk cId="2739686958" sldId="266"/>
+        </pc:sldMkLst>
+      </pc:sldChg>
+      <pc:sldChg chg="add del">
+        <pc:chgData name="민서 오" userId="7d89e7b822021c56" providerId="LiveId" clId="{B85301CE-5477-420D-98B8-2A5B4FD7B43E}" dt="2024-08-09T02:00:49.741" v="40"/>
+        <pc:sldMkLst>
+          <pc:docMk/>
+          <pc:sldMk cId="3281594670" sldId="267"/>
+        </pc:sldMkLst>
+      </pc:sldChg>
+      <pc:sldChg chg="add">
+        <pc:chgData name="민서 오" userId="7d89e7b822021c56" providerId="LiveId" clId="{B85301CE-5477-420D-98B8-2A5B4FD7B43E}" dt="2024-08-09T02:00:49.741" v="40"/>
+        <pc:sldMkLst>
+          <pc:docMk/>
+          <pc:sldMk cId="2739686958" sldId="268"/>
+        </pc:sldMkLst>
+      </pc:sldChg>
+      <pc:sldChg chg="add del">
+        <pc:chgData name="민서 오" userId="7d89e7b822021c56" providerId="LiveId" clId="{B85301CE-5477-420D-98B8-2A5B4FD7B43E}" dt="2024-08-09T02:00:49.452" v="39" actId="47"/>
+        <pc:sldMkLst>
+          <pc:docMk/>
+          <pc:sldMk cId="3285401794" sldId="268"/>
+        </pc:sldMkLst>
+      </pc:sldChg>
+      <pc:sldChg chg="add del">
+        <pc:chgData name="민서 오" userId="7d89e7b822021c56" providerId="LiveId" clId="{B85301CE-5477-420D-98B8-2A5B4FD7B43E}" dt="2024-08-09T02:00:49.452" v="39" actId="47"/>
+        <pc:sldMkLst>
+          <pc:docMk/>
+          <pc:sldMk cId="2506622858" sldId="269"/>
+        </pc:sldMkLst>
+      </pc:sldChg>
+      <pc:sldChg chg="add">
+        <pc:chgData name="민서 오" userId="7d89e7b822021c56" providerId="LiveId" clId="{B85301CE-5477-420D-98B8-2A5B4FD7B43E}" dt="2024-08-09T02:00:49.741" v="40"/>
+        <pc:sldMkLst>
+          <pc:docMk/>
+          <pc:sldMk cId="3285401794" sldId="269"/>
+        </pc:sldMkLst>
+      </pc:sldChg>
+      <pc:sldChg chg="add">
+        <pc:chgData name="민서 오" userId="7d89e7b822021c56" providerId="LiveId" clId="{B85301CE-5477-420D-98B8-2A5B4FD7B43E}" dt="2024-08-09T02:00:49.741" v="40"/>
+        <pc:sldMkLst>
+          <pc:docMk/>
+          <pc:sldMk cId="2506622858" sldId="270"/>
+        </pc:sldMkLst>
+      </pc:sldChg>
+      <pc:sldChg chg="add del">
+        <pc:chgData name="민서 오" userId="7d89e7b822021c56" providerId="LiveId" clId="{B85301CE-5477-420D-98B8-2A5B4FD7B43E}" dt="2024-08-09T02:00:49.452" v="39" actId="47"/>
+        <pc:sldMkLst>
+          <pc:docMk/>
+          <pc:sldMk cId="2506723362" sldId="270"/>
+        </pc:sldMkLst>
+      </pc:sldChg>
+      <pc:sldChg chg="add">
+        <pc:chgData name="민서 오" userId="7d89e7b822021c56" providerId="LiveId" clId="{B85301CE-5477-420D-98B8-2A5B4FD7B43E}" dt="2024-08-09T02:00:49.741" v="40"/>
+        <pc:sldMkLst>
+          <pc:docMk/>
+          <pc:sldMk cId="2506723362" sldId="271"/>
+        </pc:sldMkLst>
+      </pc:sldChg>
+      <pc:sldChg chg="add del">
+        <pc:chgData name="민서 오" userId="7d89e7b822021c56" providerId="LiveId" clId="{B85301CE-5477-420D-98B8-2A5B4FD7B43E}" dt="2024-08-09T02:00:49.452" v="39" actId="47"/>
+        <pc:sldMkLst>
+          <pc:docMk/>
+          <pc:sldMk cId="2656696961" sldId="271"/>
+        </pc:sldMkLst>
+      </pc:sldChg>
+      <pc:sldChg chg="add">
+        <pc:chgData name="민서 오" userId="7d89e7b822021c56" providerId="LiveId" clId="{B85301CE-5477-420D-98B8-2A5B4FD7B43E}" dt="2024-08-09T02:00:49.741" v="40"/>
+        <pc:sldMkLst>
+          <pc:docMk/>
+          <pc:sldMk cId="2656696961" sldId="272"/>
+        </pc:sldMkLst>
       </pc:sldChg>
     </pc:docChg>
   </pc:docChgLst>
@@ -309,7 +537,7 @@
           <a:p>
             <a:fld id="{843012E4-EA86-4BA1-A56C-00CD16D7F17B}" type="datetimeFigureOut">
               <a:rPr lang="ko-KR" altLang="en-US" smtClean="0"/>
-              <a:t>2024-08-06</a:t>
+              <a:t>2024-08-09</a:t>
             </a:fld>
             <a:endParaRPr lang="ko-KR" altLang="en-US"/>
           </a:p>
@@ -507,7 +735,7 @@
           <a:p>
             <a:fld id="{843012E4-EA86-4BA1-A56C-00CD16D7F17B}" type="datetimeFigureOut">
               <a:rPr lang="ko-KR" altLang="en-US" smtClean="0"/>
-              <a:t>2024-08-06</a:t>
+              <a:t>2024-08-09</a:t>
             </a:fld>
             <a:endParaRPr lang="ko-KR" altLang="en-US"/>
           </a:p>
@@ -715,7 +943,7 @@
           <a:p>
             <a:fld id="{843012E4-EA86-4BA1-A56C-00CD16D7F17B}" type="datetimeFigureOut">
               <a:rPr lang="ko-KR" altLang="en-US" smtClean="0"/>
-              <a:t>2024-08-06</a:t>
+              <a:t>2024-08-09</a:t>
             </a:fld>
             <a:endParaRPr lang="ko-KR" altLang="en-US"/>
           </a:p>
@@ -913,7 +1141,7 @@
           <a:p>
             <a:fld id="{843012E4-EA86-4BA1-A56C-00CD16D7F17B}" type="datetimeFigureOut">
               <a:rPr lang="ko-KR" altLang="en-US" smtClean="0"/>
-              <a:t>2024-08-06</a:t>
+              <a:t>2024-08-09</a:t>
             </a:fld>
             <a:endParaRPr lang="ko-KR" altLang="en-US"/>
           </a:p>
@@ -1188,7 +1416,7 @@
           <a:p>
             <a:fld id="{843012E4-EA86-4BA1-A56C-00CD16D7F17B}" type="datetimeFigureOut">
               <a:rPr lang="ko-KR" altLang="en-US" smtClean="0"/>
-              <a:t>2024-08-06</a:t>
+              <a:t>2024-08-09</a:t>
             </a:fld>
             <a:endParaRPr lang="ko-KR" altLang="en-US"/>
           </a:p>
@@ -1453,7 +1681,7 @@
           <a:p>
             <a:fld id="{843012E4-EA86-4BA1-A56C-00CD16D7F17B}" type="datetimeFigureOut">
               <a:rPr lang="ko-KR" altLang="en-US" smtClean="0"/>
-              <a:t>2024-08-06</a:t>
+              <a:t>2024-08-09</a:t>
             </a:fld>
             <a:endParaRPr lang="ko-KR" altLang="en-US"/>
           </a:p>
@@ -1865,7 +2093,7 @@
           <a:p>
             <a:fld id="{843012E4-EA86-4BA1-A56C-00CD16D7F17B}" type="datetimeFigureOut">
               <a:rPr lang="ko-KR" altLang="en-US" smtClean="0"/>
-              <a:t>2024-08-06</a:t>
+              <a:t>2024-08-09</a:t>
             </a:fld>
             <a:endParaRPr lang="ko-KR" altLang="en-US"/>
           </a:p>
@@ -2006,7 +2234,7 @@
           <a:p>
             <a:fld id="{843012E4-EA86-4BA1-A56C-00CD16D7F17B}" type="datetimeFigureOut">
               <a:rPr lang="ko-KR" altLang="en-US" smtClean="0"/>
-              <a:t>2024-08-06</a:t>
+              <a:t>2024-08-09</a:t>
             </a:fld>
             <a:endParaRPr lang="ko-KR" altLang="en-US"/>
           </a:p>
@@ -2119,7 +2347,7 @@
           <a:p>
             <a:fld id="{843012E4-EA86-4BA1-A56C-00CD16D7F17B}" type="datetimeFigureOut">
               <a:rPr lang="ko-KR" altLang="en-US" smtClean="0"/>
-              <a:t>2024-08-06</a:t>
+              <a:t>2024-08-09</a:t>
             </a:fld>
             <a:endParaRPr lang="ko-KR" altLang="en-US"/>
           </a:p>
@@ -2430,7 +2658,7 @@
           <a:p>
             <a:fld id="{843012E4-EA86-4BA1-A56C-00CD16D7F17B}" type="datetimeFigureOut">
               <a:rPr lang="ko-KR" altLang="en-US" smtClean="0"/>
-              <a:t>2024-08-06</a:t>
+              <a:t>2024-08-09</a:t>
             </a:fld>
             <a:endParaRPr lang="ko-KR" altLang="en-US"/>
           </a:p>
@@ -2718,7 +2946,7 @@
           <a:p>
             <a:fld id="{843012E4-EA86-4BA1-A56C-00CD16D7F17B}" type="datetimeFigureOut">
               <a:rPr lang="ko-KR" altLang="en-US" smtClean="0"/>
-              <a:t>2024-08-06</a:t>
+              <a:t>2024-08-09</a:t>
             </a:fld>
             <a:endParaRPr lang="ko-KR" altLang="en-US"/>
           </a:p>
@@ -2959,7 +3187,7 @@
           <a:p>
             <a:fld id="{843012E4-EA86-4BA1-A56C-00CD16D7F17B}" type="datetimeFigureOut">
               <a:rPr lang="ko-KR" altLang="en-US" smtClean="0"/>
-              <a:t>2024-08-06</a:t>
+              <a:t>2024-08-09</a:t>
             </a:fld>
             <a:endParaRPr lang="ko-KR" altLang="en-US"/>
           </a:p>
@@ -3403,19 +3631,19 @@
               <a:defRPr/>
             </a:pPr>
             <a:r>
-              <a:rPr lang="en-US" altLang="ko-KR" sz="4000" b="1" dirty="0"/>
+              <a:rPr lang="en-US" altLang="ko-KR" sz="3000" b="1" dirty="0"/>
               <a:t>- h (</a:t>
             </a:r>
             <a:r>
-              <a:rPr lang="ko-KR" altLang="en-US" sz="4000" b="1" dirty="0" err="1"/>
+              <a:rPr lang="ko-KR" altLang="en-US" sz="3000" b="1" dirty="0" err="1"/>
               <a:t>핑거</a:t>
             </a:r>
             <a:r>
-              <a:rPr lang="ko-KR" altLang="en-US" sz="4000" b="1" dirty="0"/>
+              <a:rPr lang="ko-KR" altLang="en-US" sz="3000" b="1" dirty="0"/>
               <a:t> 높이</a:t>
             </a:r>
             <a:r>
-              <a:rPr lang="en-US" altLang="ko-KR" sz="4000" b="1" dirty="0"/>
+              <a:rPr lang="en-US" altLang="ko-KR" sz="3000" b="1" dirty="0"/>
               <a:t>) :</a:t>
             </a:r>
           </a:p>
@@ -3425,7 +3653,7 @@
               <a:defRPr/>
             </a:pPr>
             <a:r>
-              <a:rPr lang="en-US" altLang="ko-KR" sz="3500" b="1" dirty="0"/>
+              <a:rPr lang="en-US" altLang="ko-KR" sz="3000" b="1" dirty="0"/>
               <a:t>9mm 12mm 15mm 18mm 21mm 24mm 27mm</a:t>
             </a:r>
           </a:p>
@@ -3434,7 +3662,7 @@
               <a:buNone/>
               <a:defRPr/>
             </a:pPr>
-            <a:endParaRPr lang="en-US" altLang="ko-KR" sz="3500" b="1" dirty="0"/>
+            <a:endParaRPr lang="en-US" altLang="ko-KR" sz="3000" b="1" dirty="0"/>
           </a:p>
           <a:p>
             <a:pPr marL="0" indent="0">
@@ -3442,31 +3670,31 @@
               <a:defRPr/>
             </a:pPr>
             <a:r>
-              <a:rPr lang="en-US" altLang="ko-KR" sz="4000" b="1" dirty="0"/>
+              <a:rPr lang="en-US" altLang="ko-KR" sz="3000" b="1" dirty="0"/>
               <a:t>-</a:t>
             </a:r>
             <a:r>
-              <a:rPr lang="ko-KR" altLang="en-US" sz="4000" b="1" dirty="0"/>
+              <a:rPr lang="ko-KR" altLang="en-US" sz="3000" b="1" dirty="0"/>
               <a:t> </a:t>
             </a:r>
             <a:r>
-              <a:rPr lang="en-US" altLang="ko-KR" sz="4000" b="1" dirty="0"/>
+              <a:rPr lang="en-US" altLang="ko-KR" sz="3000" b="1" dirty="0"/>
               <a:t>n</a:t>
             </a:r>
             <a:r>
-              <a:rPr lang="ko-KR" altLang="en-US" sz="4000" b="1" dirty="0"/>
+              <a:rPr lang="ko-KR" altLang="en-US" sz="3000" b="1" dirty="0"/>
               <a:t> </a:t>
             </a:r>
             <a:r>
-              <a:rPr lang="en-US" altLang="ko-KR" sz="4000" b="1" dirty="0"/>
+              <a:rPr lang="en-US" altLang="ko-KR" sz="3000" b="1" dirty="0"/>
               <a:t>(</a:t>
             </a:r>
             <a:r>
-              <a:rPr lang="ko-KR" altLang="en-US" sz="4000" b="1" dirty="0"/>
+              <a:rPr lang="ko-KR" altLang="en-US" sz="3000" b="1" dirty="0"/>
               <a:t>다각형 종류</a:t>
             </a:r>
             <a:r>
-              <a:rPr lang="en-US" altLang="ko-KR" sz="4000" b="1" dirty="0"/>
+              <a:rPr lang="en-US" altLang="ko-KR" sz="3000" b="1" dirty="0"/>
               <a:t>) : </a:t>
             </a:r>
           </a:p>
@@ -3475,40 +3703,68 @@
               <a:buNone/>
               <a:defRPr/>
             </a:pPr>
-            <a:endParaRPr lang="en-US" altLang="ko-KR" sz="4000" b="1" dirty="0"/>
+            <a:endParaRPr lang="en-US" altLang="ko-KR" sz="3000" b="1" dirty="0"/>
+          </a:p>
+          <a:p>
+            <a:pPr>
+              <a:buFontTx/>
+              <a:buChar char="-"/>
+              <a:defRPr/>
+            </a:pPr>
+            <a:r>
+              <a:rPr lang="en-US" altLang="ko-KR" sz="3000" b="1" dirty="0"/>
+              <a:t>D (</a:t>
+            </a:r>
+            <a:r>
+              <a:rPr lang="ko-KR" altLang="en-US" sz="3000" b="1" dirty="0"/>
+              <a:t>외접원 지름</a:t>
+            </a:r>
+            <a:r>
+              <a:rPr lang="en-US" altLang="ko-KR" sz="3000" b="1" dirty="0"/>
+              <a:t>) : </a:t>
+            </a:r>
+          </a:p>
+          <a:p>
+            <a:pPr>
+              <a:buFontTx/>
+              <a:buChar char="-"/>
+              <a:defRPr/>
+            </a:pPr>
+            <a:r>
+              <a:rPr lang="en-US" altLang="ko-KR" sz="3000" b="1"/>
+              <a:t>18, 21, 24, 27, 30, 33mm</a:t>
+            </a:r>
+            <a:endParaRPr lang="en-US" altLang="ko-KR" sz="3000" b="1" dirty="0"/>
           </a:p>
           <a:p>
             <a:pPr marL="0" indent="0">
               <a:buNone/>
               <a:defRPr/>
             </a:pPr>
-            <a:r>
-              <a:rPr lang="en-US" altLang="ko-KR" sz="4000" b="1" dirty="0"/>
-              <a:t>-</a:t>
-            </a:r>
-            <a:r>
-              <a:rPr lang="ko-KR" altLang="en-US" sz="4000" b="1" dirty="0"/>
-              <a:t> </a:t>
-            </a:r>
-            <a:r>
-              <a:rPr lang="en-US" altLang="ko-KR" sz="4000" b="1" dirty="0"/>
-              <a:t>D (</a:t>
-            </a:r>
-            <a:r>
-              <a:rPr lang="ko-KR" altLang="en-US" sz="4000" b="1" dirty="0"/>
-              <a:t>외접원 지름</a:t>
-            </a:r>
-            <a:r>
-              <a:rPr lang="en-US" altLang="ko-KR" sz="4000" b="1" dirty="0"/>
-              <a:t>) : </a:t>
-            </a:r>
+            <a:endParaRPr lang="en-US" altLang="ko-KR" sz="3000" b="1" dirty="0"/>
           </a:p>
           <a:p>
             <a:pPr marL="0" indent="0">
               <a:buNone/>
               <a:defRPr/>
             </a:pPr>
-            <a:endParaRPr lang="en-US" altLang="ko-KR" sz="4000" b="1" dirty="0"/>
+            <a:r>
+              <a:rPr lang="en-US" altLang="ko-KR" sz="3000" b="1" dirty="0"/>
+              <a:t>- t (</a:t>
+            </a:r>
+            <a:r>
+              <a:rPr lang="ko-KR" altLang="en-US" sz="3000" b="1" dirty="0"/>
+              <a:t>얇은 부분 </a:t>
+            </a:r>
+            <a:r>
+              <a:rPr lang="en-US" altLang="ko-KR" sz="3000" b="1" dirty="0"/>
+              <a:t>thickness) : 18mm</a:t>
+            </a:r>
+            <a:r>
+              <a:rPr lang="ko-KR" altLang="en-US" sz="3000" b="1" dirty="0"/>
+              <a:t> 대해서</a:t>
+            </a:r>
+            <a:endParaRPr lang="en-US" altLang="ko-KR" sz="3000" b="1" dirty="0"/>
           </a:p>
           <a:p>
             <a:pPr marL="0" indent="0">
@@ -3516,30 +3772,7 @@
               <a:defRPr/>
             </a:pPr>
             <a:r>
-              <a:rPr lang="en-US" altLang="ko-KR" sz="4000" b="1" dirty="0"/>
-              <a:t>- t (</a:t>
-            </a:r>
-            <a:r>
-              <a:rPr lang="ko-KR" altLang="en-US" sz="4000" b="1" dirty="0"/>
-              <a:t>얇은 부분 </a:t>
-            </a:r>
-            <a:r>
-              <a:rPr lang="en-US" altLang="ko-KR" sz="4000" b="1" dirty="0"/>
-              <a:t>thickness) : 18mm</a:t>
-            </a:r>
-            <a:r>
-              <a:rPr lang="ko-KR" altLang="en-US" sz="4000" b="1" dirty="0"/>
-              <a:t> 대해서</a:t>
-            </a:r>
-            <a:endParaRPr lang="en-US" altLang="ko-KR" sz="4000" b="1" dirty="0"/>
-          </a:p>
-          <a:p>
-            <a:pPr marL="0" indent="0">
-              <a:buNone/>
-              <a:defRPr/>
-            </a:pPr>
-            <a:r>
-              <a:rPr lang="en-US" altLang="ko-KR" sz="4000" b="1" dirty="0"/>
+              <a:rPr lang="en-US" altLang="ko-KR" sz="3000" b="1" dirty="0"/>
               <a:t>0.5mm 0.6mm 0.7mm 0.8mm 0.9mm</a:t>
             </a:r>
           </a:p>
@@ -3554,10 +3787,1114 @@
     <mc:Choice Requires="p14">
       <p:transition/>
     </mc:Choice>
-    <mc:Fallback xmlns:dsp="http://schemas.microsoft.com/office/drawing/2008/diagram" xmlns:dgm="http://schemas.openxmlformats.org/drawingml/2006/diagram" xmlns:c="http://schemas.openxmlformats.org/drawingml/2006/chart" xmlns="">
+    <mc:Fallback xmlns="" xmlns:c="http://schemas.openxmlformats.org/drawingml/2006/chart" xmlns:dgm="http://schemas.openxmlformats.org/drawingml/2006/diagram" xmlns:dsp="http://schemas.microsoft.com/office/drawing/2008/diagram">
       <p:transition/>
     </mc:Fallback>
   </mc:AlternateContent>
+</p:sld>
+</file>
+
+<file path=ppt/slides/slide10.xml><?xml version="1.0" encoding="utf-8"?>
+<p:sld xmlns:a="http://schemas.openxmlformats.org/drawingml/2006/main" xmlns:r="http://schemas.openxmlformats.org/officeDocument/2006/relationships" xmlns:p="http://schemas.openxmlformats.org/presentationml/2006/main">
+  <p:cSld>
+    <p:spTree>
+      <p:nvGrpSpPr>
+        <p:cNvPr id="1" name=""/>
+        <p:cNvGrpSpPr/>
+        <p:nvPr/>
+      </p:nvGrpSpPr>
+      <p:grpSpPr>
+        <a:xfrm>
+          <a:off x="0" y="0"/>
+          <a:ext cx="0" cy="0"/>
+          <a:chOff x="0" y="0"/>
+          <a:chExt cx="0" cy="0"/>
+        </a:xfrm>
+      </p:grpSpPr>
+      <p:sp>
+        <p:nvSpPr>
+          <p:cNvPr id="8" name="TextBox 7">
+            <a:extLst>
+              <a:ext uri="{FF2B5EF4-FFF2-40B4-BE49-F238E27FC236}">
+                <a16:creationId xmlns:a16="http://schemas.microsoft.com/office/drawing/2014/main" id="{DA61CA4A-AB2A-C92E-CD33-C105F4C92C03}"/>
+              </a:ext>
+            </a:extLst>
+          </p:cNvPr>
+          <p:cNvSpPr txBox="1"/>
+          <p:nvPr/>
+        </p:nvSpPr>
+        <p:spPr>
+          <a:xfrm>
+            <a:off x="1887059" y="127819"/>
+            <a:ext cx="8417882" cy="830997"/>
+          </a:xfrm>
+          <a:prstGeom prst="rect">
+            <a:avLst/>
+          </a:prstGeom>
+          <a:noFill/>
+        </p:spPr>
+        <p:txBody>
+          <a:bodyPr wrap="none" rtlCol="0">
+            <a:spAutoFit/>
+          </a:bodyPr>
+          <a:lstStyle/>
+          <a:p>
+            <a:r>
+              <a:rPr lang="en-US" altLang="ko-KR" sz="4800" b="1" dirty="0" err="1"/>
+              <a:t>dpcase</a:t>
+            </a:r>
+            <a:r>
+              <a:rPr lang="ko-KR" altLang="en-US" sz="4800" b="1" dirty="0"/>
+              <a:t> </a:t>
+            </a:r>
+            <a:r>
+              <a:rPr lang="en-US" altLang="ko-KR" sz="4800" b="1" dirty="0"/>
+              <a:t>–</a:t>
+            </a:r>
+            <a:r>
+              <a:rPr lang="ko-KR" altLang="en-US" sz="4800" b="1" dirty="0"/>
+              <a:t> </a:t>
+            </a:r>
+            <a:r>
+              <a:rPr lang="en-US" altLang="ko-KR" sz="4800" b="1" dirty="0"/>
+              <a:t>different</a:t>
+            </a:r>
+            <a:r>
+              <a:rPr lang="ko-KR" altLang="en-US" sz="4800" b="1" dirty="0"/>
+              <a:t> </a:t>
+            </a:r>
+            <a:r>
+              <a:rPr lang="en-US" altLang="ko-KR" sz="4800" b="1" dirty="0"/>
+              <a:t>thickness</a:t>
+            </a:r>
+          </a:p>
+        </p:txBody>
+      </p:sp>
+      <p:pic>
+        <p:nvPicPr>
+          <p:cNvPr id="10" name="그림 9" descr="라인, 텍스트, 그래프, 도표이(가) 표시된 사진&#10;&#10;자동 생성된 설명">
+            <a:extLst>
+              <a:ext uri="{FF2B5EF4-FFF2-40B4-BE49-F238E27FC236}">
+                <a16:creationId xmlns:a16="http://schemas.microsoft.com/office/drawing/2014/main" id="{0C7FBDEA-C845-3FCD-7C9B-AC76FF1CD4AA}"/>
+              </a:ext>
+            </a:extLst>
+          </p:cNvPr>
+          <p:cNvPicPr>
+            <a:picLocks noChangeAspect="1"/>
+          </p:cNvPicPr>
+          <p:nvPr/>
+        </p:nvPicPr>
+        <p:blipFill>
+          <a:blip r:embed="rId2">
+            <a:extLst>
+              <a:ext uri="{28A0092B-C50C-407E-A947-70E740481C1C}">
+                <a14:useLocalDpi xmlns:a14="http://schemas.microsoft.com/office/drawing/2010/main" val="0"/>
+              </a:ext>
+            </a:extLst>
+          </a:blip>
+          <a:stretch>
+            <a:fillRect/>
+          </a:stretch>
+        </p:blipFill>
+        <p:spPr>
+          <a:xfrm>
+            <a:off x="1596000" y="1330181"/>
+            <a:ext cx="9000000" cy="5400000"/>
+          </a:xfrm>
+          <a:prstGeom prst="rect">
+            <a:avLst/>
+          </a:prstGeom>
+        </p:spPr>
+      </p:pic>
+    </p:spTree>
+    <p:extLst>
+      <p:ext uri="{BB962C8B-B14F-4D97-AF65-F5344CB8AC3E}">
+        <p14:creationId xmlns:p14="http://schemas.microsoft.com/office/powerpoint/2010/main" val="673990641"/>
+      </p:ext>
+    </p:extLst>
+  </p:cSld>
+  <p:clrMapOvr>
+    <a:masterClrMapping/>
+  </p:clrMapOvr>
+</p:sld>
+</file>
+
+<file path=ppt/slides/slide11.xml><?xml version="1.0" encoding="utf-8"?>
+<p:sld xmlns:a="http://schemas.openxmlformats.org/drawingml/2006/main" xmlns:r="http://schemas.openxmlformats.org/officeDocument/2006/relationships" xmlns:p="http://schemas.openxmlformats.org/presentationml/2006/main">
+  <p:cSld>
+    <p:spTree>
+      <p:nvGrpSpPr>
+        <p:cNvPr id="1" name=""/>
+        <p:cNvGrpSpPr/>
+        <p:nvPr/>
+      </p:nvGrpSpPr>
+      <p:grpSpPr>
+        <a:xfrm>
+          <a:off x="0" y="0"/>
+          <a:ext cx="0" cy="0"/>
+          <a:chOff x="0" y="0"/>
+          <a:chExt cx="0" cy="0"/>
+        </a:xfrm>
+      </p:grpSpPr>
+      <p:sp>
+        <p:nvSpPr>
+          <p:cNvPr id="2" name="TextBox 1">
+            <a:extLst>
+              <a:ext uri="{FF2B5EF4-FFF2-40B4-BE49-F238E27FC236}">
+                <a16:creationId xmlns:a16="http://schemas.microsoft.com/office/drawing/2014/main" id="{61FCAC99-8559-EFE4-240C-B2AA4B2ABEEC}"/>
+              </a:ext>
+            </a:extLst>
+          </p:cNvPr>
+          <p:cNvSpPr txBox="1"/>
+          <p:nvPr/>
+        </p:nvSpPr>
+        <p:spPr>
+          <a:xfrm>
+            <a:off x="1887059" y="127819"/>
+            <a:ext cx="8408264" cy="830997"/>
+          </a:xfrm>
+          <a:prstGeom prst="rect">
+            <a:avLst/>
+          </a:prstGeom>
+          <a:noFill/>
+        </p:spPr>
+        <p:txBody>
+          <a:bodyPr wrap="none" rtlCol="0">
+            <a:spAutoFit/>
+          </a:bodyPr>
+          <a:lstStyle/>
+          <a:p>
+            <a:r>
+              <a:rPr lang="en-US" altLang="ko-KR" sz="4800" b="1" dirty="0" err="1"/>
+              <a:t>upcase</a:t>
+            </a:r>
+            <a:r>
+              <a:rPr lang="ko-KR" altLang="en-US" sz="4800" b="1" dirty="0"/>
+              <a:t> </a:t>
+            </a:r>
+            <a:r>
+              <a:rPr lang="en-US" altLang="ko-KR" sz="4800" b="1" dirty="0"/>
+              <a:t>–</a:t>
+            </a:r>
+            <a:r>
+              <a:rPr lang="ko-KR" altLang="en-US" sz="4800" b="1" dirty="0"/>
+              <a:t> </a:t>
+            </a:r>
+            <a:r>
+              <a:rPr lang="en-US" altLang="ko-KR" sz="4800" b="1" dirty="0"/>
+              <a:t>different</a:t>
+            </a:r>
+            <a:r>
+              <a:rPr lang="ko-KR" altLang="en-US" sz="4800" b="1" dirty="0"/>
+              <a:t> </a:t>
+            </a:r>
+            <a:r>
+              <a:rPr lang="en-US" altLang="ko-KR" sz="4800" b="1" dirty="0"/>
+              <a:t>thickness</a:t>
+            </a:r>
+          </a:p>
+        </p:txBody>
+      </p:sp>
+      <p:pic>
+        <p:nvPicPr>
+          <p:cNvPr id="6" name="그림 5" descr="라인, 도표, 그래프, 텍스트이(가) 표시된 사진&#10;&#10;자동 생성된 설명">
+            <a:extLst>
+              <a:ext uri="{FF2B5EF4-FFF2-40B4-BE49-F238E27FC236}">
+                <a16:creationId xmlns:a16="http://schemas.microsoft.com/office/drawing/2014/main" id="{DEA427F9-C073-3CE3-FD45-4894C7EE35AF}"/>
+              </a:ext>
+            </a:extLst>
+          </p:cNvPr>
+          <p:cNvPicPr>
+            <a:picLocks noChangeAspect="1"/>
+          </p:cNvPicPr>
+          <p:nvPr/>
+        </p:nvPicPr>
+        <p:blipFill>
+          <a:blip r:embed="rId2">
+            <a:extLst>
+              <a:ext uri="{28A0092B-C50C-407E-A947-70E740481C1C}">
+                <a14:useLocalDpi xmlns:a14="http://schemas.microsoft.com/office/drawing/2010/main" val="0"/>
+              </a:ext>
+            </a:extLst>
+          </a:blip>
+          <a:stretch>
+            <a:fillRect/>
+          </a:stretch>
+        </p:blipFill>
+        <p:spPr>
+          <a:xfrm>
+            <a:off x="1591191" y="1330181"/>
+            <a:ext cx="9000000" cy="5400000"/>
+          </a:xfrm>
+          <a:prstGeom prst="rect">
+            <a:avLst/>
+          </a:prstGeom>
+        </p:spPr>
+      </p:pic>
+    </p:spTree>
+    <p:extLst>
+      <p:ext uri="{BB962C8B-B14F-4D97-AF65-F5344CB8AC3E}">
+        <p14:creationId xmlns:p14="http://schemas.microsoft.com/office/powerpoint/2010/main" val="37500532"/>
+      </p:ext>
+    </p:extLst>
+  </p:cSld>
+  <p:clrMapOvr>
+    <a:masterClrMapping/>
+  </p:clrMapOvr>
+</p:sld>
+</file>
+
+<file path=ppt/slides/slide12.xml><?xml version="1.0" encoding="utf-8"?>
+<p:sld xmlns:a="http://schemas.openxmlformats.org/drawingml/2006/main" xmlns:r="http://schemas.openxmlformats.org/officeDocument/2006/relationships" xmlns:p="http://schemas.openxmlformats.org/presentationml/2006/main">
+  <p:cSld>
+    <p:spTree>
+      <p:nvGrpSpPr>
+        <p:cNvPr id="1" name=""/>
+        <p:cNvGrpSpPr/>
+        <p:nvPr/>
+      </p:nvGrpSpPr>
+      <p:grpSpPr>
+        <a:xfrm>
+          <a:off x="0" y="0"/>
+          <a:ext cx="0" cy="0"/>
+          <a:chOff x="0" y="0"/>
+          <a:chExt cx="0" cy="0"/>
+        </a:xfrm>
+      </p:grpSpPr>
+      <p:sp>
+        <p:nvSpPr>
+          <p:cNvPr id="4" name="TextBox 3">
+            <a:extLst>
+              <a:ext uri="{FF2B5EF4-FFF2-40B4-BE49-F238E27FC236}">
+                <a16:creationId xmlns:a16="http://schemas.microsoft.com/office/drawing/2014/main" id="{3B092B35-58A6-8C07-03C0-9279B1D20F0D}"/>
+              </a:ext>
+            </a:extLst>
+          </p:cNvPr>
+          <p:cNvSpPr txBox="1"/>
+          <p:nvPr/>
+        </p:nvSpPr>
+        <p:spPr>
+          <a:xfrm>
+            <a:off x="1887059" y="127819"/>
+            <a:ext cx="8406660" cy="830997"/>
+          </a:xfrm>
+          <a:prstGeom prst="rect">
+            <a:avLst/>
+          </a:prstGeom>
+          <a:noFill/>
+        </p:spPr>
+        <p:txBody>
+          <a:bodyPr wrap="none" rtlCol="0">
+            <a:spAutoFit/>
+          </a:bodyPr>
+          <a:lstStyle/>
+          <a:p>
+            <a:r>
+              <a:rPr lang="en-US" altLang="ko-KR" sz="4800" b="1" dirty="0" err="1"/>
+              <a:t>dncase</a:t>
+            </a:r>
+            <a:r>
+              <a:rPr lang="ko-KR" altLang="en-US" sz="4800" b="1" dirty="0"/>
+              <a:t> </a:t>
+            </a:r>
+            <a:r>
+              <a:rPr lang="en-US" altLang="ko-KR" sz="4800" b="1" dirty="0"/>
+              <a:t>–</a:t>
+            </a:r>
+            <a:r>
+              <a:rPr lang="ko-KR" altLang="en-US" sz="4800" b="1" dirty="0"/>
+              <a:t> </a:t>
+            </a:r>
+            <a:r>
+              <a:rPr lang="en-US" altLang="ko-KR" sz="4800" b="1" dirty="0"/>
+              <a:t>different</a:t>
+            </a:r>
+            <a:r>
+              <a:rPr lang="ko-KR" altLang="en-US" sz="4800" b="1" dirty="0"/>
+              <a:t> </a:t>
+            </a:r>
+            <a:r>
+              <a:rPr lang="en-US" altLang="ko-KR" sz="4800" b="1" dirty="0"/>
+              <a:t>thickness</a:t>
+            </a:r>
+          </a:p>
+        </p:txBody>
+      </p:sp>
+      <p:pic>
+        <p:nvPicPr>
+          <p:cNvPr id="6" name="그림 5" descr="텍스트, 라인, 도표, 그래프이(가) 표시된 사진&#10;&#10;자동 생성된 설명">
+            <a:extLst>
+              <a:ext uri="{FF2B5EF4-FFF2-40B4-BE49-F238E27FC236}">
+                <a16:creationId xmlns:a16="http://schemas.microsoft.com/office/drawing/2014/main" id="{00F570A8-EDB2-7708-2761-10CEE381AAF8}"/>
+              </a:ext>
+            </a:extLst>
+          </p:cNvPr>
+          <p:cNvPicPr>
+            <a:picLocks noChangeAspect="1"/>
+          </p:cNvPicPr>
+          <p:nvPr/>
+        </p:nvPicPr>
+        <p:blipFill>
+          <a:blip r:embed="rId2">
+            <a:extLst>
+              <a:ext uri="{28A0092B-C50C-407E-A947-70E740481C1C}">
+                <a14:useLocalDpi xmlns:a14="http://schemas.microsoft.com/office/drawing/2010/main" val="0"/>
+              </a:ext>
+            </a:extLst>
+          </a:blip>
+          <a:stretch>
+            <a:fillRect/>
+          </a:stretch>
+        </p:blipFill>
+        <p:spPr>
+          <a:xfrm>
+            <a:off x="1590389" y="1330181"/>
+            <a:ext cx="9000000" cy="5400000"/>
+          </a:xfrm>
+          <a:prstGeom prst="rect">
+            <a:avLst/>
+          </a:prstGeom>
+        </p:spPr>
+      </p:pic>
+      <p:sp>
+        <p:nvSpPr>
+          <p:cNvPr id="7" name="직사각형 6">
+            <a:extLst>
+              <a:ext uri="{FF2B5EF4-FFF2-40B4-BE49-F238E27FC236}">
+                <a16:creationId xmlns:a16="http://schemas.microsoft.com/office/drawing/2014/main" id="{9D9234D5-BAAE-A6D5-6300-98EBF1A6F586}"/>
+              </a:ext>
+            </a:extLst>
+          </p:cNvPr>
+          <p:cNvSpPr/>
+          <p:nvPr/>
+        </p:nvSpPr>
+        <p:spPr>
+          <a:xfrm>
+            <a:off x="2703871" y="2035278"/>
+            <a:ext cx="4041058" cy="226142"/>
+          </a:xfrm>
+          <a:prstGeom prst="rect">
+            <a:avLst/>
+          </a:prstGeom>
+          <a:noFill/>
+          <a:ln w="38100">
+            <a:solidFill>
+              <a:srgbClr val="7030A0"/>
+            </a:solidFill>
+          </a:ln>
+        </p:spPr>
+        <p:style>
+          <a:lnRef idx="2">
+            <a:schemeClr val="accent1">
+              <a:shade val="15000"/>
+            </a:schemeClr>
+          </a:lnRef>
+          <a:fillRef idx="1">
+            <a:schemeClr val="accent1"/>
+          </a:fillRef>
+          <a:effectRef idx="0">
+            <a:schemeClr val="accent1"/>
+          </a:effectRef>
+          <a:fontRef idx="minor">
+            <a:schemeClr val="lt1"/>
+          </a:fontRef>
+        </p:style>
+        <p:txBody>
+          <a:bodyPr rtlCol="0" anchor="ctr"/>
+          <a:lstStyle/>
+          <a:p>
+            <a:pPr algn="ctr"/>
+            <a:endParaRPr lang="ko-KR" altLang="en-US"/>
+          </a:p>
+        </p:txBody>
+      </p:sp>
+    </p:spTree>
+    <p:extLst>
+      <p:ext uri="{BB962C8B-B14F-4D97-AF65-F5344CB8AC3E}">
+        <p14:creationId xmlns:p14="http://schemas.microsoft.com/office/powerpoint/2010/main" val="3281594670"/>
+      </p:ext>
+    </p:extLst>
+  </p:cSld>
+  <p:clrMapOvr>
+    <a:masterClrMapping/>
+  </p:clrMapOvr>
+</p:sld>
+</file>
+
+<file path=ppt/slides/slide13.xml><?xml version="1.0" encoding="utf-8"?>
+<p:sld xmlns:a="http://schemas.openxmlformats.org/drawingml/2006/main" xmlns:r="http://schemas.openxmlformats.org/officeDocument/2006/relationships" xmlns:p="http://schemas.openxmlformats.org/presentationml/2006/main">
+  <p:cSld>
+    <p:spTree>
+      <p:nvGrpSpPr>
+        <p:cNvPr id="1" name=""/>
+        <p:cNvGrpSpPr/>
+        <p:nvPr/>
+      </p:nvGrpSpPr>
+      <p:grpSpPr>
+        <a:xfrm>
+          <a:off x="0" y="0"/>
+          <a:ext cx="0" cy="0"/>
+          <a:chOff x="0" y="0"/>
+          <a:chExt cx="0" cy="0"/>
+        </a:xfrm>
+      </p:grpSpPr>
+      <p:sp>
+        <p:nvSpPr>
+          <p:cNvPr id="2" name="TextBox 1">
+            <a:extLst>
+              <a:ext uri="{FF2B5EF4-FFF2-40B4-BE49-F238E27FC236}">
+                <a16:creationId xmlns:a16="http://schemas.microsoft.com/office/drawing/2014/main" id="{79D497B1-52CA-BEE2-76AC-7833AF082841}"/>
+              </a:ext>
+            </a:extLst>
+          </p:cNvPr>
+          <p:cNvSpPr txBox="1"/>
+          <p:nvPr/>
+        </p:nvSpPr>
+        <p:spPr>
+          <a:xfrm>
+            <a:off x="1887059" y="127819"/>
+            <a:ext cx="8397042" cy="830997"/>
+          </a:xfrm>
+          <a:prstGeom prst="rect">
+            <a:avLst/>
+          </a:prstGeom>
+          <a:noFill/>
+        </p:spPr>
+        <p:txBody>
+          <a:bodyPr wrap="none" rtlCol="0">
+            <a:spAutoFit/>
+          </a:bodyPr>
+          <a:lstStyle/>
+          <a:p>
+            <a:r>
+              <a:rPr lang="en-US" altLang="ko-KR" sz="4800" b="1" dirty="0"/>
+              <a:t>uncase</a:t>
+            </a:r>
+            <a:r>
+              <a:rPr lang="ko-KR" altLang="en-US" sz="4800" b="1" dirty="0"/>
+              <a:t> </a:t>
+            </a:r>
+            <a:r>
+              <a:rPr lang="en-US" altLang="ko-KR" sz="4800" b="1" dirty="0"/>
+              <a:t>–</a:t>
+            </a:r>
+            <a:r>
+              <a:rPr lang="ko-KR" altLang="en-US" sz="4800" b="1" dirty="0"/>
+              <a:t> </a:t>
+            </a:r>
+            <a:r>
+              <a:rPr lang="en-US" altLang="ko-KR" sz="4800" b="1" dirty="0"/>
+              <a:t>different</a:t>
+            </a:r>
+            <a:r>
+              <a:rPr lang="ko-KR" altLang="en-US" sz="4800" b="1" dirty="0"/>
+              <a:t> </a:t>
+            </a:r>
+            <a:r>
+              <a:rPr lang="en-US" altLang="ko-KR" sz="4800" b="1" dirty="0"/>
+              <a:t>thickness</a:t>
+            </a:r>
+          </a:p>
+        </p:txBody>
+      </p:sp>
+      <p:pic>
+        <p:nvPicPr>
+          <p:cNvPr id="4" name="그림 3" descr="텍스트, 라인, 그래프, 도표이(가) 표시된 사진&#10;&#10;자동 생성된 설명">
+            <a:extLst>
+              <a:ext uri="{FF2B5EF4-FFF2-40B4-BE49-F238E27FC236}">
+                <a16:creationId xmlns:a16="http://schemas.microsoft.com/office/drawing/2014/main" id="{D81EA3B9-D301-F1F5-C464-A864C0C7D949}"/>
+              </a:ext>
+            </a:extLst>
+          </p:cNvPr>
+          <p:cNvPicPr>
+            <a:picLocks noChangeAspect="1"/>
+          </p:cNvPicPr>
+          <p:nvPr/>
+        </p:nvPicPr>
+        <p:blipFill>
+          <a:blip r:embed="rId2">
+            <a:extLst>
+              <a:ext uri="{28A0092B-C50C-407E-A947-70E740481C1C}">
+                <a14:useLocalDpi xmlns:a14="http://schemas.microsoft.com/office/drawing/2010/main" val="0"/>
+              </a:ext>
+            </a:extLst>
+          </a:blip>
+          <a:stretch>
+            <a:fillRect/>
+          </a:stretch>
+        </p:blipFill>
+        <p:spPr>
+          <a:xfrm>
+            <a:off x="1596000" y="1330181"/>
+            <a:ext cx="9000000" cy="5400000"/>
+          </a:xfrm>
+          <a:prstGeom prst="rect">
+            <a:avLst/>
+          </a:prstGeom>
+        </p:spPr>
+      </p:pic>
+      <p:sp>
+        <p:nvSpPr>
+          <p:cNvPr id="5" name="직사각형 4">
+            <a:extLst>
+              <a:ext uri="{FF2B5EF4-FFF2-40B4-BE49-F238E27FC236}">
+                <a16:creationId xmlns:a16="http://schemas.microsoft.com/office/drawing/2014/main" id="{B5F75FE4-35F7-4DF7-BAC8-6EC536A46805}"/>
+              </a:ext>
+            </a:extLst>
+          </p:cNvPr>
+          <p:cNvSpPr/>
+          <p:nvPr/>
+        </p:nvSpPr>
+        <p:spPr>
+          <a:xfrm>
+            <a:off x="2782528" y="2418905"/>
+            <a:ext cx="4041058" cy="599597"/>
+          </a:xfrm>
+          <a:prstGeom prst="rect">
+            <a:avLst/>
+          </a:prstGeom>
+          <a:noFill/>
+          <a:ln w="38100">
+            <a:solidFill>
+              <a:srgbClr val="7030A0"/>
+            </a:solidFill>
+          </a:ln>
+        </p:spPr>
+        <p:style>
+          <a:lnRef idx="2">
+            <a:schemeClr val="accent1">
+              <a:shade val="15000"/>
+            </a:schemeClr>
+          </a:lnRef>
+          <a:fillRef idx="1">
+            <a:schemeClr val="accent1"/>
+          </a:fillRef>
+          <a:effectRef idx="0">
+            <a:schemeClr val="accent1"/>
+          </a:effectRef>
+          <a:fontRef idx="minor">
+            <a:schemeClr val="lt1"/>
+          </a:fontRef>
+        </p:style>
+        <p:txBody>
+          <a:bodyPr rtlCol="0" anchor="ctr"/>
+          <a:lstStyle/>
+          <a:p>
+            <a:pPr algn="ctr"/>
+            <a:endParaRPr lang="ko-KR" altLang="en-US"/>
+          </a:p>
+        </p:txBody>
+      </p:sp>
+    </p:spTree>
+    <p:extLst>
+      <p:ext uri="{BB962C8B-B14F-4D97-AF65-F5344CB8AC3E}">
+        <p14:creationId xmlns:p14="http://schemas.microsoft.com/office/powerpoint/2010/main" val="2739686958"/>
+      </p:ext>
+    </p:extLst>
+  </p:cSld>
+  <p:clrMapOvr>
+    <a:masterClrMapping/>
+  </p:clrMapOvr>
+</p:sld>
+</file>
+
+<file path=ppt/slides/slide14.xml><?xml version="1.0" encoding="utf-8"?>
+<p:sld xmlns:a="http://schemas.openxmlformats.org/drawingml/2006/main" xmlns:r="http://schemas.openxmlformats.org/officeDocument/2006/relationships" xmlns:p="http://schemas.openxmlformats.org/presentationml/2006/main">
+  <p:cSld>
+    <p:spTree>
+      <p:nvGrpSpPr>
+        <p:cNvPr id="1" name=""/>
+        <p:cNvGrpSpPr/>
+        <p:nvPr/>
+      </p:nvGrpSpPr>
+      <p:grpSpPr>
+        <a:xfrm>
+          <a:off x="0" y="0"/>
+          <a:ext cx="0" cy="0"/>
+          <a:chOff x="0" y="0"/>
+          <a:chExt cx="0" cy="0"/>
+        </a:xfrm>
+      </p:grpSpPr>
+      <p:sp>
+        <p:nvSpPr>
+          <p:cNvPr id="4" name="TextBox 3">
+            <a:extLst>
+              <a:ext uri="{FF2B5EF4-FFF2-40B4-BE49-F238E27FC236}">
+                <a16:creationId xmlns:a16="http://schemas.microsoft.com/office/drawing/2014/main" id="{54CE3854-7E54-1AF6-0859-C4827976A894}"/>
+              </a:ext>
+            </a:extLst>
+          </p:cNvPr>
+          <p:cNvSpPr txBox="1"/>
+          <p:nvPr/>
+        </p:nvSpPr>
+        <p:spPr>
+          <a:xfrm>
+            <a:off x="1887059" y="127819"/>
+            <a:ext cx="8327023" cy="830997"/>
+          </a:xfrm>
+          <a:prstGeom prst="rect">
+            <a:avLst/>
+          </a:prstGeom>
+          <a:noFill/>
+        </p:spPr>
+        <p:txBody>
+          <a:bodyPr wrap="none" rtlCol="0">
+            <a:spAutoFit/>
+          </a:bodyPr>
+          <a:lstStyle/>
+          <a:p>
+            <a:r>
+              <a:rPr lang="en-US" altLang="ko-KR" sz="4800" b="1" dirty="0" err="1"/>
+              <a:t>dpcase</a:t>
+            </a:r>
+            <a:r>
+              <a:rPr lang="ko-KR" altLang="en-US" sz="4800" b="1" dirty="0"/>
+              <a:t> </a:t>
+            </a:r>
+            <a:r>
+              <a:rPr lang="en-US" altLang="ko-KR" sz="4800" b="1" dirty="0"/>
+              <a:t>–</a:t>
+            </a:r>
+            <a:r>
+              <a:rPr lang="ko-KR" altLang="en-US" sz="4800" b="1" dirty="0"/>
+              <a:t> </a:t>
+            </a:r>
+            <a:r>
+              <a:rPr lang="en-US" altLang="ko-KR" sz="4800" b="1" dirty="0"/>
+              <a:t>different</a:t>
+            </a:r>
+            <a:r>
+              <a:rPr lang="ko-KR" altLang="en-US" sz="4800" b="1" dirty="0"/>
+              <a:t> </a:t>
+            </a:r>
+            <a:r>
+              <a:rPr lang="en-US" altLang="ko-KR" sz="4800" b="1" dirty="0"/>
+              <a:t>diameter</a:t>
+            </a:r>
+          </a:p>
+        </p:txBody>
+      </p:sp>
+      <p:pic>
+        <p:nvPicPr>
+          <p:cNvPr id="6" name="그림 5" descr="텍스트, 라인, 도표, 그래프이(가) 표시된 사진&#10;&#10;자동 생성된 설명">
+            <a:extLst>
+              <a:ext uri="{FF2B5EF4-FFF2-40B4-BE49-F238E27FC236}">
+                <a16:creationId xmlns:a16="http://schemas.microsoft.com/office/drawing/2014/main" id="{FD819842-48CB-2EE2-AB8B-A3DBE097DB55}"/>
+              </a:ext>
+            </a:extLst>
+          </p:cNvPr>
+          <p:cNvPicPr>
+            <a:picLocks noChangeAspect="1"/>
+          </p:cNvPicPr>
+          <p:nvPr/>
+        </p:nvPicPr>
+        <p:blipFill>
+          <a:blip r:embed="rId2">
+            <a:extLst>
+              <a:ext uri="{28A0092B-C50C-407E-A947-70E740481C1C}">
+                <a14:useLocalDpi xmlns:a14="http://schemas.microsoft.com/office/drawing/2010/main" val="0"/>
+              </a:ext>
+            </a:extLst>
+          </a:blip>
+          <a:stretch>
+            <a:fillRect/>
+          </a:stretch>
+        </p:blipFill>
+        <p:spPr>
+          <a:xfrm>
+            <a:off x="1523991" y="1243770"/>
+            <a:ext cx="9144018" cy="5486411"/>
+          </a:xfrm>
+          <a:prstGeom prst="rect">
+            <a:avLst/>
+          </a:prstGeom>
+        </p:spPr>
+      </p:pic>
+    </p:spTree>
+    <p:extLst>
+      <p:ext uri="{BB962C8B-B14F-4D97-AF65-F5344CB8AC3E}">
+        <p14:creationId xmlns:p14="http://schemas.microsoft.com/office/powerpoint/2010/main" val="3285401794"/>
+      </p:ext>
+    </p:extLst>
+  </p:cSld>
+  <p:clrMapOvr>
+    <a:masterClrMapping/>
+  </p:clrMapOvr>
+</p:sld>
+</file>
+
+<file path=ppt/slides/slide15.xml><?xml version="1.0" encoding="utf-8"?>
+<p:sld xmlns:a="http://schemas.openxmlformats.org/drawingml/2006/main" xmlns:r="http://schemas.openxmlformats.org/officeDocument/2006/relationships" xmlns:p="http://schemas.openxmlformats.org/presentationml/2006/main">
+  <p:cSld>
+    <p:spTree>
+      <p:nvGrpSpPr>
+        <p:cNvPr id="1" name=""/>
+        <p:cNvGrpSpPr/>
+        <p:nvPr/>
+      </p:nvGrpSpPr>
+      <p:grpSpPr>
+        <a:xfrm>
+          <a:off x="0" y="0"/>
+          <a:ext cx="0" cy="0"/>
+          <a:chOff x="0" y="0"/>
+          <a:chExt cx="0" cy="0"/>
+        </a:xfrm>
+      </p:grpSpPr>
+      <p:sp>
+        <p:nvSpPr>
+          <p:cNvPr id="4" name="TextBox 3">
+            <a:extLst>
+              <a:ext uri="{FF2B5EF4-FFF2-40B4-BE49-F238E27FC236}">
+                <a16:creationId xmlns:a16="http://schemas.microsoft.com/office/drawing/2014/main" id="{54CE3854-7E54-1AF6-0859-C4827976A894}"/>
+              </a:ext>
+            </a:extLst>
+          </p:cNvPr>
+          <p:cNvSpPr txBox="1"/>
+          <p:nvPr/>
+        </p:nvSpPr>
+        <p:spPr>
+          <a:xfrm>
+            <a:off x="1887059" y="127819"/>
+            <a:ext cx="8408264" cy="830997"/>
+          </a:xfrm>
+          <a:prstGeom prst="rect">
+            <a:avLst/>
+          </a:prstGeom>
+          <a:noFill/>
+        </p:spPr>
+        <p:txBody>
+          <a:bodyPr wrap="none" rtlCol="0">
+            <a:spAutoFit/>
+          </a:bodyPr>
+          <a:lstStyle/>
+          <a:p>
+            <a:r>
+              <a:rPr lang="en-US" altLang="ko-KR" sz="4800" b="1" dirty="0" err="1"/>
+              <a:t>upcase</a:t>
+            </a:r>
+            <a:r>
+              <a:rPr lang="ko-KR" altLang="en-US" sz="4800" b="1" dirty="0"/>
+              <a:t> </a:t>
+            </a:r>
+            <a:r>
+              <a:rPr lang="en-US" altLang="ko-KR" sz="4800" b="1" dirty="0"/>
+              <a:t>–</a:t>
+            </a:r>
+            <a:r>
+              <a:rPr lang="ko-KR" altLang="en-US" sz="4800" b="1" dirty="0"/>
+              <a:t> </a:t>
+            </a:r>
+            <a:r>
+              <a:rPr lang="en-US" altLang="ko-KR" sz="4800" b="1" dirty="0"/>
+              <a:t>different</a:t>
+            </a:r>
+            <a:r>
+              <a:rPr lang="ko-KR" altLang="en-US" sz="4800" b="1" dirty="0"/>
+              <a:t> </a:t>
+            </a:r>
+            <a:r>
+              <a:rPr lang="en-US" altLang="ko-KR" sz="4800" b="1" dirty="0"/>
+              <a:t>diameter</a:t>
+            </a:r>
+          </a:p>
+        </p:txBody>
+      </p:sp>
+      <p:pic>
+        <p:nvPicPr>
+          <p:cNvPr id="10" name="그림 9" descr="라인, 텍스트, 도표, 그래프이(가) 표시된 사진&#10;&#10;자동 생성된 설명">
+            <a:extLst>
+              <a:ext uri="{FF2B5EF4-FFF2-40B4-BE49-F238E27FC236}">
+                <a16:creationId xmlns:a16="http://schemas.microsoft.com/office/drawing/2014/main" id="{D0225500-72C1-4F42-238A-3F1FC84C989F}"/>
+              </a:ext>
+            </a:extLst>
+          </p:cNvPr>
+          <p:cNvPicPr>
+            <a:picLocks noChangeAspect="1"/>
+          </p:cNvPicPr>
+          <p:nvPr/>
+        </p:nvPicPr>
+        <p:blipFill>
+          <a:blip r:embed="rId2">
+            <a:extLst>
+              <a:ext uri="{28A0092B-C50C-407E-A947-70E740481C1C}">
+                <a14:useLocalDpi xmlns:a14="http://schemas.microsoft.com/office/drawing/2010/main" val="0"/>
+              </a:ext>
+            </a:extLst>
+          </a:blip>
+          <a:stretch>
+            <a:fillRect/>
+          </a:stretch>
+        </p:blipFill>
+        <p:spPr>
+          <a:xfrm>
+            <a:off x="1519182" y="1243770"/>
+            <a:ext cx="9144018" cy="5486411"/>
+          </a:xfrm>
+          <a:prstGeom prst="rect">
+            <a:avLst/>
+          </a:prstGeom>
+        </p:spPr>
+      </p:pic>
+    </p:spTree>
+    <p:extLst>
+      <p:ext uri="{BB962C8B-B14F-4D97-AF65-F5344CB8AC3E}">
+        <p14:creationId xmlns:p14="http://schemas.microsoft.com/office/powerpoint/2010/main" val="2506622858"/>
+      </p:ext>
+    </p:extLst>
+  </p:cSld>
+  <p:clrMapOvr>
+    <a:masterClrMapping/>
+  </p:clrMapOvr>
+</p:sld>
+</file>
+
+<file path=ppt/slides/slide16.xml><?xml version="1.0" encoding="utf-8"?>
+<p:sld xmlns:a="http://schemas.openxmlformats.org/drawingml/2006/main" xmlns:r="http://schemas.openxmlformats.org/officeDocument/2006/relationships" xmlns:p="http://schemas.openxmlformats.org/presentationml/2006/main">
+  <p:cSld>
+    <p:spTree>
+      <p:nvGrpSpPr>
+        <p:cNvPr id="1" name=""/>
+        <p:cNvGrpSpPr/>
+        <p:nvPr/>
+      </p:nvGrpSpPr>
+      <p:grpSpPr>
+        <a:xfrm>
+          <a:off x="0" y="0"/>
+          <a:ext cx="0" cy="0"/>
+          <a:chOff x="0" y="0"/>
+          <a:chExt cx="0" cy="0"/>
+        </a:xfrm>
+      </p:grpSpPr>
+      <p:sp>
+        <p:nvSpPr>
+          <p:cNvPr id="4" name="TextBox 3">
+            <a:extLst>
+              <a:ext uri="{FF2B5EF4-FFF2-40B4-BE49-F238E27FC236}">
+                <a16:creationId xmlns:a16="http://schemas.microsoft.com/office/drawing/2014/main" id="{54CE3854-7E54-1AF6-0859-C4827976A894}"/>
+              </a:ext>
+            </a:extLst>
+          </p:cNvPr>
+          <p:cNvSpPr txBox="1"/>
+          <p:nvPr/>
+        </p:nvSpPr>
+        <p:spPr>
+          <a:xfrm>
+            <a:off x="1887059" y="127819"/>
+            <a:ext cx="8406660" cy="830997"/>
+          </a:xfrm>
+          <a:prstGeom prst="rect">
+            <a:avLst/>
+          </a:prstGeom>
+          <a:noFill/>
+        </p:spPr>
+        <p:txBody>
+          <a:bodyPr wrap="none" rtlCol="0">
+            <a:spAutoFit/>
+          </a:bodyPr>
+          <a:lstStyle/>
+          <a:p>
+            <a:r>
+              <a:rPr lang="en-US" altLang="ko-KR" sz="4800" b="1" dirty="0" err="1"/>
+              <a:t>dncase</a:t>
+            </a:r>
+            <a:r>
+              <a:rPr lang="ko-KR" altLang="en-US" sz="4800" b="1" dirty="0"/>
+              <a:t> </a:t>
+            </a:r>
+            <a:r>
+              <a:rPr lang="en-US" altLang="ko-KR" sz="4800" b="1" dirty="0"/>
+              <a:t>–</a:t>
+            </a:r>
+            <a:r>
+              <a:rPr lang="ko-KR" altLang="en-US" sz="4800" b="1" dirty="0"/>
+              <a:t> </a:t>
+            </a:r>
+            <a:r>
+              <a:rPr lang="en-US" altLang="ko-KR" sz="4800" b="1" dirty="0"/>
+              <a:t>different</a:t>
+            </a:r>
+            <a:r>
+              <a:rPr lang="ko-KR" altLang="en-US" sz="4800" b="1" dirty="0"/>
+              <a:t> </a:t>
+            </a:r>
+            <a:r>
+              <a:rPr lang="en-US" altLang="ko-KR" sz="4800" b="1" dirty="0"/>
+              <a:t>diameter</a:t>
+            </a:r>
+          </a:p>
+        </p:txBody>
+      </p:sp>
+      <p:pic>
+        <p:nvPicPr>
+          <p:cNvPr id="3" name="그림 2" descr="텍스트, 라인, 도표, 그래프이(가) 표시된 사진&#10;&#10;자동 생성된 설명">
+            <a:extLst>
+              <a:ext uri="{FF2B5EF4-FFF2-40B4-BE49-F238E27FC236}">
+                <a16:creationId xmlns:a16="http://schemas.microsoft.com/office/drawing/2014/main" id="{93288F6E-C742-4B3C-A078-14FF104C8F84}"/>
+              </a:ext>
+            </a:extLst>
+          </p:cNvPr>
+          <p:cNvPicPr>
+            <a:picLocks noChangeAspect="1"/>
+          </p:cNvPicPr>
+          <p:nvPr/>
+        </p:nvPicPr>
+        <p:blipFill>
+          <a:blip r:embed="rId2">
+            <a:extLst>
+              <a:ext uri="{28A0092B-C50C-407E-A947-70E740481C1C}">
+                <a14:useLocalDpi xmlns:a14="http://schemas.microsoft.com/office/drawing/2010/main" val="0"/>
+              </a:ext>
+            </a:extLst>
+          </a:blip>
+          <a:stretch>
+            <a:fillRect/>
+          </a:stretch>
+        </p:blipFill>
+        <p:spPr>
+          <a:xfrm>
+            <a:off x="1518380" y="1243770"/>
+            <a:ext cx="9144018" cy="5486411"/>
+          </a:xfrm>
+          <a:prstGeom prst="rect">
+            <a:avLst/>
+          </a:prstGeom>
+        </p:spPr>
+      </p:pic>
+    </p:spTree>
+    <p:extLst>
+      <p:ext uri="{BB962C8B-B14F-4D97-AF65-F5344CB8AC3E}">
+        <p14:creationId xmlns:p14="http://schemas.microsoft.com/office/powerpoint/2010/main" val="2506723362"/>
+      </p:ext>
+    </p:extLst>
+  </p:cSld>
+  <p:clrMapOvr>
+    <a:masterClrMapping/>
+  </p:clrMapOvr>
+</p:sld>
+</file>
+
+<file path=ppt/slides/slide17.xml><?xml version="1.0" encoding="utf-8"?>
+<p:sld xmlns:a="http://schemas.openxmlformats.org/drawingml/2006/main" xmlns:r="http://schemas.openxmlformats.org/officeDocument/2006/relationships" xmlns:p="http://schemas.openxmlformats.org/presentationml/2006/main">
+  <p:cSld>
+    <p:spTree>
+      <p:nvGrpSpPr>
+        <p:cNvPr id="1" name=""/>
+        <p:cNvGrpSpPr/>
+        <p:nvPr/>
+      </p:nvGrpSpPr>
+      <p:grpSpPr>
+        <a:xfrm>
+          <a:off x="0" y="0"/>
+          <a:ext cx="0" cy="0"/>
+          <a:chOff x="0" y="0"/>
+          <a:chExt cx="0" cy="0"/>
+        </a:xfrm>
+      </p:grpSpPr>
+      <p:sp>
+        <p:nvSpPr>
+          <p:cNvPr id="4" name="TextBox 3">
+            <a:extLst>
+              <a:ext uri="{FF2B5EF4-FFF2-40B4-BE49-F238E27FC236}">
+                <a16:creationId xmlns:a16="http://schemas.microsoft.com/office/drawing/2014/main" id="{54CE3854-7E54-1AF6-0859-C4827976A894}"/>
+              </a:ext>
+            </a:extLst>
+          </p:cNvPr>
+          <p:cNvSpPr txBox="1"/>
+          <p:nvPr/>
+        </p:nvSpPr>
+        <p:spPr>
+          <a:xfrm>
+            <a:off x="1887059" y="127819"/>
+            <a:ext cx="8397042" cy="830997"/>
+          </a:xfrm>
+          <a:prstGeom prst="rect">
+            <a:avLst/>
+          </a:prstGeom>
+          <a:noFill/>
+        </p:spPr>
+        <p:txBody>
+          <a:bodyPr wrap="none" rtlCol="0">
+            <a:spAutoFit/>
+          </a:bodyPr>
+          <a:lstStyle/>
+          <a:p>
+            <a:r>
+              <a:rPr lang="en-US" altLang="ko-KR" sz="4800" b="1" dirty="0"/>
+              <a:t>uncase</a:t>
+            </a:r>
+            <a:r>
+              <a:rPr lang="ko-KR" altLang="en-US" sz="4800" b="1" dirty="0"/>
+              <a:t> </a:t>
+            </a:r>
+            <a:r>
+              <a:rPr lang="en-US" altLang="ko-KR" sz="4800" b="1" dirty="0"/>
+              <a:t>–</a:t>
+            </a:r>
+            <a:r>
+              <a:rPr lang="ko-KR" altLang="en-US" sz="4800" b="1" dirty="0"/>
+              <a:t> </a:t>
+            </a:r>
+            <a:r>
+              <a:rPr lang="en-US" altLang="ko-KR" sz="4800" b="1" dirty="0"/>
+              <a:t>different</a:t>
+            </a:r>
+            <a:r>
+              <a:rPr lang="ko-KR" altLang="en-US" sz="4800" b="1" dirty="0"/>
+              <a:t> </a:t>
+            </a:r>
+            <a:r>
+              <a:rPr lang="en-US" altLang="ko-KR" sz="4800" b="1" dirty="0"/>
+              <a:t>diameter</a:t>
+            </a:r>
+          </a:p>
+        </p:txBody>
+      </p:sp>
+      <p:pic>
+        <p:nvPicPr>
+          <p:cNvPr id="8" name="그림 7" descr="텍스트, 라인, 도표, 그래프이(가) 표시된 사진&#10;&#10;자동 생성된 설명">
+            <a:extLst>
+              <a:ext uri="{FF2B5EF4-FFF2-40B4-BE49-F238E27FC236}">
+                <a16:creationId xmlns:a16="http://schemas.microsoft.com/office/drawing/2014/main" id="{8236B02E-CDE5-225E-DFBC-B4457051CCA8}"/>
+              </a:ext>
+            </a:extLst>
+          </p:cNvPr>
+          <p:cNvPicPr>
+            <a:picLocks noChangeAspect="1"/>
+          </p:cNvPicPr>
+          <p:nvPr/>
+        </p:nvPicPr>
+        <p:blipFill>
+          <a:blip r:embed="rId2">
+            <a:extLst>
+              <a:ext uri="{28A0092B-C50C-407E-A947-70E740481C1C}">
+                <a14:useLocalDpi xmlns:a14="http://schemas.microsoft.com/office/drawing/2010/main" val="0"/>
+              </a:ext>
+            </a:extLst>
+          </a:blip>
+          <a:stretch>
+            <a:fillRect/>
+          </a:stretch>
+        </p:blipFill>
+        <p:spPr>
+          <a:xfrm>
+            <a:off x="1523991" y="1243770"/>
+            <a:ext cx="9144018" cy="5486411"/>
+          </a:xfrm>
+          <a:prstGeom prst="rect">
+            <a:avLst/>
+          </a:prstGeom>
+        </p:spPr>
+      </p:pic>
+    </p:spTree>
+    <p:extLst>
+      <p:ext uri="{BB962C8B-B14F-4D97-AF65-F5344CB8AC3E}">
+        <p14:creationId xmlns:p14="http://schemas.microsoft.com/office/powerpoint/2010/main" val="2656696961"/>
+      </p:ext>
+    </p:extLst>
+  </p:cSld>
+  <p:clrMapOvr>
+    <a:masterClrMapping/>
+  </p:clrMapOvr>
 </p:sld>
 </file>
 
@@ -3580,13 +4917,19 @@
       </p:grpSpPr>
       <p:grpSp>
         <p:nvGrpSpPr>
-          <p:cNvPr id="2" name="그룹 1"/>
+          <p:cNvPr id="2" name="그룹 1">
+            <a:extLst>
+              <a:ext uri="{FF2B5EF4-FFF2-40B4-BE49-F238E27FC236}">
+                <a16:creationId xmlns:a16="http://schemas.microsoft.com/office/drawing/2014/main" id="{7423C518-688E-64AC-1222-B9F3FC5193D8}"/>
+              </a:ext>
+            </a:extLst>
+          </p:cNvPr>
           <p:cNvGrpSpPr/>
           <p:nvPr/>
         </p:nvGrpSpPr>
         <p:grpSpPr>
           <a:xfrm>
-            <a:off x="1173424" y="543764"/>
+            <a:off x="1093541" y="637491"/>
             <a:ext cx="9845152" cy="5770472"/>
             <a:chOff x="773501" y="500331"/>
             <a:chExt cx="9845152" cy="5770472"/>
@@ -3596,7 +4939,13 @@
           <mc:Choice Requires="a14">
             <p:sp>
               <p:nvSpPr>
-                <p:cNvPr id="4" name="TextBox 3"/>
+                <p:cNvPr id="4" name="TextBox 3">
+                  <a:extLst>
+                    <a:ext uri="{FF2B5EF4-FFF2-40B4-BE49-F238E27FC236}">
+                      <a16:creationId xmlns:a16="http://schemas.microsoft.com/office/drawing/2014/main" id="{919DDC20-F791-6AA0-48A4-8F74F7958C39}"/>
+                    </a:ext>
+                  </a:extLst>
+                </p:cNvPr>
                 <p:cNvSpPr txBox="1"/>
                 <p:nvPr/>
               </p:nvSpPr>
@@ -3611,153 +4960,28 @@
                 <a:noFill/>
               </p:spPr>
               <p:txBody>
-                <a:bodyPr/>
+                <a:bodyPr wrap="square" rtlCol="0">
+                  <a:spAutoFit/>
+                </a:bodyPr>
                 <a:lstStyle/>
                 <a:p>
-                  <a:pPr/>
-                  <a14:m>
-                    <m:oMathPara xmlns:m="http://schemas.openxmlformats.org/officeDocument/2006/math">
-                      <m:oMathParaPr>
-                        <m:jc m:val="centerGroup"/>
-                      </m:oMathParaPr>
-                      <m:oMath xmlns:m="http://schemas.openxmlformats.org/officeDocument/2006/math">
-                        <m:r>
-                          <a:rPr lang="en-US" altLang="ko-KR" sz="1800" kern="100" dirty="0">
-                            <a:solidFill>
-                              <a:srgbClr val="00B0F0"/>
-                            </a:solidFill>
-                            <a:effectLst/>
-                            <a:latin typeface="Cambria Math" panose="02040503050406030204" pitchFamily="18" charset="0"/>
-                            <a:ea typeface="Arial Unicode MS" panose="020B0604020202020204" pitchFamily="50" charset="-127"/>
-                            <a:cs typeface="Arial Unicode MS" panose="020B0604020202020204" pitchFamily="50" charset="-127"/>
-                          </a:rPr>
-                          <m:t>𝑃𝑟𝑖𝑛𝑡</m:t>
-                        </m:r>
-                        <m:r>
-                          <a:rPr lang="en-US" altLang="ko-KR" sz="1800" kern="100" dirty="0">
-                            <a:solidFill>
-                              <a:srgbClr val="00B0F0"/>
-                            </a:solidFill>
-                            <a:effectLst/>
-                            <a:latin typeface="Cambria Math" panose="02040503050406030204" pitchFamily="18" charset="0"/>
-                            <a:ea typeface="Arial Unicode MS" panose="020B0604020202020204" pitchFamily="50" charset="-127"/>
-                            <a:cs typeface="Arial Unicode MS" panose="020B0604020202020204" pitchFamily="50" charset="-127"/>
-                          </a:rPr>
-                          <m:t> </m:t>
-                        </m:r>
-                        <m:r>
-                          <a:rPr lang="en-US" altLang="ko-KR" sz="1800" kern="100" dirty="0">
-                            <a:solidFill>
-                              <a:srgbClr val="00B0F0"/>
-                            </a:solidFill>
-                            <a:effectLst/>
-                            <a:latin typeface="Cambria Math" panose="02040503050406030204" pitchFamily="18" charset="0"/>
-                            <a:ea typeface="Arial Unicode MS" panose="020B0604020202020204" pitchFamily="50" charset="-127"/>
-                            <a:cs typeface="Arial Unicode MS" panose="020B0604020202020204" pitchFamily="50" charset="-127"/>
-                          </a:rPr>
-                          <m:t>𝑆𝑒𝑡𝑡𝑖𝑛𝑔</m:t>
-                        </m:r>
-                        <m:r>
-                          <a:rPr lang="en-US" altLang="ko-KR" sz="1800" kern="100" dirty="0">
-                            <a:solidFill>
-                              <a:srgbClr val="00B0F0"/>
-                            </a:solidFill>
-                            <a:effectLst/>
-                            <a:latin typeface="Cambria Math" panose="02040503050406030204" pitchFamily="18" charset="0"/>
-                            <a:ea typeface="Arial Unicode MS" panose="020B0604020202020204" pitchFamily="50" charset="-127"/>
-                            <a:cs typeface="Arial Unicode MS" panose="020B0604020202020204" pitchFamily="50" charset="-127"/>
-                          </a:rPr>
-                          <m:t> </m:t>
-                        </m:r>
-                        <m:r>
-                          <a:rPr lang="en-US" altLang="ko-KR" sz="1800" kern="100" dirty="0">
-                            <a:solidFill>
-                              <a:srgbClr val="00B0F0"/>
-                            </a:solidFill>
-                            <a:effectLst/>
-                            <a:latin typeface="Cambria Math" panose="02040503050406030204" pitchFamily="18" charset="0"/>
-                            <a:ea typeface="Arial Unicode MS" panose="020B0604020202020204" pitchFamily="50" charset="-127"/>
-                            <a:cs typeface="Arial Unicode MS" panose="020B0604020202020204" pitchFamily="50" charset="-127"/>
-                          </a:rPr>
-                          <m:t>𝑓𝑜𝑟</m:t>
-                        </m:r>
-                        <m:r>
-                          <a:rPr lang="en-US" altLang="ko-KR" sz="1800" kern="100" dirty="0">
-                            <a:solidFill>
-                              <a:srgbClr val="00B0F0"/>
-                            </a:solidFill>
-                            <a:effectLst/>
-                            <a:latin typeface="Cambria Math" panose="02040503050406030204" pitchFamily="18" charset="0"/>
-                            <a:ea typeface="Arial Unicode MS" panose="020B0604020202020204" pitchFamily="50" charset="-127"/>
-                            <a:cs typeface="Arial Unicode MS" panose="020B0604020202020204" pitchFamily="50" charset="-127"/>
-                          </a:rPr>
-                          <m:t> </m:t>
-                        </m:r>
-                        <m:r>
-                          <a:rPr lang="en-US" altLang="ko-KR" sz="1800" kern="100" dirty="0">
-                            <a:solidFill>
-                              <a:srgbClr val="00B0F0"/>
-                            </a:solidFill>
-                            <a:effectLst/>
-                            <a:latin typeface="Cambria Math" panose="02040503050406030204" pitchFamily="18" charset="0"/>
-                            <a:ea typeface="Arial Unicode MS" panose="020B0604020202020204" pitchFamily="50" charset="-127"/>
-                            <a:cs typeface="Arial Unicode MS" panose="020B0604020202020204" pitchFamily="50" charset="-127"/>
-                          </a:rPr>
-                          <m:t>𝑇𝑃𝐸</m:t>
-                        </m:r>
-                      </m:oMath>
-                    </m:oMathPara>
-                  </a14:m>
-                  <a:endParaRPr dirty="0"/>
-                </a:p>
-                <a:p>
-                  <a:pPr/>
-                  <a14:m>
-                    <m:oMathPara xmlns:m="http://schemas.openxmlformats.org/officeDocument/2006/math">
-                      <m:oMathParaPr>
-                        <m:jc m:val="centerGroup"/>
-                      </m:oMathParaPr>
-                      <m:oMath xmlns:m="http://schemas.openxmlformats.org/officeDocument/2006/math">
-                        <m:r>
-                          <a:rPr lang="en-US" altLang="ko-KR" sz="1800" kern="100" dirty="0">
-                            <a:effectLst/>
-                            <a:latin typeface="Cambria Math" panose="02040503050406030204" pitchFamily="18" charset="0"/>
-                            <a:ea typeface="Arial Unicode MS" panose="020B0604020202020204" pitchFamily="50" charset="-127"/>
-                            <a:cs typeface="Arial Unicode MS" panose="020B0604020202020204" pitchFamily="50" charset="-127"/>
-                          </a:rPr>
-                          <m:t>𝐵𝑒𝑑</m:t>
-                        </m:r>
-                        <m:r>
-                          <a:rPr lang="en-US" altLang="ko-KR" sz="1800" kern="100" dirty="0">
-                            <a:effectLst/>
-                            <a:latin typeface="Cambria Math" panose="02040503050406030204" pitchFamily="18" charset="0"/>
-                            <a:ea typeface="Arial Unicode MS" panose="020B0604020202020204" pitchFamily="50" charset="-127"/>
-                            <a:cs typeface="Arial Unicode MS" panose="020B0604020202020204" pitchFamily="50" charset="-127"/>
-                          </a:rPr>
-                          <m:t> </m:t>
-                        </m:r>
-                        <m:r>
-                          <a:rPr lang="en-US" altLang="ko-KR" sz="1800" kern="100" dirty="0">
-                            <a:effectLst/>
-                            <a:latin typeface="Cambria Math" panose="02040503050406030204" pitchFamily="18" charset="0"/>
-                            <a:ea typeface="Arial Unicode MS" panose="020B0604020202020204" pitchFamily="50" charset="-127"/>
-                            <a:cs typeface="Arial Unicode MS" panose="020B0604020202020204" pitchFamily="50" charset="-127"/>
-                          </a:rPr>
-                          <m:t>𝑇𝑒𝑚𝑝𝑒𝑟𝑎𝑡𝑢𝑟𝑒</m:t>
-                        </m:r>
-                        <m:r>
-                          <a:rPr lang="en-US" altLang="ko-KR" sz="1800" kern="100" dirty="0">
-                            <a:effectLst/>
-                            <a:latin typeface="Cambria Math" panose="02040503050406030204" pitchFamily="18" charset="0"/>
-                            <a:ea typeface="Arial Unicode MS" panose="020B0604020202020204" pitchFamily="50" charset="-127"/>
-                            <a:cs typeface="Arial Unicode MS" panose="020B0604020202020204" pitchFamily="50" charset="-127"/>
-                          </a:rPr>
-                          <m:t> : </m:t>
-                        </m:r>
-                      </m:oMath>
-                    </m:oMathPara>
-                  </a14:m>
-                  <a:endParaRPr dirty="0"/>
+                  <a:pPr latinLnBrk="1">
+                    <a:spcAft>
+                      <a:spcPts val="800"/>
+                    </a:spcAft>
+                  </a:pPr>
+                  <a:r>
+                    <a:rPr lang="en-US" altLang="ko-KR" sz="1800" kern="100" dirty="0">
+                      <a:solidFill>
+                        <a:srgbClr val="00B0F0"/>
+                      </a:solidFill>
+                      <a:effectLst/>
+                      <a:latin typeface="Arial Unicode MS" panose="020B0604020202020204" pitchFamily="50" charset="-127"/>
+                      <a:ea typeface="Arial Unicode MS" panose="020B0604020202020204" pitchFamily="50" charset="-127"/>
+                      <a:cs typeface="Arial Unicode MS" panose="020B0604020202020204" pitchFamily="50" charset="-127"/>
+                    </a:rPr>
+                    <a:t>Print Setting for TPE</a:t>
+                  </a:r>
                 </a:p>
                 <a:p>
                   <a:pPr latinLnBrk="1">
@@ -3765,81 +4989,12 @@
                       <a:spcPts val="800"/>
                     </a:spcAft>
                   </a:pPr>
-                  <a14:m>
-                    <m:oMathPara xmlns:m="http://schemas.openxmlformats.org/officeDocument/2006/math">
-                      <m:oMathParaPr>
-                        <m:jc m:val="centerGroup"/>
-                      </m:oMathParaPr>
-                      <m:oMath xmlns:m="http://schemas.openxmlformats.org/officeDocument/2006/math">
-                        <m:r>
-                          <a:rPr lang="en-US" altLang="ko-KR" sz="1800" i="1" kern="100">
-                            <a:effectLst/>
-                            <a:latin typeface="Cambria Math" panose="02040503050406030204" pitchFamily="18" charset="0"/>
-                            <a:ea typeface="맑은 고딕" panose="020B0503020000020004" pitchFamily="50" charset="-127"/>
-                          </a:rPr>
-                          <m:t>50°</m:t>
-                        </m:r>
-                        <m:r>
-                          <a:rPr lang="en-US" altLang="ko-KR" sz="1800" i="1" kern="100">
-                            <a:effectLst/>
-                            <a:latin typeface="Cambria Math" panose="02040503050406030204" pitchFamily="18" charset="0"/>
-                            <a:ea typeface="맑은 고딕" panose="020B0503020000020004" pitchFamily="50" charset="-127"/>
-                          </a:rPr>
-                          <m:t>𝐶</m:t>
-                        </m:r>
-                      </m:oMath>
-                    </m:oMathPara>
-                  </a14:m>
-                  <a:endParaRPr dirty="0"/>
-                </a:p>
-                <a:p>
-                  <a:pPr/>
-                  <a14:m>
-                    <m:oMathPara xmlns:m="http://schemas.openxmlformats.org/officeDocument/2006/math">
-                      <m:oMathParaPr>
-                        <m:jc m:val="centerGroup"/>
-                      </m:oMathParaPr>
-                      <m:oMath xmlns:m="http://schemas.openxmlformats.org/officeDocument/2006/math">
-                        <m:r>
-                          <a:rPr lang="en-US" altLang="ko-KR" sz="1800" kern="100" dirty="0">
-                            <a:effectLst/>
-                            <a:latin typeface="Cambria Math" panose="02040503050406030204" pitchFamily="18" charset="0"/>
-                            <a:ea typeface="Arial Unicode MS" panose="020B0604020202020204" pitchFamily="50" charset="-127"/>
-                            <a:cs typeface="Arial Unicode MS" panose="020B0604020202020204" pitchFamily="50" charset="-127"/>
-                          </a:rPr>
-                          <m:t>𝑁𝑜𝑧𝑧𝑙𝑒</m:t>
-                        </m:r>
-                        <m:r>
-                          <a:rPr lang="en-US" altLang="ko-KR" sz="1800" kern="100" dirty="0">
-                            <a:effectLst/>
-                            <a:latin typeface="Cambria Math" panose="02040503050406030204" pitchFamily="18" charset="0"/>
-                            <a:ea typeface="Arial Unicode MS" panose="020B0604020202020204" pitchFamily="50" charset="-127"/>
-                            <a:cs typeface="Arial Unicode MS" panose="020B0604020202020204" pitchFamily="50" charset="-127"/>
-                          </a:rPr>
-                          <m:t> </m:t>
-                        </m:r>
-                        <m:r>
-                          <a:rPr lang="en-US" altLang="ko-KR" sz="1800" kern="100" dirty="0">
-                            <a:effectLst/>
-                            <a:latin typeface="Cambria Math" panose="02040503050406030204" pitchFamily="18" charset="0"/>
-                            <a:ea typeface="Arial Unicode MS" panose="020B0604020202020204" pitchFamily="50" charset="-127"/>
-                            <a:cs typeface="Arial Unicode MS" panose="020B0604020202020204" pitchFamily="50" charset="-127"/>
-                          </a:rPr>
-                          <m:t>𝑇𝑒𝑚𝑝𝑒𝑟𝑎𝑡𝑢𝑟𝑒</m:t>
-                        </m:r>
-                        <m:r>
-                          <a:rPr lang="en-US" altLang="ko-KR" sz="1800" kern="100" dirty="0">
-                            <a:effectLst/>
-                            <a:latin typeface="Cambria Math" panose="02040503050406030204" pitchFamily="18" charset="0"/>
-                            <a:ea typeface="Arial Unicode MS" panose="020B0604020202020204" pitchFamily="50" charset="-127"/>
-                            <a:cs typeface="Arial Unicode MS" panose="020B0604020202020204" pitchFamily="50" charset="-127"/>
-                          </a:rPr>
-                          <m:t> : </m:t>
-                        </m:r>
-                      </m:oMath>
-                    </m:oMathPara>
-                  </a14:m>
-                  <a:endParaRPr dirty="0"/>
+                  <a:endParaRPr lang="ko-KR" altLang="ko-KR" sz="1800" kern="100" dirty="0">
+                    <a:effectLst/>
+                    <a:latin typeface="Arial Unicode MS" panose="020B0604020202020204" pitchFamily="50" charset="-127"/>
+                    <a:ea typeface="Arial Unicode MS" panose="020B0604020202020204" pitchFamily="50" charset="-127"/>
+                    <a:cs typeface="Arial Unicode MS" panose="020B0604020202020204" pitchFamily="50" charset="-127"/>
+                  </a:endParaRPr>
                 </a:p>
                 <a:p>
                   <a:pPr latinLnBrk="1">
@@ -3847,81 +5002,41 @@
                       <a:spcPts val="800"/>
                     </a:spcAft>
                   </a:pPr>
+                  <a:r>
+                    <a:rPr lang="en-US" altLang="ko-KR" sz="1800" kern="100" dirty="0">
+                      <a:effectLst/>
+                      <a:latin typeface="Arial Unicode MS" panose="020B0604020202020204" pitchFamily="50" charset="-127"/>
+                      <a:ea typeface="Arial Unicode MS" panose="020B0604020202020204" pitchFamily="50" charset="-127"/>
+                      <a:cs typeface="Arial Unicode MS" panose="020B0604020202020204" pitchFamily="50" charset="-127"/>
+                    </a:rPr>
+                    <a:t>Bed Temperature : </a:t>
+                  </a:r>
                   <a14:m>
-                    <m:oMathPara xmlns:m="http://schemas.openxmlformats.org/officeDocument/2006/math">
-                      <m:oMathParaPr>
-                        <m:jc m:val="centerGroup"/>
-                      </m:oMathParaPr>
-                      <m:oMath xmlns:m="http://schemas.openxmlformats.org/officeDocument/2006/math">
-                        <m:r>
-                          <a:rPr lang="en-US" altLang="ko-KR" sz="1800" i="1" kern="100">
-                            <a:effectLst/>
-                            <a:latin typeface="Cambria Math" panose="02040503050406030204" pitchFamily="18" charset="0"/>
-                            <a:ea typeface="맑은 고딕" panose="020B0503020000020004" pitchFamily="50" charset="-127"/>
-                          </a:rPr>
-                          <m:t>235°</m:t>
-                        </m:r>
-                        <m:r>
-                          <a:rPr lang="en-US" altLang="ko-KR" sz="1800" i="1" kern="100">
-                            <a:effectLst/>
-                            <a:latin typeface="Cambria Math" panose="02040503050406030204" pitchFamily="18" charset="0"/>
-                            <a:ea typeface="맑은 고딕" panose="020B0503020000020004" pitchFamily="50" charset="-127"/>
-                          </a:rPr>
-                          <m:t>𝐶</m:t>
-                        </m:r>
-                      </m:oMath>
-                    </m:oMathPara>
+                    <m:oMath xmlns:m="http://schemas.openxmlformats.org/officeDocument/2006/math">
+                      <m:r>
+                        <a:rPr lang="en-US" altLang="ko-KR" sz="1800" i="1" kern="100">
+                          <a:effectLst/>
+                          <a:latin typeface="Cambria Math" panose="02040503050406030204" pitchFamily="18" charset="0"/>
+                          <a:ea typeface="맑은 고딕" panose="020B0503020000020004" pitchFamily="50" charset="-127"/>
+                        </a:rPr>
+                        <m:t>50°</m:t>
+                      </m:r>
+                      <m:r>
+                        <a:rPr lang="en-US" altLang="ko-KR" sz="1800" i="1" kern="100">
+                          <a:effectLst/>
+                          <a:latin typeface="Cambria Math" panose="02040503050406030204" pitchFamily="18" charset="0"/>
+                          <a:ea typeface="맑은 고딕" panose="020B0503020000020004" pitchFamily="50" charset="-127"/>
+                        </a:rPr>
+                        <m:t>𝐶</m:t>
+                      </m:r>
+                    </m:oMath>
                   </a14:m>
-                  <a:endParaRPr dirty="0"/>
-                </a:p>
-                <a:p>
-                  <a:pPr/>
-                  <a14:m>
-                    <m:oMathPara xmlns:m="http://schemas.openxmlformats.org/officeDocument/2006/math">
-                      <m:oMathParaPr>
-                        <m:jc m:val="centerGroup"/>
-                      </m:oMathParaPr>
-                      <m:oMath xmlns:m="http://schemas.openxmlformats.org/officeDocument/2006/math">
-                        <m:r>
-                          <a:rPr lang="en-US" altLang="ko-KR" sz="1800" kern="100" dirty="0">
-                            <a:effectLst/>
-                            <a:latin typeface="Cambria Math" panose="02040503050406030204" pitchFamily="18" charset="0"/>
-                            <a:ea typeface="Arial Unicode MS" panose="020B0604020202020204" pitchFamily="50" charset="-127"/>
-                            <a:cs typeface="Arial Unicode MS" panose="020B0604020202020204" pitchFamily="50" charset="-127"/>
-                          </a:rPr>
-                          <m:t>𝑃𝑟𝑖𝑛𝑡</m:t>
-                        </m:r>
-                        <m:r>
-                          <a:rPr lang="en-US" altLang="ko-KR" sz="1800" kern="100" dirty="0">
-                            <a:effectLst/>
-                            <a:latin typeface="Cambria Math" panose="02040503050406030204" pitchFamily="18" charset="0"/>
-                            <a:ea typeface="Arial Unicode MS" panose="020B0604020202020204" pitchFamily="50" charset="-127"/>
-                            <a:cs typeface="Arial Unicode MS" panose="020B0604020202020204" pitchFamily="50" charset="-127"/>
-                          </a:rPr>
-                          <m:t> </m:t>
-                        </m:r>
-                        <m:r>
-                          <a:rPr lang="en-US" altLang="ko-KR" sz="1800" kern="100" dirty="0">
-                            <a:effectLst/>
-                            <a:latin typeface="Cambria Math" panose="02040503050406030204" pitchFamily="18" charset="0"/>
-                            <a:ea typeface="Arial Unicode MS" panose="020B0604020202020204" pitchFamily="50" charset="-127"/>
-                            <a:cs typeface="Arial Unicode MS" panose="020B0604020202020204" pitchFamily="50" charset="-127"/>
-                          </a:rPr>
-                          <m:t>𝑆𝑝𝑒𝑒𝑑</m:t>
-                        </m:r>
-                        <m:r>
-                          <a:rPr lang="en-US" altLang="ko-KR" sz="1800" kern="100" dirty="0">
-                            <a:effectLst/>
-                            <a:latin typeface="Cambria Math" panose="02040503050406030204" pitchFamily="18" charset="0"/>
-                            <a:ea typeface="Arial Unicode MS" panose="020B0604020202020204" pitchFamily="50" charset="-127"/>
-                            <a:cs typeface="Arial Unicode MS" panose="020B0604020202020204" pitchFamily="50" charset="-127"/>
-                          </a:rPr>
-                          <m:t> : </m:t>
-                        </m:r>
-                      </m:oMath>
-                    </m:oMathPara>
-                  </a14:m>
-                  <a:endParaRPr dirty="0"/>
+                  <a:endParaRPr lang="ko-KR" altLang="ko-KR" sz="1800" kern="100" dirty="0">
+                    <a:effectLst/>
+                    <a:latin typeface="Arial Unicode MS" panose="020B0604020202020204" pitchFamily="50" charset="-127"/>
+                    <a:ea typeface="Arial Unicode MS" panose="020B0604020202020204" pitchFamily="50" charset="-127"/>
+                    <a:cs typeface="Arial Unicode MS" panose="020B0604020202020204" pitchFamily="50" charset="-127"/>
+                  </a:endParaRPr>
                 </a:p>
                 <a:p>
                   <a:pPr latinLnBrk="1">
@@ -3929,97 +5044,41 @@
                       <a:spcPts val="800"/>
                     </a:spcAft>
                   </a:pPr>
+                  <a:r>
+                    <a:rPr lang="en-US" altLang="ko-KR" sz="1800" kern="100" dirty="0">
+                      <a:effectLst/>
+                      <a:latin typeface="Arial Unicode MS" panose="020B0604020202020204" pitchFamily="50" charset="-127"/>
+                      <a:ea typeface="Arial Unicode MS" panose="020B0604020202020204" pitchFamily="50" charset="-127"/>
+                      <a:cs typeface="Arial Unicode MS" panose="020B0604020202020204" pitchFamily="50" charset="-127"/>
+                    </a:rPr>
+                    <a:t>Nozzle Temperature : </a:t>
+                  </a:r>
                   <a14:m>
-                    <m:oMathPara xmlns:m="http://schemas.openxmlformats.org/officeDocument/2006/math">
-                      <m:oMathParaPr>
-                        <m:jc m:val="centerGroup"/>
-                      </m:oMathParaPr>
-                      <m:oMath xmlns:m="http://schemas.openxmlformats.org/officeDocument/2006/math">
-                        <m:r>
-                          <a:rPr lang="en-US" altLang="ko-KR" sz="1800" i="1" kern="100">
-                            <a:effectLst/>
-                            <a:latin typeface="Cambria Math" panose="02040503050406030204" pitchFamily="18" charset="0"/>
-                            <a:ea typeface="맑은 고딕" panose="020B0503020000020004" pitchFamily="50" charset="-127"/>
-                          </a:rPr>
-                          <m:t>20</m:t>
-                        </m:r>
-                        <m:r>
-                          <a:rPr lang="en-US" altLang="ko-KR" sz="1800" i="1" kern="100">
-                            <a:effectLst/>
-                            <a:latin typeface="Cambria Math" panose="02040503050406030204" pitchFamily="18" charset="0"/>
-                            <a:ea typeface="맑은 고딕" panose="020B0503020000020004" pitchFamily="50" charset="-127"/>
-                          </a:rPr>
-                          <m:t>𝑚𝑚</m:t>
-                        </m:r>
-                        <m:r>
-                          <a:rPr lang="en-US" altLang="ko-KR" sz="1800" i="1" kern="100">
-                            <a:effectLst/>
-                            <a:latin typeface="Cambria Math" panose="02040503050406030204" pitchFamily="18" charset="0"/>
-                            <a:ea typeface="맑은 고딕" panose="020B0503020000020004" pitchFamily="50" charset="-127"/>
-                          </a:rPr>
-                          <m:t>/</m:t>
-                        </m:r>
-                        <m:r>
-                          <a:rPr lang="en-US" altLang="ko-KR" sz="1800" i="1" kern="100">
-                            <a:effectLst/>
-                            <a:latin typeface="Cambria Math" panose="02040503050406030204" pitchFamily="18" charset="0"/>
-                            <a:ea typeface="맑은 고딕" panose="020B0503020000020004" pitchFamily="50" charset="-127"/>
-                          </a:rPr>
-                          <m:t>𝑠</m:t>
-                        </m:r>
-                      </m:oMath>
-                    </m:oMathPara>
+                    <m:oMath xmlns:m="http://schemas.openxmlformats.org/officeDocument/2006/math">
+                      <m:r>
+                        <a:rPr lang="en-US" altLang="ko-KR" sz="1800" i="1" kern="100">
+                          <a:effectLst/>
+                          <a:latin typeface="Cambria Math" panose="02040503050406030204" pitchFamily="18" charset="0"/>
+                          <a:ea typeface="맑은 고딕" panose="020B0503020000020004" pitchFamily="50" charset="-127"/>
+                        </a:rPr>
+                        <m:t>235°</m:t>
+                      </m:r>
+                      <m:r>
+                        <a:rPr lang="en-US" altLang="ko-KR" sz="1800" i="1" kern="100">
+                          <a:effectLst/>
+                          <a:latin typeface="Cambria Math" panose="02040503050406030204" pitchFamily="18" charset="0"/>
+                          <a:ea typeface="맑은 고딕" panose="020B0503020000020004" pitchFamily="50" charset="-127"/>
+                        </a:rPr>
+                        <m:t>𝐶</m:t>
+                      </m:r>
+                    </m:oMath>
                   </a14:m>
-                  <a:endParaRPr dirty="0"/>
-                </a:p>
-                <a:p>
-                  <a:pPr/>
-                  <a14:m>
-                    <m:oMathPara xmlns:m="http://schemas.openxmlformats.org/officeDocument/2006/math">
-                      <m:oMathParaPr>
-                        <m:jc m:val="centerGroup"/>
-                      </m:oMathParaPr>
-                      <m:oMath xmlns:m="http://schemas.openxmlformats.org/officeDocument/2006/math">
-                        <m:r>
-                          <a:rPr lang="en-US" altLang="ko-KR" sz="1800" kern="100" dirty="0">
-                            <a:effectLst/>
-                            <a:latin typeface="Cambria Math" panose="02040503050406030204" pitchFamily="18" charset="0"/>
-                            <a:ea typeface="Arial Unicode MS" panose="020B0604020202020204" pitchFamily="50" charset="-127"/>
-                            <a:cs typeface="Arial Unicode MS" panose="020B0604020202020204" pitchFamily="50" charset="-127"/>
-                          </a:rPr>
-                          <m:t>𝐿𝑎𝑦𝑒𝑟</m:t>
-                        </m:r>
-                        <m:r>
-                          <a:rPr lang="en-US" altLang="ko-KR" sz="1800" kern="100" dirty="0">
-                            <a:effectLst/>
-                            <a:latin typeface="Cambria Math" panose="02040503050406030204" pitchFamily="18" charset="0"/>
-                            <a:ea typeface="Arial Unicode MS" panose="020B0604020202020204" pitchFamily="50" charset="-127"/>
-                            <a:cs typeface="Arial Unicode MS" panose="020B0604020202020204" pitchFamily="50" charset="-127"/>
-                          </a:rPr>
-                          <m:t> </m:t>
-                        </m:r>
-                        <m:r>
-                          <a:rPr lang="en-US" altLang="ko-KR" sz="1800" kern="100" dirty="0">
-                            <a:effectLst/>
-                            <a:latin typeface="Cambria Math" panose="02040503050406030204" pitchFamily="18" charset="0"/>
-                            <a:ea typeface="Arial Unicode MS" panose="020B0604020202020204" pitchFamily="50" charset="-127"/>
-                            <a:cs typeface="Arial Unicode MS" panose="020B0604020202020204" pitchFamily="50" charset="-127"/>
-                          </a:rPr>
-                          <m:t>𝐻𝑒𝑖𝑔h𝑡</m:t>
-                        </m:r>
-                        <m:r>
-                          <a:rPr lang="en-US" altLang="ko-KR" sz="1800" kern="100" dirty="0">
-                            <a:effectLst/>
-                            <a:latin typeface="Cambria Math" panose="02040503050406030204" pitchFamily="18" charset="0"/>
-                            <a:ea typeface="Arial Unicode MS" panose="020B0604020202020204" pitchFamily="50" charset="-127"/>
-                            <a:cs typeface="Arial Unicode MS" panose="020B0604020202020204" pitchFamily="50" charset="-127"/>
-                          </a:rPr>
-                          <m:t> : </m:t>
-                        </m:r>
-                      </m:oMath>
-                    </m:oMathPara>
-                  </a14:m>
-                  <a:endParaRPr dirty="0"/>
+                  <a:endParaRPr lang="ko-KR" altLang="ko-KR" sz="1800" kern="100" dirty="0">
+                    <a:effectLst/>
+                    <a:latin typeface="Arial Unicode MS" panose="020B0604020202020204" pitchFamily="50" charset="-127"/>
+                    <a:ea typeface="Arial Unicode MS" panose="020B0604020202020204" pitchFamily="50" charset="-127"/>
+                    <a:cs typeface="Arial Unicode MS" panose="020B0604020202020204" pitchFamily="50" charset="-127"/>
+                  </a:endParaRPr>
                 </a:p>
                 <a:p>
                   <a:pPr latinLnBrk="1">
@@ -4027,99 +5086,57 @@
                       <a:spcPts val="800"/>
                     </a:spcAft>
                   </a:pPr>
+                  <a:r>
+                    <a:rPr lang="en-US" altLang="ko-KR" sz="1800" kern="100" dirty="0">
+                      <a:effectLst/>
+                      <a:latin typeface="Arial Unicode MS" panose="020B0604020202020204" pitchFamily="50" charset="-127"/>
+                      <a:ea typeface="Arial Unicode MS" panose="020B0604020202020204" pitchFamily="50" charset="-127"/>
+                      <a:cs typeface="Arial Unicode MS" panose="020B0604020202020204" pitchFamily="50" charset="-127"/>
+                    </a:rPr>
+                    <a:t>Print Speed : </a:t>
+                  </a:r>
                   <a14:m>
-                    <m:oMathPara xmlns:m="http://schemas.openxmlformats.org/officeDocument/2006/math">
-                      <m:oMathParaPr>
-                        <m:jc m:val="centerGroup"/>
-                      </m:oMathParaPr>
-                      <m:oMath xmlns:m="http://schemas.openxmlformats.org/officeDocument/2006/math">
-                        <m:r>
-                          <a:rPr lang="en-US" altLang="ko-KR" sz="1800" i="1" kern="100">
-                            <a:effectLst/>
-                            <a:latin typeface="Cambria Math" panose="02040503050406030204" pitchFamily="18" charset="0"/>
-                            <a:ea typeface="맑은 고딕" panose="020B0503020000020004" pitchFamily="50" charset="-127"/>
-                          </a:rPr>
-                          <m:t>0.15</m:t>
-                        </m:r>
-                        <m:r>
-                          <a:rPr lang="en-US" altLang="ko-KR" sz="1800" i="1" kern="100">
-                            <a:effectLst/>
-                            <a:latin typeface="Cambria Math" panose="02040503050406030204" pitchFamily="18" charset="0"/>
-                            <a:ea typeface="맑은 고딕" panose="020B0503020000020004" pitchFamily="50" charset="-127"/>
-                          </a:rPr>
-                          <m:t>𝑚𝑚</m:t>
-                        </m:r>
-                      </m:oMath>
-                    </m:oMathPara>
+                    <m:oMath xmlns:m="http://schemas.openxmlformats.org/officeDocument/2006/math">
+                      <m:r>
+                        <a:rPr lang="en-US" altLang="ko-KR" sz="1800" i="1" kern="100">
+                          <a:effectLst/>
+                          <a:latin typeface="Cambria Math" panose="02040503050406030204" pitchFamily="18" charset="0"/>
+                          <a:ea typeface="맑은 고딕" panose="020B0503020000020004" pitchFamily="50" charset="-127"/>
+                        </a:rPr>
+                        <m:t>20</m:t>
+                      </m:r>
+                      <m:r>
+                        <a:rPr lang="en-US" altLang="ko-KR" sz="1800" i="1" kern="100">
+                          <a:effectLst/>
+                          <a:latin typeface="Cambria Math" panose="02040503050406030204" pitchFamily="18" charset="0"/>
+                          <a:ea typeface="맑은 고딕" panose="020B0503020000020004" pitchFamily="50" charset="-127"/>
+                        </a:rPr>
+                        <m:t>𝑚𝑚</m:t>
+                      </m:r>
+                      <m:r>
+                        <a:rPr lang="en-US" altLang="ko-KR" sz="1800" i="1" kern="100">
+                          <a:effectLst/>
+                          <a:latin typeface="Cambria Math" panose="02040503050406030204" pitchFamily="18" charset="0"/>
+                          <a:ea typeface="맑은 고딕" panose="020B0503020000020004" pitchFamily="50" charset="-127"/>
+                        </a:rPr>
+                        <m:t>/</m:t>
+                      </m:r>
+                      <m:r>
+                        <a:rPr lang="en-US" altLang="ko-KR" sz="1800" i="1" kern="100">
+                          <a:effectLst/>
+                          <a:latin typeface="Cambria Math" panose="02040503050406030204" pitchFamily="18" charset="0"/>
+                          <a:ea typeface="맑은 고딕" panose="020B0503020000020004" pitchFamily="50" charset="-127"/>
+                        </a:rPr>
+                        <m:t>𝑠</m:t>
+                      </m:r>
+                    </m:oMath>
                   </a14:m>
-                  <a:endParaRPr dirty="0"/>
-                </a:p>
-                <a:p>
-                  <a:pPr/>
-                  <a14:m>
-                    <m:oMathPara xmlns:m="http://schemas.openxmlformats.org/officeDocument/2006/math">
-                      <m:oMathParaPr>
-                        <m:jc m:val="centerGroup"/>
-                      </m:oMathParaPr>
-                      <m:oMath xmlns:m="http://schemas.openxmlformats.org/officeDocument/2006/math">
-                        <m:r>
-                          <a:rPr lang="en-US" altLang="ko-KR" sz="1800" kern="100" dirty="0">
-                            <a:effectLst/>
-                            <a:latin typeface="Cambria Math" panose="02040503050406030204" pitchFamily="18" charset="0"/>
-                            <a:ea typeface="Arial Unicode MS" panose="020B0604020202020204" pitchFamily="50" charset="-127"/>
-                            <a:cs typeface="Arial Unicode MS" panose="020B0604020202020204" pitchFamily="50" charset="-127"/>
-                          </a:rPr>
-                          <m:t>𝐼𝑛𝑖𝑡𝑖𝑎𝑙</m:t>
-                        </m:r>
-                        <m:r>
-                          <a:rPr lang="en-US" altLang="ko-KR" sz="1800" kern="100" dirty="0">
-                            <a:effectLst/>
-                            <a:latin typeface="Cambria Math" panose="02040503050406030204" pitchFamily="18" charset="0"/>
-                            <a:ea typeface="Arial Unicode MS" panose="020B0604020202020204" pitchFamily="50" charset="-127"/>
-                            <a:cs typeface="Arial Unicode MS" panose="020B0604020202020204" pitchFamily="50" charset="-127"/>
-                          </a:rPr>
-                          <m:t> </m:t>
-                        </m:r>
-                        <m:r>
-                          <a:rPr lang="en-US" altLang="ko-KR" sz="1800" kern="100" dirty="0">
-                            <a:effectLst/>
-                            <a:latin typeface="Cambria Math" panose="02040503050406030204" pitchFamily="18" charset="0"/>
-                            <a:ea typeface="Arial Unicode MS" panose="020B0604020202020204" pitchFamily="50" charset="-127"/>
-                            <a:cs typeface="Arial Unicode MS" panose="020B0604020202020204" pitchFamily="50" charset="-127"/>
-                          </a:rPr>
-                          <m:t>𝐿𝑎𝑦𝑒𝑟</m:t>
-                        </m:r>
-                        <m:r>
-                          <a:rPr lang="en-US" altLang="ko-KR" sz="1800" kern="100" dirty="0">
-                            <a:effectLst/>
-                            <a:latin typeface="Cambria Math" panose="02040503050406030204" pitchFamily="18" charset="0"/>
-                            <a:ea typeface="Arial Unicode MS" panose="020B0604020202020204" pitchFamily="50" charset="-127"/>
-                            <a:cs typeface="Arial Unicode MS" panose="020B0604020202020204" pitchFamily="50" charset="-127"/>
-                          </a:rPr>
-                          <m:t> </m:t>
-                        </m:r>
-                        <m:r>
-                          <a:rPr lang="en-US" altLang="ko-KR" sz="1800" kern="100" dirty="0">
-                            <a:effectLst/>
-                            <a:latin typeface="Cambria Math" panose="02040503050406030204" pitchFamily="18" charset="0"/>
-                            <a:ea typeface="Arial Unicode MS" panose="020B0604020202020204" pitchFamily="50" charset="-127"/>
-                            <a:cs typeface="Arial Unicode MS" panose="020B0604020202020204" pitchFamily="50" charset="-127"/>
-                          </a:rPr>
-                          <m:t>𝐻𝑒𝑖𝑔h𝑡</m:t>
-                        </m:r>
-                        <m:r>
-                          <a:rPr lang="en-US" altLang="ko-KR" sz="1800" kern="100" dirty="0">
-                            <a:effectLst/>
-                            <a:latin typeface="Cambria Math" panose="02040503050406030204" pitchFamily="18" charset="0"/>
-                            <a:ea typeface="Arial Unicode MS" panose="020B0604020202020204" pitchFamily="50" charset="-127"/>
-                            <a:cs typeface="Arial Unicode MS" panose="020B0604020202020204" pitchFamily="50" charset="-127"/>
-                          </a:rPr>
-                          <m:t> : </m:t>
-                        </m:r>
-                      </m:oMath>
-                    </m:oMathPara>
-                  </a14:m>
-                  <a:endParaRPr dirty="0"/>
+                  <a:endParaRPr lang="ko-KR" altLang="ko-KR" sz="1800" kern="100" dirty="0">
+                    <a:effectLst/>
+                    <a:latin typeface="Arial Unicode MS" panose="020B0604020202020204" pitchFamily="50" charset="-127"/>
+                    <a:ea typeface="Arial Unicode MS" panose="020B0604020202020204" pitchFamily="50" charset="-127"/>
+                    <a:cs typeface="Arial Unicode MS" panose="020B0604020202020204" pitchFamily="50" charset="-127"/>
+                  </a:endParaRPr>
                 </a:p>
                 <a:p>
                   <a:pPr latinLnBrk="1">
@@ -4127,81 +5144,41 @@
                       <a:spcPts val="800"/>
                     </a:spcAft>
                   </a:pPr>
+                  <a:r>
+                    <a:rPr lang="en-US" altLang="ko-KR" sz="1800" kern="100" dirty="0">
+                      <a:effectLst/>
+                      <a:latin typeface="Arial Unicode MS" panose="020B0604020202020204" pitchFamily="50" charset="-127"/>
+                      <a:ea typeface="Arial Unicode MS" panose="020B0604020202020204" pitchFamily="50" charset="-127"/>
+                      <a:cs typeface="Arial Unicode MS" panose="020B0604020202020204" pitchFamily="50" charset="-127"/>
+                    </a:rPr>
+                    <a:t>Layer Height : </a:t>
+                  </a:r>
                   <a14:m>
-                    <m:oMathPara xmlns:m="http://schemas.openxmlformats.org/officeDocument/2006/math">
-                      <m:oMathParaPr>
-                        <m:jc m:val="centerGroup"/>
-                      </m:oMathParaPr>
-                      <m:oMath xmlns:m="http://schemas.openxmlformats.org/officeDocument/2006/math">
-                        <m:r>
-                          <a:rPr lang="en-US" altLang="ko-KR" sz="1800" i="1" kern="100">
-                            <a:effectLst/>
-                            <a:latin typeface="Cambria Math" panose="02040503050406030204" pitchFamily="18" charset="0"/>
-                            <a:ea typeface="맑은 고딕" panose="020B0503020000020004" pitchFamily="50" charset="-127"/>
-                          </a:rPr>
-                          <m:t>0.25</m:t>
-                        </m:r>
-                        <m:r>
-                          <a:rPr lang="en-US" altLang="ko-KR" sz="1800" i="1" kern="100">
-                            <a:effectLst/>
-                            <a:latin typeface="Cambria Math" panose="02040503050406030204" pitchFamily="18" charset="0"/>
-                            <a:ea typeface="맑은 고딕" panose="020B0503020000020004" pitchFamily="50" charset="-127"/>
-                          </a:rPr>
-                          <m:t>𝑚𝑚</m:t>
-                        </m:r>
-                      </m:oMath>
-                    </m:oMathPara>
+                    <m:oMath xmlns:m="http://schemas.openxmlformats.org/officeDocument/2006/math">
+                      <m:r>
+                        <a:rPr lang="en-US" altLang="ko-KR" sz="1800" i="1" kern="100">
+                          <a:effectLst/>
+                          <a:latin typeface="Cambria Math" panose="02040503050406030204" pitchFamily="18" charset="0"/>
+                          <a:ea typeface="맑은 고딕" panose="020B0503020000020004" pitchFamily="50" charset="-127"/>
+                        </a:rPr>
+                        <m:t>0.15</m:t>
+                      </m:r>
+                      <m:r>
+                        <a:rPr lang="en-US" altLang="ko-KR" sz="1800" i="1" kern="100">
+                          <a:effectLst/>
+                          <a:latin typeface="Cambria Math" panose="02040503050406030204" pitchFamily="18" charset="0"/>
+                          <a:ea typeface="맑은 고딕" panose="020B0503020000020004" pitchFamily="50" charset="-127"/>
+                        </a:rPr>
+                        <m:t>𝑚𝑚</m:t>
+                      </m:r>
+                    </m:oMath>
                   </a14:m>
-                  <a:endParaRPr dirty="0"/>
-                </a:p>
-                <a:p>
-                  <a:pPr/>
-                  <a14:m>
-                    <m:oMathPara xmlns:m="http://schemas.openxmlformats.org/officeDocument/2006/math">
-                      <m:oMathParaPr>
-                        <m:jc m:val="centerGroup"/>
-                      </m:oMathParaPr>
-                      <m:oMath xmlns:m="http://schemas.openxmlformats.org/officeDocument/2006/math">
-                        <m:r>
-                          <a:rPr lang="en-US" altLang="ko-KR" sz="1800" kern="100" dirty="0">
-                            <a:effectLst/>
-                            <a:latin typeface="Cambria Math" panose="02040503050406030204" pitchFamily="18" charset="0"/>
-                            <a:ea typeface="Arial Unicode MS" panose="020B0604020202020204" pitchFamily="50" charset="-127"/>
-                            <a:cs typeface="Arial Unicode MS" panose="020B0604020202020204" pitchFamily="50" charset="-127"/>
-                          </a:rPr>
-                          <m:t>𝐼𝑛𝑓𝑖𝑙𝑙</m:t>
-                        </m:r>
-                        <m:r>
-                          <a:rPr lang="en-US" altLang="ko-KR" sz="1800" kern="100" dirty="0">
-                            <a:effectLst/>
-                            <a:latin typeface="Cambria Math" panose="02040503050406030204" pitchFamily="18" charset="0"/>
-                            <a:ea typeface="Arial Unicode MS" panose="020B0604020202020204" pitchFamily="50" charset="-127"/>
-                            <a:cs typeface="Arial Unicode MS" panose="020B0604020202020204" pitchFamily="50" charset="-127"/>
-                          </a:rPr>
-                          <m:t> </m:t>
-                        </m:r>
-                        <m:r>
-                          <a:rPr lang="en-US" altLang="ko-KR" sz="1800" kern="100" dirty="0">
-                            <a:effectLst/>
-                            <a:latin typeface="Cambria Math" panose="02040503050406030204" pitchFamily="18" charset="0"/>
-                            <a:ea typeface="Arial Unicode MS" panose="020B0604020202020204" pitchFamily="50" charset="-127"/>
-                            <a:cs typeface="Arial Unicode MS" panose="020B0604020202020204" pitchFamily="50" charset="-127"/>
-                          </a:rPr>
-                          <m:t>𝐷𝑒𝑛𝑠𝑖𝑡𝑦</m:t>
-                        </m:r>
-                        <m:r>
-                          <a:rPr lang="en-US" altLang="ko-KR" sz="1800" kern="100" dirty="0">
-                            <a:effectLst/>
-                            <a:latin typeface="Cambria Math" panose="02040503050406030204" pitchFamily="18" charset="0"/>
-                            <a:ea typeface="Arial Unicode MS" panose="020B0604020202020204" pitchFamily="50" charset="-127"/>
-                            <a:cs typeface="Arial Unicode MS" panose="020B0604020202020204" pitchFamily="50" charset="-127"/>
-                          </a:rPr>
-                          <m:t> : </m:t>
-                        </m:r>
-                      </m:oMath>
-                    </m:oMathPara>
-                  </a14:m>
-                  <a:endParaRPr dirty="0"/>
+                  <a:endParaRPr lang="ko-KR" altLang="ko-KR" sz="1800" kern="100" dirty="0">
+                    <a:effectLst/>
+                    <a:latin typeface="Arial Unicode MS" panose="020B0604020202020204" pitchFamily="50" charset="-127"/>
+                    <a:ea typeface="Arial Unicode MS" panose="020B0604020202020204" pitchFamily="50" charset="-127"/>
+                    <a:cs typeface="Arial Unicode MS" panose="020B0604020202020204" pitchFamily="50" charset="-127"/>
+                  </a:endParaRPr>
                 </a:p>
                 <a:p>
                   <a:pPr latinLnBrk="1">
@@ -4209,91 +5186,41 @@
                       <a:spcPts val="800"/>
                     </a:spcAft>
                   </a:pPr>
+                  <a:r>
+                    <a:rPr lang="en-US" altLang="ko-KR" sz="1800" kern="100" dirty="0">
+                      <a:effectLst/>
+                      <a:latin typeface="Arial Unicode MS" panose="020B0604020202020204" pitchFamily="50" charset="-127"/>
+                      <a:ea typeface="Arial Unicode MS" panose="020B0604020202020204" pitchFamily="50" charset="-127"/>
+                      <a:cs typeface="Arial Unicode MS" panose="020B0604020202020204" pitchFamily="50" charset="-127"/>
+                    </a:rPr>
+                    <a:t>Initial Layer Height : </a:t>
+                  </a:r>
                   <a14:m>
-                    <m:oMathPara xmlns:m="http://schemas.openxmlformats.org/officeDocument/2006/math">
-                      <m:oMathParaPr>
-                        <m:jc m:val="centerGroup"/>
-                      </m:oMathParaPr>
-                      <m:oMath xmlns:m="http://schemas.openxmlformats.org/officeDocument/2006/math">
-                        <m:r>
-                          <a:rPr lang="en-US" altLang="ko-KR" sz="1800" i="1" kern="100">
-                            <a:effectLst/>
-                            <a:latin typeface="Cambria Math" panose="02040503050406030204" pitchFamily="18" charset="0"/>
-                            <a:ea typeface="맑은 고딕" panose="020B0503020000020004" pitchFamily="50" charset="-127"/>
-                          </a:rPr>
-                          <m:t>100%</m:t>
-                        </m:r>
-                      </m:oMath>
-                    </m:oMathPara>
+                    <m:oMath xmlns:m="http://schemas.openxmlformats.org/officeDocument/2006/math">
+                      <m:r>
+                        <a:rPr lang="en-US" altLang="ko-KR" sz="1800" i="1" kern="100">
+                          <a:effectLst/>
+                          <a:latin typeface="Cambria Math" panose="02040503050406030204" pitchFamily="18" charset="0"/>
+                          <a:ea typeface="맑은 고딕" panose="020B0503020000020004" pitchFamily="50" charset="-127"/>
+                        </a:rPr>
+                        <m:t>0.25</m:t>
+                      </m:r>
+                      <m:r>
+                        <a:rPr lang="en-US" altLang="ko-KR" sz="1800" i="1" kern="100">
+                          <a:effectLst/>
+                          <a:latin typeface="Cambria Math" panose="02040503050406030204" pitchFamily="18" charset="0"/>
+                          <a:ea typeface="맑은 고딕" panose="020B0503020000020004" pitchFamily="50" charset="-127"/>
+                        </a:rPr>
+                        <m:t>𝑚𝑚</m:t>
+                      </m:r>
+                    </m:oMath>
                   </a14:m>
-                  <a:endParaRPr dirty="0"/>
-                </a:p>
-                <a:p>
-                  <a:pPr/>
-                  <a14:m>
-                    <m:oMathPara xmlns:m="http://schemas.openxmlformats.org/officeDocument/2006/math">
-                      <m:oMathParaPr>
-                        <m:jc m:val="centerGroup"/>
-                      </m:oMathParaPr>
-                      <m:oMath xmlns:m="http://schemas.openxmlformats.org/officeDocument/2006/math">
-                        <m:r>
-                          <a:rPr lang="en-US" altLang="ko-KR" sz="1800" kern="100" dirty="0">
-                            <a:effectLst/>
-                            <a:latin typeface="Cambria Math" panose="02040503050406030204" pitchFamily="18" charset="0"/>
-                            <a:ea typeface="Arial Unicode MS" panose="020B0604020202020204" pitchFamily="50" charset="-127"/>
-                            <a:cs typeface="Arial Unicode MS" panose="020B0604020202020204" pitchFamily="50" charset="-127"/>
-                          </a:rPr>
-                          <m:t>𝐹𝑎𝑛</m:t>
-                        </m:r>
-                        <m:r>
-                          <a:rPr lang="en-US" altLang="ko-KR" sz="1800" kern="100" dirty="0">
-                            <a:effectLst/>
-                            <a:latin typeface="Cambria Math" panose="02040503050406030204" pitchFamily="18" charset="0"/>
-                            <a:ea typeface="Arial Unicode MS" panose="020B0604020202020204" pitchFamily="50" charset="-127"/>
-                            <a:cs typeface="Arial Unicode MS" panose="020B0604020202020204" pitchFamily="50" charset="-127"/>
-                          </a:rPr>
-                          <m:t> </m:t>
-                        </m:r>
-                        <m:r>
-                          <a:rPr lang="en-US" altLang="ko-KR" sz="1800" kern="100" dirty="0">
-                            <a:effectLst/>
-                            <a:latin typeface="Cambria Math" panose="02040503050406030204" pitchFamily="18" charset="0"/>
-                            <a:ea typeface="Arial Unicode MS" panose="020B0604020202020204" pitchFamily="50" charset="-127"/>
-                            <a:cs typeface="Arial Unicode MS" panose="020B0604020202020204" pitchFamily="50" charset="-127"/>
-                          </a:rPr>
-                          <m:t>𝑆𝑝𝑒𝑒𝑑</m:t>
-                        </m:r>
-                        <m:r>
-                          <a:rPr lang="en-US" altLang="ko-KR" sz="1800" kern="100" dirty="0">
-                            <a:effectLst/>
-                            <a:latin typeface="Cambria Math" panose="02040503050406030204" pitchFamily="18" charset="0"/>
-                            <a:ea typeface="Arial Unicode MS" panose="020B0604020202020204" pitchFamily="50" charset="-127"/>
-                            <a:cs typeface="Arial Unicode MS" panose="020B0604020202020204" pitchFamily="50" charset="-127"/>
-                          </a:rPr>
-                          <m:t> </m:t>
-                        </m:r>
-                        <m:r>
-                          <a:rPr lang="en-US" altLang="ko-KR" sz="1800" kern="100" dirty="0">
-                            <a:effectLst/>
-                            <a:latin typeface="Cambria Math" panose="02040503050406030204" pitchFamily="18" charset="0"/>
-                            <a:ea typeface="Arial Unicode MS" panose="020B0604020202020204" pitchFamily="50" charset="-127"/>
-                            <a:cs typeface="Arial Unicode MS" panose="020B0604020202020204" pitchFamily="50" charset="-127"/>
-                          </a:rPr>
-                          <m:t>𝑀𝑎𝑥</m:t>
-                        </m:r>
-                        <m:r>
-                          <a:rPr lang="en-US" altLang="ko-KR" sz="1800" kern="100" dirty="0">
-                            <a:effectLst/>
-                            <a:latin typeface="Cambria Math" panose="02040503050406030204" pitchFamily="18" charset="0"/>
-                            <a:ea typeface="Arial Unicode MS" panose="020B0604020202020204" pitchFamily="50" charset="-127"/>
-                            <a:cs typeface="Arial Unicode MS" panose="020B0604020202020204" pitchFamily="50" charset="-127"/>
-                          </a:rPr>
-                          <m:t> : </m:t>
-                        </m:r>
-                      </m:oMath>
-                    </m:oMathPara>
-                  </a14:m>
-                  <a:endParaRPr dirty="0"/>
+                  <a:endParaRPr lang="ko-KR" altLang="ko-KR" sz="1800" kern="100" dirty="0">
+                    <a:effectLst/>
+                    <a:latin typeface="Arial Unicode MS" panose="020B0604020202020204" pitchFamily="50" charset="-127"/>
+                    <a:ea typeface="Arial Unicode MS" panose="020B0604020202020204" pitchFamily="50" charset="-127"/>
+                    <a:cs typeface="Arial Unicode MS" panose="020B0604020202020204" pitchFamily="50" charset="-127"/>
+                  </a:endParaRPr>
                 </a:p>
                 <a:p>
                   <a:pPr latinLnBrk="1">
@@ -4301,64 +5228,33 @@
                       <a:spcPts val="800"/>
                     </a:spcAft>
                   </a:pPr>
+                  <a:r>
+                    <a:rPr lang="en-US" altLang="ko-KR" sz="1800" kern="100" dirty="0">
+                      <a:effectLst/>
+                      <a:latin typeface="Arial Unicode MS" panose="020B0604020202020204" pitchFamily="50" charset="-127"/>
+                      <a:ea typeface="Arial Unicode MS" panose="020B0604020202020204" pitchFamily="50" charset="-127"/>
+                      <a:cs typeface="Arial Unicode MS" panose="020B0604020202020204" pitchFamily="50" charset="-127"/>
+                    </a:rPr>
+                    <a:t>Infill Density : </a:t>
+                  </a:r>
                   <a14:m>
-                    <m:oMathPara xmlns:m="http://schemas.openxmlformats.org/officeDocument/2006/math">
-                      <m:oMathParaPr>
-                        <m:jc m:val="centerGroup"/>
-                      </m:oMathParaPr>
-                      <m:oMath xmlns:m="http://schemas.openxmlformats.org/officeDocument/2006/math">
-                        <m:r>
-                          <a:rPr lang="en-US" altLang="ko-KR" sz="1800" i="1" kern="100">
-                            <a:effectLst/>
-                            <a:latin typeface="Cambria Math" panose="02040503050406030204" pitchFamily="18" charset="0"/>
-                            <a:ea typeface="맑은 고딕" panose="020B0503020000020004" pitchFamily="50" charset="-127"/>
-                          </a:rPr>
-                          <m:t>50%</m:t>
-                        </m:r>
-                      </m:oMath>
-                    </m:oMathPara>
+                    <m:oMath xmlns:m="http://schemas.openxmlformats.org/officeDocument/2006/math">
+                      <m:r>
+                        <a:rPr lang="en-US" altLang="ko-KR" sz="1800" i="1" kern="100">
+                          <a:effectLst/>
+                          <a:latin typeface="Cambria Math" panose="02040503050406030204" pitchFamily="18" charset="0"/>
+                          <a:ea typeface="맑은 고딕" panose="020B0503020000020004" pitchFamily="50" charset="-127"/>
+                        </a:rPr>
+                        <m:t>100%</m:t>
+                      </m:r>
+                    </m:oMath>
                   </a14:m>
-                  <a:endParaRPr dirty="0"/>
-                </a:p>
-                <a:p>
-                  <a:pPr/>
-                  <a14:m>
-                    <m:oMathPara xmlns:m="http://schemas.openxmlformats.org/officeDocument/2006/math">
-                      <m:oMathParaPr>
-                        <m:jc m:val="centerGroup"/>
-                      </m:oMathParaPr>
-                      <m:oMath xmlns:m="http://schemas.openxmlformats.org/officeDocument/2006/math">
-                        <m:r>
-                          <a:rPr lang="en-US" altLang="ko-KR" sz="1800" kern="100" dirty="0">
-                            <a:effectLst/>
-                            <a:latin typeface="Cambria Math" panose="02040503050406030204" pitchFamily="18" charset="0"/>
-                            <a:ea typeface="Arial Unicode MS" panose="020B0604020202020204" pitchFamily="50" charset="-127"/>
-                            <a:cs typeface="Arial Unicode MS" panose="020B0604020202020204" pitchFamily="50" charset="-127"/>
-                          </a:rPr>
-                          <m:t>	  </m:t>
-                        </m:r>
-                        <m:r>
-                          <a:rPr lang="en-US" altLang="ko-KR" sz="1800" kern="100" dirty="0">
-                            <a:effectLst/>
-                            <a:latin typeface="Cambria Math" panose="02040503050406030204" pitchFamily="18" charset="0"/>
-                            <a:ea typeface="Arial Unicode MS" panose="020B0604020202020204" pitchFamily="50" charset="-127"/>
-                            <a:cs typeface="Arial Unicode MS" panose="020B0604020202020204" pitchFamily="50" charset="-127"/>
-                          </a:rPr>
-                          <m:t>𝑀𝑖𝑛</m:t>
-                        </m:r>
-                        <m:r>
-                          <a:rPr lang="en-US" altLang="ko-KR" sz="1800" kern="100" dirty="0">
-                            <a:effectLst/>
-                            <a:latin typeface="Cambria Math" panose="02040503050406030204" pitchFamily="18" charset="0"/>
-                            <a:ea typeface="Arial Unicode MS" panose="020B0604020202020204" pitchFamily="50" charset="-127"/>
-                            <a:cs typeface="Arial Unicode MS" panose="020B0604020202020204" pitchFamily="50" charset="-127"/>
-                          </a:rPr>
-                          <m:t> : </m:t>
-                        </m:r>
-                      </m:oMath>
-                    </m:oMathPara>
-                  </a14:m>
-                  <a:endParaRPr dirty="0"/>
+                  <a:endParaRPr lang="ko-KR" altLang="ko-KR" sz="1800" kern="100" dirty="0">
+                    <a:effectLst/>
+                    <a:latin typeface="Arial Unicode MS" panose="020B0604020202020204" pitchFamily="50" charset="-127"/>
+                    <a:ea typeface="Arial Unicode MS" panose="020B0604020202020204" pitchFamily="50" charset="-127"/>
+                    <a:cs typeface="Arial Unicode MS" panose="020B0604020202020204" pitchFamily="50" charset="-127"/>
+                  </a:endParaRPr>
                 </a:p>
                 <a:p>
                   <a:pPr latinLnBrk="1">
@@ -4366,73 +5262,33 @@
                       <a:spcPts val="800"/>
                     </a:spcAft>
                   </a:pPr>
+                  <a:r>
+                    <a:rPr lang="en-US" altLang="ko-KR" sz="1800" kern="100" dirty="0">
+                      <a:effectLst/>
+                      <a:latin typeface="Arial Unicode MS" panose="020B0604020202020204" pitchFamily="50" charset="-127"/>
+                      <a:ea typeface="Arial Unicode MS" panose="020B0604020202020204" pitchFamily="50" charset="-127"/>
+                      <a:cs typeface="Arial Unicode MS" panose="020B0604020202020204" pitchFamily="50" charset="-127"/>
+                    </a:rPr>
+                    <a:t>Fan Speed Max : </a:t>
+                  </a:r>
                   <a14:m>
-                    <m:oMathPara xmlns:m="http://schemas.openxmlformats.org/officeDocument/2006/math">
-                      <m:oMathParaPr>
-                        <m:jc m:val="centerGroup"/>
-                      </m:oMathParaPr>
-                      <m:oMath xmlns:m="http://schemas.openxmlformats.org/officeDocument/2006/math">
-                        <m:r>
-                          <a:rPr lang="en-US" altLang="ko-KR" sz="1800" i="1" kern="100">
-                            <a:effectLst/>
-                            <a:latin typeface="Cambria Math" panose="02040503050406030204" pitchFamily="18" charset="0"/>
-                            <a:ea typeface="맑은 고딕" panose="020B0503020000020004" pitchFamily="50" charset="-127"/>
-                          </a:rPr>
-                          <m:t>30%</m:t>
-                        </m:r>
-                      </m:oMath>
-                    </m:oMathPara>
+                    <m:oMath xmlns:m="http://schemas.openxmlformats.org/officeDocument/2006/math">
+                      <m:r>
+                        <a:rPr lang="en-US" altLang="ko-KR" sz="1800" i="1" kern="100">
+                          <a:effectLst/>
+                          <a:latin typeface="Cambria Math" panose="02040503050406030204" pitchFamily="18" charset="0"/>
+                          <a:ea typeface="맑은 고딕" panose="020B0503020000020004" pitchFamily="50" charset="-127"/>
+                        </a:rPr>
+                        <m:t>50%</m:t>
+                      </m:r>
+                    </m:oMath>
                   </a14:m>
-                  <a:endParaRPr dirty="0"/>
-                </a:p>
-                <a:p>
-                  <a:pPr/>
-                  <a14:m>
-                    <m:oMathPara xmlns:m="http://schemas.openxmlformats.org/officeDocument/2006/math">
-                      <m:oMathParaPr>
-                        <m:jc m:val="centerGroup"/>
-                      </m:oMathParaPr>
-                      <m:oMath xmlns:m="http://schemas.openxmlformats.org/officeDocument/2006/math">
-                        <m:r>
-                          <a:rPr lang="en-US" altLang="ko-KR" sz="1800" kern="100" dirty="0">
-                            <a:effectLst/>
-                            <a:latin typeface="Cambria Math" panose="02040503050406030204" pitchFamily="18" charset="0"/>
-                            <a:ea typeface="Arial Unicode MS" panose="020B0604020202020204" pitchFamily="50" charset="-127"/>
-                            <a:cs typeface="Arial Unicode MS" panose="020B0604020202020204" pitchFamily="50" charset="-127"/>
-                          </a:rPr>
-                          <m:t>𝐸𝑥𝑡𝑟𝑢𝑠𝑖𝑜𝑛</m:t>
-                        </m:r>
-                        <m:r>
-                          <a:rPr lang="en-US" altLang="ko-KR" sz="1800" kern="100" dirty="0">
-                            <a:effectLst/>
-                            <a:latin typeface="Cambria Math" panose="02040503050406030204" pitchFamily="18" charset="0"/>
-                            <a:ea typeface="Arial Unicode MS" panose="020B0604020202020204" pitchFamily="50" charset="-127"/>
-                            <a:cs typeface="Arial Unicode MS" panose="020B0604020202020204" pitchFamily="50" charset="-127"/>
-                          </a:rPr>
-                          <m:t> </m:t>
-                        </m:r>
-                        <m:r>
-                          <a:rPr lang="en-US" altLang="ko-KR" sz="1800" kern="100" dirty="0">
-                            <a:effectLst/>
-                            <a:latin typeface="Cambria Math" panose="02040503050406030204" pitchFamily="18" charset="0"/>
-                            <a:ea typeface="Arial Unicode MS" panose="020B0604020202020204" pitchFamily="50" charset="-127"/>
-                            <a:cs typeface="Arial Unicode MS" panose="020B0604020202020204" pitchFamily="50" charset="-127"/>
-                          </a:rPr>
-                          <m:t>𝑀𝑢𝑙𝑡𝑖𝑝𝑙𝑖𝑒𝑟</m:t>
-                        </m:r>
-                        <m:r>
-                          <a:rPr lang="en-US" altLang="ko-KR" sz="1800" kern="100" dirty="0">
-                            <a:effectLst/>
-                            <a:latin typeface="Cambria Math" panose="02040503050406030204" pitchFamily="18" charset="0"/>
-                            <a:ea typeface="Arial Unicode MS" panose="020B0604020202020204" pitchFamily="50" charset="-127"/>
-                            <a:cs typeface="Arial Unicode MS" panose="020B0604020202020204" pitchFamily="50" charset="-127"/>
-                          </a:rPr>
-                          <m:t> : </m:t>
-                        </m:r>
-                      </m:oMath>
-                    </m:oMathPara>
-                  </a14:m>
-                  <a:endParaRPr dirty="0"/>
+                  <a:endParaRPr lang="ko-KR" altLang="ko-KR" sz="1800" kern="100" dirty="0">
+                    <a:effectLst/>
+                    <a:latin typeface="Arial Unicode MS" panose="020B0604020202020204" pitchFamily="50" charset="-127"/>
+                    <a:ea typeface="Arial Unicode MS" panose="020B0604020202020204" pitchFamily="50" charset="-127"/>
+                    <a:cs typeface="Arial Unicode MS" panose="020B0604020202020204" pitchFamily="50" charset="-127"/>
+                  </a:endParaRPr>
                 </a:p>
                 <a:p>
                   <a:pPr latinLnBrk="1">
@@ -4440,73 +5296,33 @@
                       <a:spcPts val="800"/>
                     </a:spcAft>
                   </a:pPr>
+                  <a:r>
+                    <a:rPr lang="en-US" altLang="ko-KR" sz="1800" kern="100" dirty="0">
+                      <a:effectLst/>
+                      <a:latin typeface="Arial Unicode MS" panose="020B0604020202020204" pitchFamily="50" charset="-127"/>
+                      <a:ea typeface="Arial Unicode MS" panose="020B0604020202020204" pitchFamily="50" charset="-127"/>
+                      <a:cs typeface="Arial Unicode MS" panose="020B0604020202020204" pitchFamily="50" charset="-127"/>
+                    </a:rPr>
+                    <a:t>	  Min : </a:t>
+                  </a:r>
                   <a14:m>
-                    <m:oMathPara xmlns:m="http://schemas.openxmlformats.org/officeDocument/2006/math">
-                      <m:oMathParaPr>
-                        <m:jc m:val="centerGroup"/>
-                      </m:oMathParaPr>
-                      <m:oMath xmlns:m="http://schemas.openxmlformats.org/officeDocument/2006/math">
-                        <m:r>
-                          <a:rPr lang="en-US" altLang="ko-KR" sz="1800" i="1" kern="100">
-                            <a:effectLst/>
-                            <a:latin typeface="Cambria Math" panose="02040503050406030204" pitchFamily="18" charset="0"/>
-                            <a:ea typeface="맑은 고딕" panose="020B0503020000020004" pitchFamily="50" charset="-127"/>
-                          </a:rPr>
-                          <m:t>1.15(115%)</m:t>
-                        </m:r>
-                      </m:oMath>
-                    </m:oMathPara>
+                    <m:oMath xmlns:m="http://schemas.openxmlformats.org/officeDocument/2006/math">
+                      <m:r>
+                        <a:rPr lang="en-US" altLang="ko-KR" sz="1800" i="1" kern="100">
+                          <a:effectLst/>
+                          <a:latin typeface="Cambria Math" panose="02040503050406030204" pitchFamily="18" charset="0"/>
+                          <a:ea typeface="맑은 고딕" panose="020B0503020000020004" pitchFamily="50" charset="-127"/>
+                        </a:rPr>
+                        <m:t>30%</m:t>
+                      </m:r>
+                    </m:oMath>
                   </a14:m>
-                  <a:endParaRPr dirty="0"/>
-                </a:p>
-                <a:p>
-                  <a:pPr/>
-                  <a14:m>
-                    <m:oMathPara xmlns:m="http://schemas.openxmlformats.org/officeDocument/2006/math">
-                      <m:oMathParaPr>
-                        <m:jc m:val="centerGroup"/>
-                      </m:oMathParaPr>
-                      <m:oMath xmlns:m="http://schemas.openxmlformats.org/officeDocument/2006/math">
-                        <m:r>
-                          <a:rPr lang="en-US" altLang="ko-KR" sz="1800" kern="100" dirty="0">
-                            <a:effectLst/>
-                            <a:latin typeface="Cambria Math" panose="02040503050406030204" pitchFamily="18" charset="0"/>
-                            <a:ea typeface="Arial Unicode MS" panose="020B0604020202020204" pitchFamily="50" charset="-127"/>
-                            <a:cs typeface="Arial Unicode MS" panose="020B0604020202020204" pitchFamily="50" charset="-127"/>
-                          </a:rPr>
-                          <m:t>𝑅𝑒𝑡𝑟𝑎𝑐𝑡𝑖𝑜𝑛</m:t>
-                        </m:r>
-                        <m:r>
-                          <a:rPr lang="en-US" altLang="ko-KR" sz="1800" kern="100" dirty="0">
-                            <a:effectLst/>
-                            <a:latin typeface="Cambria Math" panose="02040503050406030204" pitchFamily="18" charset="0"/>
-                            <a:ea typeface="Arial Unicode MS" panose="020B0604020202020204" pitchFamily="50" charset="-127"/>
-                            <a:cs typeface="Arial Unicode MS" panose="020B0604020202020204" pitchFamily="50" charset="-127"/>
-                          </a:rPr>
-                          <m:t> </m:t>
-                        </m:r>
-                        <m:r>
-                          <a:rPr lang="en-US" altLang="ko-KR" sz="1800" kern="100" dirty="0">
-                            <a:effectLst/>
-                            <a:latin typeface="Cambria Math" panose="02040503050406030204" pitchFamily="18" charset="0"/>
-                            <a:ea typeface="Arial Unicode MS" panose="020B0604020202020204" pitchFamily="50" charset="-127"/>
-                            <a:cs typeface="Arial Unicode MS" panose="020B0604020202020204" pitchFamily="50" charset="-127"/>
-                          </a:rPr>
-                          <m:t>𝐿𝑒𝑛𝑔𝑡h</m:t>
-                        </m:r>
-                        <m:r>
-                          <a:rPr lang="en-US" altLang="ko-KR" sz="1800" kern="100" dirty="0">
-                            <a:effectLst/>
-                            <a:latin typeface="Cambria Math" panose="02040503050406030204" pitchFamily="18" charset="0"/>
-                            <a:ea typeface="Arial Unicode MS" panose="020B0604020202020204" pitchFamily="50" charset="-127"/>
-                            <a:cs typeface="Arial Unicode MS" panose="020B0604020202020204" pitchFamily="50" charset="-127"/>
-                          </a:rPr>
-                          <m:t> : </m:t>
-                        </m:r>
-                      </m:oMath>
-                    </m:oMathPara>
-                  </a14:m>
-                  <a:endParaRPr dirty="0"/>
+                  <a:endParaRPr lang="ko-KR" altLang="ko-KR" sz="1800" kern="100" dirty="0">
+                    <a:effectLst/>
+                    <a:latin typeface="Arial Unicode MS" panose="020B0604020202020204" pitchFamily="50" charset="-127"/>
+                    <a:ea typeface="Arial Unicode MS" panose="020B0604020202020204" pitchFamily="50" charset="-127"/>
+                    <a:cs typeface="Arial Unicode MS" panose="020B0604020202020204" pitchFamily="50" charset="-127"/>
+                  </a:endParaRPr>
                 </a:p>
                 <a:p>
                   <a:pPr latinLnBrk="1">
@@ -4514,81 +5330,33 @@
                       <a:spcPts val="800"/>
                     </a:spcAft>
                   </a:pPr>
+                  <a:r>
+                    <a:rPr lang="en-US" altLang="ko-KR" sz="1800" kern="100" dirty="0">
+                      <a:effectLst/>
+                      <a:latin typeface="Arial Unicode MS" panose="020B0604020202020204" pitchFamily="50" charset="-127"/>
+                      <a:ea typeface="Arial Unicode MS" panose="020B0604020202020204" pitchFamily="50" charset="-127"/>
+                      <a:cs typeface="Arial Unicode MS" panose="020B0604020202020204" pitchFamily="50" charset="-127"/>
+                    </a:rPr>
+                    <a:t>Extrusion Multiplier : </a:t>
+                  </a:r>
                   <a14:m>
-                    <m:oMathPara xmlns:m="http://schemas.openxmlformats.org/officeDocument/2006/math">
-                      <m:oMathParaPr>
-                        <m:jc m:val="centerGroup"/>
-                      </m:oMathParaPr>
-                      <m:oMath xmlns:m="http://schemas.openxmlformats.org/officeDocument/2006/math">
-                        <m:r>
-                          <a:rPr lang="en-US" altLang="ko-KR" sz="1800" i="1" kern="100">
-                            <a:effectLst/>
-                            <a:latin typeface="Cambria Math" panose="02040503050406030204" pitchFamily="18" charset="0"/>
-                            <a:ea typeface="맑은 고딕" panose="020B0503020000020004" pitchFamily="50" charset="-127"/>
-                          </a:rPr>
-                          <m:t>1.5</m:t>
-                        </m:r>
-                        <m:r>
-                          <a:rPr lang="en-US" altLang="ko-KR" sz="1800" i="1" kern="100">
-                            <a:effectLst/>
-                            <a:latin typeface="Cambria Math" panose="02040503050406030204" pitchFamily="18" charset="0"/>
-                            <a:ea typeface="맑은 고딕" panose="020B0503020000020004" pitchFamily="50" charset="-127"/>
-                          </a:rPr>
-                          <m:t>𝑚𝑚</m:t>
-                        </m:r>
-                      </m:oMath>
-                    </m:oMathPara>
+                    <m:oMath xmlns:m="http://schemas.openxmlformats.org/officeDocument/2006/math">
+                      <m:r>
+                        <a:rPr lang="en-US" altLang="ko-KR" sz="1800" i="1" kern="100">
+                          <a:effectLst/>
+                          <a:latin typeface="Cambria Math" panose="02040503050406030204" pitchFamily="18" charset="0"/>
+                          <a:ea typeface="맑은 고딕" panose="020B0503020000020004" pitchFamily="50" charset="-127"/>
+                        </a:rPr>
+                        <m:t>1.15(115%)</m:t>
+                      </m:r>
+                    </m:oMath>
                   </a14:m>
-                  <a:endParaRPr dirty="0"/>
-                </a:p>
-                <a:p>
-                  <a:pPr/>
-                  <a14:m>
-                    <m:oMathPara xmlns:m="http://schemas.openxmlformats.org/officeDocument/2006/math">
-                      <m:oMathParaPr>
-                        <m:jc m:val="centerGroup"/>
-                      </m:oMathParaPr>
-                      <m:oMath xmlns:m="http://schemas.openxmlformats.org/officeDocument/2006/math">
-                        <m:r>
-                          <a:rPr lang="en-US" altLang="ko-KR" sz="1800" kern="100" dirty="0">
-                            <a:effectLst/>
-                            <a:latin typeface="Cambria Math" panose="02040503050406030204" pitchFamily="18" charset="0"/>
-                            <a:ea typeface="Arial Unicode MS" panose="020B0604020202020204" pitchFamily="50" charset="-127"/>
-                            <a:cs typeface="Arial Unicode MS" panose="020B0604020202020204" pitchFamily="50" charset="-127"/>
-                          </a:rPr>
-                          <m:t>𝑅𝑒𝑡𝑟𝑎𝑐𝑡𝑖𝑜𝑛</m:t>
-                        </m:r>
-                        <m:r>
-                          <a:rPr lang="en-US" altLang="ko-KR" sz="1800" kern="100" dirty="0">
-                            <a:effectLst/>
-                            <a:latin typeface="Cambria Math" panose="02040503050406030204" pitchFamily="18" charset="0"/>
-                            <a:ea typeface="Arial Unicode MS" panose="020B0604020202020204" pitchFamily="50" charset="-127"/>
-                            <a:cs typeface="Arial Unicode MS" panose="020B0604020202020204" pitchFamily="50" charset="-127"/>
-                          </a:rPr>
-                          <m:t> </m:t>
-                        </m:r>
-                        <m:r>
-                          <a:rPr lang="en-US" altLang="ko-KR" sz="1800" kern="100" dirty="0">
-                            <a:effectLst/>
-                            <a:latin typeface="Cambria Math" panose="02040503050406030204" pitchFamily="18" charset="0"/>
-                            <a:ea typeface="Arial Unicode MS" panose="020B0604020202020204" pitchFamily="50" charset="-127"/>
-                            <a:cs typeface="Arial Unicode MS" panose="020B0604020202020204" pitchFamily="50" charset="-127"/>
-                          </a:rPr>
-                          <m:t>𝑆𝑝𝑒𝑒𝑑</m:t>
-                        </m:r>
-                        <m:r>
-                          <a:rPr lang="en-US" altLang="ko-KR" sz="1800" kern="100" dirty="0">
-                            <a:effectLst/>
-                            <a:latin typeface="Cambria Math" panose="02040503050406030204" pitchFamily="18" charset="0"/>
-                            <a:ea typeface="Arial Unicode MS" panose="020B0604020202020204" pitchFamily="50" charset="-127"/>
-                            <a:cs typeface="Arial Unicode MS" panose="020B0604020202020204" pitchFamily="50" charset="-127"/>
-                          </a:rPr>
-                          <m:t> : </m:t>
-                        </m:r>
-                      </m:oMath>
-                    </m:oMathPara>
-                  </a14:m>
-                  <a:endParaRPr dirty="0"/>
+                  <a:endParaRPr lang="ko-KR" altLang="ko-KR" sz="1800" kern="100" dirty="0">
+                    <a:effectLst/>
+                    <a:latin typeface="Arial Unicode MS" panose="020B0604020202020204" pitchFamily="50" charset="-127"/>
+                    <a:ea typeface="Arial Unicode MS" panose="020B0604020202020204" pitchFamily="50" charset="-127"/>
+                    <a:cs typeface="Arial Unicode MS" panose="020B0604020202020204" pitchFamily="50" charset="-127"/>
+                  </a:endParaRPr>
                 </a:p>
                 <a:p>
                   <a:pPr latinLnBrk="1">
@@ -4596,124 +5364,185 @@
                       <a:spcPts val="800"/>
                     </a:spcAft>
                   </a:pPr>
+                  <a:r>
+                    <a:rPr lang="en-US" altLang="ko-KR" sz="1800" kern="100" dirty="0">
+                      <a:effectLst/>
+                      <a:latin typeface="Arial Unicode MS" panose="020B0604020202020204" pitchFamily="50" charset="-127"/>
+                      <a:ea typeface="Arial Unicode MS" panose="020B0604020202020204" pitchFamily="50" charset="-127"/>
+                      <a:cs typeface="Arial Unicode MS" panose="020B0604020202020204" pitchFamily="50" charset="-127"/>
+                    </a:rPr>
+                    <a:t>Retraction Length : </a:t>
+                  </a:r>
                   <a14:m>
-                    <m:oMathPara xmlns:m="http://schemas.openxmlformats.org/officeDocument/2006/math">
-                      <m:oMathParaPr>
-                        <m:jc m:val="centerGroup"/>
-                      </m:oMathParaPr>
-                      <m:oMath xmlns:m="http://schemas.openxmlformats.org/officeDocument/2006/math">
-                        <m:r>
-                          <a:rPr lang="en-US" altLang="ko-KR" sz="1800" i="1" kern="100">
-                            <a:effectLst/>
-                            <a:latin typeface="Cambria Math" panose="02040503050406030204" pitchFamily="18" charset="0"/>
-                            <a:ea typeface="맑은 고딕" panose="020B0503020000020004" pitchFamily="50" charset="-127"/>
-                          </a:rPr>
-                          <m:t>15</m:t>
-                        </m:r>
-                        <m:sSup>
-                          <m:sSupPr>
-                            <m:ctrlPr>
-                              <a:rPr lang="ko-KR" altLang="ko-KR" sz="1800" i="1" kern="100">
-                                <a:effectLst/>
-                                <a:latin typeface="Cambria Math" panose="02040503050406030204" pitchFamily="18" charset="0"/>
-                                <a:ea typeface="Cambria Math" panose="02040503050406030204" pitchFamily="18" charset="0"/>
-                              </a:rPr>
-                            </m:ctrlPr>
-                          </m:sSupPr>
-                          <m:e>
-                            <m:r>
-                              <a:rPr lang="en-US" altLang="ko-KR" sz="1800" i="1" kern="100">
-                                <a:effectLst/>
-                                <a:latin typeface="Cambria Math" panose="02040503050406030204" pitchFamily="18" charset="0"/>
-                                <a:ea typeface="맑은 고딕" panose="020B0503020000020004" pitchFamily="50" charset="-127"/>
-                              </a:rPr>
-                              <m:t>𝑚𝑚</m:t>
-                            </m:r>
-                          </m:e>
-                          <m:sup>
-                            <m:r>
-                              <a:rPr lang="en-US" altLang="ko-KR" sz="1800" i="1" kern="100">
-                                <a:effectLst/>
-                                <a:latin typeface="Cambria Math" panose="02040503050406030204" pitchFamily="18" charset="0"/>
-                                <a:ea typeface="맑은 고딕" panose="020B0503020000020004" pitchFamily="50" charset="-127"/>
-                              </a:rPr>
-                              <m:t>3</m:t>
-                            </m:r>
-                          </m:sup>
-                        </m:sSup>
-                        <m:r>
-                          <a:rPr lang="en-US" altLang="ko-KR" sz="1800" i="1" kern="100">
-                            <a:effectLst/>
-                            <a:latin typeface="Cambria Math" panose="02040503050406030204" pitchFamily="18" charset="0"/>
-                            <a:ea typeface="맑은 고딕" panose="020B0503020000020004" pitchFamily="50" charset="-127"/>
-                          </a:rPr>
-                          <m:t>/</m:t>
-                        </m:r>
-                        <m:sSup>
-                          <m:sSupPr>
-                            <m:ctrlPr>
-                              <a:rPr lang="ko-KR" altLang="ko-KR" sz="1800" i="1" kern="100">
-                                <a:effectLst/>
-                                <a:latin typeface="Cambria Math" panose="02040503050406030204" pitchFamily="18" charset="0"/>
-                                <a:ea typeface="Cambria Math" panose="02040503050406030204" pitchFamily="18" charset="0"/>
-                              </a:rPr>
-                            </m:ctrlPr>
-                          </m:sSupPr>
-                          <m:e>
-                            <m:r>
-                              <a:rPr lang="en-US" altLang="ko-KR" sz="1800" i="1" kern="100">
-                                <a:effectLst/>
-                                <a:latin typeface="Cambria Math" panose="02040503050406030204" pitchFamily="18" charset="0"/>
-                                <a:ea typeface="맑은 고딕" panose="020B0503020000020004" pitchFamily="50" charset="-127"/>
-                              </a:rPr>
-                              <m:t>𝑠</m:t>
-                            </m:r>
-                          </m:e>
-                          <m:sup>
-                            <m:r>
-                              <a:rPr lang="en-US" altLang="ko-KR" sz="1800" i="1" kern="100">
-                                <a:effectLst/>
-                                <a:latin typeface="Cambria Math" panose="02040503050406030204" pitchFamily="18" charset="0"/>
-                                <a:ea typeface="맑은 고딕" panose="020B0503020000020004" pitchFamily="50" charset="-127"/>
-                              </a:rPr>
-                              <m:t>2</m:t>
-                            </m:r>
-                          </m:sup>
-                        </m:sSup>
-                      </m:oMath>
-                    </m:oMathPara>
+                    <m:oMath xmlns:m="http://schemas.openxmlformats.org/officeDocument/2006/math">
+                      <m:r>
+                        <a:rPr lang="en-US" altLang="ko-KR" sz="1800" i="1" kern="100">
+                          <a:effectLst/>
+                          <a:latin typeface="Cambria Math" panose="02040503050406030204" pitchFamily="18" charset="0"/>
+                          <a:ea typeface="맑은 고딕" panose="020B0503020000020004" pitchFamily="50" charset="-127"/>
+                        </a:rPr>
+                        <m:t>1.5</m:t>
+                      </m:r>
+                      <m:r>
+                        <a:rPr lang="en-US" altLang="ko-KR" sz="1800" i="1" kern="100">
+                          <a:effectLst/>
+                          <a:latin typeface="Cambria Math" panose="02040503050406030204" pitchFamily="18" charset="0"/>
+                          <a:ea typeface="맑은 고딕" panose="020B0503020000020004" pitchFamily="50" charset="-127"/>
+                        </a:rPr>
+                        <m:t>𝑚𝑚</m:t>
+                      </m:r>
+                    </m:oMath>
                   </a14:m>
-                  <a:endParaRPr dirty="0"/>
+                  <a:endParaRPr lang="ko-KR" altLang="ko-KR" sz="1800" kern="100" dirty="0">
+                    <a:effectLst/>
+                    <a:latin typeface="Arial Unicode MS" panose="020B0604020202020204" pitchFamily="50" charset="-127"/>
+                    <a:ea typeface="Arial Unicode MS" panose="020B0604020202020204" pitchFamily="50" charset="-127"/>
+                    <a:cs typeface="Arial Unicode MS" panose="020B0604020202020204" pitchFamily="50" charset="-127"/>
+                  </a:endParaRPr>
                 </a:p>
                 <a:p>
-                  <a:pPr/>
+                  <a:pPr latinLnBrk="1">
+                    <a:spcAft>
+                      <a:spcPts val="800"/>
+                    </a:spcAft>
+                  </a:pPr>
+                  <a:r>
+                    <a:rPr lang="en-US" altLang="ko-KR" sz="1800" kern="100" dirty="0">
+                      <a:effectLst/>
+                      <a:latin typeface="Arial Unicode MS" panose="020B0604020202020204" pitchFamily="50" charset="-127"/>
+                      <a:ea typeface="Arial Unicode MS" panose="020B0604020202020204" pitchFamily="50" charset="-127"/>
+                      <a:cs typeface="Arial Unicode MS" panose="020B0604020202020204" pitchFamily="50" charset="-127"/>
+                    </a:rPr>
+                    <a:t>Retraction Speed : </a:t>
+                  </a:r>
                   <a14:m>
-                    <m:oMathPara xmlns:m="http://schemas.openxmlformats.org/officeDocument/2006/math">
-                      <m:oMathParaPr>
-                        <m:jc m:val="centerGroup"/>
-                      </m:oMathParaPr>
-                      <m:oMath xmlns:m="http://schemas.openxmlformats.org/officeDocument/2006/math">
-                        <m:r>
-                          <a:rPr lang="en-US" altLang="ko-KR" sz="1800" kern="100" dirty="0">
-                            <a:effectLst/>
-                            <a:latin typeface="Cambria Math" panose="02040503050406030204" pitchFamily="18" charset="0"/>
-                            <a:ea typeface="맑은 고딕" panose="020B0503020000020004" pitchFamily="50" charset="-127"/>
-                          </a:rPr>
-                          <m:t> </m:t>
-                        </m:r>
-                      </m:oMath>
-                    </m:oMathPara>
+                    <m:oMath xmlns:m="http://schemas.openxmlformats.org/officeDocument/2006/math">
+                      <m:r>
+                        <a:rPr lang="en-US" altLang="ko-KR" sz="1800" i="1" kern="100">
+                          <a:effectLst/>
+                          <a:latin typeface="Cambria Math" panose="02040503050406030204" pitchFamily="18" charset="0"/>
+                          <a:ea typeface="맑은 고딕" panose="020B0503020000020004" pitchFamily="50" charset="-127"/>
+                        </a:rPr>
+                        <m:t>15</m:t>
+                      </m:r>
+                      <m:sSup>
+                        <m:sSupPr>
+                          <m:ctrlPr>
+                            <a:rPr lang="ko-KR" altLang="ko-KR" sz="1800" i="1" kern="100">
+                              <a:effectLst/>
+                              <a:latin typeface="Cambria Math" panose="02040503050406030204" pitchFamily="18" charset="0"/>
+                              <a:ea typeface="Cambria Math" panose="02040503050406030204" pitchFamily="18" charset="0"/>
+                            </a:rPr>
+                          </m:ctrlPr>
+                        </m:sSupPr>
+                        <m:e>
+                          <m:r>
+                            <a:rPr lang="en-US" altLang="ko-KR" sz="1800" i="1" kern="100">
+                              <a:effectLst/>
+                              <a:latin typeface="Cambria Math" panose="02040503050406030204" pitchFamily="18" charset="0"/>
+                              <a:ea typeface="맑은 고딕" panose="020B0503020000020004" pitchFamily="50" charset="-127"/>
+                            </a:rPr>
+                            <m:t>𝑚𝑚</m:t>
+                          </m:r>
+                        </m:e>
+                        <m:sup>
+                          <m:r>
+                            <a:rPr lang="en-US" altLang="ko-KR" sz="1800" i="1" kern="100">
+                              <a:effectLst/>
+                              <a:latin typeface="Cambria Math" panose="02040503050406030204" pitchFamily="18" charset="0"/>
+                              <a:ea typeface="맑은 고딕" panose="020B0503020000020004" pitchFamily="50" charset="-127"/>
+                            </a:rPr>
+                            <m:t>3</m:t>
+                          </m:r>
+                        </m:sup>
+                      </m:sSup>
+                      <m:r>
+                        <a:rPr lang="en-US" altLang="ko-KR" sz="1800" i="1" kern="100">
+                          <a:effectLst/>
+                          <a:latin typeface="Cambria Math" panose="02040503050406030204" pitchFamily="18" charset="0"/>
+                          <a:ea typeface="맑은 고딕" panose="020B0503020000020004" pitchFamily="50" charset="-127"/>
+                        </a:rPr>
+                        <m:t>/</m:t>
+                      </m:r>
+                      <m:sSup>
+                        <m:sSupPr>
+                          <m:ctrlPr>
+                            <a:rPr lang="ko-KR" altLang="ko-KR" sz="1800" i="1" kern="100">
+                              <a:effectLst/>
+                              <a:latin typeface="Cambria Math" panose="02040503050406030204" pitchFamily="18" charset="0"/>
+                              <a:ea typeface="Cambria Math" panose="02040503050406030204" pitchFamily="18" charset="0"/>
+                            </a:rPr>
+                          </m:ctrlPr>
+                        </m:sSupPr>
+                        <m:e>
+                          <m:r>
+                            <a:rPr lang="en-US" altLang="ko-KR" sz="1800" i="1" kern="100">
+                              <a:effectLst/>
+                              <a:latin typeface="Cambria Math" panose="02040503050406030204" pitchFamily="18" charset="0"/>
+                              <a:ea typeface="맑은 고딕" panose="020B0503020000020004" pitchFamily="50" charset="-127"/>
+                            </a:rPr>
+                            <m:t>𝑠</m:t>
+                          </m:r>
+                        </m:e>
+                        <m:sup>
+                          <m:r>
+                            <a:rPr lang="en-US" altLang="ko-KR" sz="1800" i="1" kern="100">
+                              <a:effectLst/>
+                              <a:latin typeface="Cambria Math" panose="02040503050406030204" pitchFamily="18" charset="0"/>
+                              <a:ea typeface="맑은 고딕" panose="020B0503020000020004" pitchFamily="50" charset="-127"/>
+                            </a:rPr>
+                            <m:t>2</m:t>
+                          </m:r>
+                        </m:sup>
+                      </m:sSup>
+                    </m:oMath>
                   </a14:m>
-                  <a:endParaRPr dirty="0"/>
+                  <a:endParaRPr lang="ko-KR" altLang="ko-KR" sz="1800" kern="100" dirty="0">
+                    <a:effectLst/>
+                    <a:latin typeface="Arial Unicode MS" panose="020B0604020202020204" pitchFamily="50" charset="-127"/>
+                    <a:ea typeface="Arial Unicode MS" panose="020B0604020202020204" pitchFamily="50" charset="-127"/>
+                    <a:cs typeface="Arial Unicode MS" panose="020B0604020202020204" pitchFamily="50" charset="-127"/>
+                  </a:endParaRPr>
+                </a:p>
+                <a:p>
+                  <a:pPr latinLnBrk="1">
+                    <a:spcAft>
+                      <a:spcPts val="800"/>
+                    </a:spcAft>
+                  </a:pPr>
+                  <a:r>
+                    <a:rPr lang="en-US" altLang="ko-KR" sz="1800" kern="100" dirty="0">
+                      <a:effectLst/>
+                      <a:latin typeface="Times New Roman" panose="02020603050405020304" pitchFamily="18" charset="0"/>
+                      <a:ea typeface="맑은 고딕" panose="020B0503020000020004" pitchFamily="50" charset="-127"/>
+                    </a:rPr>
+                    <a:t> </a:t>
+                  </a:r>
+                  <a:endParaRPr lang="ko-KR" altLang="ko-KR" sz="1800" kern="100" dirty="0">
+                    <a:effectLst/>
+                    <a:latin typeface="Times New Roman" panose="02020603050405020304" pitchFamily="18" charset="0"/>
+                    <a:ea typeface="맑은 고딕" panose="020B0503020000020004" pitchFamily="50" charset="-127"/>
+                  </a:endParaRPr>
+                </a:p>
+                <a:p>
+                  <a:endParaRPr lang="ko-KR" altLang="en-US" dirty="0"/>
                 </a:p>
               </p:txBody>
             </p:sp>
           </mc:Choice>
-          <mc:Fallback xmlns:dsp="http://schemas.microsoft.com/office/drawing/2008/diagram" xmlns:dgm="http://schemas.openxmlformats.org/drawingml/2006/diagram" xmlns:c="http://schemas.openxmlformats.org/drawingml/2006/chart" xmlns="">
+          <mc:Fallback xmlns="">
             <p:sp>
               <p:nvSpPr>
-                <p:cNvPr id="4" name=""/>
-                <p:cNvSpPr txBox="1"/>
+                <p:cNvPr id="4" name="TextBox 3">
+                  <a:extLst>
+                    <a:ext uri="{FF2B5EF4-FFF2-40B4-BE49-F238E27FC236}">
+                      <a16:creationId xmlns:a16="http://schemas.microsoft.com/office/drawing/2014/main" id="{919DDC20-F791-6AA0-48A4-8F74F7958C39}"/>
+                    </a:ext>
+                  </a:extLst>
+                </p:cNvPr>
+                <p:cNvSpPr txBox="1">
+                  <a:spLocks noRot="1" noChangeAspect="1" noMove="1" noResize="1" noEditPoints="1" noAdjustHandles="1" noChangeArrowheads="1" noChangeShapeType="1" noTextEdit="1"/>
+                </p:cNvSpPr>
                 <p:nvPr/>
               </p:nvSpPr>
               <p:spPr>
@@ -4724,25 +5553,43 @@
                 <a:prstGeom prst="rect">
                   <a:avLst/>
                 </a:prstGeom>
-                <a:blipFill rotWithShape="1">
+                <a:blipFill>
                   <a:blip r:embed="rId2"/>
                   <a:stretch>
-                    <a:fillRect/>
+                    <a:fillRect l="-778" t="-644"/>
                   </a:stretch>
                 </a:blipFill>
               </p:spPr>
+              <p:txBody>
+                <a:bodyPr/>
+                <a:lstStyle/>
+                <a:p>
+                  <a:r>
+                    <a:rPr lang="ko-KR" altLang="en-US">
+                      <a:noFill/>
+                    </a:rPr>
+                    <a:t> </a:t>
+                  </a:r>
+                </a:p>
+              </p:txBody>
             </p:sp>
           </mc:Fallback>
         </mc:AlternateContent>
         <p:pic>
           <p:nvPicPr>
-            <p:cNvPr id="7" name="그림 6"/>
+            <p:cNvPr id="7" name="그림 6">
+              <a:extLst>
+                <a:ext uri="{FF2B5EF4-FFF2-40B4-BE49-F238E27FC236}">
+                  <a16:creationId xmlns:a16="http://schemas.microsoft.com/office/drawing/2014/main" id="{C680A60D-D105-483B-3040-ACB4862CC972}"/>
+                </a:ext>
+              </a:extLst>
+            </p:cNvPr>
             <p:cNvPicPr>
               <a:picLocks noChangeAspect="1"/>
             </p:cNvPicPr>
             <p:nvPr/>
           </p:nvPicPr>
-          <p:blipFill rotWithShape="1">
+          <p:blipFill>
             <a:blip r:embed="rId3"/>
             <a:stretch>
               <a:fillRect/>
@@ -4760,13 +5607,19 @@
         </p:pic>
         <p:pic>
           <p:nvPicPr>
-            <p:cNvPr id="9" name="그림 8"/>
+            <p:cNvPr id="9" name="그림 8">
+              <a:extLst>
+                <a:ext uri="{FF2B5EF4-FFF2-40B4-BE49-F238E27FC236}">
+                  <a16:creationId xmlns:a16="http://schemas.microsoft.com/office/drawing/2014/main" id="{A904D1B6-302A-614C-1A4F-A7D8A5FF5EC1}"/>
+                </a:ext>
+              </a:extLst>
+            </p:cNvPr>
             <p:cNvPicPr>
               <a:picLocks noChangeAspect="1"/>
             </p:cNvPicPr>
             <p:nvPr/>
           </p:nvPicPr>
-          <p:blipFill rotWithShape="1">
+          <p:blipFill>
             <a:blip r:embed="rId4"/>
             <a:stretch>
               <a:fillRect/>
@@ -4784,18 +5637,15 @@
         </p:pic>
       </p:grpSp>
     </p:spTree>
+    <p:extLst>
+      <p:ext uri="{BB962C8B-B14F-4D97-AF65-F5344CB8AC3E}">
+        <p14:creationId xmlns:p14="http://schemas.microsoft.com/office/powerpoint/2010/main" val="1317432533"/>
+      </p:ext>
+    </p:extLst>
   </p:cSld>
   <p:clrMapOvr>
     <a:masterClrMapping/>
   </p:clrMapOvr>
-  <mc:AlternateContent xmlns:mc="http://schemas.openxmlformats.org/markup-compatibility/2006" xmlns:p14="http://schemas.microsoft.com/office/powerpoint/2010/main">
-    <mc:Choice Requires="p14">
-      <p:transition/>
-    </mc:Choice>
-    <mc:Fallback xmlns:a14="http://schemas.microsoft.com/office/drawing/2010/main" xmlns:dsp="http://schemas.microsoft.com/office/drawing/2008/diagram" xmlns:dgm="http://schemas.openxmlformats.org/drawingml/2006/diagram" xmlns:c="http://schemas.openxmlformats.org/drawingml/2006/chart" xmlns="">
-      <p:transition/>
-    </mc:Fallback>
-  </mc:AlternateContent>
 </p:sld>
 </file>
 
@@ -5180,7 +6030,7 @@
         </p:nvGrpSpPr>
         <p:grpSpPr>
           <a:xfrm>
-            <a:off x="424432" y="789132"/>
+            <a:off x="466822" y="909000"/>
             <a:ext cx="11343136" cy="5040000"/>
             <a:chOff x="385098" y="534407"/>
             <a:chExt cx="11343136" cy="5040000"/>
@@ -5502,6 +6352,59 @@
           </a:prstGeom>
         </p:spPr>
       </p:pic>
+      <p:sp>
+        <p:nvSpPr>
+          <p:cNvPr id="3" name="TextBox 2">
+            <a:extLst>
+              <a:ext uri="{FF2B5EF4-FFF2-40B4-BE49-F238E27FC236}">
+                <a16:creationId xmlns:a16="http://schemas.microsoft.com/office/drawing/2014/main" id="{93F4DC52-D434-8EE5-AF24-314F12592CF7}"/>
+              </a:ext>
+            </a:extLst>
+          </p:cNvPr>
+          <p:cNvSpPr txBox="1"/>
+          <p:nvPr/>
+        </p:nvSpPr>
+        <p:spPr>
+          <a:xfrm>
+            <a:off x="5396574" y="385780"/>
+            <a:ext cx="1398851" cy="523220"/>
+          </a:xfrm>
+          <a:prstGeom prst="rect">
+            <a:avLst/>
+          </a:prstGeom>
+          <a:noFill/>
+        </p:spPr>
+        <p:txBody>
+          <a:bodyPr wrap="square" rtlCol="0">
+            <a:spAutoFit/>
+          </a:bodyPr>
+          <a:lstStyle/>
+          <a:p>
+            <a:pPr algn="ctr"/>
+            <a:r>
+              <a:rPr lang="en-US" altLang="ko-KR" sz="2800" b="1" dirty="0" err="1">
+                <a:latin typeface="Arial Unicode MS" panose="020B0604020202020204" pitchFamily="50" charset="-127"/>
+                <a:ea typeface="Arial Unicode MS" panose="020B0604020202020204" pitchFamily="50" charset="-127"/>
+                <a:cs typeface="Arial Unicode MS" panose="020B0604020202020204" pitchFamily="50" charset="-127"/>
+              </a:rPr>
+              <a:t>dn</a:t>
+            </a:r>
+            <a:r>
+              <a:rPr lang="en-US" altLang="ko-KR" sz="2800" b="1" dirty="0">
+                <a:latin typeface="Arial Unicode MS" panose="020B0604020202020204" pitchFamily="50" charset="-127"/>
+                <a:ea typeface="Arial Unicode MS" panose="020B0604020202020204" pitchFamily="50" charset="-127"/>
+                <a:cs typeface="Arial Unicode MS" panose="020B0604020202020204" pitchFamily="50" charset="-127"/>
+              </a:rPr>
+              <a:t> 1st</a:t>
+            </a:r>
+            <a:endParaRPr lang="ko-KR" altLang="en-US" sz="2800" b="1" dirty="0">
+              <a:latin typeface="Arial Unicode MS" panose="020B0604020202020204" pitchFamily="50" charset="-127"/>
+              <a:ea typeface="Arial Unicode MS" panose="020B0604020202020204" pitchFamily="50" charset="-127"/>
+              <a:cs typeface="Arial Unicode MS" panose="020B0604020202020204" pitchFamily="50" charset="-127"/>
+            </a:endParaRPr>
+          </a:p>
+        </p:txBody>
+      </p:sp>
     </p:spTree>
     <p:extLst>
       <p:ext uri="{BB962C8B-B14F-4D97-AF65-F5344CB8AC3E}">
@@ -5516,6 +6419,314 @@
 </file>
 
 <file path=ppt/slides/slide5.xml><?xml version="1.0" encoding="utf-8"?>
+<p:sld xmlns:a="http://schemas.openxmlformats.org/drawingml/2006/main" xmlns:r="http://schemas.openxmlformats.org/officeDocument/2006/relationships" xmlns:p="http://schemas.openxmlformats.org/presentationml/2006/main">
+  <p:cSld>
+    <p:spTree>
+      <p:nvGrpSpPr>
+        <p:cNvPr id="1" name=""/>
+        <p:cNvGrpSpPr/>
+        <p:nvPr/>
+      </p:nvGrpSpPr>
+      <p:grpSpPr>
+        <a:xfrm>
+          <a:off x="0" y="0"/>
+          <a:ext cx="0" cy="0"/>
+          <a:chOff x="0" y="0"/>
+          <a:chExt cx="0" cy="0"/>
+        </a:xfrm>
+      </p:grpSpPr>
+      <p:grpSp>
+        <p:nvGrpSpPr>
+          <p:cNvPr id="10" name="그룹 9">
+            <a:extLst>
+              <a:ext uri="{FF2B5EF4-FFF2-40B4-BE49-F238E27FC236}">
+                <a16:creationId xmlns:a16="http://schemas.microsoft.com/office/drawing/2014/main" id="{7AB9368A-E863-C535-47C1-22D9DD491A55}"/>
+              </a:ext>
+            </a:extLst>
+          </p:cNvPr>
+          <p:cNvGrpSpPr/>
+          <p:nvPr/>
+        </p:nvGrpSpPr>
+        <p:grpSpPr>
+          <a:xfrm>
+            <a:off x="82149" y="1485834"/>
+            <a:ext cx="3709851" cy="3886331"/>
+            <a:chOff x="672851" y="1769040"/>
+            <a:chExt cx="3709851" cy="3886331"/>
+          </a:xfrm>
+        </p:grpSpPr>
+        <p:grpSp>
+          <p:nvGrpSpPr>
+            <p:cNvPr id="7" name="그룹 6">
+              <a:extLst>
+                <a:ext uri="{FF2B5EF4-FFF2-40B4-BE49-F238E27FC236}">
+                  <a16:creationId xmlns:a16="http://schemas.microsoft.com/office/drawing/2014/main" id="{D47DA787-12B2-AA01-9EF8-F3E8E94156C2}"/>
+                </a:ext>
+              </a:extLst>
+            </p:cNvPr>
+            <p:cNvGrpSpPr/>
+            <p:nvPr/>
+          </p:nvGrpSpPr>
+          <p:grpSpPr>
+            <a:xfrm>
+              <a:off x="948277" y="1769040"/>
+              <a:ext cx="3159000" cy="3240000"/>
+              <a:chOff x="1562232" y="1769040"/>
+              <a:chExt cx="3159000" cy="3240000"/>
+            </a:xfrm>
+          </p:grpSpPr>
+          <p:pic>
+            <p:nvPicPr>
+              <p:cNvPr id="5" name="그림 4" descr="실내, 기계, 과학 기기, 벽이(가) 표시된 사진&#10;&#10;자동 생성된 설명">
+                <a:extLst>
+                  <a:ext uri="{FF2B5EF4-FFF2-40B4-BE49-F238E27FC236}">
+                    <a16:creationId xmlns:a16="http://schemas.microsoft.com/office/drawing/2014/main" id="{BE276C35-1149-002A-BE1F-F5AF628F3C20}"/>
+                  </a:ext>
+                </a:extLst>
+              </p:cNvPr>
+              <p:cNvPicPr>
+                <a:picLocks noChangeAspect="1"/>
+              </p:cNvPicPr>
+              <p:nvPr/>
+            </p:nvPicPr>
+            <p:blipFill>
+              <a:blip r:embed="rId2">
+                <a:extLst>
+                  <a:ext uri="{28A0092B-C50C-407E-A947-70E740481C1C}">
+                    <a14:useLocalDpi xmlns:a14="http://schemas.microsoft.com/office/drawing/2010/main" val="0"/>
+                  </a:ext>
+                </a:extLst>
+              </a:blip>
+              <a:stretch>
+                <a:fillRect/>
+              </a:stretch>
+            </p:blipFill>
+            <p:spPr>
+              <a:xfrm>
+                <a:off x="1562232" y="1769040"/>
+                <a:ext cx="3159000" cy="3240000"/>
+              </a:xfrm>
+              <a:prstGeom prst="rect">
+                <a:avLst/>
+              </a:prstGeom>
+            </p:spPr>
+          </p:pic>
+          <p:sp>
+            <p:nvSpPr>
+              <p:cNvPr id="6" name="화살표: 위쪽 5">
+                <a:extLst>
+                  <a:ext uri="{FF2B5EF4-FFF2-40B4-BE49-F238E27FC236}">
+                    <a16:creationId xmlns:a16="http://schemas.microsoft.com/office/drawing/2014/main" id="{A96C520B-4C16-5877-86B3-4EDFCD761872}"/>
+                  </a:ext>
+                </a:extLst>
+              </p:cNvPr>
+              <p:cNvSpPr/>
+              <p:nvPr/>
+            </p:nvSpPr>
+            <p:spPr>
+              <a:xfrm flipV="1">
+                <a:off x="3451709" y="2970873"/>
+                <a:ext cx="748000" cy="1483560"/>
+              </a:xfrm>
+              <a:prstGeom prst="upArrow">
+                <a:avLst/>
+              </a:prstGeom>
+              <a:noFill/>
+              <a:ln w="38100">
+                <a:solidFill>
+                  <a:schemeClr val="accent4">
+                    <a:lumMod val="60000"/>
+                    <a:lumOff val="40000"/>
+                  </a:schemeClr>
+                </a:solidFill>
+              </a:ln>
+            </p:spPr>
+            <p:style>
+              <a:lnRef idx="2">
+                <a:schemeClr val="accent1">
+                  <a:shade val="15000"/>
+                </a:schemeClr>
+              </a:lnRef>
+              <a:fillRef idx="1">
+                <a:schemeClr val="accent1"/>
+              </a:fillRef>
+              <a:effectRef idx="0">
+                <a:schemeClr val="accent1"/>
+              </a:effectRef>
+              <a:fontRef idx="minor">
+                <a:schemeClr val="lt1"/>
+              </a:fontRef>
+            </p:style>
+            <p:txBody>
+              <a:bodyPr rtlCol="0" anchor="ctr"/>
+              <a:lstStyle/>
+              <a:p>
+                <a:pPr algn="ctr"/>
+                <a:endParaRPr lang="ko-KR" altLang="en-US" dirty="0"/>
+              </a:p>
+            </p:txBody>
+          </p:sp>
+        </p:grpSp>
+        <p:sp>
+          <p:nvSpPr>
+            <p:cNvPr id="9" name="TextBox 8">
+              <a:extLst>
+                <a:ext uri="{FF2B5EF4-FFF2-40B4-BE49-F238E27FC236}">
+                  <a16:creationId xmlns:a16="http://schemas.microsoft.com/office/drawing/2014/main" id="{26DBE9D0-9D23-8A38-EE4E-239E02EC0946}"/>
+                </a:ext>
+              </a:extLst>
+            </p:cNvPr>
+            <p:cNvSpPr txBox="1"/>
+            <p:nvPr/>
+          </p:nvSpPr>
+          <p:spPr>
+            <a:xfrm>
+              <a:off x="672851" y="5009040"/>
+              <a:ext cx="3709851" cy="646331"/>
+            </a:xfrm>
+            <a:prstGeom prst="rect">
+              <a:avLst/>
+            </a:prstGeom>
+            <a:noFill/>
+          </p:spPr>
+          <p:txBody>
+            <a:bodyPr wrap="square" rtlCol="0">
+              <a:spAutoFit/>
+            </a:bodyPr>
+            <a:lstStyle/>
+            <a:p>
+              <a:pPr algn="ctr"/>
+              <a:r>
+                <a:rPr lang="en-US" altLang="ko-KR" dirty="0">
+                  <a:latin typeface="Arial Unicode MS" panose="020B0604020202020204" pitchFamily="50" charset="-127"/>
+                  <a:ea typeface="Arial Unicode MS" panose="020B0604020202020204" pitchFamily="50" charset="-127"/>
+                  <a:cs typeface="Arial Unicode MS" panose="020B0604020202020204" pitchFamily="50" charset="-127"/>
+                </a:rPr>
+                <a:t>down position, negative pressure</a:t>
+              </a:r>
+            </a:p>
+            <a:p>
+              <a:pPr algn="ctr"/>
+              <a:r>
+                <a:rPr lang="en-US" altLang="ko-KR" b="1" dirty="0" err="1">
+                  <a:latin typeface="Arial Unicode MS" panose="020B0604020202020204" pitchFamily="50" charset="-127"/>
+                  <a:ea typeface="Arial Unicode MS" panose="020B0604020202020204" pitchFamily="50" charset="-127"/>
+                  <a:cs typeface="Arial Unicode MS" panose="020B0604020202020204" pitchFamily="50" charset="-127"/>
+                </a:rPr>
+                <a:t>dn</a:t>
+              </a:r>
+              <a:endParaRPr lang="ko-KR" altLang="en-US" b="1" dirty="0">
+                <a:latin typeface="Arial Unicode MS" panose="020B0604020202020204" pitchFamily="50" charset="-127"/>
+                <a:ea typeface="Arial Unicode MS" panose="020B0604020202020204" pitchFamily="50" charset="-127"/>
+                <a:cs typeface="Arial Unicode MS" panose="020B0604020202020204" pitchFamily="50" charset="-127"/>
+              </a:endParaRPr>
+            </a:p>
+          </p:txBody>
+        </p:sp>
+      </p:grpSp>
+      <p:pic>
+        <p:nvPicPr>
+          <p:cNvPr id="3" name="그림 2" descr="텍스트, 라인, 도표, 그래프이(가) 표시된 사진&#10;&#10;자동 생성된 설명">
+            <a:extLst>
+              <a:ext uri="{FF2B5EF4-FFF2-40B4-BE49-F238E27FC236}">
+                <a16:creationId xmlns:a16="http://schemas.microsoft.com/office/drawing/2014/main" id="{3BE887A5-FD82-DBB3-98C2-5311BE66EFCE}"/>
+              </a:ext>
+            </a:extLst>
+          </p:cNvPr>
+          <p:cNvPicPr>
+            <a:picLocks noChangeAspect="1"/>
+          </p:cNvPicPr>
+          <p:nvPr/>
+        </p:nvPicPr>
+        <p:blipFill>
+          <a:blip r:embed="rId3">
+            <a:extLst>
+              <a:ext uri="{28A0092B-C50C-407E-A947-70E740481C1C}">
+                <a14:useLocalDpi xmlns:a14="http://schemas.microsoft.com/office/drawing/2010/main" val="0"/>
+              </a:ext>
+            </a:extLst>
+          </a:blip>
+          <a:stretch>
+            <a:fillRect/>
+          </a:stretch>
+        </p:blipFill>
+        <p:spPr>
+          <a:xfrm>
+            <a:off x="3792000" y="909000"/>
+            <a:ext cx="8400000" cy="5040000"/>
+          </a:xfrm>
+          <a:prstGeom prst="rect">
+            <a:avLst/>
+          </a:prstGeom>
+        </p:spPr>
+      </p:pic>
+      <p:sp>
+        <p:nvSpPr>
+          <p:cNvPr id="2" name="TextBox 1">
+            <a:extLst>
+              <a:ext uri="{FF2B5EF4-FFF2-40B4-BE49-F238E27FC236}">
+                <a16:creationId xmlns:a16="http://schemas.microsoft.com/office/drawing/2014/main" id="{520C9508-13DE-7957-9B52-41A7362A9425}"/>
+              </a:ext>
+            </a:extLst>
+          </p:cNvPr>
+          <p:cNvSpPr txBox="1"/>
+          <p:nvPr/>
+        </p:nvSpPr>
+        <p:spPr>
+          <a:xfrm>
+            <a:off x="5396574" y="385780"/>
+            <a:ext cx="1398851" cy="523220"/>
+          </a:xfrm>
+          <a:prstGeom prst="rect">
+            <a:avLst/>
+          </a:prstGeom>
+          <a:noFill/>
+        </p:spPr>
+        <p:txBody>
+          <a:bodyPr wrap="square" rtlCol="0">
+            <a:spAutoFit/>
+          </a:bodyPr>
+          <a:lstStyle/>
+          <a:p>
+            <a:pPr algn="ctr"/>
+            <a:r>
+              <a:rPr lang="en-US" altLang="ko-KR" sz="2800" b="1" dirty="0" err="1">
+                <a:latin typeface="Arial Unicode MS" panose="020B0604020202020204" pitchFamily="50" charset="-127"/>
+                <a:ea typeface="Arial Unicode MS" panose="020B0604020202020204" pitchFamily="50" charset="-127"/>
+                <a:cs typeface="Arial Unicode MS" panose="020B0604020202020204" pitchFamily="50" charset="-127"/>
+              </a:rPr>
+              <a:t>dn</a:t>
+            </a:r>
+            <a:r>
+              <a:rPr lang="en-US" altLang="ko-KR" sz="2800" b="1" dirty="0">
+                <a:latin typeface="Arial Unicode MS" panose="020B0604020202020204" pitchFamily="50" charset="-127"/>
+                <a:ea typeface="Arial Unicode MS" panose="020B0604020202020204" pitchFamily="50" charset="-127"/>
+                <a:cs typeface="Arial Unicode MS" panose="020B0604020202020204" pitchFamily="50" charset="-127"/>
+              </a:rPr>
+              <a:t> 2nd</a:t>
+            </a:r>
+            <a:endParaRPr lang="ko-KR" altLang="en-US" sz="2800" b="1" dirty="0">
+              <a:latin typeface="Arial Unicode MS" panose="020B0604020202020204" pitchFamily="50" charset="-127"/>
+              <a:ea typeface="Arial Unicode MS" panose="020B0604020202020204" pitchFamily="50" charset="-127"/>
+              <a:cs typeface="Arial Unicode MS" panose="020B0604020202020204" pitchFamily="50" charset="-127"/>
+            </a:endParaRPr>
+          </a:p>
+        </p:txBody>
+      </p:sp>
+    </p:spTree>
+    <p:extLst>
+      <p:ext uri="{BB962C8B-B14F-4D97-AF65-F5344CB8AC3E}">
+        <p14:creationId xmlns:p14="http://schemas.microsoft.com/office/powerpoint/2010/main" val="1481339670"/>
+      </p:ext>
+    </p:extLst>
+  </p:cSld>
+  <p:clrMapOvr>
+    <a:masterClrMapping/>
+  </p:clrMapOvr>
+</p:sld>
+</file>
+
+<file path=ppt/slides/slide6.xml><?xml version="1.0" encoding="utf-8"?>
 <p:sld xmlns:a="http://schemas.openxmlformats.org/drawingml/2006/main" xmlns:r="http://schemas.openxmlformats.org/officeDocument/2006/relationships" xmlns:p="http://schemas.openxmlformats.org/presentationml/2006/main">
   <p:cSld>
     <p:spTree>
@@ -5757,6 +6968,51 @@
           </a:prstGeom>
         </p:spPr>
       </p:pic>
+      <p:sp>
+        <p:nvSpPr>
+          <p:cNvPr id="2" name="TextBox 1">
+            <a:extLst>
+              <a:ext uri="{FF2B5EF4-FFF2-40B4-BE49-F238E27FC236}">
+                <a16:creationId xmlns:a16="http://schemas.microsoft.com/office/drawing/2014/main" id="{218A725E-F309-540A-61D3-02D4B0C36D33}"/>
+              </a:ext>
+            </a:extLst>
+          </p:cNvPr>
+          <p:cNvSpPr txBox="1"/>
+          <p:nvPr/>
+        </p:nvSpPr>
+        <p:spPr>
+          <a:xfrm>
+            <a:off x="5396574" y="385456"/>
+            <a:ext cx="1398851" cy="523220"/>
+          </a:xfrm>
+          <a:prstGeom prst="rect">
+            <a:avLst/>
+          </a:prstGeom>
+          <a:noFill/>
+        </p:spPr>
+        <p:txBody>
+          <a:bodyPr wrap="square" rtlCol="0">
+            <a:spAutoFit/>
+          </a:bodyPr>
+          <a:lstStyle/>
+          <a:p>
+            <a:pPr algn="ctr"/>
+            <a:r>
+              <a:rPr lang="en-US" altLang="ko-KR" sz="2800" b="1" dirty="0">
+                <a:latin typeface="Arial Unicode MS" panose="020B0604020202020204" pitchFamily="50" charset="-127"/>
+                <a:ea typeface="Arial Unicode MS" panose="020B0604020202020204" pitchFamily="50" charset="-127"/>
+                <a:cs typeface="Arial Unicode MS" panose="020B0604020202020204" pitchFamily="50" charset="-127"/>
+              </a:rPr>
+              <a:t>un 1st</a:t>
+            </a:r>
+            <a:endParaRPr lang="ko-KR" altLang="en-US" sz="2800" b="1" dirty="0">
+              <a:latin typeface="Arial Unicode MS" panose="020B0604020202020204" pitchFamily="50" charset="-127"/>
+              <a:ea typeface="Arial Unicode MS" panose="020B0604020202020204" pitchFamily="50" charset="-127"/>
+              <a:cs typeface="Arial Unicode MS" panose="020B0604020202020204" pitchFamily="50" charset="-127"/>
+            </a:endParaRPr>
+          </a:p>
+        </p:txBody>
+      </p:sp>
     </p:spTree>
     <p:extLst>
       <p:ext uri="{BB962C8B-B14F-4D97-AF65-F5344CB8AC3E}">
@@ -5770,7 +7026,392 @@
 </p:sld>
 </file>
 
-<file path=ppt/slides/slide6.xml><?xml version="1.0" encoding="utf-8"?>
+<file path=ppt/slides/slide7.xml><?xml version="1.0" encoding="utf-8"?>
+<p:sld xmlns:a="http://schemas.openxmlformats.org/drawingml/2006/main" xmlns:r="http://schemas.openxmlformats.org/officeDocument/2006/relationships" xmlns:p="http://schemas.openxmlformats.org/presentationml/2006/main">
+  <p:cSld>
+    <p:spTree>
+      <p:nvGrpSpPr>
+        <p:cNvPr id="1" name=""/>
+        <p:cNvGrpSpPr/>
+        <p:nvPr/>
+      </p:nvGrpSpPr>
+      <p:grpSpPr>
+        <a:xfrm>
+          <a:off x="0" y="0"/>
+          <a:ext cx="0" cy="0"/>
+          <a:chOff x="0" y="0"/>
+          <a:chExt cx="0" cy="0"/>
+        </a:xfrm>
+      </p:grpSpPr>
+      <p:pic>
+        <p:nvPicPr>
+          <p:cNvPr id="3" name="그림 2" descr="텍스트, 라인, 그래프, 도표이(가) 표시된 사진&#10;&#10;자동 생성된 설명">
+            <a:extLst>
+              <a:ext uri="{FF2B5EF4-FFF2-40B4-BE49-F238E27FC236}">
+                <a16:creationId xmlns:a16="http://schemas.microsoft.com/office/drawing/2014/main" id="{0D51C261-0F42-214B-6C9D-224D701D3493}"/>
+              </a:ext>
+            </a:extLst>
+          </p:cNvPr>
+          <p:cNvPicPr>
+            <a:picLocks noChangeAspect="1"/>
+          </p:cNvPicPr>
+          <p:nvPr/>
+        </p:nvPicPr>
+        <p:blipFill>
+          <a:blip r:embed="rId2">
+            <a:extLst>
+              <a:ext uri="{28A0092B-C50C-407E-A947-70E740481C1C}">
+                <a14:useLocalDpi xmlns:a14="http://schemas.microsoft.com/office/drawing/2010/main" val="0"/>
+              </a:ext>
+            </a:extLst>
+          </a:blip>
+          <a:stretch>
+            <a:fillRect/>
+          </a:stretch>
+        </p:blipFill>
+        <p:spPr>
+          <a:xfrm>
+            <a:off x="3792000" y="909000"/>
+            <a:ext cx="8400000" cy="5040000"/>
+          </a:xfrm>
+          <a:prstGeom prst="rect">
+            <a:avLst/>
+          </a:prstGeom>
+        </p:spPr>
+      </p:pic>
+      <p:grpSp>
+        <p:nvGrpSpPr>
+          <p:cNvPr id="23" name="그룹 22">
+            <a:extLst>
+              <a:ext uri="{FF2B5EF4-FFF2-40B4-BE49-F238E27FC236}">
+                <a16:creationId xmlns:a16="http://schemas.microsoft.com/office/drawing/2014/main" id="{15F41DF3-6B30-0A21-D966-B32BA281F958}"/>
+              </a:ext>
+            </a:extLst>
+          </p:cNvPr>
+          <p:cNvGrpSpPr/>
+          <p:nvPr/>
+        </p:nvGrpSpPr>
+        <p:grpSpPr>
+          <a:xfrm>
+            <a:off x="96332" y="1269000"/>
+            <a:ext cx="4495192" cy="4320000"/>
+            <a:chOff x="17609" y="1269000"/>
+            <a:chExt cx="4495192" cy="4320000"/>
+          </a:xfrm>
+        </p:grpSpPr>
+        <p:grpSp>
+          <p:nvGrpSpPr>
+            <p:cNvPr id="18" name="그룹 17">
+              <a:extLst>
+                <a:ext uri="{FF2B5EF4-FFF2-40B4-BE49-F238E27FC236}">
+                  <a16:creationId xmlns:a16="http://schemas.microsoft.com/office/drawing/2014/main" id="{D6AA548F-5221-74C4-A229-A7EA058AF71F}"/>
+                </a:ext>
+              </a:extLst>
+            </p:cNvPr>
+            <p:cNvGrpSpPr/>
+            <p:nvPr/>
+          </p:nvGrpSpPr>
+          <p:grpSpPr>
+            <a:xfrm>
+              <a:off x="17609" y="1269000"/>
+              <a:ext cx="3499850" cy="4320000"/>
+              <a:chOff x="610746" y="1013684"/>
+              <a:chExt cx="3499850" cy="4320000"/>
+            </a:xfrm>
+          </p:grpSpPr>
+          <p:pic>
+            <p:nvPicPr>
+              <p:cNvPr id="11" name="그림 10" descr="램프, 전구, 정물 사진, 실내이(가) 표시된 사진&#10;&#10;자동 생성된 설명">
+                <a:extLst>
+                  <a:ext uri="{FF2B5EF4-FFF2-40B4-BE49-F238E27FC236}">
+                    <a16:creationId xmlns:a16="http://schemas.microsoft.com/office/drawing/2014/main" id="{A1C14C32-D837-FBC6-2047-4A9EFC49FCDD}"/>
+                  </a:ext>
+                </a:extLst>
+              </p:cNvPr>
+              <p:cNvPicPr>
+                <a:picLocks noChangeAspect="1"/>
+              </p:cNvPicPr>
+              <p:nvPr/>
+            </p:nvPicPr>
+            <p:blipFill>
+              <a:blip r:embed="rId3">
+                <a:extLst>
+                  <a:ext uri="{28A0092B-C50C-407E-A947-70E740481C1C}">
+                    <a14:useLocalDpi xmlns:a14="http://schemas.microsoft.com/office/drawing/2010/main" val="0"/>
+                  </a:ext>
+                </a:extLst>
+              </a:blip>
+              <a:stretch>
+                <a:fillRect/>
+              </a:stretch>
+            </p:blipFill>
+            <p:spPr>
+              <a:xfrm>
+                <a:off x="2259167" y="1013684"/>
+                <a:ext cx="1851429" cy="2160000"/>
+              </a:xfrm>
+              <a:prstGeom prst="rect">
+                <a:avLst/>
+              </a:prstGeom>
+            </p:spPr>
+          </p:pic>
+          <p:pic>
+            <p:nvPicPr>
+              <p:cNvPr id="13" name="그림 12" descr="전구, 램프, 실내, 디자인이(가) 표시된 사진&#10;&#10;자동 생성된 설명">
+                <a:extLst>
+                  <a:ext uri="{FF2B5EF4-FFF2-40B4-BE49-F238E27FC236}">
+                    <a16:creationId xmlns:a16="http://schemas.microsoft.com/office/drawing/2014/main" id="{0C32E3CE-A1E8-8A97-FE9F-A207CB5F77A9}"/>
+                  </a:ext>
+                </a:extLst>
+              </p:cNvPr>
+              <p:cNvPicPr>
+                <a:picLocks noChangeAspect="1"/>
+              </p:cNvPicPr>
+              <p:nvPr/>
+            </p:nvPicPr>
+            <p:blipFill>
+              <a:blip r:embed="rId4">
+                <a:extLst>
+                  <a:ext uri="{28A0092B-C50C-407E-A947-70E740481C1C}">
+                    <a14:useLocalDpi xmlns:a14="http://schemas.microsoft.com/office/drawing/2010/main" val="0"/>
+                  </a:ext>
+                </a:extLst>
+              </a:blip>
+              <a:stretch>
+                <a:fillRect/>
+              </a:stretch>
+            </p:blipFill>
+            <p:spPr>
+              <a:xfrm>
+                <a:off x="610746" y="1013684"/>
+                <a:ext cx="1648421" cy="2160000"/>
+              </a:xfrm>
+              <a:prstGeom prst="rect">
+                <a:avLst/>
+              </a:prstGeom>
+            </p:spPr>
+          </p:pic>
+          <p:pic>
+            <p:nvPicPr>
+              <p:cNvPr id="15" name="그림 14" descr="실내, 램프, 예술이(가) 표시된 사진&#10;&#10;자동 생성된 설명">
+                <a:extLst>
+                  <a:ext uri="{FF2B5EF4-FFF2-40B4-BE49-F238E27FC236}">
+                    <a16:creationId xmlns:a16="http://schemas.microsoft.com/office/drawing/2014/main" id="{AAF9CE01-E5BF-BABB-108C-48A97605E2DD}"/>
+                  </a:ext>
+                </a:extLst>
+              </p:cNvPr>
+              <p:cNvPicPr>
+                <a:picLocks noChangeAspect="1"/>
+              </p:cNvPicPr>
+              <p:nvPr/>
+            </p:nvPicPr>
+            <p:blipFill>
+              <a:blip r:embed="rId5">
+                <a:extLst>
+                  <a:ext uri="{28A0092B-C50C-407E-A947-70E740481C1C}">
+                    <a14:useLocalDpi xmlns:a14="http://schemas.microsoft.com/office/drawing/2010/main" val="0"/>
+                  </a:ext>
+                </a:extLst>
+              </a:blip>
+              <a:stretch>
+                <a:fillRect/>
+              </a:stretch>
+            </p:blipFill>
+            <p:spPr>
+              <a:xfrm>
+                <a:off x="2291664" y="3173684"/>
+                <a:ext cx="1818932" cy="2160000"/>
+              </a:xfrm>
+              <a:prstGeom prst="rect">
+                <a:avLst/>
+              </a:prstGeom>
+            </p:spPr>
+          </p:pic>
+          <p:pic>
+            <p:nvPicPr>
+              <p:cNvPr id="17" name="그림 16" descr="램프, 실내, 디자인, 예술이(가) 표시된 사진&#10;&#10;자동 생성된 설명">
+                <a:extLst>
+                  <a:ext uri="{FF2B5EF4-FFF2-40B4-BE49-F238E27FC236}">
+                    <a16:creationId xmlns:a16="http://schemas.microsoft.com/office/drawing/2014/main" id="{6A4F669F-6461-2DBD-8123-CDB398C4BF94}"/>
+                  </a:ext>
+                </a:extLst>
+              </p:cNvPr>
+              <p:cNvPicPr>
+                <a:picLocks noChangeAspect="1"/>
+              </p:cNvPicPr>
+              <p:nvPr/>
+            </p:nvPicPr>
+            <p:blipFill>
+              <a:blip r:embed="rId6">
+                <a:extLst>
+                  <a:ext uri="{28A0092B-C50C-407E-A947-70E740481C1C}">
+                    <a14:useLocalDpi xmlns:a14="http://schemas.microsoft.com/office/drawing/2010/main" val="0"/>
+                  </a:ext>
+                </a:extLst>
+              </a:blip>
+              <a:stretch>
+                <a:fillRect/>
+              </a:stretch>
+            </p:blipFill>
+            <p:spPr>
+              <a:xfrm>
+                <a:off x="610746" y="3173684"/>
+                <a:ext cx="1680918" cy="2160000"/>
+              </a:xfrm>
+              <a:prstGeom prst="rect">
+                <a:avLst/>
+              </a:prstGeom>
+            </p:spPr>
+          </p:pic>
+        </p:grpSp>
+        <p:sp>
+          <p:nvSpPr>
+            <p:cNvPr id="21" name="TextBox 20">
+              <a:extLst>
+                <a:ext uri="{FF2B5EF4-FFF2-40B4-BE49-F238E27FC236}">
+                  <a16:creationId xmlns:a16="http://schemas.microsoft.com/office/drawing/2014/main" id="{351E726A-4FAD-C283-4759-F8B2D031E8ED}"/>
+                </a:ext>
+              </a:extLst>
+            </p:cNvPr>
+            <p:cNvSpPr txBox="1"/>
+            <p:nvPr/>
+          </p:nvSpPr>
+          <p:spPr>
+            <a:xfrm>
+              <a:off x="3517459" y="2164334"/>
+              <a:ext cx="962845" cy="369332"/>
+            </a:xfrm>
+            <a:prstGeom prst="rect">
+              <a:avLst/>
+            </a:prstGeom>
+            <a:noFill/>
+          </p:spPr>
+          <p:txBody>
+            <a:bodyPr wrap="square" rtlCol="0">
+              <a:spAutoFit/>
+            </a:bodyPr>
+            <a:lstStyle/>
+            <a:p>
+              <a:r>
+                <a:rPr lang="en-US" altLang="ko-KR" dirty="0">
+                  <a:latin typeface="Arial Unicode MS" panose="020B0604020202020204" pitchFamily="50" charset="-127"/>
+                  <a:ea typeface="Arial Unicode MS" panose="020B0604020202020204" pitchFamily="50" charset="-127"/>
+                  <a:cs typeface="Arial Unicode MS" panose="020B0604020202020204" pitchFamily="50" charset="-127"/>
+                </a:rPr>
+                <a:t>24mm</a:t>
+              </a:r>
+              <a:endParaRPr lang="ko-KR" altLang="en-US" dirty="0">
+                <a:latin typeface="Arial Unicode MS" panose="020B0604020202020204" pitchFamily="50" charset="-127"/>
+                <a:ea typeface="Arial Unicode MS" panose="020B0604020202020204" pitchFamily="50" charset="-127"/>
+                <a:cs typeface="Arial Unicode MS" panose="020B0604020202020204" pitchFamily="50" charset="-127"/>
+              </a:endParaRPr>
+            </a:p>
+          </p:txBody>
+        </p:sp>
+        <p:sp>
+          <p:nvSpPr>
+            <p:cNvPr id="22" name="TextBox 21">
+              <a:extLst>
+                <a:ext uri="{FF2B5EF4-FFF2-40B4-BE49-F238E27FC236}">
+                  <a16:creationId xmlns:a16="http://schemas.microsoft.com/office/drawing/2014/main" id="{FF5B9E16-2468-E8D8-C960-D0B89D92B754}"/>
+                </a:ext>
+              </a:extLst>
+            </p:cNvPr>
+            <p:cNvSpPr txBox="1"/>
+            <p:nvPr/>
+          </p:nvSpPr>
+          <p:spPr>
+            <a:xfrm>
+              <a:off x="3549956" y="4324334"/>
+              <a:ext cx="962845" cy="369332"/>
+            </a:xfrm>
+            <a:prstGeom prst="rect">
+              <a:avLst/>
+            </a:prstGeom>
+            <a:noFill/>
+          </p:spPr>
+          <p:txBody>
+            <a:bodyPr wrap="square" rtlCol="0">
+              <a:spAutoFit/>
+            </a:bodyPr>
+            <a:lstStyle/>
+            <a:p>
+              <a:r>
+                <a:rPr lang="en-US" altLang="ko-KR" dirty="0">
+                  <a:latin typeface="Arial Unicode MS" panose="020B0604020202020204" pitchFamily="50" charset="-127"/>
+                  <a:ea typeface="Arial Unicode MS" panose="020B0604020202020204" pitchFamily="50" charset="-127"/>
+                  <a:cs typeface="Arial Unicode MS" panose="020B0604020202020204" pitchFamily="50" charset="-127"/>
+                </a:rPr>
+                <a:t>27mm</a:t>
+              </a:r>
+              <a:endParaRPr lang="ko-KR" altLang="en-US" dirty="0">
+                <a:latin typeface="Arial Unicode MS" panose="020B0604020202020204" pitchFamily="50" charset="-127"/>
+                <a:ea typeface="Arial Unicode MS" panose="020B0604020202020204" pitchFamily="50" charset="-127"/>
+                <a:cs typeface="Arial Unicode MS" panose="020B0604020202020204" pitchFamily="50" charset="-127"/>
+              </a:endParaRPr>
+            </a:p>
+          </p:txBody>
+        </p:sp>
+      </p:grpSp>
+      <p:sp>
+        <p:nvSpPr>
+          <p:cNvPr id="2" name="TextBox 1">
+            <a:extLst>
+              <a:ext uri="{FF2B5EF4-FFF2-40B4-BE49-F238E27FC236}">
+                <a16:creationId xmlns:a16="http://schemas.microsoft.com/office/drawing/2014/main" id="{2DBD04E3-9EC2-05E7-E63E-21975BDAF38E}"/>
+              </a:ext>
+            </a:extLst>
+          </p:cNvPr>
+          <p:cNvSpPr txBox="1"/>
+          <p:nvPr/>
+        </p:nvSpPr>
+        <p:spPr>
+          <a:xfrm>
+            <a:off x="5396574" y="385780"/>
+            <a:ext cx="1398851" cy="523220"/>
+          </a:xfrm>
+          <a:prstGeom prst="rect">
+            <a:avLst/>
+          </a:prstGeom>
+          <a:noFill/>
+        </p:spPr>
+        <p:txBody>
+          <a:bodyPr wrap="square" rtlCol="0">
+            <a:spAutoFit/>
+          </a:bodyPr>
+          <a:lstStyle/>
+          <a:p>
+            <a:pPr algn="ctr"/>
+            <a:r>
+              <a:rPr lang="en-US" altLang="ko-KR" sz="2800" b="1" dirty="0">
+                <a:latin typeface="Arial Unicode MS" panose="020B0604020202020204" pitchFamily="50" charset="-127"/>
+                <a:ea typeface="Arial Unicode MS" panose="020B0604020202020204" pitchFamily="50" charset="-127"/>
+                <a:cs typeface="Arial Unicode MS" panose="020B0604020202020204" pitchFamily="50" charset="-127"/>
+              </a:rPr>
+              <a:t>un 2nd</a:t>
+            </a:r>
+            <a:endParaRPr lang="ko-KR" altLang="en-US" sz="2800" b="1" dirty="0">
+              <a:latin typeface="Arial Unicode MS" panose="020B0604020202020204" pitchFamily="50" charset="-127"/>
+              <a:ea typeface="Arial Unicode MS" panose="020B0604020202020204" pitchFamily="50" charset="-127"/>
+              <a:cs typeface="Arial Unicode MS" panose="020B0604020202020204" pitchFamily="50" charset="-127"/>
+            </a:endParaRPr>
+          </a:p>
+        </p:txBody>
+      </p:sp>
+    </p:spTree>
+    <p:extLst>
+      <p:ext uri="{BB962C8B-B14F-4D97-AF65-F5344CB8AC3E}">
+        <p14:creationId xmlns:p14="http://schemas.microsoft.com/office/powerpoint/2010/main" val="1713032812"/>
+      </p:ext>
+    </p:extLst>
+  </p:cSld>
+  <p:clrMapOvr>
+    <a:masterClrMapping/>
+  </p:clrMapOvr>
+</p:sld>
+</file>
+
+<file path=ppt/slides/slide8.xml><?xml version="1.0" encoding="utf-8"?>
 <p:sld xmlns:a="http://schemas.openxmlformats.org/drawingml/2006/main" xmlns:r="http://schemas.openxmlformats.org/officeDocument/2006/relationships" xmlns:p="http://schemas.openxmlformats.org/presentationml/2006/main">
   <p:cSld>
     <p:spTree>
@@ -6012,6 +7653,59 @@
           </a:prstGeom>
         </p:spPr>
       </p:pic>
+      <p:sp>
+        <p:nvSpPr>
+          <p:cNvPr id="8" name="TextBox 7">
+            <a:extLst>
+              <a:ext uri="{FF2B5EF4-FFF2-40B4-BE49-F238E27FC236}">
+                <a16:creationId xmlns:a16="http://schemas.microsoft.com/office/drawing/2014/main" id="{4B90E248-5F19-8EF0-49DA-017D30E63B23}"/>
+              </a:ext>
+            </a:extLst>
+          </p:cNvPr>
+          <p:cNvSpPr txBox="1"/>
+          <p:nvPr/>
+        </p:nvSpPr>
+        <p:spPr>
+          <a:xfrm>
+            <a:off x="5396574" y="290767"/>
+            <a:ext cx="1398851" cy="523220"/>
+          </a:xfrm>
+          <a:prstGeom prst="rect">
+            <a:avLst/>
+          </a:prstGeom>
+          <a:noFill/>
+        </p:spPr>
+        <p:txBody>
+          <a:bodyPr wrap="square" rtlCol="0">
+            <a:spAutoFit/>
+          </a:bodyPr>
+          <a:lstStyle/>
+          <a:p>
+            <a:pPr algn="ctr"/>
+            <a:r>
+              <a:rPr lang="en-US" altLang="ko-KR" sz="2800" b="1" dirty="0" err="1">
+                <a:latin typeface="Arial Unicode MS" panose="020B0604020202020204" pitchFamily="50" charset="-127"/>
+                <a:ea typeface="Arial Unicode MS" panose="020B0604020202020204" pitchFamily="50" charset="-127"/>
+                <a:cs typeface="Arial Unicode MS" panose="020B0604020202020204" pitchFamily="50" charset="-127"/>
+              </a:rPr>
+              <a:t>dp</a:t>
+            </a:r>
+            <a:r>
+              <a:rPr lang="en-US" altLang="ko-KR" sz="2800" b="1" dirty="0">
+                <a:latin typeface="Arial Unicode MS" panose="020B0604020202020204" pitchFamily="50" charset="-127"/>
+                <a:ea typeface="Arial Unicode MS" panose="020B0604020202020204" pitchFamily="50" charset="-127"/>
+                <a:cs typeface="Arial Unicode MS" panose="020B0604020202020204" pitchFamily="50" charset="-127"/>
+              </a:rPr>
+              <a:t> 1st</a:t>
+            </a:r>
+            <a:endParaRPr lang="ko-KR" altLang="en-US" sz="2800" b="1" dirty="0">
+              <a:latin typeface="Arial Unicode MS" panose="020B0604020202020204" pitchFamily="50" charset="-127"/>
+              <a:ea typeface="Arial Unicode MS" panose="020B0604020202020204" pitchFamily="50" charset="-127"/>
+              <a:cs typeface="Arial Unicode MS" panose="020B0604020202020204" pitchFamily="50" charset="-127"/>
+            </a:endParaRPr>
+          </a:p>
+        </p:txBody>
+      </p:sp>
     </p:spTree>
     <p:extLst>
       <p:ext uri="{BB962C8B-B14F-4D97-AF65-F5344CB8AC3E}">
@@ -6025,7 +7719,7 @@
 </p:sld>
 </file>
 
-<file path=ppt/slides/slide7.xml><?xml version="1.0" encoding="utf-8"?>
+<file path=ppt/slides/slide9.xml><?xml version="1.0" encoding="utf-8"?>
 <p:sld xmlns:a="http://schemas.openxmlformats.org/drawingml/2006/main" xmlns:r="http://schemas.openxmlformats.org/officeDocument/2006/relationships" xmlns:p="http://schemas.openxmlformats.org/presentationml/2006/main">
   <p:cSld>
     <p:spTree>
@@ -6267,6 +7961,51 @@
           </a:prstGeom>
         </p:spPr>
       </p:pic>
+      <p:sp>
+        <p:nvSpPr>
+          <p:cNvPr id="8" name="TextBox 7">
+            <a:extLst>
+              <a:ext uri="{FF2B5EF4-FFF2-40B4-BE49-F238E27FC236}">
+                <a16:creationId xmlns:a16="http://schemas.microsoft.com/office/drawing/2014/main" id="{44229F80-5AB1-E15A-3CD8-36E10C7CCF96}"/>
+              </a:ext>
+            </a:extLst>
+          </p:cNvPr>
+          <p:cNvSpPr txBox="1"/>
+          <p:nvPr/>
+        </p:nvSpPr>
+        <p:spPr>
+          <a:xfrm>
+            <a:off x="5396574" y="281277"/>
+            <a:ext cx="1398851" cy="523220"/>
+          </a:xfrm>
+          <a:prstGeom prst="rect">
+            <a:avLst/>
+          </a:prstGeom>
+          <a:noFill/>
+        </p:spPr>
+        <p:txBody>
+          <a:bodyPr wrap="square" rtlCol="0">
+            <a:spAutoFit/>
+          </a:bodyPr>
+          <a:lstStyle/>
+          <a:p>
+            <a:pPr algn="ctr"/>
+            <a:r>
+              <a:rPr lang="en-US" altLang="ko-KR" sz="2800" b="1" dirty="0">
+                <a:latin typeface="Arial Unicode MS" panose="020B0604020202020204" pitchFamily="50" charset="-127"/>
+                <a:ea typeface="Arial Unicode MS" panose="020B0604020202020204" pitchFamily="50" charset="-127"/>
+                <a:cs typeface="Arial Unicode MS" panose="020B0604020202020204" pitchFamily="50" charset="-127"/>
+              </a:rPr>
+              <a:t>up 1st</a:t>
+            </a:r>
+            <a:endParaRPr lang="ko-KR" altLang="en-US" sz="2800" b="1" dirty="0">
+              <a:latin typeface="Arial Unicode MS" panose="020B0604020202020204" pitchFamily="50" charset="-127"/>
+              <a:ea typeface="Arial Unicode MS" panose="020B0604020202020204" pitchFamily="50" charset="-127"/>
+              <a:cs typeface="Arial Unicode MS" panose="020B0604020202020204" pitchFamily="50" charset="-127"/>
+            </a:endParaRPr>
+          </a:p>
+        </p:txBody>
+      </p:sp>
     </p:spTree>
     <p:extLst>
       <p:ext uri="{BB962C8B-B14F-4D97-AF65-F5344CB8AC3E}">

--- a/LabLog.pptx
+++ b/LabLog.pptx
@@ -131,7 +131,7 @@
 <file path=ppt/revisionInfo.xml><?xml version="1.0" encoding="utf-8"?>
 <p1510:revInfo xmlns:a="http://schemas.openxmlformats.org/drawingml/2006/main" xmlns:r="http://schemas.openxmlformats.org/officeDocument/2006/relationships" xmlns:p1510="http://schemas.microsoft.com/office/powerpoint/2015/10/main">
   <p1510:revLst>
-    <p1510:client id="{B85301CE-5477-420D-98B8-2A5B4FD7B43E}" v="6" dt="2024-08-09T02:00:49.746"/>
+    <p1510:client id="{B85301CE-5477-420D-98B8-2A5B4FD7B43E}" v="20" dt="2024-08-09T09:27:08.268"/>
   </p1510:revLst>
 </p1510:revInfo>
 </file>
@@ -141,18 +141,18 @@
   <pc:docChgLst>
     <pc:chgData name="민서 오" userId="7d89e7b822021c56" providerId="LiveId" clId="{B85301CE-5477-420D-98B8-2A5B4FD7B43E}"/>
     <pc:docChg chg="undo custSel addSld delSld modSld">
-      <pc:chgData name="민서 오" userId="7d89e7b822021c56" providerId="LiveId" clId="{B85301CE-5477-420D-98B8-2A5B4FD7B43E}" dt="2024-08-09T02:01:12.982" v="82" actId="20577"/>
+      <pc:chgData name="민서 오" userId="7d89e7b822021c56" providerId="LiveId" clId="{B85301CE-5477-420D-98B8-2A5B4FD7B43E}" dt="2024-08-09T09:27:39.832" v="347" actId="1076"/>
       <pc:docMkLst>
         <pc:docMk/>
       </pc:docMkLst>
       <pc:sldChg chg="modSp add del mod">
-        <pc:chgData name="민서 오" userId="7d89e7b822021c56" providerId="LiveId" clId="{B85301CE-5477-420D-98B8-2A5B4FD7B43E}" dt="2024-08-09T02:01:12.982" v="82" actId="20577"/>
+        <pc:chgData name="민서 오" userId="7d89e7b822021c56" providerId="LiveId" clId="{B85301CE-5477-420D-98B8-2A5B4FD7B43E}" dt="2024-08-09T04:24:46.880" v="87" actId="13926"/>
         <pc:sldMkLst>
           <pc:docMk/>
           <pc:sldMk cId="0" sldId="256"/>
         </pc:sldMkLst>
         <pc:spChg chg="mod">
-          <ac:chgData name="민서 오" userId="7d89e7b822021c56" providerId="LiveId" clId="{B85301CE-5477-420D-98B8-2A5B4FD7B43E}" dt="2024-08-09T02:01:12.982" v="82" actId="20577"/>
+          <ac:chgData name="민서 오" userId="7d89e7b822021c56" providerId="LiveId" clId="{B85301CE-5477-420D-98B8-2A5B4FD7B43E}" dt="2024-08-09T04:24:46.880" v="87" actId="13926"/>
           <ac:spMkLst>
             <pc:docMk/>
             <pc:sldMk cId="0" sldId="256"/>
@@ -171,23 +171,16 @@
         <pc:chgData name="민서 오" userId="7d89e7b822021c56" providerId="LiveId" clId="{B85301CE-5477-420D-98B8-2A5B4FD7B43E}" dt="2024-08-09T02:00:49.452" v="39" actId="47"/>
         <pc:sldMkLst>
           <pc:docMk/>
-          <pc:sldMk cId="0" sldId="257"/>
+          <pc:sldMk cId="1317432533" sldId="257"/>
         </pc:sldMkLst>
         <pc:grpChg chg="mod">
           <ac:chgData name="민서 오" userId="7d89e7b822021c56" providerId="LiveId" clId="{B85301CE-5477-420D-98B8-2A5B4FD7B43E}" dt="2024-08-06T03:28:03.549" v="31" actId="1076"/>
           <ac:grpSpMkLst>
             <pc:docMk/>
-            <pc:sldMk cId="0" sldId="257"/>
+            <pc:sldMk cId="1317432533" sldId="257"/>
             <ac:grpSpMk id="2" creationId="{00000000-0000-0000-0000-000000000000}"/>
           </ac:grpSpMkLst>
         </pc:grpChg>
-      </pc:sldChg>
-      <pc:sldChg chg="add del">
-        <pc:chgData name="민서 오" userId="7d89e7b822021c56" providerId="LiveId" clId="{B85301CE-5477-420D-98B8-2A5B4FD7B43E}" dt="2024-08-09T02:00:49.741" v="40"/>
-        <pc:sldMkLst>
-          <pc:docMk/>
-          <pc:sldMk cId="1317432533" sldId="257"/>
-        </pc:sldMkLst>
       </pc:sldChg>
       <pc:sldChg chg="add del">
         <pc:chgData name="민서 오" userId="7d89e7b822021c56" providerId="LiveId" clId="{B85301CE-5477-420D-98B8-2A5B4FD7B43E}" dt="2024-08-09T02:00:44.354" v="37"/>
@@ -210,12 +203,28 @@
           <pc:sldMk cId="323906404" sldId="259"/>
         </pc:sldMkLst>
       </pc:sldChg>
-      <pc:sldChg chg="add del">
-        <pc:chgData name="민서 오" userId="7d89e7b822021c56" providerId="LiveId" clId="{B85301CE-5477-420D-98B8-2A5B4FD7B43E}" dt="2024-08-09T02:00:49.741" v="40"/>
+      <pc:sldChg chg="addSp delSp modSp add del mod">
+        <pc:chgData name="민서 오" userId="7d89e7b822021c56" providerId="LiveId" clId="{B85301CE-5477-420D-98B8-2A5B4FD7B43E}" dt="2024-08-09T04:28:58.177" v="259" actId="20577"/>
         <pc:sldMkLst>
           <pc:docMk/>
           <pc:sldMk cId="2937466682" sldId="259"/>
         </pc:sldMkLst>
+        <pc:spChg chg="add mod">
+          <ac:chgData name="민서 오" userId="7d89e7b822021c56" providerId="LiveId" clId="{B85301CE-5477-420D-98B8-2A5B4FD7B43E}" dt="2024-08-09T04:28:58.177" v="259" actId="20577"/>
+          <ac:spMkLst>
+            <pc:docMk/>
+            <pc:sldMk cId="2937466682" sldId="259"/>
+            <ac:spMk id="2" creationId="{ECD948C3-D185-0DED-0C51-D89A4AFE955E}"/>
+          </ac:spMkLst>
+        </pc:spChg>
+        <pc:spChg chg="del mod">
+          <ac:chgData name="민서 오" userId="7d89e7b822021c56" providerId="LiveId" clId="{B85301CE-5477-420D-98B8-2A5B4FD7B43E}" dt="2024-08-09T04:28:54.468" v="250" actId="478"/>
+          <ac:spMkLst>
+            <pc:docMk/>
+            <pc:sldMk cId="2937466682" sldId="259"/>
+            <ac:spMk id="3" creationId="{93F4DC52-D434-8EE5-AF24-314F12592CF7}"/>
+          </ac:spMkLst>
+        </pc:spChg>
       </pc:sldChg>
       <pc:sldChg chg="add del">
         <pc:chgData name="민서 오" userId="7d89e7b822021c56" providerId="LiveId" clId="{B85301CE-5477-420D-98B8-2A5B4FD7B43E}" dt="2024-08-09T02:00:49.452" v="39" actId="47"/>
@@ -224,12 +233,36 @@
           <pc:sldMk cId="323906404" sldId="260"/>
         </pc:sldMkLst>
       </pc:sldChg>
-      <pc:sldChg chg="add del">
-        <pc:chgData name="민서 오" userId="7d89e7b822021c56" providerId="LiveId" clId="{B85301CE-5477-420D-98B8-2A5B4FD7B43E}" dt="2024-08-09T02:00:49.741" v="40"/>
+      <pc:sldChg chg="addSp delSp modSp add del mod">
+        <pc:chgData name="민서 오" userId="7d89e7b822021c56" providerId="LiveId" clId="{B85301CE-5477-420D-98B8-2A5B4FD7B43E}" dt="2024-08-09T04:29:37.021" v="266" actId="20577"/>
         <pc:sldMkLst>
           <pc:docMk/>
           <pc:sldMk cId="1299342871" sldId="260"/>
         </pc:sldMkLst>
+        <pc:spChg chg="del">
+          <ac:chgData name="민서 오" userId="7d89e7b822021c56" providerId="LiveId" clId="{B85301CE-5477-420D-98B8-2A5B4FD7B43E}" dt="2024-08-09T04:28:01.512" v="233" actId="478"/>
+          <ac:spMkLst>
+            <pc:docMk/>
+            <pc:sldMk cId="1299342871" sldId="260"/>
+            <ac:spMk id="8" creationId="{4B90E248-5F19-8EF0-49DA-017D30E63B23}"/>
+          </ac:spMkLst>
+        </pc:spChg>
+        <pc:spChg chg="add mod">
+          <ac:chgData name="민서 오" userId="7d89e7b822021c56" providerId="LiveId" clId="{B85301CE-5477-420D-98B8-2A5B4FD7B43E}" dt="2024-08-09T04:28:01.734" v="234"/>
+          <ac:spMkLst>
+            <pc:docMk/>
+            <pc:sldMk cId="1299342871" sldId="260"/>
+            <ac:spMk id="9" creationId="{F2037D85-53CE-D408-F519-F0F7078C03B4}"/>
+          </ac:spMkLst>
+        </pc:spChg>
+        <pc:spChg chg="add mod">
+          <ac:chgData name="민서 오" userId="7d89e7b822021c56" providerId="LiveId" clId="{B85301CE-5477-420D-98B8-2A5B4FD7B43E}" dt="2024-08-09T04:29:37.021" v="266" actId="20577"/>
+          <ac:spMkLst>
+            <pc:docMk/>
+            <pc:sldMk cId="1299342871" sldId="260"/>
+            <ac:spMk id="10" creationId="{EF45C766-FFD8-D919-C4A2-A2BF59E6928B}"/>
+          </ac:spMkLst>
+        </pc:spChg>
       </pc:sldChg>
       <pc:sldChg chg="add del">
         <pc:chgData name="민서 오" userId="7d89e7b822021c56" providerId="LiveId" clId="{B85301CE-5477-420D-98B8-2A5B4FD7B43E}" dt="2024-08-09T02:00:49.452" v="39" actId="47"/>
@@ -238,19 +271,59 @@
           <pc:sldMk cId="1299342871" sldId="261"/>
         </pc:sldMkLst>
       </pc:sldChg>
-      <pc:sldChg chg="add del">
-        <pc:chgData name="민서 오" userId="7d89e7b822021c56" providerId="LiveId" clId="{B85301CE-5477-420D-98B8-2A5B4FD7B43E}" dt="2024-08-09T02:00:49.741" v="40"/>
+      <pc:sldChg chg="addSp delSp modSp add del mod">
+        <pc:chgData name="민서 오" userId="7d89e7b822021c56" providerId="LiveId" clId="{B85301CE-5477-420D-98B8-2A5B4FD7B43E}" dt="2024-08-09T04:30:22.503" v="276" actId="207"/>
         <pc:sldMkLst>
           <pc:docMk/>
           <pc:sldMk cId="3201859866" sldId="261"/>
         </pc:sldMkLst>
+        <pc:spChg chg="del">
+          <ac:chgData name="민서 오" userId="7d89e7b822021c56" providerId="LiveId" clId="{B85301CE-5477-420D-98B8-2A5B4FD7B43E}" dt="2024-08-09T04:29:41.167" v="267" actId="478"/>
+          <ac:spMkLst>
+            <pc:docMk/>
+            <pc:sldMk cId="3201859866" sldId="261"/>
+            <ac:spMk id="8" creationId="{44229F80-5AB1-E15A-3CD8-36E10C7CCF96}"/>
+          </ac:spMkLst>
+        </pc:spChg>
+        <pc:spChg chg="add mod">
+          <ac:chgData name="민서 오" userId="7d89e7b822021c56" providerId="LiveId" clId="{B85301CE-5477-420D-98B8-2A5B4FD7B43E}" dt="2024-08-09T04:30:22.503" v="276" actId="207"/>
+          <ac:spMkLst>
+            <pc:docMk/>
+            <pc:sldMk cId="3201859866" sldId="261"/>
+            <ac:spMk id="9" creationId="{6A515159-E6B5-76BF-54DE-7D15F76F0F9E}"/>
+          </ac:spMkLst>
+        </pc:spChg>
       </pc:sldChg>
-      <pc:sldChg chg="add del">
-        <pc:chgData name="민서 오" userId="7d89e7b822021c56" providerId="LiveId" clId="{B85301CE-5477-420D-98B8-2A5B4FD7B43E}" dt="2024-08-09T02:00:49.741" v="40"/>
+      <pc:sldChg chg="addSp delSp modSp add del mod">
+        <pc:chgData name="민서 오" userId="7d89e7b822021c56" providerId="LiveId" clId="{B85301CE-5477-420D-98B8-2A5B4FD7B43E}" dt="2024-08-09T04:28:41.629" v="249" actId="207"/>
         <pc:sldMkLst>
           <pc:docMk/>
           <pc:sldMk cId="1481339670" sldId="262"/>
         </pc:sldMkLst>
+        <pc:spChg chg="del">
+          <ac:chgData name="민서 오" userId="7d89e7b822021c56" providerId="LiveId" clId="{B85301CE-5477-420D-98B8-2A5B4FD7B43E}" dt="2024-08-09T04:26:46.115" v="189" actId="478"/>
+          <ac:spMkLst>
+            <pc:docMk/>
+            <pc:sldMk cId="1481339670" sldId="262"/>
+            <ac:spMk id="2" creationId="{520C9508-13DE-7957-9B52-41A7362A9425}"/>
+          </ac:spMkLst>
+        </pc:spChg>
+        <pc:spChg chg="add mod">
+          <ac:chgData name="민서 오" userId="7d89e7b822021c56" providerId="LiveId" clId="{B85301CE-5477-420D-98B8-2A5B4FD7B43E}" dt="2024-08-09T04:26:44.088" v="188"/>
+          <ac:spMkLst>
+            <pc:docMk/>
+            <pc:sldMk cId="1481339670" sldId="262"/>
+            <ac:spMk id="4" creationId="{8B9E3635-EF8A-2A54-EC96-97A16FAD6BEC}"/>
+          </ac:spMkLst>
+        </pc:spChg>
+        <pc:spChg chg="add mod">
+          <ac:chgData name="민서 오" userId="7d89e7b822021c56" providerId="LiveId" clId="{B85301CE-5477-420D-98B8-2A5B4FD7B43E}" dt="2024-08-09T04:28:41.629" v="249" actId="207"/>
+          <ac:spMkLst>
+            <pc:docMk/>
+            <pc:sldMk cId="1481339670" sldId="262"/>
+            <ac:spMk id="8" creationId="{2342DA94-6040-D2F1-24B0-58A4C69AB283}"/>
+          </ac:spMkLst>
+        </pc:spChg>
       </pc:sldChg>
       <pc:sldChg chg="add del">
         <pc:chgData name="민서 오" userId="7d89e7b822021c56" providerId="LiveId" clId="{B85301CE-5477-420D-98B8-2A5B4FD7B43E}" dt="2024-08-09T02:00:49.452" v="39" actId="47"/>
@@ -259,12 +332,28 @@
           <pc:sldMk cId="3201859866" sldId="262"/>
         </pc:sldMkLst>
       </pc:sldChg>
-      <pc:sldChg chg="add">
-        <pc:chgData name="민서 오" userId="7d89e7b822021c56" providerId="LiveId" clId="{B85301CE-5477-420D-98B8-2A5B4FD7B43E}" dt="2024-08-09T02:00:49.741" v="40"/>
+      <pc:sldChg chg="addSp delSp modSp add mod">
+        <pc:chgData name="민서 오" userId="7d89e7b822021c56" providerId="LiveId" clId="{B85301CE-5477-420D-98B8-2A5B4FD7B43E}" dt="2024-08-09T04:27:53.039" v="231" actId="207"/>
         <pc:sldMkLst>
           <pc:docMk/>
           <pc:sldMk cId="323906404" sldId="263"/>
         </pc:sldMkLst>
+        <pc:spChg chg="del">
+          <ac:chgData name="민서 오" userId="7d89e7b822021c56" providerId="LiveId" clId="{B85301CE-5477-420D-98B8-2A5B4FD7B43E}" dt="2024-08-09T04:27:06.507" v="202" actId="478"/>
+          <ac:spMkLst>
+            <pc:docMk/>
+            <pc:sldMk cId="323906404" sldId="263"/>
+            <ac:spMk id="2" creationId="{218A725E-F309-540A-61D3-02D4B0C36D33}"/>
+          </ac:spMkLst>
+        </pc:spChg>
+        <pc:spChg chg="add mod">
+          <ac:chgData name="민서 오" userId="7d89e7b822021c56" providerId="LiveId" clId="{B85301CE-5477-420D-98B8-2A5B4FD7B43E}" dt="2024-08-09T04:27:53.039" v="231" actId="207"/>
+          <ac:spMkLst>
+            <pc:docMk/>
+            <pc:sldMk cId="323906404" sldId="263"/>
+            <ac:spMk id="3" creationId="{35138586-BFFA-0E9C-F01C-EBE29DFF8BD0}"/>
+          </ac:spMkLst>
+        </pc:spChg>
       </pc:sldChg>
       <pc:sldChg chg="add del">
         <pc:chgData name="민서 오" userId="7d89e7b822021c56" providerId="LiveId" clId="{B85301CE-5477-420D-98B8-2A5B4FD7B43E}" dt="2024-08-09T02:00:44.354" v="37"/>
@@ -280,12 +369,28 @@
           <pc:sldMk cId="673990641" sldId="264"/>
         </pc:sldMkLst>
       </pc:sldChg>
-      <pc:sldChg chg="add">
-        <pc:chgData name="민서 오" userId="7d89e7b822021c56" providerId="LiveId" clId="{B85301CE-5477-420D-98B8-2A5B4FD7B43E}" dt="2024-08-09T02:00:49.741" v="40"/>
+      <pc:sldChg chg="addSp delSp modSp add mod">
+        <pc:chgData name="민서 오" userId="7d89e7b822021c56" providerId="LiveId" clId="{B85301CE-5477-420D-98B8-2A5B4FD7B43E}" dt="2024-08-09T04:27:57.204" v="232" actId="207"/>
         <pc:sldMkLst>
           <pc:docMk/>
           <pc:sldMk cId="1713032812" sldId="264"/>
         </pc:sldMkLst>
+        <pc:spChg chg="del">
+          <ac:chgData name="민서 오" userId="7d89e7b822021c56" providerId="LiveId" clId="{B85301CE-5477-420D-98B8-2A5B4FD7B43E}" dt="2024-08-09T04:27:37.615" v="218" actId="478"/>
+          <ac:spMkLst>
+            <pc:docMk/>
+            <pc:sldMk cId="1713032812" sldId="264"/>
+            <ac:spMk id="2" creationId="{2DBD04E3-9EC2-05E7-E63E-21975BDAF38E}"/>
+          </ac:spMkLst>
+        </pc:spChg>
+        <pc:spChg chg="add mod">
+          <ac:chgData name="민서 오" userId="7d89e7b822021c56" providerId="LiveId" clId="{B85301CE-5477-420D-98B8-2A5B4FD7B43E}" dt="2024-08-09T04:27:57.204" v="232" actId="207"/>
+          <ac:spMkLst>
+            <pc:docMk/>
+            <pc:sldMk cId="1713032812" sldId="264"/>
+            <ac:spMk id="4" creationId="{264DDDCF-FD89-B702-B57E-0CFABA5DBB1A}"/>
+          </ac:spMkLst>
+        </pc:spChg>
       </pc:sldChg>
       <pc:sldChg chg="add del">
         <pc:chgData name="민서 오" userId="7d89e7b822021c56" providerId="LiveId" clId="{B85301CE-5477-420D-98B8-2A5B4FD7B43E}" dt="2024-08-09T02:00:49.452" v="39" actId="47"/>
@@ -294,19 +399,35 @@
           <pc:sldMk cId="37500532" sldId="265"/>
         </pc:sldMkLst>
       </pc:sldChg>
-      <pc:sldChg chg="add">
-        <pc:chgData name="민서 오" userId="7d89e7b822021c56" providerId="LiveId" clId="{B85301CE-5477-420D-98B8-2A5B4FD7B43E}" dt="2024-08-09T02:00:49.741" v="40"/>
+      <pc:sldChg chg="modSp add mod">
+        <pc:chgData name="민서 오" userId="7d89e7b822021c56" providerId="LiveId" clId="{B85301CE-5477-420D-98B8-2A5B4FD7B43E}" dt="2024-08-09T04:31:15.360" v="301" actId="207"/>
         <pc:sldMkLst>
           <pc:docMk/>
           <pc:sldMk cId="673990641" sldId="265"/>
         </pc:sldMkLst>
+        <pc:spChg chg="mod">
+          <ac:chgData name="민서 오" userId="7d89e7b822021c56" providerId="LiveId" clId="{B85301CE-5477-420D-98B8-2A5B4FD7B43E}" dt="2024-08-09T04:31:15.360" v="301" actId="207"/>
+          <ac:spMkLst>
+            <pc:docMk/>
+            <pc:sldMk cId="673990641" sldId="265"/>
+            <ac:spMk id="8" creationId="{DA61CA4A-AB2A-C92E-CD33-C105F4C92C03}"/>
+          </ac:spMkLst>
+        </pc:spChg>
       </pc:sldChg>
-      <pc:sldChg chg="add">
-        <pc:chgData name="민서 오" userId="7d89e7b822021c56" providerId="LiveId" clId="{B85301CE-5477-420D-98B8-2A5B4FD7B43E}" dt="2024-08-09T02:00:49.741" v="40"/>
+      <pc:sldChg chg="modSp add mod">
+        <pc:chgData name="민서 오" userId="7d89e7b822021c56" providerId="LiveId" clId="{B85301CE-5477-420D-98B8-2A5B4FD7B43E}" dt="2024-08-09T04:30:44.833" v="288" actId="207"/>
         <pc:sldMkLst>
           <pc:docMk/>
           <pc:sldMk cId="37500532" sldId="266"/>
         </pc:sldMkLst>
+        <pc:spChg chg="mod">
+          <ac:chgData name="민서 오" userId="7d89e7b822021c56" providerId="LiveId" clId="{B85301CE-5477-420D-98B8-2A5B4FD7B43E}" dt="2024-08-09T04:30:44.833" v="288" actId="207"/>
+          <ac:spMkLst>
+            <pc:docMk/>
+            <pc:sldMk cId="37500532" sldId="266"/>
+            <ac:spMk id="2" creationId="{61FCAC99-8559-EFE4-240C-B2AA4B2ABEEC}"/>
+          </ac:spMkLst>
+        </pc:spChg>
       </pc:sldChg>
       <pc:sldChg chg="add del">
         <pc:chgData name="민서 오" userId="7d89e7b822021c56" providerId="LiveId" clId="{B85301CE-5477-420D-98B8-2A5B4FD7B43E}" dt="2024-08-09T02:00:49.452" v="39" actId="47"/>
@@ -315,19 +436,35 @@
           <pc:sldMk cId="2739686958" sldId="266"/>
         </pc:sldMkLst>
       </pc:sldChg>
-      <pc:sldChg chg="add del">
-        <pc:chgData name="민서 오" userId="7d89e7b822021c56" providerId="LiveId" clId="{B85301CE-5477-420D-98B8-2A5B4FD7B43E}" dt="2024-08-09T02:00:49.741" v="40"/>
+      <pc:sldChg chg="modSp add del mod">
+        <pc:chgData name="민서 오" userId="7d89e7b822021c56" providerId="LiveId" clId="{B85301CE-5477-420D-98B8-2A5B4FD7B43E}" dt="2024-08-09T04:31:04.117" v="297" actId="207"/>
         <pc:sldMkLst>
           <pc:docMk/>
           <pc:sldMk cId="3281594670" sldId="267"/>
         </pc:sldMkLst>
+        <pc:spChg chg="mod">
+          <ac:chgData name="민서 오" userId="7d89e7b822021c56" providerId="LiveId" clId="{B85301CE-5477-420D-98B8-2A5B4FD7B43E}" dt="2024-08-09T04:31:04.117" v="297" actId="207"/>
+          <ac:spMkLst>
+            <pc:docMk/>
+            <pc:sldMk cId="3281594670" sldId="267"/>
+            <ac:spMk id="4" creationId="{3B092B35-58A6-8C07-03C0-9279B1D20F0D}"/>
+          </ac:spMkLst>
+        </pc:spChg>
       </pc:sldChg>
-      <pc:sldChg chg="add">
-        <pc:chgData name="민서 오" userId="7d89e7b822021c56" providerId="LiveId" clId="{B85301CE-5477-420D-98B8-2A5B4FD7B43E}" dt="2024-08-09T02:00:49.741" v="40"/>
+      <pc:sldChg chg="modSp add mod">
+        <pc:chgData name="민서 오" userId="7d89e7b822021c56" providerId="LiveId" clId="{B85301CE-5477-420D-98B8-2A5B4FD7B43E}" dt="2024-08-09T04:31:10.089" v="300" actId="207"/>
         <pc:sldMkLst>
           <pc:docMk/>
           <pc:sldMk cId="2739686958" sldId="268"/>
         </pc:sldMkLst>
+        <pc:spChg chg="mod">
+          <ac:chgData name="민서 오" userId="7d89e7b822021c56" providerId="LiveId" clId="{B85301CE-5477-420D-98B8-2A5B4FD7B43E}" dt="2024-08-09T04:31:10.089" v="300" actId="207"/>
+          <ac:spMkLst>
+            <pc:docMk/>
+            <pc:sldMk cId="2739686958" sldId="268"/>
+            <ac:spMk id="2" creationId="{79D497B1-52CA-BEE2-76AC-7833AF082841}"/>
+          </ac:spMkLst>
+        </pc:spChg>
       </pc:sldChg>
       <pc:sldChg chg="add del">
         <pc:chgData name="민서 오" userId="7d89e7b822021c56" providerId="LiveId" clId="{B85301CE-5477-420D-98B8-2A5B4FD7B43E}" dt="2024-08-09T02:00:49.452" v="39" actId="47"/>
@@ -343,19 +480,67 @@
           <pc:sldMk cId="2506622858" sldId="269"/>
         </pc:sldMkLst>
       </pc:sldChg>
-      <pc:sldChg chg="add">
-        <pc:chgData name="민서 오" userId="7d89e7b822021c56" providerId="LiveId" clId="{B85301CE-5477-420D-98B8-2A5B4FD7B43E}" dt="2024-08-09T02:00:49.741" v="40"/>
+      <pc:sldChg chg="addSp delSp modSp add mod">
+        <pc:chgData name="민서 오" userId="7d89e7b822021c56" providerId="LiveId" clId="{B85301CE-5477-420D-98B8-2A5B4FD7B43E}" dt="2024-08-09T09:27:19.103" v="340" actId="1076"/>
         <pc:sldMkLst>
           <pc:docMk/>
           <pc:sldMk cId="3285401794" sldId="269"/>
         </pc:sldMkLst>
+        <pc:spChg chg="mod">
+          <ac:chgData name="민서 오" userId="7d89e7b822021c56" providerId="LiveId" clId="{B85301CE-5477-420D-98B8-2A5B4FD7B43E}" dt="2024-08-09T04:31:28.919" v="306" actId="207"/>
+          <ac:spMkLst>
+            <pc:docMk/>
+            <pc:sldMk cId="3285401794" sldId="269"/>
+            <ac:spMk id="4" creationId="{54CE3854-7E54-1AF6-0859-C4827976A894}"/>
+          </ac:spMkLst>
+        </pc:spChg>
+        <pc:picChg chg="add mod">
+          <ac:chgData name="민서 오" userId="7d89e7b822021c56" providerId="LiveId" clId="{B85301CE-5477-420D-98B8-2A5B4FD7B43E}" dt="2024-08-09T09:27:19.103" v="340" actId="1076"/>
+          <ac:picMkLst>
+            <pc:docMk/>
+            <pc:sldMk cId="3285401794" sldId="269"/>
+            <ac:picMk id="3" creationId="{A72CA37F-405D-1FB9-D534-888F53397783}"/>
+          </ac:picMkLst>
+        </pc:picChg>
+        <pc:picChg chg="del">
+          <ac:chgData name="민서 오" userId="7d89e7b822021c56" providerId="LiveId" clId="{B85301CE-5477-420D-98B8-2A5B4FD7B43E}" dt="2024-08-09T09:26:46.570" v="324" actId="478"/>
+          <ac:picMkLst>
+            <pc:docMk/>
+            <pc:sldMk cId="3285401794" sldId="269"/>
+            <ac:picMk id="6" creationId="{FD819842-48CB-2EE2-AB8B-A3DBE097DB55}"/>
+          </ac:picMkLst>
+        </pc:picChg>
       </pc:sldChg>
-      <pc:sldChg chg="add">
-        <pc:chgData name="민서 오" userId="7d89e7b822021c56" providerId="LiveId" clId="{B85301CE-5477-420D-98B8-2A5B4FD7B43E}" dt="2024-08-09T02:00:49.741" v="40"/>
+      <pc:sldChg chg="addSp delSp modSp add mod">
+        <pc:chgData name="민서 오" userId="7d89e7b822021c56" providerId="LiveId" clId="{B85301CE-5477-420D-98B8-2A5B4FD7B43E}" dt="2024-08-09T09:27:25.128" v="342" actId="1076"/>
         <pc:sldMkLst>
           <pc:docMk/>
           <pc:sldMk cId="2506622858" sldId="270"/>
         </pc:sldMkLst>
+        <pc:spChg chg="mod">
+          <ac:chgData name="민서 오" userId="7d89e7b822021c56" providerId="LiveId" clId="{B85301CE-5477-420D-98B8-2A5B4FD7B43E}" dt="2024-08-09T04:31:34.234" v="309" actId="207"/>
+          <ac:spMkLst>
+            <pc:docMk/>
+            <pc:sldMk cId="2506622858" sldId="270"/>
+            <ac:spMk id="4" creationId="{54CE3854-7E54-1AF6-0859-C4827976A894}"/>
+          </ac:spMkLst>
+        </pc:spChg>
+        <pc:picChg chg="add mod">
+          <ac:chgData name="민서 오" userId="7d89e7b822021c56" providerId="LiveId" clId="{B85301CE-5477-420D-98B8-2A5B4FD7B43E}" dt="2024-08-09T09:27:25.128" v="342" actId="1076"/>
+          <ac:picMkLst>
+            <pc:docMk/>
+            <pc:sldMk cId="2506622858" sldId="270"/>
+            <ac:picMk id="3" creationId="{DBBF2A47-743A-1F71-6B7A-88DE63EFBCF2}"/>
+          </ac:picMkLst>
+        </pc:picChg>
+        <pc:picChg chg="del">
+          <ac:chgData name="민서 오" userId="7d89e7b822021c56" providerId="LiveId" clId="{B85301CE-5477-420D-98B8-2A5B4FD7B43E}" dt="2024-08-09T09:26:55.795" v="327" actId="478"/>
+          <ac:picMkLst>
+            <pc:docMk/>
+            <pc:sldMk cId="2506622858" sldId="270"/>
+            <ac:picMk id="10" creationId="{D0225500-72C1-4F42-238A-3F1FC84C989F}"/>
+          </ac:picMkLst>
+        </pc:picChg>
       </pc:sldChg>
       <pc:sldChg chg="add del">
         <pc:chgData name="민서 오" userId="7d89e7b822021c56" providerId="LiveId" clId="{B85301CE-5477-420D-98B8-2A5B4FD7B43E}" dt="2024-08-09T02:00:49.452" v="39" actId="47"/>
@@ -364,12 +549,36 @@
           <pc:sldMk cId="2506723362" sldId="270"/>
         </pc:sldMkLst>
       </pc:sldChg>
-      <pc:sldChg chg="add">
-        <pc:chgData name="민서 오" userId="7d89e7b822021c56" providerId="LiveId" clId="{B85301CE-5477-420D-98B8-2A5B4FD7B43E}" dt="2024-08-09T02:00:49.741" v="40"/>
+      <pc:sldChg chg="addSp delSp modSp add mod">
+        <pc:chgData name="민서 오" userId="7d89e7b822021c56" providerId="LiveId" clId="{B85301CE-5477-420D-98B8-2A5B4FD7B43E}" dt="2024-08-09T09:27:33.231" v="345" actId="1076"/>
         <pc:sldMkLst>
           <pc:docMk/>
           <pc:sldMk cId="2506723362" sldId="271"/>
         </pc:sldMkLst>
+        <pc:spChg chg="mod">
+          <ac:chgData name="민서 오" userId="7d89e7b822021c56" providerId="LiveId" clId="{B85301CE-5477-420D-98B8-2A5B4FD7B43E}" dt="2024-08-09T04:31:41.179" v="316" actId="20577"/>
+          <ac:spMkLst>
+            <pc:docMk/>
+            <pc:sldMk cId="2506723362" sldId="271"/>
+            <ac:spMk id="4" creationId="{54CE3854-7E54-1AF6-0859-C4827976A894}"/>
+          </ac:spMkLst>
+        </pc:spChg>
+        <pc:picChg chg="del">
+          <ac:chgData name="민서 오" userId="7d89e7b822021c56" providerId="LiveId" clId="{B85301CE-5477-420D-98B8-2A5B4FD7B43E}" dt="2024-08-09T09:27:02.715" v="331" actId="478"/>
+          <ac:picMkLst>
+            <pc:docMk/>
+            <pc:sldMk cId="2506723362" sldId="271"/>
+            <ac:picMk id="3" creationId="{93288F6E-C742-4B3C-A078-14FF104C8F84}"/>
+          </ac:picMkLst>
+        </pc:picChg>
+        <pc:picChg chg="add mod">
+          <ac:chgData name="민서 오" userId="7d89e7b822021c56" providerId="LiveId" clId="{B85301CE-5477-420D-98B8-2A5B4FD7B43E}" dt="2024-08-09T09:27:33.231" v="345" actId="1076"/>
+          <ac:picMkLst>
+            <pc:docMk/>
+            <pc:sldMk cId="2506723362" sldId="271"/>
+            <ac:picMk id="5" creationId="{019F5293-9F6D-3905-598B-AC3C930C1B9C}"/>
+          </ac:picMkLst>
+        </pc:picChg>
       </pc:sldChg>
       <pc:sldChg chg="add del">
         <pc:chgData name="민서 오" userId="7d89e7b822021c56" providerId="LiveId" clId="{B85301CE-5477-420D-98B8-2A5B4FD7B43E}" dt="2024-08-09T02:00:49.452" v="39" actId="47"/>
@@ -378,12 +587,36 @@
           <pc:sldMk cId="2656696961" sldId="271"/>
         </pc:sldMkLst>
       </pc:sldChg>
-      <pc:sldChg chg="add">
-        <pc:chgData name="민서 오" userId="7d89e7b822021c56" providerId="LiveId" clId="{B85301CE-5477-420D-98B8-2A5B4FD7B43E}" dt="2024-08-09T02:00:49.741" v="40"/>
+      <pc:sldChg chg="addSp delSp modSp add mod">
+        <pc:chgData name="민서 오" userId="7d89e7b822021c56" providerId="LiveId" clId="{B85301CE-5477-420D-98B8-2A5B4FD7B43E}" dt="2024-08-09T09:27:39.832" v="347" actId="1076"/>
         <pc:sldMkLst>
           <pc:docMk/>
           <pc:sldMk cId="2656696961" sldId="272"/>
         </pc:sldMkLst>
+        <pc:spChg chg="mod">
+          <ac:chgData name="민서 오" userId="7d89e7b822021c56" providerId="LiveId" clId="{B85301CE-5477-420D-98B8-2A5B4FD7B43E}" dt="2024-08-09T04:31:48.265" v="323" actId="20577"/>
+          <ac:spMkLst>
+            <pc:docMk/>
+            <pc:sldMk cId="2656696961" sldId="272"/>
+            <ac:spMk id="4" creationId="{54CE3854-7E54-1AF6-0859-C4827976A894}"/>
+          </ac:spMkLst>
+        </pc:spChg>
+        <pc:picChg chg="add mod">
+          <ac:chgData name="민서 오" userId="7d89e7b822021c56" providerId="LiveId" clId="{B85301CE-5477-420D-98B8-2A5B4FD7B43E}" dt="2024-08-09T09:27:39.832" v="347" actId="1076"/>
+          <ac:picMkLst>
+            <pc:docMk/>
+            <pc:sldMk cId="2656696961" sldId="272"/>
+            <ac:picMk id="3" creationId="{6F909E1C-13C8-12F8-012C-610B17FEB63B}"/>
+          </ac:picMkLst>
+        </pc:picChg>
+        <pc:picChg chg="del">
+          <ac:chgData name="민서 오" userId="7d89e7b822021c56" providerId="LiveId" clId="{B85301CE-5477-420D-98B8-2A5B4FD7B43E}" dt="2024-08-09T09:27:06.330" v="335" actId="478"/>
+          <ac:picMkLst>
+            <pc:docMk/>
+            <pc:sldMk cId="2656696961" sldId="272"/>
+            <ac:picMk id="8" creationId="{8236B02E-CDE5-225E-DFBC-B4457051CCA8}"/>
+          </ac:picMkLst>
+        </pc:picChg>
       </pc:sldChg>
     </pc:docChg>
   </pc:docChgLst>
@@ -3631,19 +3864,35 @@
               <a:defRPr/>
             </a:pPr>
             <a:r>
-              <a:rPr lang="en-US" altLang="ko-KR" sz="3000" b="1" dirty="0"/>
+              <a:rPr lang="en-US" altLang="ko-KR" sz="3000" b="1" dirty="0">
+                <a:highlight>
+                  <a:srgbClr val="FFFF00"/>
+                </a:highlight>
+              </a:rPr>
               <a:t>- h (</a:t>
             </a:r>
             <a:r>
-              <a:rPr lang="ko-KR" altLang="en-US" sz="3000" b="1" dirty="0" err="1"/>
+              <a:rPr lang="ko-KR" altLang="en-US" sz="3000" b="1" dirty="0" err="1">
+                <a:highlight>
+                  <a:srgbClr val="FFFF00"/>
+                </a:highlight>
+              </a:rPr>
               <a:t>핑거</a:t>
             </a:r>
             <a:r>
-              <a:rPr lang="ko-KR" altLang="en-US" sz="3000" b="1" dirty="0"/>
+              <a:rPr lang="ko-KR" altLang="en-US" sz="3000" b="1" dirty="0">
+                <a:highlight>
+                  <a:srgbClr val="FFFF00"/>
+                </a:highlight>
+              </a:rPr>
               <a:t> 높이</a:t>
             </a:r>
             <a:r>
-              <a:rPr lang="en-US" altLang="ko-KR" sz="3000" b="1" dirty="0"/>
+              <a:rPr lang="en-US" altLang="ko-KR" sz="3000" b="1" dirty="0">
+                <a:highlight>
+                  <a:srgbClr val="FFFF00"/>
+                </a:highlight>
+              </a:rPr>
               <a:t>) :</a:t>
             </a:r>
           </a:p>
@@ -3653,7 +3902,11 @@
               <a:defRPr/>
             </a:pPr>
             <a:r>
-              <a:rPr lang="en-US" altLang="ko-KR" sz="3000" b="1" dirty="0"/>
+              <a:rPr lang="en-US" altLang="ko-KR" sz="3000" b="1" dirty="0">
+                <a:highlight>
+                  <a:srgbClr val="FFFF00"/>
+                </a:highlight>
+              </a:rPr>
               <a:t>9mm 12mm 15mm 18mm 21mm 24mm 27mm</a:t>
             </a:r>
           </a:p>
@@ -3731,10 +3984,37 @@
               <a:defRPr/>
             </a:pPr>
             <a:r>
-              <a:rPr lang="en-US" altLang="ko-KR" sz="3000" b="1"/>
-              <a:t>18, 21, 24, 27, 30, 33mm</a:t>
-            </a:r>
-            <a:endParaRPr lang="en-US" altLang="ko-KR" sz="3000" b="1" dirty="0"/>
+              <a:rPr lang="en-US" altLang="ko-KR" sz="3000" b="1" dirty="0">
+                <a:highlight>
+                  <a:srgbClr val="FFFF00"/>
+                </a:highlight>
+              </a:rPr>
+              <a:t>18, </a:t>
+            </a:r>
+            <a:r>
+              <a:rPr lang="en-US" altLang="ko-KR" sz="3000" b="1" dirty="0"/>
+              <a:t>21, </a:t>
+            </a:r>
+            <a:r>
+              <a:rPr lang="en-US" altLang="ko-KR" sz="3000" b="1" dirty="0">
+                <a:highlight>
+                  <a:srgbClr val="FFFF00"/>
+                </a:highlight>
+              </a:rPr>
+              <a:t>24, </a:t>
+            </a:r>
+            <a:r>
+              <a:rPr lang="en-US" altLang="ko-KR" sz="3000" b="1" dirty="0"/>
+              <a:t>27, 30, </a:t>
+            </a:r>
+            <a:r>
+              <a:rPr lang="en-US" altLang="ko-KR" sz="3000" b="1" dirty="0">
+                <a:highlight>
+                  <a:srgbClr val="FFFF00"/>
+                </a:highlight>
+              </a:rPr>
+              <a:t>33mm</a:t>
+            </a:r>
           </a:p>
           <a:p>
             <a:pPr marL="0" indent="0">
@@ -3749,22 +4029,42 @@
               <a:defRPr/>
             </a:pPr>
             <a:r>
-              <a:rPr lang="en-US" altLang="ko-KR" sz="3000" b="1" dirty="0"/>
+              <a:rPr lang="en-US" altLang="ko-KR" sz="3000" b="1" dirty="0">
+                <a:highlight>
+                  <a:srgbClr val="FFFF00"/>
+                </a:highlight>
+              </a:rPr>
               <a:t>- t (</a:t>
             </a:r>
             <a:r>
-              <a:rPr lang="ko-KR" altLang="en-US" sz="3000" b="1" dirty="0"/>
+              <a:rPr lang="ko-KR" altLang="en-US" sz="3000" b="1" dirty="0">
+                <a:highlight>
+                  <a:srgbClr val="FFFF00"/>
+                </a:highlight>
+              </a:rPr>
               <a:t>얇은 부분 </a:t>
             </a:r>
             <a:r>
-              <a:rPr lang="en-US" altLang="ko-KR" sz="3000" b="1" dirty="0"/>
+              <a:rPr lang="en-US" altLang="ko-KR" sz="3000" b="1" dirty="0">
+                <a:highlight>
+                  <a:srgbClr val="FFFF00"/>
+                </a:highlight>
+              </a:rPr>
               <a:t>thickness) : 18mm</a:t>
             </a:r>
             <a:r>
-              <a:rPr lang="ko-KR" altLang="en-US" sz="3000" b="1" dirty="0"/>
+              <a:rPr lang="ko-KR" altLang="en-US" sz="3000" b="1" dirty="0">
+                <a:highlight>
+                  <a:srgbClr val="FFFF00"/>
+                </a:highlight>
+              </a:rPr>
               <a:t> 대해서</a:t>
             </a:r>
-            <a:endParaRPr lang="en-US" altLang="ko-KR" sz="3000" b="1" dirty="0"/>
+            <a:endParaRPr lang="en-US" altLang="ko-KR" sz="3000" b="1" dirty="0">
+              <a:highlight>
+                <a:srgbClr val="FFFF00"/>
+              </a:highlight>
+            </a:endParaRPr>
           </a:p>
           <a:p>
             <a:pPr marL="0" indent="0">
@@ -3772,7 +4072,11 @@
               <a:defRPr/>
             </a:pPr>
             <a:r>
-              <a:rPr lang="en-US" altLang="ko-KR" sz="3000" b="1" dirty="0"/>
+              <a:rPr lang="en-US" altLang="ko-KR" sz="3000" b="1" dirty="0">
+                <a:highlight>
+                  <a:srgbClr val="FFFF00"/>
+                </a:highlight>
+              </a:rPr>
               <a:t>0.5mm 0.6mm 0.7mm 0.8mm 0.9mm</a:t>
             </a:r>
           </a:p>
@@ -3826,7 +4130,7 @@
         <p:spPr>
           <a:xfrm>
             <a:off x="1887059" y="127819"/>
-            <a:ext cx="8417882" cy="830997"/>
+            <a:ext cx="8463151" cy="830997"/>
           </a:xfrm>
           <a:prstGeom prst="rect">
             <a:avLst/>
@@ -3840,8 +4144,16 @@
           <a:lstStyle/>
           <a:p>
             <a:r>
+              <a:rPr lang="en-US" altLang="ko-KR" sz="4800" b="1" dirty="0" err="1">
+                <a:solidFill>
+                  <a:srgbClr val="FF0000"/>
+                </a:solidFill>
+              </a:rPr>
+              <a:t>DP</a:t>
+            </a:r>
+            <a:r>
               <a:rPr lang="en-US" altLang="ko-KR" sz="4800" b="1" dirty="0" err="1"/>
-              <a:t>dpcase</a:t>
+              <a:t>case</a:t>
             </a:r>
             <a:r>
               <a:rPr lang="ko-KR" altLang="en-US" sz="4800" b="1" dirty="0"/>
@@ -3951,7 +4263,7 @@
         <p:spPr>
           <a:xfrm>
             <a:off x="1887059" y="127819"/>
-            <a:ext cx="8408264" cy="830997"/>
+            <a:ext cx="8455135" cy="830997"/>
           </a:xfrm>
           <a:prstGeom prst="rect">
             <a:avLst/>
@@ -3965,8 +4277,16 @@
           <a:lstStyle/>
           <a:p>
             <a:r>
+              <a:rPr lang="en-US" altLang="ko-KR" sz="4800" b="1" dirty="0" err="1">
+                <a:solidFill>
+                  <a:srgbClr val="FF0000"/>
+                </a:solidFill>
+              </a:rPr>
+              <a:t>UP</a:t>
+            </a:r>
+            <a:r>
               <a:rPr lang="en-US" altLang="ko-KR" sz="4800" b="1" dirty="0" err="1"/>
-              <a:t>upcase</a:t>
+              <a:t>case</a:t>
             </a:r>
             <a:r>
               <a:rPr lang="ko-KR" altLang="en-US" sz="4800" b="1" dirty="0"/>
@@ -4076,7 +4396,7 @@
         <p:spPr>
           <a:xfrm>
             <a:off x="1887059" y="127819"/>
-            <a:ext cx="8406660" cy="830997"/>
+            <a:ext cx="8595815" cy="830997"/>
           </a:xfrm>
           <a:prstGeom prst="rect">
             <a:avLst/>
@@ -4090,8 +4410,16 @@
           <a:lstStyle/>
           <a:p>
             <a:r>
+              <a:rPr lang="en-US" altLang="ko-KR" sz="4800" b="1" dirty="0" err="1">
+                <a:solidFill>
+                  <a:srgbClr val="00B0F0"/>
+                </a:solidFill>
+              </a:rPr>
+              <a:t>DN</a:t>
+            </a:r>
+            <a:r>
               <a:rPr lang="en-US" altLang="ko-KR" sz="4800" b="1" dirty="0" err="1"/>
-              <a:t>dncase</a:t>
+              <a:t>case</a:t>
             </a:r>
             <a:r>
               <a:rPr lang="ko-KR" altLang="en-US" sz="4800" b="1" dirty="0"/>
@@ -4253,7 +4581,7 @@
         <p:spPr>
           <a:xfrm>
             <a:off x="1887059" y="127819"/>
-            <a:ext cx="8397042" cy="830997"/>
+            <a:ext cx="8587800" cy="830997"/>
           </a:xfrm>
           <a:prstGeom prst="rect">
             <a:avLst/>
@@ -4267,8 +4595,16 @@
           <a:lstStyle/>
           <a:p>
             <a:r>
-              <a:rPr lang="en-US" altLang="ko-KR" sz="4800" b="1" dirty="0"/>
-              <a:t>uncase</a:t>
+              <a:rPr lang="en-US" altLang="ko-KR" sz="4800" b="1" dirty="0" err="1">
+                <a:solidFill>
+                  <a:srgbClr val="00B0F0"/>
+                </a:solidFill>
+              </a:rPr>
+              <a:t>UN</a:t>
+            </a:r>
+            <a:r>
+              <a:rPr lang="en-US" altLang="ko-KR" sz="4800" b="1" dirty="0" err="1"/>
+              <a:t>case</a:t>
             </a:r>
             <a:r>
               <a:rPr lang="ko-KR" altLang="en-US" sz="4800" b="1" dirty="0"/>
@@ -4430,7 +4766,7 @@
         <p:spPr>
           <a:xfrm>
             <a:off x="1887059" y="127819"/>
-            <a:ext cx="8327023" cy="830997"/>
+            <a:ext cx="8372292" cy="830997"/>
           </a:xfrm>
           <a:prstGeom prst="rect">
             <a:avLst/>
@@ -4444,8 +4780,16 @@
           <a:lstStyle/>
           <a:p>
             <a:r>
+              <a:rPr lang="en-US" altLang="ko-KR" sz="4800" b="1" dirty="0" err="1">
+                <a:solidFill>
+                  <a:srgbClr val="FF0000"/>
+                </a:solidFill>
+              </a:rPr>
+              <a:t>DP</a:t>
+            </a:r>
+            <a:r>
               <a:rPr lang="en-US" altLang="ko-KR" sz="4800" b="1" dirty="0" err="1"/>
-              <a:t>dpcase</a:t>
+              <a:t>case</a:t>
             </a:r>
             <a:r>
               <a:rPr lang="ko-KR" altLang="en-US" sz="4800" b="1" dirty="0"/>
@@ -4476,10 +4820,10 @@
       </p:sp>
       <p:pic>
         <p:nvPicPr>
-          <p:cNvPr id="6" name="그림 5" descr="텍스트, 라인, 도표, 그래프이(가) 표시된 사진&#10;&#10;자동 생성된 설명">
-            <a:extLst>
-              <a:ext uri="{FF2B5EF4-FFF2-40B4-BE49-F238E27FC236}">
-                <a16:creationId xmlns:a16="http://schemas.microsoft.com/office/drawing/2014/main" id="{FD819842-48CB-2EE2-AB8B-A3DBE097DB55}"/>
+          <p:cNvPr id="3" name="그림 2" descr="텍스트, 라인, 도표, 그래프이(가) 표시된 사진&#10;&#10;자동 생성된 설명">
+            <a:extLst>
+              <a:ext uri="{FF2B5EF4-FFF2-40B4-BE49-F238E27FC236}">
+                <a16:creationId xmlns:a16="http://schemas.microsoft.com/office/drawing/2014/main" id="{A72CA37F-405D-1FB9-D534-888F53397783}"/>
               </a:ext>
             </a:extLst>
           </p:cNvPr>
@@ -4502,8 +4846,8 @@
         </p:blipFill>
         <p:spPr>
           <a:xfrm>
-            <a:off x="1523991" y="1243770"/>
-            <a:ext cx="9144018" cy="5486411"/>
+            <a:off x="1573205" y="1330181"/>
+            <a:ext cx="9000000" cy="5400000"/>
           </a:xfrm>
           <a:prstGeom prst="rect">
             <a:avLst/>
@@ -4555,7 +4899,7 @@
         <p:spPr>
           <a:xfrm>
             <a:off x="1887059" y="127819"/>
-            <a:ext cx="8408264" cy="830997"/>
+            <a:ext cx="8364277" cy="830997"/>
           </a:xfrm>
           <a:prstGeom prst="rect">
             <a:avLst/>
@@ -4569,8 +4913,16 @@
           <a:lstStyle/>
           <a:p>
             <a:r>
+              <a:rPr lang="en-US" altLang="ko-KR" sz="4800" b="1" dirty="0" err="1">
+                <a:solidFill>
+                  <a:srgbClr val="FF0000"/>
+                </a:solidFill>
+              </a:rPr>
+              <a:t>UP</a:t>
+            </a:r>
+            <a:r>
               <a:rPr lang="en-US" altLang="ko-KR" sz="4800" b="1" dirty="0" err="1"/>
-              <a:t>upcase</a:t>
+              <a:t>case</a:t>
             </a:r>
             <a:r>
               <a:rPr lang="ko-KR" altLang="en-US" sz="4800" b="1" dirty="0"/>
@@ -4601,10 +4953,10 @@
       </p:sp>
       <p:pic>
         <p:nvPicPr>
-          <p:cNvPr id="10" name="그림 9" descr="라인, 텍스트, 도표, 그래프이(가) 표시된 사진&#10;&#10;자동 생성된 설명">
-            <a:extLst>
-              <a:ext uri="{FF2B5EF4-FFF2-40B4-BE49-F238E27FC236}">
-                <a16:creationId xmlns:a16="http://schemas.microsoft.com/office/drawing/2014/main" id="{D0225500-72C1-4F42-238A-3F1FC84C989F}"/>
+          <p:cNvPr id="3" name="그림 2" descr="라인, 텍스트, 도표, 그래프이(가) 표시된 사진&#10;&#10;자동 생성된 설명">
+            <a:extLst>
+              <a:ext uri="{FF2B5EF4-FFF2-40B4-BE49-F238E27FC236}">
+                <a16:creationId xmlns:a16="http://schemas.microsoft.com/office/drawing/2014/main" id="{DBBF2A47-743A-1F71-6B7A-88DE63EFBCF2}"/>
               </a:ext>
             </a:extLst>
           </p:cNvPr>
@@ -4627,8 +4979,8 @@
         </p:blipFill>
         <p:spPr>
           <a:xfrm>
-            <a:off x="1519182" y="1243770"/>
-            <a:ext cx="9144018" cy="5486411"/>
+            <a:off x="1596000" y="1330181"/>
+            <a:ext cx="9000000" cy="5400000"/>
           </a:xfrm>
           <a:prstGeom prst="rect">
             <a:avLst/>
@@ -4680,7 +5032,7 @@
         <p:spPr>
           <a:xfrm>
             <a:off x="1887059" y="127819"/>
-            <a:ext cx="8406660" cy="830997"/>
+            <a:ext cx="8504957" cy="830997"/>
           </a:xfrm>
           <a:prstGeom prst="rect">
             <a:avLst/>
@@ -4694,8 +5046,16 @@
           <a:lstStyle/>
           <a:p>
             <a:r>
+              <a:rPr lang="en-US" altLang="ko-KR" sz="4800" b="1" dirty="0" err="1">
+                <a:solidFill>
+                  <a:srgbClr val="00B0F0"/>
+                </a:solidFill>
+              </a:rPr>
+              <a:t>DN</a:t>
+            </a:r>
+            <a:r>
               <a:rPr lang="en-US" altLang="ko-KR" sz="4800" b="1" dirty="0" err="1"/>
-              <a:t>dncase</a:t>
+              <a:t>case</a:t>
             </a:r>
             <a:r>
               <a:rPr lang="ko-KR" altLang="en-US" sz="4800" b="1" dirty="0"/>
@@ -4726,10 +5086,10 @@
       </p:sp>
       <p:pic>
         <p:nvPicPr>
-          <p:cNvPr id="3" name="그림 2" descr="텍스트, 라인, 도표, 그래프이(가) 표시된 사진&#10;&#10;자동 생성된 설명">
-            <a:extLst>
-              <a:ext uri="{FF2B5EF4-FFF2-40B4-BE49-F238E27FC236}">
-                <a16:creationId xmlns:a16="http://schemas.microsoft.com/office/drawing/2014/main" id="{93288F6E-C742-4B3C-A078-14FF104C8F84}"/>
+          <p:cNvPr id="5" name="그림 4" descr="텍스트, 라인, 도표, 그래프이(가) 표시된 사진&#10;&#10;자동 생성된 설명">
+            <a:extLst>
+              <a:ext uri="{FF2B5EF4-FFF2-40B4-BE49-F238E27FC236}">
+                <a16:creationId xmlns:a16="http://schemas.microsoft.com/office/drawing/2014/main" id="{019F5293-9F6D-3905-598B-AC3C930C1B9C}"/>
               </a:ext>
             </a:extLst>
           </p:cNvPr>
@@ -4752,8 +5112,8 @@
         </p:blipFill>
         <p:spPr>
           <a:xfrm>
-            <a:off x="1518380" y="1243770"/>
-            <a:ext cx="9144018" cy="5486411"/>
+            <a:off x="1639537" y="1330181"/>
+            <a:ext cx="9000000" cy="5400000"/>
           </a:xfrm>
           <a:prstGeom prst="rect">
             <a:avLst/>
@@ -4805,7 +5165,7 @@
         <p:spPr>
           <a:xfrm>
             <a:off x="1887059" y="127819"/>
-            <a:ext cx="8397042" cy="830997"/>
+            <a:ext cx="8496941" cy="830997"/>
           </a:xfrm>
           <a:prstGeom prst="rect">
             <a:avLst/>
@@ -4819,8 +5179,16 @@
           <a:lstStyle/>
           <a:p>
             <a:r>
-              <a:rPr lang="en-US" altLang="ko-KR" sz="4800" b="1" dirty="0"/>
-              <a:t>uncase</a:t>
+              <a:rPr lang="en-US" altLang="ko-KR" sz="4800" b="1" dirty="0" err="1">
+                <a:solidFill>
+                  <a:srgbClr val="00B0F0"/>
+                </a:solidFill>
+              </a:rPr>
+              <a:t>UN</a:t>
+            </a:r>
+            <a:r>
+              <a:rPr lang="en-US" altLang="ko-KR" sz="4800" b="1" dirty="0" err="1"/>
+              <a:t>case</a:t>
             </a:r>
             <a:r>
               <a:rPr lang="ko-KR" altLang="en-US" sz="4800" b="1" dirty="0"/>
@@ -4851,10 +5219,10 @@
       </p:sp>
       <p:pic>
         <p:nvPicPr>
-          <p:cNvPr id="8" name="그림 7" descr="텍스트, 라인, 도표, 그래프이(가) 표시된 사진&#10;&#10;자동 생성된 설명">
-            <a:extLst>
-              <a:ext uri="{FF2B5EF4-FFF2-40B4-BE49-F238E27FC236}">
-                <a16:creationId xmlns:a16="http://schemas.microsoft.com/office/drawing/2014/main" id="{8236B02E-CDE5-225E-DFBC-B4457051CCA8}"/>
+          <p:cNvPr id="3" name="그림 2" descr="텍스트, 라인, 도표, 그래프이(가) 표시된 사진&#10;&#10;자동 생성된 설명">
+            <a:extLst>
+              <a:ext uri="{FF2B5EF4-FFF2-40B4-BE49-F238E27FC236}">
+                <a16:creationId xmlns:a16="http://schemas.microsoft.com/office/drawing/2014/main" id="{6F909E1C-13C8-12F8-012C-610B17FEB63B}"/>
               </a:ext>
             </a:extLst>
           </p:cNvPr>
@@ -4877,8 +5245,8 @@
         </p:blipFill>
         <p:spPr>
           <a:xfrm>
-            <a:off x="1523991" y="1243770"/>
-            <a:ext cx="9144018" cy="5486411"/>
+            <a:off x="1596000" y="1330181"/>
+            <a:ext cx="9000000" cy="5400000"/>
           </a:xfrm>
           <a:prstGeom prst="rect">
             <a:avLst/>
@@ -6354,10 +6722,10 @@
       </p:pic>
       <p:sp>
         <p:nvSpPr>
-          <p:cNvPr id="3" name="TextBox 2">
-            <a:extLst>
-              <a:ext uri="{FF2B5EF4-FFF2-40B4-BE49-F238E27FC236}">
-                <a16:creationId xmlns:a16="http://schemas.microsoft.com/office/drawing/2014/main" id="{93F4DC52-D434-8EE5-AF24-314F12592CF7}"/>
+          <p:cNvPr id="2" name="TextBox 1">
+            <a:extLst>
+              <a:ext uri="{FF2B5EF4-FFF2-40B4-BE49-F238E27FC236}">
+                <a16:creationId xmlns:a16="http://schemas.microsoft.com/office/drawing/2014/main" id="{ECD948C3-D185-0DED-0C51-D89A4AFE955E}"/>
               </a:ext>
             </a:extLst>
           </p:cNvPr>
@@ -6366,8 +6734,8 @@
         </p:nvSpPr>
         <p:spPr>
           <a:xfrm>
-            <a:off x="5396574" y="385780"/>
-            <a:ext cx="1398851" cy="523220"/>
+            <a:off x="1208549" y="101592"/>
+            <a:ext cx="9774901" cy="1323439"/>
           </a:xfrm>
           <a:prstGeom prst="rect">
             <a:avLst/>
@@ -6382,22 +6750,96 @@
           <a:p>
             <a:pPr algn="ctr"/>
             <a:r>
-              <a:rPr lang="en-US" altLang="ko-KR" sz="2800" b="1" dirty="0" err="1">
+              <a:rPr lang="en-US" altLang="ko-KR" sz="4000" b="1" dirty="0">
+                <a:solidFill>
+                  <a:srgbClr val="00B0F0"/>
+                </a:solidFill>
                 <a:latin typeface="Arial Unicode MS" panose="020B0604020202020204" pitchFamily="50" charset="-127"/>
                 <a:ea typeface="Arial Unicode MS" panose="020B0604020202020204" pitchFamily="50" charset="-127"/>
                 <a:cs typeface="Arial Unicode MS" panose="020B0604020202020204" pitchFamily="50" charset="-127"/>
               </a:rPr>
-              <a:t>dn</a:t>
-            </a:r>
-            <a:r>
-              <a:rPr lang="en-US" altLang="ko-KR" sz="2800" b="1" dirty="0">
+              <a:t>D</a:t>
+            </a:r>
+            <a:r>
+              <a:rPr lang="en-US" altLang="ko-KR" sz="4000" b="1" dirty="0">
                 <a:latin typeface="Arial Unicode MS" panose="020B0604020202020204" pitchFamily="50" charset="-127"/>
                 <a:ea typeface="Arial Unicode MS" panose="020B0604020202020204" pitchFamily="50" charset="-127"/>
                 <a:cs typeface="Arial Unicode MS" panose="020B0604020202020204" pitchFamily="50" charset="-127"/>
               </a:rPr>
-              <a:t> 1st</a:t>
-            </a:r>
-            <a:endParaRPr lang="ko-KR" altLang="en-US" sz="2800" b="1" dirty="0">
+              <a:t>own Position-</a:t>
+            </a:r>
+            <a:r>
+              <a:rPr lang="en-US" altLang="ko-KR" sz="4000" b="1" dirty="0">
+                <a:solidFill>
+                  <a:srgbClr val="00B0F0"/>
+                </a:solidFill>
+                <a:latin typeface="Arial Unicode MS" panose="020B0604020202020204" pitchFamily="50" charset="-127"/>
+                <a:ea typeface="Arial Unicode MS" panose="020B0604020202020204" pitchFamily="50" charset="-127"/>
+                <a:cs typeface="Arial Unicode MS" panose="020B0604020202020204" pitchFamily="50" charset="-127"/>
+              </a:rPr>
+              <a:t>N</a:t>
+            </a:r>
+            <a:r>
+              <a:rPr lang="en-US" altLang="ko-KR" sz="4000" b="1" dirty="0">
+                <a:latin typeface="Arial Unicode MS" panose="020B0604020202020204" pitchFamily="50" charset="-127"/>
+                <a:ea typeface="Arial Unicode MS" panose="020B0604020202020204" pitchFamily="50" charset="-127"/>
+                <a:cs typeface="Arial Unicode MS" panose="020B0604020202020204" pitchFamily="50" charset="-127"/>
+              </a:rPr>
+              <a:t>egative Pressure </a:t>
+            </a:r>
+            <a:r>
+              <a:rPr lang="en-US" altLang="ko-KR" sz="4000" b="1" dirty="0">
+                <a:solidFill>
+                  <a:srgbClr val="00B0F0"/>
+                </a:solidFill>
+                <a:latin typeface="Arial Unicode MS" panose="020B0604020202020204" pitchFamily="50" charset="-127"/>
+                <a:ea typeface="Arial Unicode MS" panose="020B0604020202020204" pitchFamily="50" charset="-127"/>
+                <a:cs typeface="Arial Unicode MS" panose="020B0604020202020204" pitchFamily="50" charset="-127"/>
+              </a:rPr>
+              <a:t>(DN)</a:t>
+            </a:r>
+          </a:p>
+          <a:p>
+            <a:pPr algn="ctr"/>
+            <a:r>
+              <a:rPr lang="en-US" altLang="ko-KR" sz="4000" b="1" dirty="0">
+                <a:latin typeface="Arial Unicode MS" panose="020B0604020202020204" pitchFamily="50" charset="-127"/>
+                <a:ea typeface="Arial Unicode MS" panose="020B0604020202020204" pitchFamily="50" charset="-127"/>
+                <a:cs typeface="Arial Unicode MS" panose="020B0604020202020204" pitchFamily="50" charset="-127"/>
+              </a:rPr>
+              <a:t>1</a:t>
+            </a:r>
+            <a:r>
+              <a:rPr lang="en-US" altLang="ko-KR" sz="4000" b="1" baseline="30000" dirty="0">
+                <a:latin typeface="Arial Unicode MS" panose="020B0604020202020204" pitchFamily="50" charset="-127"/>
+                <a:ea typeface="Arial Unicode MS" panose="020B0604020202020204" pitchFamily="50" charset="-127"/>
+                <a:cs typeface="Arial Unicode MS" panose="020B0604020202020204" pitchFamily="50" charset="-127"/>
+              </a:rPr>
+              <a:t>st</a:t>
+            </a:r>
+            <a:r>
+              <a:rPr lang="en-US" altLang="ko-KR" sz="4000" b="1" dirty="0">
+                <a:latin typeface="Arial Unicode MS" panose="020B0604020202020204" pitchFamily="50" charset="-127"/>
+                <a:ea typeface="Arial Unicode MS" panose="020B0604020202020204" pitchFamily="50" charset="-127"/>
+                <a:cs typeface="Arial Unicode MS" panose="020B0604020202020204" pitchFamily="50" charset="-127"/>
+              </a:rPr>
+              <a:t>-EXP, </a:t>
+            </a:r>
+            <a:r>
+              <a:rPr lang="en-US" altLang="ko-KR" sz="4000" b="1" dirty="0">
+                <a:solidFill>
+                  <a:srgbClr val="00B0F0"/>
+                </a:solidFill>
+                <a:latin typeface="Arial Unicode MS" panose="020B0604020202020204" pitchFamily="50" charset="-127"/>
+                <a:ea typeface="Arial Unicode MS" panose="020B0604020202020204" pitchFamily="50" charset="-127"/>
+                <a:cs typeface="Arial Unicode MS" panose="020B0604020202020204" pitchFamily="50" charset="-127"/>
+              </a:rPr>
+              <a:t>different h</a:t>
+            </a:r>
+            <a:endParaRPr lang="ko-KR" altLang="en-US" sz="4000" b="1" dirty="0">
+              <a:solidFill>
+                <a:srgbClr val="00B0F0"/>
+              </a:solidFill>
               <a:latin typeface="Arial Unicode MS" panose="020B0604020202020204" pitchFamily="50" charset="-127"/>
               <a:ea typeface="Arial Unicode MS" panose="020B0604020202020204" pitchFamily="50" charset="-127"/>
               <a:cs typeface="Arial Unicode MS" panose="020B0604020202020204" pitchFamily="50" charset="-127"/>
@@ -6662,10 +7104,10 @@
       </p:pic>
       <p:sp>
         <p:nvSpPr>
-          <p:cNvPr id="2" name="TextBox 1">
-            <a:extLst>
-              <a:ext uri="{FF2B5EF4-FFF2-40B4-BE49-F238E27FC236}">
-                <a16:creationId xmlns:a16="http://schemas.microsoft.com/office/drawing/2014/main" id="{520C9508-13DE-7957-9B52-41A7362A9425}"/>
+          <p:cNvPr id="8" name="TextBox 7">
+            <a:extLst>
+              <a:ext uri="{FF2B5EF4-FFF2-40B4-BE49-F238E27FC236}">
+                <a16:creationId xmlns:a16="http://schemas.microsoft.com/office/drawing/2014/main" id="{2342DA94-6040-D2F1-24B0-58A4C69AB283}"/>
               </a:ext>
             </a:extLst>
           </p:cNvPr>
@@ -6674,8 +7116,8 @@
         </p:nvSpPr>
         <p:spPr>
           <a:xfrm>
-            <a:off x="5396574" y="385780"/>
-            <a:ext cx="1398851" cy="523220"/>
+            <a:off x="1208549" y="101592"/>
+            <a:ext cx="9774901" cy="1323439"/>
           </a:xfrm>
           <a:prstGeom prst="rect">
             <a:avLst/>
@@ -6690,22 +7132,96 @@
           <a:p>
             <a:pPr algn="ctr"/>
             <a:r>
-              <a:rPr lang="en-US" altLang="ko-KR" sz="2800" b="1" dirty="0" err="1">
+              <a:rPr lang="en-US" altLang="ko-KR" sz="4000" b="1" dirty="0">
+                <a:solidFill>
+                  <a:srgbClr val="00B0F0"/>
+                </a:solidFill>
                 <a:latin typeface="Arial Unicode MS" panose="020B0604020202020204" pitchFamily="50" charset="-127"/>
                 <a:ea typeface="Arial Unicode MS" panose="020B0604020202020204" pitchFamily="50" charset="-127"/>
                 <a:cs typeface="Arial Unicode MS" panose="020B0604020202020204" pitchFamily="50" charset="-127"/>
               </a:rPr>
-              <a:t>dn</a:t>
-            </a:r>
-            <a:r>
-              <a:rPr lang="en-US" altLang="ko-KR" sz="2800" b="1" dirty="0">
+              <a:t>D</a:t>
+            </a:r>
+            <a:r>
+              <a:rPr lang="en-US" altLang="ko-KR" sz="4000" b="1" dirty="0">
                 <a:latin typeface="Arial Unicode MS" panose="020B0604020202020204" pitchFamily="50" charset="-127"/>
                 <a:ea typeface="Arial Unicode MS" panose="020B0604020202020204" pitchFamily="50" charset="-127"/>
                 <a:cs typeface="Arial Unicode MS" panose="020B0604020202020204" pitchFamily="50" charset="-127"/>
               </a:rPr>
-              <a:t> 2nd</a:t>
-            </a:r>
-            <a:endParaRPr lang="ko-KR" altLang="en-US" sz="2800" b="1" dirty="0">
+              <a:t>own Position-</a:t>
+            </a:r>
+            <a:r>
+              <a:rPr lang="en-US" altLang="ko-KR" sz="4000" b="1" dirty="0">
+                <a:solidFill>
+                  <a:srgbClr val="00B0F0"/>
+                </a:solidFill>
+                <a:latin typeface="Arial Unicode MS" panose="020B0604020202020204" pitchFamily="50" charset="-127"/>
+                <a:ea typeface="Arial Unicode MS" panose="020B0604020202020204" pitchFamily="50" charset="-127"/>
+                <a:cs typeface="Arial Unicode MS" panose="020B0604020202020204" pitchFamily="50" charset="-127"/>
+              </a:rPr>
+              <a:t>N</a:t>
+            </a:r>
+            <a:r>
+              <a:rPr lang="en-US" altLang="ko-KR" sz="4000" b="1" dirty="0">
+                <a:latin typeface="Arial Unicode MS" panose="020B0604020202020204" pitchFamily="50" charset="-127"/>
+                <a:ea typeface="Arial Unicode MS" panose="020B0604020202020204" pitchFamily="50" charset="-127"/>
+                <a:cs typeface="Arial Unicode MS" panose="020B0604020202020204" pitchFamily="50" charset="-127"/>
+              </a:rPr>
+              <a:t>egative Pressure </a:t>
+            </a:r>
+            <a:r>
+              <a:rPr lang="en-US" altLang="ko-KR" sz="4000" b="1" dirty="0">
+                <a:solidFill>
+                  <a:srgbClr val="00B0F0"/>
+                </a:solidFill>
+                <a:latin typeface="Arial Unicode MS" panose="020B0604020202020204" pitchFamily="50" charset="-127"/>
+                <a:ea typeface="Arial Unicode MS" panose="020B0604020202020204" pitchFamily="50" charset="-127"/>
+                <a:cs typeface="Arial Unicode MS" panose="020B0604020202020204" pitchFamily="50" charset="-127"/>
+              </a:rPr>
+              <a:t>(DN)</a:t>
+            </a:r>
+          </a:p>
+          <a:p>
+            <a:pPr algn="ctr"/>
+            <a:r>
+              <a:rPr lang="en-US" altLang="ko-KR" sz="4000" b="1" dirty="0">
+                <a:latin typeface="Arial Unicode MS" panose="020B0604020202020204" pitchFamily="50" charset="-127"/>
+                <a:ea typeface="Arial Unicode MS" panose="020B0604020202020204" pitchFamily="50" charset="-127"/>
+                <a:cs typeface="Arial Unicode MS" panose="020B0604020202020204" pitchFamily="50" charset="-127"/>
+              </a:rPr>
+              <a:t>2</a:t>
+            </a:r>
+            <a:r>
+              <a:rPr lang="en-US" altLang="ko-KR" sz="4000" b="1" baseline="30000" dirty="0">
+                <a:latin typeface="Arial Unicode MS" panose="020B0604020202020204" pitchFamily="50" charset="-127"/>
+                <a:ea typeface="Arial Unicode MS" panose="020B0604020202020204" pitchFamily="50" charset="-127"/>
+                <a:cs typeface="Arial Unicode MS" panose="020B0604020202020204" pitchFamily="50" charset="-127"/>
+              </a:rPr>
+              <a:t>nd</a:t>
+            </a:r>
+            <a:r>
+              <a:rPr lang="en-US" altLang="ko-KR" sz="4000" b="1" dirty="0">
+                <a:latin typeface="Arial Unicode MS" panose="020B0604020202020204" pitchFamily="50" charset="-127"/>
+                <a:ea typeface="Arial Unicode MS" panose="020B0604020202020204" pitchFamily="50" charset="-127"/>
+                <a:cs typeface="Arial Unicode MS" panose="020B0604020202020204" pitchFamily="50" charset="-127"/>
+              </a:rPr>
+              <a:t>-EXP, </a:t>
+            </a:r>
+            <a:r>
+              <a:rPr lang="en-US" altLang="ko-KR" sz="4000" b="1" dirty="0">
+                <a:solidFill>
+                  <a:srgbClr val="00B0F0"/>
+                </a:solidFill>
+                <a:latin typeface="Arial Unicode MS" panose="020B0604020202020204" pitchFamily="50" charset="-127"/>
+                <a:ea typeface="Arial Unicode MS" panose="020B0604020202020204" pitchFamily="50" charset="-127"/>
+                <a:cs typeface="Arial Unicode MS" panose="020B0604020202020204" pitchFamily="50" charset="-127"/>
+              </a:rPr>
+              <a:t>different h</a:t>
+            </a:r>
+            <a:endParaRPr lang="ko-KR" altLang="en-US" sz="4000" b="1" dirty="0">
+              <a:solidFill>
+                <a:srgbClr val="00B0F0"/>
+              </a:solidFill>
               <a:latin typeface="Arial Unicode MS" panose="020B0604020202020204" pitchFamily="50" charset="-127"/>
               <a:ea typeface="Arial Unicode MS" panose="020B0604020202020204" pitchFamily="50" charset="-127"/>
               <a:cs typeface="Arial Unicode MS" panose="020B0604020202020204" pitchFamily="50" charset="-127"/>
@@ -6970,10 +7486,10 @@
       </p:pic>
       <p:sp>
         <p:nvSpPr>
-          <p:cNvPr id="2" name="TextBox 1">
-            <a:extLst>
-              <a:ext uri="{FF2B5EF4-FFF2-40B4-BE49-F238E27FC236}">
-                <a16:creationId xmlns:a16="http://schemas.microsoft.com/office/drawing/2014/main" id="{218A725E-F309-540A-61D3-02D4B0C36D33}"/>
+          <p:cNvPr id="3" name="TextBox 2">
+            <a:extLst>
+              <a:ext uri="{FF2B5EF4-FFF2-40B4-BE49-F238E27FC236}">
+                <a16:creationId xmlns:a16="http://schemas.microsoft.com/office/drawing/2014/main" id="{35138586-BFFA-0E9C-F01C-EBE29DFF8BD0}"/>
               </a:ext>
             </a:extLst>
           </p:cNvPr>
@@ -6982,8 +7498,8 @@
         </p:nvSpPr>
         <p:spPr>
           <a:xfrm>
-            <a:off x="5396574" y="385456"/>
-            <a:ext cx="1398851" cy="523220"/>
+            <a:off x="1208549" y="101592"/>
+            <a:ext cx="9774901" cy="1323439"/>
           </a:xfrm>
           <a:prstGeom prst="rect">
             <a:avLst/>
@@ -6998,14 +7514,96 @@
           <a:p>
             <a:pPr algn="ctr"/>
             <a:r>
-              <a:rPr lang="en-US" altLang="ko-KR" sz="2800" b="1" dirty="0">
+              <a:rPr lang="en-US" altLang="ko-KR" sz="4000" b="1" dirty="0">
+                <a:solidFill>
+                  <a:srgbClr val="FF0000"/>
+                </a:solidFill>
                 <a:latin typeface="Arial Unicode MS" panose="020B0604020202020204" pitchFamily="50" charset="-127"/>
                 <a:ea typeface="Arial Unicode MS" panose="020B0604020202020204" pitchFamily="50" charset="-127"/>
                 <a:cs typeface="Arial Unicode MS" panose="020B0604020202020204" pitchFamily="50" charset="-127"/>
               </a:rPr>
-              <a:t>un 1st</a:t>
-            </a:r>
-            <a:endParaRPr lang="ko-KR" altLang="en-US" sz="2800" b="1" dirty="0">
+              <a:t>U</a:t>
+            </a:r>
+            <a:r>
+              <a:rPr lang="en-US" altLang="ko-KR" sz="4000" b="1" dirty="0">
+                <a:latin typeface="Arial Unicode MS" panose="020B0604020202020204" pitchFamily="50" charset="-127"/>
+                <a:ea typeface="Arial Unicode MS" panose="020B0604020202020204" pitchFamily="50" charset="-127"/>
+                <a:cs typeface="Arial Unicode MS" panose="020B0604020202020204" pitchFamily="50" charset="-127"/>
+              </a:rPr>
+              <a:t>p Position-</a:t>
+            </a:r>
+            <a:r>
+              <a:rPr lang="en-US" altLang="ko-KR" sz="4000" b="1" dirty="0">
+                <a:solidFill>
+                  <a:srgbClr val="FF0000"/>
+                </a:solidFill>
+                <a:latin typeface="Arial Unicode MS" panose="020B0604020202020204" pitchFamily="50" charset="-127"/>
+                <a:ea typeface="Arial Unicode MS" panose="020B0604020202020204" pitchFamily="50" charset="-127"/>
+                <a:cs typeface="Arial Unicode MS" panose="020B0604020202020204" pitchFamily="50" charset="-127"/>
+              </a:rPr>
+              <a:t>N</a:t>
+            </a:r>
+            <a:r>
+              <a:rPr lang="en-US" altLang="ko-KR" sz="4000" b="1" dirty="0">
+                <a:latin typeface="Arial Unicode MS" panose="020B0604020202020204" pitchFamily="50" charset="-127"/>
+                <a:ea typeface="Arial Unicode MS" panose="020B0604020202020204" pitchFamily="50" charset="-127"/>
+                <a:cs typeface="Arial Unicode MS" panose="020B0604020202020204" pitchFamily="50" charset="-127"/>
+              </a:rPr>
+              <a:t>egative Pressure </a:t>
+            </a:r>
+            <a:r>
+              <a:rPr lang="en-US" altLang="ko-KR" sz="4000" b="1" dirty="0">
+                <a:solidFill>
+                  <a:srgbClr val="FF0000"/>
+                </a:solidFill>
+                <a:latin typeface="Arial Unicode MS" panose="020B0604020202020204" pitchFamily="50" charset="-127"/>
+                <a:ea typeface="Arial Unicode MS" panose="020B0604020202020204" pitchFamily="50" charset="-127"/>
+                <a:cs typeface="Arial Unicode MS" panose="020B0604020202020204" pitchFamily="50" charset="-127"/>
+              </a:rPr>
+              <a:t>(UN)</a:t>
+            </a:r>
+          </a:p>
+          <a:p>
+            <a:pPr algn="ctr"/>
+            <a:r>
+              <a:rPr lang="en-US" altLang="ko-KR" sz="4000" b="1" dirty="0">
+                <a:latin typeface="Arial Unicode MS" panose="020B0604020202020204" pitchFamily="50" charset="-127"/>
+                <a:ea typeface="Arial Unicode MS" panose="020B0604020202020204" pitchFamily="50" charset="-127"/>
+                <a:cs typeface="Arial Unicode MS" panose="020B0604020202020204" pitchFamily="50" charset="-127"/>
+              </a:rPr>
+              <a:t>1</a:t>
+            </a:r>
+            <a:r>
+              <a:rPr lang="en-US" altLang="ko-KR" sz="4000" b="1" baseline="30000" dirty="0">
+                <a:latin typeface="Arial Unicode MS" panose="020B0604020202020204" pitchFamily="50" charset="-127"/>
+                <a:ea typeface="Arial Unicode MS" panose="020B0604020202020204" pitchFamily="50" charset="-127"/>
+                <a:cs typeface="Arial Unicode MS" panose="020B0604020202020204" pitchFamily="50" charset="-127"/>
+              </a:rPr>
+              <a:t>st</a:t>
+            </a:r>
+            <a:r>
+              <a:rPr lang="en-US" altLang="ko-KR" sz="4000" b="1" dirty="0">
+                <a:latin typeface="Arial Unicode MS" panose="020B0604020202020204" pitchFamily="50" charset="-127"/>
+                <a:ea typeface="Arial Unicode MS" panose="020B0604020202020204" pitchFamily="50" charset="-127"/>
+                <a:cs typeface="Arial Unicode MS" panose="020B0604020202020204" pitchFamily="50" charset="-127"/>
+              </a:rPr>
+              <a:t>-EXP, </a:t>
+            </a:r>
+            <a:r>
+              <a:rPr lang="en-US" altLang="ko-KR" sz="4000" b="1" dirty="0">
+                <a:solidFill>
+                  <a:srgbClr val="FF0000"/>
+                </a:solidFill>
+                <a:latin typeface="Arial Unicode MS" panose="020B0604020202020204" pitchFamily="50" charset="-127"/>
+                <a:ea typeface="Arial Unicode MS" panose="020B0604020202020204" pitchFamily="50" charset="-127"/>
+                <a:cs typeface="Arial Unicode MS" panose="020B0604020202020204" pitchFamily="50" charset="-127"/>
+              </a:rPr>
+              <a:t>different h</a:t>
+            </a:r>
+            <a:endParaRPr lang="ko-KR" altLang="en-US" sz="4000" b="1" dirty="0">
+              <a:solidFill>
+                <a:srgbClr val="FF0000"/>
+              </a:solidFill>
               <a:latin typeface="Arial Unicode MS" panose="020B0604020202020204" pitchFamily="50" charset="-127"/>
               <a:ea typeface="Arial Unicode MS" panose="020B0604020202020204" pitchFamily="50" charset="-127"/>
               <a:cs typeface="Arial Unicode MS" panose="020B0604020202020204" pitchFamily="50" charset="-127"/>
@@ -7355,10 +7953,10 @@
       </p:grpSp>
       <p:sp>
         <p:nvSpPr>
-          <p:cNvPr id="2" name="TextBox 1">
-            <a:extLst>
-              <a:ext uri="{FF2B5EF4-FFF2-40B4-BE49-F238E27FC236}">
-                <a16:creationId xmlns:a16="http://schemas.microsoft.com/office/drawing/2014/main" id="{2DBD04E3-9EC2-05E7-E63E-21975BDAF38E}"/>
+          <p:cNvPr id="4" name="TextBox 3">
+            <a:extLst>
+              <a:ext uri="{FF2B5EF4-FFF2-40B4-BE49-F238E27FC236}">
+                <a16:creationId xmlns:a16="http://schemas.microsoft.com/office/drawing/2014/main" id="{264DDDCF-FD89-B702-B57E-0CFABA5DBB1A}"/>
               </a:ext>
             </a:extLst>
           </p:cNvPr>
@@ -7367,8 +7965,8 @@
         </p:nvSpPr>
         <p:spPr>
           <a:xfrm>
-            <a:off x="5396574" y="385780"/>
-            <a:ext cx="1398851" cy="523220"/>
+            <a:off x="1208549" y="101592"/>
+            <a:ext cx="9774901" cy="1323439"/>
           </a:xfrm>
           <a:prstGeom prst="rect">
             <a:avLst/>
@@ -7383,14 +7981,96 @@
           <a:p>
             <a:pPr algn="ctr"/>
             <a:r>
-              <a:rPr lang="en-US" altLang="ko-KR" sz="2800" b="1" dirty="0">
+              <a:rPr lang="en-US" altLang="ko-KR" sz="4000" b="1" dirty="0">
+                <a:solidFill>
+                  <a:srgbClr val="FF0000"/>
+                </a:solidFill>
                 <a:latin typeface="Arial Unicode MS" panose="020B0604020202020204" pitchFamily="50" charset="-127"/>
                 <a:ea typeface="Arial Unicode MS" panose="020B0604020202020204" pitchFamily="50" charset="-127"/>
                 <a:cs typeface="Arial Unicode MS" panose="020B0604020202020204" pitchFamily="50" charset="-127"/>
               </a:rPr>
-              <a:t>un 2nd</a:t>
-            </a:r>
-            <a:endParaRPr lang="ko-KR" altLang="en-US" sz="2800" b="1" dirty="0">
+              <a:t>U</a:t>
+            </a:r>
+            <a:r>
+              <a:rPr lang="en-US" altLang="ko-KR" sz="4000" b="1" dirty="0">
+                <a:latin typeface="Arial Unicode MS" panose="020B0604020202020204" pitchFamily="50" charset="-127"/>
+                <a:ea typeface="Arial Unicode MS" panose="020B0604020202020204" pitchFamily="50" charset="-127"/>
+                <a:cs typeface="Arial Unicode MS" panose="020B0604020202020204" pitchFamily="50" charset="-127"/>
+              </a:rPr>
+              <a:t>p Position-</a:t>
+            </a:r>
+            <a:r>
+              <a:rPr lang="en-US" altLang="ko-KR" sz="4000" b="1" dirty="0">
+                <a:solidFill>
+                  <a:srgbClr val="FF0000"/>
+                </a:solidFill>
+                <a:latin typeface="Arial Unicode MS" panose="020B0604020202020204" pitchFamily="50" charset="-127"/>
+                <a:ea typeface="Arial Unicode MS" panose="020B0604020202020204" pitchFamily="50" charset="-127"/>
+                <a:cs typeface="Arial Unicode MS" panose="020B0604020202020204" pitchFamily="50" charset="-127"/>
+              </a:rPr>
+              <a:t>N</a:t>
+            </a:r>
+            <a:r>
+              <a:rPr lang="en-US" altLang="ko-KR" sz="4000" b="1" dirty="0">
+                <a:latin typeface="Arial Unicode MS" panose="020B0604020202020204" pitchFamily="50" charset="-127"/>
+                <a:ea typeface="Arial Unicode MS" panose="020B0604020202020204" pitchFamily="50" charset="-127"/>
+                <a:cs typeface="Arial Unicode MS" panose="020B0604020202020204" pitchFamily="50" charset="-127"/>
+              </a:rPr>
+              <a:t>egative Pressure </a:t>
+            </a:r>
+            <a:r>
+              <a:rPr lang="en-US" altLang="ko-KR" sz="4000" b="1" dirty="0">
+                <a:solidFill>
+                  <a:srgbClr val="FF0000"/>
+                </a:solidFill>
+                <a:latin typeface="Arial Unicode MS" panose="020B0604020202020204" pitchFamily="50" charset="-127"/>
+                <a:ea typeface="Arial Unicode MS" panose="020B0604020202020204" pitchFamily="50" charset="-127"/>
+                <a:cs typeface="Arial Unicode MS" panose="020B0604020202020204" pitchFamily="50" charset="-127"/>
+              </a:rPr>
+              <a:t>(UN)</a:t>
+            </a:r>
+          </a:p>
+          <a:p>
+            <a:pPr algn="ctr"/>
+            <a:r>
+              <a:rPr lang="en-US" altLang="ko-KR" sz="4000" b="1" dirty="0">
+                <a:latin typeface="Arial Unicode MS" panose="020B0604020202020204" pitchFamily="50" charset="-127"/>
+                <a:ea typeface="Arial Unicode MS" panose="020B0604020202020204" pitchFamily="50" charset="-127"/>
+                <a:cs typeface="Arial Unicode MS" panose="020B0604020202020204" pitchFamily="50" charset="-127"/>
+              </a:rPr>
+              <a:t>2</a:t>
+            </a:r>
+            <a:r>
+              <a:rPr lang="en-US" altLang="ko-KR" sz="4000" b="1" baseline="30000" dirty="0">
+                <a:latin typeface="Arial Unicode MS" panose="020B0604020202020204" pitchFamily="50" charset="-127"/>
+                <a:ea typeface="Arial Unicode MS" panose="020B0604020202020204" pitchFamily="50" charset="-127"/>
+                <a:cs typeface="Arial Unicode MS" panose="020B0604020202020204" pitchFamily="50" charset="-127"/>
+              </a:rPr>
+              <a:t>nd</a:t>
+            </a:r>
+            <a:r>
+              <a:rPr lang="en-US" altLang="ko-KR" sz="4000" b="1" dirty="0">
+                <a:latin typeface="Arial Unicode MS" panose="020B0604020202020204" pitchFamily="50" charset="-127"/>
+                <a:ea typeface="Arial Unicode MS" panose="020B0604020202020204" pitchFamily="50" charset="-127"/>
+                <a:cs typeface="Arial Unicode MS" panose="020B0604020202020204" pitchFamily="50" charset="-127"/>
+              </a:rPr>
+              <a:t>-EXP, </a:t>
+            </a:r>
+            <a:r>
+              <a:rPr lang="en-US" altLang="ko-KR" sz="4000" b="1" dirty="0">
+                <a:solidFill>
+                  <a:srgbClr val="FF0000"/>
+                </a:solidFill>
+                <a:latin typeface="Arial Unicode MS" panose="020B0604020202020204" pitchFamily="50" charset="-127"/>
+                <a:ea typeface="Arial Unicode MS" panose="020B0604020202020204" pitchFamily="50" charset="-127"/>
+                <a:cs typeface="Arial Unicode MS" panose="020B0604020202020204" pitchFamily="50" charset="-127"/>
+              </a:rPr>
+              <a:t>different h</a:t>
+            </a:r>
+            <a:endParaRPr lang="ko-KR" altLang="en-US" sz="4000" b="1" dirty="0">
+              <a:solidFill>
+                <a:srgbClr val="FF0000"/>
+              </a:solidFill>
               <a:latin typeface="Arial Unicode MS" panose="020B0604020202020204" pitchFamily="50" charset="-127"/>
               <a:ea typeface="Arial Unicode MS" panose="020B0604020202020204" pitchFamily="50" charset="-127"/>
               <a:cs typeface="Arial Unicode MS" panose="020B0604020202020204" pitchFamily="50" charset="-127"/>
@@ -7655,10 +8335,10 @@
       </p:pic>
       <p:sp>
         <p:nvSpPr>
-          <p:cNvPr id="8" name="TextBox 7">
-            <a:extLst>
-              <a:ext uri="{FF2B5EF4-FFF2-40B4-BE49-F238E27FC236}">
-                <a16:creationId xmlns:a16="http://schemas.microsoft.com/office/drawing/2014/main" id="{4B90E248-5F19-8EF0-49DA-017D30E63B23}"/>
+          <p:cNvPr id="10" name="TextBox 9">
+            <a:extLst>
+              <a:ext uri="{FF2B5EF4-FFF2-40B4-BE49-F238E27FC236}">
+                <a16:creationId xmlns:a16="http://schemas.microsoft.com/office/drawing/2014/main" id="{EF45C766-FFD8-D919-C4A2-A2BF59E6928B}"/>
               </a:ext>
             </a:extLst>
           </p:cNvPr>
@@ -7667,8 +8347,8 @@
         </p:nvSpPr>
         <p:spPr>
           <a:xfrm>
-            <a:off x="5396574" y="290767"/>
-            <a:ext cx="1398851" cy="523220"/>
+            <a:off x="1208549" y="101592"/>
+            <a:ext cx="9774901" cy="1323439"/>
           </a:xfrm>
           <a:prstGeom prst="rect">
             <a:avLst/>
@@ -7683,22 +8363,96 @@
           <a:p>
             <a:pPr algn="ctr"/>
             <a:r>
-              <a:rPr lang="en-US" altLang="ko-KR" sz="2800" b="1" dirty="0" err="1">
+              <a:rPr lang="en-US" altLang="ko-KR" sz="4000" b="1" dirty="0">
+                <a:solidFill>
+                  <a:srgbClr val="00B0F0"/>
+                </a:solidFill>
                 <a:latin typeface="Arial Unicode MS" panose="020B0604020202020204" pitchFamily="50" charset="-127"/>
                 <a:ea typeface="Arial Unicode MS" panose="020B0604020202020204" pitchFamily="50" charset="-127"/>
                 <a:cs typeface="Arial Unicode MS" panose="020B0604020202020204" pitchFamily="50" charset="-127"/>
               </a:rPr>
-              <a:t>dp</a:t>
-            </a:r>
-            <a:r>
-              <a:rPr lang="en-US" altLang="ko-KR" sz="2800" b="1" dirty="0">
+              <a:t>D</a:t>
+            </a:r>
+            <a:r>
+              <a:rPr lang="en-US" altLang="ko-KR" sz="4000" b="1" dirty="0">
                 <a:latin typeface="Arial Unicode MS" panose="020B0604020202020204" pitchFamily="50" charset="-127"/>
                 <a:ea typeface="Arial Unicode MS" panose="020B0604020202020204" pitchFamily="50" charset="-127"/>
                 <a:cs typeface="Arial Unicode MS" panose="020B0604020202020204" pitchFamily="50" charset="-127"/>
               </a:rPr>
-              <a:t> 1st</a:t>
-            </a:r>
-            <a:endParaRPr lang="ko-KR" altLang="en-US" sz="2800" b="1" dirty="0">
+              <a:t>own Position-</a:t>
+            </a:r>
+            <a:r>
+              <a:rPr lang="en-US" altLang="ko-KR" sz="4000" b="1" dirty="0">
+                <a:solidFill>
+                  <a:srgbClr val="00B0F0"/>
+                </a:solidFill>
+                <a:latin typeface="Arial Unicode MS" panose="020B0604020202020204" pitchFamily="50" charset="-127"/>
+                <a:ea typeface="Arial Unicode MS" panose="020B0604020202020204" pitchFamily="50" charset="-127"/>
+                <a:cs typeface="Arial Unicode MS" panose="020B0604020202020204" pitchFamily="50" charset="-127"/>
+              </a:rPr>
+              <a:t>P</a:t>
+            </a:r>
+            <a:r>
+              <a:rPr lang="en-US" altLang="ko-KR" sz="4000" b="1" dirty="0">
+                <a:latin typeface="Arial Unicode MS" panose="020B0604020202020204" pitchFamily="50" charset="-127"/>
+                <a:ea typeface="Arial Unicode MS" panose="020B0604020202020204" pitchFamily="50" charset="-127"/>
+                <a:cs typeface="Arial Unicode MS" panose="020B0604020202020204" pitchFamily="50" charset="-127"/>
+              </a:rPr>
+              <a:t>ositive Pressure </a:t>
+            </a:r>
+            <a:r>
+              <a:rPr lang="en-US" altLang="ko-KR" sz="4000" b="1" dirty="0">
+                <a:solidFill>
+                  <a:srgbClr val="00B0F0"/>
+                </a:solidFill>
+                <a:latin typeface="Arial Unicode MS" panose="020B0604020202020204" pitchFamily="50" charset="-127"/>
+                <a:ea typeface="Arial Unicode MS" panose="020B0604020202020204" pitchFamily="50" charset="-127"/>
+                <a:cs typeface="Arial Unicode MS" panose="020B0604020202020204" pitchFamily="50" charset="-127"/>
+              </a:rPr>
+              <a:t>(DP)</a:t>
+            </a:r>
+          </a:p>
+          <a:p>
+            <a:pPr algn="ctr"/>
+            <a:r>
+              <a:rPr lang="en-US" altLang="ko-KR" sz="4000" b="1" dirty="0">
+                <a:latin typeface="Arial Unicode MS" panose="020B0604020202020204" pitchFamily="50" charset="-127"/>
+                <a:ea typeface="Arial Unicode MS" panose="020B0604020202020204" pitchFamily="50" charset="-127"/>
+                <a:cs typeface="Arial Unicode MS" panose="020B0604020202020204" pitchFamily="50" charset="-127"/>
+              </a:rPr>
+              <a:t>1</a:t>
+            </a:r>
+            <a:r>
+              <a:rPr lang="en-US" altLang="ko-KR" sz="4000" b="1" baseline="30000" dirty="0">
+                <a:latin typeface="Arial Unicode MS" panose="020B0604020202020204" pitchFamily="50" charset="-127"/>
+                <a:ea typeface="Arial Unicode MS" panose="020B0604020202020204" pitchFamily="50" charset="-127"/>
+                <a:cs typeface="Arial Unicode MS" panose="020B0604020202020204" pitchFamily="50" charset="-127"/>
+              </a:rPr>
+              <a:t>st</a:t>
+            </a:r>
+            <a:r>
+              <a:rPr lang="en-US" altLang="ko-KR" sz="4000" b="1" dirty="0">
+                <a:latin typeface="Arial Unicode MS" panose="020B0604020202020204" pitchFamily="50" charset="-127"/>
+                <a:ea typeface="Arial Unicode MS" panose="020B0604020202020204" pitchFamily="50" charset="-127"/>
+                <a:cs typeface="Arial Unicode MS" panose="020B0604020202020204" pitchFamily="50" charset="-127"/>
+              </a:rPr>
+              <a:t>-EXP, </a:t>
+            </a:r>
+            <a:r>
+              <a:rPr lang="en-US" altLang="ko-KR" sz="4000" b="1" dirty="0">
+                <a:solidFill>
+                  <a:srgbClr val="00B0F0"/>
+                </a:solidFill>
+                <a:latin typeface="Arial Unicode MS" panose="020B0604020202020204" pitchFamily="50" charset="-127"/>
+                <a:ea typeface="Arial Unicode MS" panose="020B0604020202020204" pitchFamily="50" charset="-127"/>
+                <a:cs typeface="Arial Unicode MS" panose="020B0604020202020204" pitchFamily="50" charset="-127"/>
+              </a:rPr>
+              <a:t>different h</a:t>
+            </a:r>
+            <a:endParaRPr lang="ko-KR" altLang="en-US" sz="4000" b="1" dirty="0">
+              <a:solidFill>
+                <a:srgbClr val="00B0F0"/>
+              </a:solidFill>
               <a:latin typeface="Arial Unicode MS" panose="020B0604020202020204" pitchFamily="50" charset="-127"/>
               <a:ea typeface="Arial Unicode MS" panose="020B0604020202020204" pitchFamily="50" charset="-127"/>
               <a:cs typeface="Arial Unicode MS" panose="020B0604020202020204" pitchFamily="50" charset="-127"/>
@@ -7963,10 +8717,10 @@
       </p:pic>
       <p:sp>
         <p:nvSpPr>
-          <p:cNvPr id="8" name="TextBox 7">
-            <a:extLst>
-              <a:ext uri="{FF2B5EF4-FFF2-40B4-BE49-F238E27FC236}">
-                <a16:creationId xmlns:a16="http://schemas.microsoft.com/office/drawing/2014/main" id="{44229F80-5AB1-E15A-3CD8-36E10C7CCF96}"/>
+          <p:cNvPr id="9" name="TextBox 8">
+            <a:extLst>
+              <a:ext uri="{FF2B5EF4-FFF2-40B4-BE49-F238E27FC236}">
+                <a16:creationId xmlns:a16="http://schemas.microsoft.com/office/drawing/2014/main" id="{6A515159-E6B5-76BF-54DE-7D15F76F0F9E}"/>
               </a:ext>
             </a:extLst>
           </p:cNvPr>
@@ -7975,8 +8729,8 @@
         </p:nvSpPr>
         <p:spPr>
           <a:xfrm>
-            <a:off x="5396574" y="281277"/>
-            <a:ext cx="1398851" cy="523220"/>
+            <a:off x="1208549" y="101592"/>
+            <a:ext cx="9774901" cy="1323439"/>
           </a:xfrm>
           <a:prstGeom prst="rect">
             <a:avLst/>
@@ -7991,14 +8745,96 @@
           <a:p>
             <a:pPr algn="ctr"/>
             <a:r>
-              <a:rPr lang="en-US" altLang="ko-KR" sz="2800" b="1" dirty="0">
+              <a:rPr lang="en-US" altLang="ko-KR" sz="4000" b="1" dirty="0">
+                <a:solidFill>
+                  <a:srgbClr val="FF0000"/>
+                </a:solidFill>
                 <a:latin typeface="Arial Unicode MS" panose="020B0604020202020204" pitchFamily="50" charset="-127"/>
                 <a:ea typeface="Arial Unicode MS" panose="020B0604020202020204" pitchFamily="50" charset="-127"/>
                 <a:cs typeface="Arial Unicode MS" panose="020B0604020202020204" pitchFamily="50" charset="-127"/>
               </a:rPr>
-              <a:t>up 1st</a:t>
-            </a:r>
-            <a:endParaRPr lang="ko-KR" altLang="en-US" sz="2800" b="1" dirty="0">
+              <a:t>U</a:t>
+            </a:r>
+            <a:r>
+              <a:rPr lang="en-US" altLang="ko-KR" sz="4000" b="1" dirty="0">
+                <a:latin typeface="Arial Unicode MS" panose="020B0604020202020204" pitchFamily="50" charset="-127"/>
+                <a:ea typeface="Arial Unicode MS" panose="020B0604020202020204" pitchFamily="50" charset="-127"/>
+                <a:cs typeface="Arial Unicode MS" panose="020B0604020202020204" pitchFamily="50" charset="-127"/>
+              </a:rPr>
+              <a:t>p Position-</a:t>
+            </a:r>
+            <a:r>
+              <a:rPr lang="en-US" altLang="ko-KR" sz="4000" b="1" dirty="0">
+                <a:solidFill>
+                  <a:srgbClr val="FF0000"/>
+                </a:solidFill>
+                <a:latin typeface="Arial Unicode MS" panose="020B0604020202020204" pitchFamily="50" charset="-127"/>
+                <a:ea typeface="Arial Unicode MS" panose="020B0604020202020204" pitchFamily="50" charset="-127"/>
+                <a:cs typeface="Arial Unicode MS" panose="020B0604020202020204" pitchFamily="50" charset="-127"/>
+              </a:rPr>
+              <a:t>P</a:t>
+            </a:r>
+            <a:r>
+              <a:rPr lang="en-US" altLang="ko-KR" sz="4000" b="1" dirty="0">
+                <a:latin typeface="Arial Unicode MS" panose="020B0604020202020204" pitchFamily="50" charset="-127"/>
+                <a:ea typeface="Arial Unicode MS" panose="020B0604020202020204" pitchFamily="50" charset="-127"/>
+                <a:cs typeface="Arial Unicode MS" panose="020B0604020202020204" pitchFamily="50" charset="-127"/>
+              </a:rPr>
+              <a:t>ositive Pressure </a:t>
+            </a:r>
+            <a:r>
+              <a:rPr lang="en-US" altLang="ko-KR" sz="4000" b="1" dirty="0">
+                <a:solidFill>
+                  <a:srgbClr val="FF0000"/>
+                </a:solidFill>
+                <a:latin typeface="Arial Unicode MS" panose="020B0604020202020204" pitchFamily="50" charset="-127"/>
+                <a:ea typeface="Arial Unicode MS" panose="020B0604020202020204" pitchFamily="50" charset="-127"/>
+                <a:cs typeface="Arial Unicode MS" panose="020B0604020202020204" pitchFamily="50" charset="-127"/>
+              </a:rPr>
+              <a:t>(UP)</a:t>
+            </a:r>
+          </a:p>
+          <a:p>
+            <a:pPr algn="ctr"/>
+            <a:r>
+              <a:rPr lang="en-US" altLang="ko-KR" sz="4000" b="1" dirty="0">
+                <a:latin typeface="Arial Unicode MS" panose="020B0604020202020204" pitchFamily="50" charset="-127"/>
+                <a:ea typeface="Arial Unicode MS" panose="020B0604020202020204" pitchFamily="50" charset="-127"/>
+                <a:cs typeface="Arial Unicode MS" panose="020B0604020202020204" pitchFamily="50" charset="-127"/>
+              </a:rPr>
+              <a:t>1</a:t>
+            </a:r>
+            <a:r>
+              <a:rPr lang="en-US" altLang="ko-KR" sz="4000" b="1" baseline="30000" dirty="0">
+                <a:latin typeface="Arial Unicode MS" panose="020B0604020202020204" pitchFamily="50" charset="-127"/>
+                <a:ea typeface="Arial Unicode MS" panose="020B0604020202020204" pitchFamily="50" charset="-127"/>
+                <a:cs typeface="Arial Unicode MS" panose="020B0604020202020204" pitchFamily="50" charset="-127"/>
+              </a:rPr>
+              <a:t>st</a:t>
+            </a:r>
+            <a:r>
+              <a:rPr lang="en-US" altLang="ko-KR" sz="4000" b="1" dirty="0">
+                <a:latin typeface="Arial Unicode MS" panose="020B0604020202020204" pitchFamily="50" charset="-127"/>
+                <a:ea typeface="Arial Unicode MS" panose="020B0604020202020204" pitchFamily="50" charset="-127"/>
+                <a:cs typeface="Arial Unicode MS" panose="020B0604020202020204" pitchFamily="50" charset="-127"/>
+              </a:rPr>
+              <a:t>-EXP, </a:t>
+            </a:r>
+            <a:r>
+              <a:rPr lang="en-US" altLang="ko-KR" sz="4000" b="1" dirty="0">
+                <a:solidFill>
+                  <a:srgbClr val="FF0000"/>
+                </a:solidFill>
+                <a:latin typeface="Arial Unicode MS" panose="020B0604020202020204" pitchFamily="50" charset="-127"/>
+                <a:ea typeface="Arial Unicode MS" panose="020B0604020202020204" pitchFamily="50" charset="-127"/>
+                <a:cs typeface="Arial Unicode MS" panose="020B0604020202020204" pitchFamily="50" charset="-127"/>
+              </a:rPr>
+              <a:t>different h</a:t>
+            </a:r>
+            <a:endParaRPr lang="ko-KR" altLang="en-US" sz="4000" b="1" dirty="0">
+              <a:solidFill>
+                <a:srgbClr val="FF0000"/>
+              </a:solidFill>
               <a:latin typeface="Arial Unicode MS" panose="020B0604020202020204" pitchFamily="50" charset="-127"/>
               <a:ea typeface="Arial Unicode MS" panose="020B0604020202020204" pitchFamily="50" charset="-127"/>
               <a:cs typeface="Arial Unicode MS" panose="020B0604020202020204" pitchFamily="50" charset="-127"/>

--- a/LabLog.pptx
+++ b/LabLog.pptx
@@ -141,18 +141,18 @@
   <pc:docChgLst>
     <pc:chgData name="민서 오" userId="7d89e7b822021c56" providerId="LiveId" clId="{B85301CE-5477-420D-98B8-2A5B4FD7B43E}"/>
     <pc:docChg chg="undo custSel addSld delSld modSld">
-      <pc:chgData name="민서 오" userId="7d89e7b822021c56" providerId="LiveId" clId="{B85301CE-5477-420D-98B8-2A5B4FD7B43E}" dt="2024-08-09T09:27:39.832" v="347" actId="1076"/>
+      <pc:chgData name="민서 오" userId="7d89e7b822021c56" providerId="LiveId" clId="{B85301CE-5477-420D-98B8-2A5B4FD7B43E}" dt="2024-08-13T05:51:24.968" v="423" actId="20577"/>
       <pc:docMkLst>
         <pc:docMk/>
       </pc:docMkLst>
       <pc:sldChg chg="modSp add del mod">
-        <pc:chgData name="민서 오" userId="7d89e7b822021c56" providerId="LiveId" clId="{B85301CE-5477-420D-98B8-2A5B4FD7B43E}" dt="2024-08-09T04:24:46.880" v="87" actId="13926"/>
+        <pc:chgData name="민서 오" userId="7d89e7b822021c56" providerId="LiveId" clId="{B85301CE-5477-420D-98B8-2A5B4FD7B43E}" dt="2024-08-13T05:51:24.968" v="423" actId="20577"/>
         <pc:sldMkLst>
           <pc:docMk/>
           <pc:sldMk cId="0" sldId="256"/>
         </pc:sldMkLst>
         <pc:spChg chg="mod">
-          <ac:chgData name="민서 오" userId="7d89e7b822021c56" providerId="LiveId" clId="{B85301CE-5477-420D-98B8-2A5B4FD7B43E}" dt="2024-08-09T04:24:46.880" v="87" actId="13926"/>
+          <ac:chgData name="민서 오" userId="7d89e7b822021c56" providerId="LiveId" clId="{B85301CE-5477-420D-98B8-2A5B4FD7B43E}" dt="2024-08-13T05:51:24.968" v="423" actId="20577"/>
           <ac:spMkLst>
             <pc:docMk/>
             <pc:sldMk cId="0" sldId="256"/>
@@ -770,7 +770,7 @@
           <a:p>
             <a:fld id="{843012E4-EA86-4BA1-A56C-00CD16D7F17B}" type="datetimeFigureOut">
               <a:rPr lang="ko-KR" altLang="en-US" smtClean="0"/>
-              <a:t>2024-08-09</a:t>
+              <a:t>2024-08-13</a:t>
             </a:fld>
             <a:endParaRPr lang="ko-KR" altLang="en-US"/>
           </a:p>
@@ -968,7 +968,7 @@
           <a:p>
             <a:fld id="{843012E4-EA86-4BA1-A56C-00CD16D7F17B}" type="datetimeFigureOut">
               <a:rPr lang="ko-KR" altLang="en-US" smtClean="0"/>
-              <a:t>2024-08-09</a:t>
+              <a:t>2024-08-13</a:t>
             </a:fld>
             <a:endParaRPr lang="ko-KR" altLang="en-US"/>
           </a:p>
@@ -1176,7 +1176,7 @@
           <a:p>
             <a:fld id="{843012E4-EA86-4BA1-A56C-00CD16D7F17B}" type="datetimeFigureOut">
               <a:rPr lang="ko-KR" altLang="en-US" smtClean="0"/>
-              <a:t>2024-08-09</a:t>
+              <a:t>2024-08-13</a:t>
             </a:fld>
             <a:endParaRPr lang="ko-KR" altLang="en-US"/>
           </a:p>
@@ -1374,7 +1374,7 @@
           <a:p>
             <a:fld id="{843012E4-EA86-4BA1-A56C-00CD16D7F17B}" type="datetimeFigureOut">
               <a:rPr lang="ko-KR" altLang="en-US" smtClean="0"/>
-              <a:t>2024-08-09</a:t>
+              <a:t>2024-08-13</a:t>
             </a:fld>
             <a:endParaRPr lang="ko-KR" altLang="en-US"/>
           </a:p>
@@ -1649,7 +1649,7 @@
           <a:p>
             <a:fld id="{843012E4-EA86-4BA1-A56C-00CD16D7F17B}" type="datetimeFigureOut">
               <a:rPr lang="ko-KR" altLang="en-US" smtClean="0"/>
-              <a:t>2024-08-09</a:t>
+              <a:t>2024-08-13</a:t>
             </a:fld>
             <a:endParaRPr lang="ko-KR" altLang="en-US"/>
           </a:p>
@@ -1914,7 +1914,7 @@
           <a:p>
             <a:fld id="{843012E4-EA86-4BA1-A56C-00CD16D7F17B}" type="datetimeFigureOut">
               <a:rPr lang="ko-KR" altLang="en-US" smtClean="0"/>
-              <a:t>2024-08-09</a:t>
+              <a:t>2024-08-13</a:t>
             </a:fld>
             <a:endParaRPr lang="ko-KR" altLang="en-US"/>
           </a:p>
@@ -2326,7 +2326,7 @@
           <a:p>
             <a:fld id="{843012E4-EA86-4BA1-A56C-00CD16D7F17B}" type="datetimeFigureOut">
               <a:rPr lang="ko-KR" altLang="en-US" smtClean="0"/>
-              <a:t>2024-08-09</a:t>
+              <a:t>2024-08-13</a:t>
             </a:fld>
             <a:endParaRPr lang="ko-KR" altLang="en-US"/>
           </a:p>
@@ -2467,7 +2467,7 @@
           <a:p>
             <a:fld id="{843012E4-EA86-4BA1-A56C-00CD16D7F17B}" type="datetimeFigureOut">
               <a:rPr lang="ko-KR" altLang="en-US" smtClean="0"/>
-              <a:t>2024-08-09</a:t>
+              <a:t>2024-08-13</a:t>
             </a:fld>
             <a:endParaRPr lang="ko-KR" altLang="en-US"/>
           </a:p>
@@ -2580,7 +2580,7 @@
           <a:p>
             <a:fld id="{843012E4-EA86-4BA1-A56C-00CD16D7F17B}" type="datetimeFigureOut">
               <a:rPr lang="ko-KR" altLang="en-US" smtClean="0"/>
-              <a:t>2024-08-09</a:t>
+              <a:t>2024-08-13</a:t>
             </a:fld>
             <a:endParaRPr lang="ko-KR" altLang="en-US"/>
           </a:p>
@@ -2891,7 +2891,7 @@
           <a:p>
             <a:fld id="{843012E4-EA86-4BA1-A56C-00CD16D7F17B}" type="datetimeFigureOut">
               <a:rPr lang="ko-KR" altLang="en-US" smtClean="0"/>
-              <a:t>2024-08-09</a:t>
+              <a:t>2024-08-13</a:t>
             </a:fld>
             <a:endParaRPr lang="ko-KR" altLang="en-US"/>
           </a:p>
@@ -3179,7 +3179,7 @@
           <a:p>
             <a:fld id="{843012E4-EA86-4BA1-A56C-00CD16D7F17B}" type="datetimeFigureOut">
               <a:rPr lang="ko-KR" altLang="en-US" smtClean="0"/>
-              <a:t>2024-08-09</a:t>
+              <a:t>2024-08-13</a:t>
             </a:fld>
             <a:endParaRPr lang="ko-KR" altLang="en-US"/>
           </a:p>
@@ -3420,7 +3420,7 @@
           <a:p>
             <a:fld id="{843012E4-EA86-4BA1-A56C-00CD16D7F17B}" type="datetimeFigureOut">
               <a:rPr lang="ko-KR" altLang="en-US" smtClean="0"/>
-              <a:t>2024-08-09</a:t>
+              <a:t>2024-08-13</a:t>
             </a:fld>
             <a:endParaRPr lang="ko-KR" altLang="en-US"/>
           </a:p>
@@ -3956,6 +3956,36 @@
               <a:buNone/>
               <a:defRPr/>
             </a:pPr>
+            <a:r>
+              <a:rPr lang="ko-KR" altLang="en-US" sz="3000" b="1" dirty="0"/>
+              <a:t>기준 </a:t>
+            </a:r>
+            <a:r>
+              <a:rPr lang="en-US" altLang="ko-KR" sz="3000" b="1" dirty="0"/>
+              <a:t>12</a:t>
+            </a:r>
+            <a:r>
+              <a:rPr lang="ko-KR" altLang="en-US" sz="3000" b="1" dirty="0"/>
+              <a:t>각형</a:t>
+            </a:r>
+            <a:r>
+              <a:rPr lang="en-US" altLang="ko-KR" sz="3000" b="1" dirty="0"/>
+              <a:t>, </a:t>
+            </a:r>
+            <a:r>
+              <a:rPr lang="ko-KR" altLang="en-US" sz="3000" b="1" dirty="0"/>
+              <a:t>몇 단위로 </a:t>
+            </a:r>
+            <a:r>
+              <a:rPr lang="en-US" altLang="ko-KR" sz="3000" b="1"/>
+              <a:t>2or3?</a:t>
+            </a:r>
+          </a:p>
+          <a:p>
+            <a:pPr marL="0" indent="0">
+              <a:buNone/>
+              <a:defRPr/>
+            </a:pPr>
             <a:endParaRPr lang="en-US" altLang="ko-KR" sz="3000" b="1" dirty="0"/>
           </a:p>
           <a:p>
@@ -3989,31 +4019,7 @@
                   <a:srgbClr val="FFFF00"/>
                 </a:highlight>
               </a:rPr>
-              <a:t>18, </a:t>
-            </a:r>
-            <a:r>
-              <a:rPr lang="en-US" altLang="ko-KR" sz="3000" b="1" dirty="0"/>
-              <a:t>21, </a:t>
-            </a:r>
-            <a:r>
-              <a:rPr lang="en-US" altLang="ko-KR" sz="3000" b="1" dirty="0">
-                <a:highlight>
-                  <a:srgbClr val="FFFF00"/>
-                </a:highlight>
-              </a:rPr>
-              <a:t>24, </a:t>
-            </a:r>
-            <a:r>
-              <a:rPr lang="en-US" altLang="ko-KR" sz="3000" b="1" dirty="0"/>
-              <a:t>27, 30, </a:t>
-            </a:r>
-            <a:r>
-              <a:rPr lang="en-US" altLang="ko-KR" sz="3000" b="1" dirty="0">
-                <a:highlight>
-                  <a:srgbClr val="FFFF00"/>
-                </a:highlight>
-              </a:rPr>
-              <a:t>33mm</a:t>
+              <a:t>18, 21, 24, 27, 30, 33mm</a:t>
             </a:r>
           </a:p>
           <a:p>
@@ -4091,7 +4097,7 @@
     <mc:Choice Requires="p14">
       <p:transition/>
     </mc:Choice>
-    <mc:Fallback xmlns="" xmlns:c="http://schemas.openxmlformats.org/drawingml/2006/chart" xmlns:dgm="http://schemas.openxmlformats.org/drawingml/2006/diagram" xmlns:dsp="http://schemas.microsoft.com/office/drawing/2008/diagram">
+    <mc:Fallback xmlns:dsp="http://schemas.microsoft.com/office/drawing/2008/diagram" xmlns:dgm="http://schemas.openxmlformats.org/drawingml/2006/diagram" xmlns:c="http://schemas.openxmlformats.org/drawingml/2006/chart" xmlns="">
       <p:transition/>
     </mc:Fallback>
   </mc:AlternateContent>
